--- a/Présentation.pptx
+++ b/Présentation.pptx
@@ -4,16 +4,22 @@
   <p:sldMasterIdLst>
     <p:sldMasterId id="2147483648" r:id="rId1"/>
   </p:sldMasterIdLst>
+  <p:notesMasterIdLst>
+    <p:notesMasterId r:id="rId14"/>
+  </p:notesMasterIdLst>
   <p:sldIdLst>
-    <p:sldId id="256" r:id="rId2"/>
-    <p:sldId id="257" r:id="rId3"/>
-    <p:sldId id="258" r:id="rId4"/>
-    <p:sldId id="262" r:id="rId5"/>
-    <p:sldId id="260" r:id="rId6"/>
-    <p:sldId id="261" r:id="rId7"/>
-    <p:sldId id="263" r:id="rId8"/>
-    <p:sldId id="264" r:id="rId9"/>
-    <p:sldId id="265" r:id="rId10"/>
+    <p:sldId id="268" r:id="rId2"/>
+    <p:sldId id="256" r:id="rId3"/>
+    <p:sldId id="257" r:id="rId4"/>
+    <p:sldId id="258" r:id="rId5"/>
+    <p:sldId id="262" r:id="rId6"/>
+    <p:sldId id="260" r:id="rId7"/>
+    <p:sldId id="261" r:id="rId8"/>
+    <p:sldId id="263" r:id="rId9"/>
+    <p:sldId id="264" r:id="rId10"/>
+    <p:sldId id="269" r:id="rId11"/>
+    <p:sldId id="266" r:id="rId12"/>
+    <p:sldId id="265" r:id="rId13"/>
   </p:sldIdLst>
   <p:sldSz cx="12192000" cy="6858000"/>
   <p:notesSz cx="6858000" cy="9144000"/>
@@ -112,6 +118,11 @@
       </a:defRPr>
     </a:lvl9pPr>
   </p:defaultTextStyle>
+  <p:extLst>
+    <p:ext uri="{EFAFB233-063F-42B5-8137-9DF3F51BA10A}">
+      <p15:sldGuideLst xmlns:p15="http://schemas.microsoft.com/office/powerpoint/2012/main"/>
+    </p:ext>
+  </p:extLst>
 </p:presentation>
 </file>
 
@@ -296,7 +307,7 @@
         <a:lstStyle/>
         <a:p>
           <a:pPr>
-            <a:defRPr sz="1197" b="0" i="0" u="none" strike="noStrike" kern="1200" baseline="0">
+            <a:defRPr sz="1400" b="0" i="0" u="none" strike="noStrike" kern="1200" baseline="0">
               <a:solidFill>
                 <a:schemeClr val="tx1">
                   <a:lumMod val="65000"/>
@@ -3692,6 +3703,759 @@
 </dgm:colorsDef>
 </file>
 
+<file path=ppt/diagrams/colors4.xml><?xml version="1.0" encoding="utf-8"?>
+<dgm:colorsDef xmlns:dgm="http://schemas.openxmlformats.org/drawingml/2006/diagram" xmlns:a="http://schemas.openxmlformats.org/drawingml/2006/main" uniqueId="urn:microsoft.com/office/officeart/2018/5/colors/Iconchunking_neutralicon_accent0_3">
+  <dgm:title val=""/>
+  <dgm:desc val=""/>
+  <dgm:catLst>
+    <dgm:cat type="mainScheme" pri="10300"/>
+  </dgm:catLst>
+  <dgm:styleLbl name="node0">
+    <dgm:fillClrLst meth="repeat">
+      <a:schemeClr val="dk2"/>
+    </dgm:fillClrLst>
+    <dgm:linClrLst meth="repeat">
+      <a:schemeClr val="lt2"/>
+    </dgm:linClrLst>
+    <dgm:effectClrLst/>
+    <dgm:txLinClrLst/>
+    <dgm:txFillClrLst/>
+    <dgm:txEffectClrLst/>
+  </dgm:styleLbl>
+  <dgm:styleLbl name="alignNode1">
+    <dgm:fillClrLst meth="repeat">
+      <a:schemeClr val="dk2"/>
+    </dgm:fillClrLst>
+    <dgm:linClrLst meth="repeat">
+      <a:schemeClr val="dk2"/>
+    </dgm:linClrLst>
+    <dgm:effectClrLst/>
+    <dgm:txLinClrLst/>
+    <dgm:txFillClrLst/>
+    <dgm:txEffectClrLst/>
+  </dgm:styleLbl>
+  <dgm:styleLbl name="node1">
+    <dgm:fillClrLst meth="repeat">
+      <a:schemeClr val="bg1"/>
+    </dgm:fillClrLst>
+    <dgm:linClrLst meth="repeat">
+      <a:schemeClr val="lt2">
+        <a:alpha val="0"/>
+      </a:schemeClr>
+    </dgm:linClrLst>
+    <dgm:effectClrLst/>
+    <dgm:txLinClrLst/>
+    <dgm:txFillClrLst meth="repeat">
+      <a:schemeClr val="dk1"/>
+    </dgm:txFillClrLst>
+    <dgm:txEffectClrLst/>
+  </dgm:styleLbl>
+  <dgm:styleLbl name="lnNode1">
+    <dgm:fillClrLst meth="repeat">
+      <a:schemeClr val="dk2"/>
+    </dgm:fillClrLst>
+    <dgm:linClrLst meth="repeat">
+      <a:schemeClr val="lt2"/>
+    </dgm:linClrLst>
+    <dgm:effectClrLst/>
+    <dgm:txLinClrLst/>
+    <dgm:txFillClrLst/>
+    <dgm:txEffectClrLst/>
+  </dgm:styleLbl>
+  <dgm:styleLbl name="vennNode1">
+    <dgm:fillClrLst meth="repeat">
+      <a:schemeClr val="dk2">
+        <a:alpha val="50000"/>
+      </a:schemeClr>
+    </dgm:fillClrLst>
+    <dgm:linClrLst meth="repeat">
+      <a:schemeClr val="lt2"/>
+    </dgm:linClrLst>
+    <dgm:effectClrLst/>
+    <dgm:txLinClrLst/>
+    <dgm:txFillClrLst/>
+    <dgm:txEffectClrLst/>
+  </dgm:styleLbl>
+  <dgm:styleLbl name="node2">
+    <dgm:fillClrLst meth="repeat">
+      <a:schemeClr val="dk2"/>
+    </dgm:fillClrLst>
+    <dgm:linClrLst meth="repeat">
+      <a:schemeClr val="lt2"/>
+    </dgm:linClrLst>
+    <dgm:effectClrLst/>
+    <dgm:txLinClrLst/>
+    <dgm:txFillClrLst/>
+    <dgm:txEffectClrLst/>
+  </dgm:styleLbl>
+  <dgm:styleLbl name="node3">
+    <dgm:fillClrLst meth="repeat">
+      <a:schemeClr val="dk2"/>
+    </dgm:fillClrLst>
+    <dgm:linClrLst meth="repeat">
+      <a:schemeClr val="lt2"/>
+    </dgm:linClrLst>
+    <dgm:effectClrLst/>
+    <dgm:txLinClrLst/>
+    <dgm:txFillClrLst/>
+    <dgm:txEffectClrLst/>
+  </dgm:styleLbl>
+  <dgm:styleLbl name="node4">
+    <dgm:fillClrLst meth="repeat">
+      <a:schemeClr val="dk2"/>
+    </dgm:fillClrLst>
+    <dgm:linClrLst meth="repeat">
+      <a:schemeClr val="lt2"/>
+    </dgm:linClrLst>
+    <dgm:effectClrLst/>
+    <dgm:txLinClrLst/>
+    <dgm:txFillClrLst/>
+    <dgm:txEffectClrLst/>
+  </dgm:styleLbl>
+  <dgm:styleLbl name="fgImgPlace1">
+    <dgm:fillClrLst meth="repeat">
+      <a:schemeClr val="dk2">
+        <a:tint val="50000"/>
+      </a:schemeClr>
+    </dgm:fillClrLst>
+    <dgm:linClrLst meth="repeat">
+      <a:schemeClr val="lt2"/>
+    </dgm:linClrLst>
+    <dgm:effectClrLst/>
+    <dgm:txLinClrLst/>
+    <dgm:txFillClrLst meth="repeat">
+      <a:schemeClr val="lt2"/>
+    </dgm:txFillClrLst>
+    <dgm:txEffectClrLst/>
+  </dgm:styleLbl>
+  <dgm:styleLbl name="alignImgPlace1">
+    <dgm:fillClrLst meth="repeat">
+      <a:schemeClr val="dk2">
+        <a:tint val="50000"/>
+      </a:schemeClr>
+    </dgm:fillClrLst>
+    <dgm:linClrLst meth="repeat">
+      <a:schemeClr val="dk2">
+        <a:shade val="80000"/>
+      </a:schemeClr>
+    </dgm:linClrLst>
+    <dgm:effectClrLst/>
+    <dgm:txLinClrLst/>
+    <dgm:txFillClrLst meth="repeat">
+      <a:schemeClr val="lt2"/>
+    </dgm:txFillClrLst>
+    <dgm:txEffectClrLst/>
+  </dgm:styleLbl>
+  <dgm:styleLbl name="bgImgPlace1">
+    <dgm:fillClrLst meth="repeat">
+      <a:schemeClr val="dk2">
+        <a:tint val="50000"/>
+      </a:schemeClr>
+    </dgm:fillClrLst>
+    <dgm:linClrLst meth="repeat">
+      <a:schemeClr val="dk2">
+        <a:shade val="80000"/>
+      </a:schemeClr>
+    </dgm:linClrLst>
+    <dgm:effectClrLst/>
+    <dgm:txLinClrLst/>
+    <dgm:txFillClrLst meth="repeat">
+      <a:schemeClr val="lt2"/>
+    </dgm:txFillClrLst>
+    <dgm:txEffectClrLst/>
+  </dgm:styleLbl>
+  <dgm:styleLbl name="sibTrans2D1">
+    <dgm:fillClrLst meth="repeat">
+      <a:schemeClr val="dk2">
+        <a:tint val="60000"/>
+      </a:schemeClr>
+    </dgm:fillClrLst>
+    <dgm:linClrLst meth="repeat">
+      <a:schemeClr val="dk2">
+        <a:tint val="60000"/>
+      </a:schemeClr>
+    </dgm:linClrLst>
+    <dgm:effectClrLst/>
+    <dgm:txLinClrLst/>
+    <dgm:txFillClrLst/>
+    <dgm:txEffectClrLst/>
+  </dgm:styleLbl>
+  <dgm:styleLbl name="fgSibTrans2D1">
+    <dgm:fillClrLst meth="repeat">
+      <a:schemeClr val="dk2">
+        <a:tint val="60000"/>
+      </a:schemeClr>
+    </dgm:fillClrLst>
+    <dgm:linClrLst meth="repeat">
+      <a:schemeClr val="dk2">
+        <a:tint val="60000"/>
+      </a:schemeClr>
+    </dgm:linClrLst>
+    <dgm:effectClrLst/>
+    <dgm:txLinClrLst/>
+    <dgm:txFillClrLst/>
+    <dgm:txEffectClrLst/>
+  </dgm:styleLbl>
+  <dgm:styleLbl name="bgSibTrans2D1">
+    <dgm:fillClrLst meth="repeat">
+      <a:schemeClr val="dk2">
+        <a:tint val="60000"/>
+      </a:schemeClr>
+    </dgm:fillClrLst>
+    <dgm:linClrLst meth="repeat">
+      <a:schemeClr val="dk2">
+        <a:tint val="60000"/>
+      </a:schemeClr>
+    </dgm:linClrLst>
+    <dgm:effectClrLst/>
+    <dgm:txLinClrLst/>
+    <dgm:txFillClrLst/>
+    <dgm:txEffectClrLst/>
+  </dgm:styleLbl>
+  <dgm:styleLbl name="sibTrans1D1">
+    <dgm:fillClrLst meth="repeat">
+      <a:schemeClr val="dk2"/>
+    </dgm:fillClrLst>
+    <dgm:linClrLst meth="repeat">
+      <a:schemeClr val="dk2"/>
+    </dgm:linClrLst>
+    <dgm:effectClrLst/>
+    <dgm:txLinClrLst/>
+    <dgm:txFillClrLst meth="repeat">
+      <a:schemeClr val="lt2"/>
+    </dgm:txFillClrLst>
+    <dgm:txEffectClrLst/>
+  </dgm:styleLbl>
+  <dgm:styleLbl name="callout">
+    <dgm:fillClrLst meth="repeat">
+      <a:schemeClr val="dk2"/>
+    </dgm:fillClrLst>
+    <dgm:linClrLst meth="repeat">
+      <a:schemeClr val="dk2">
+        <a:tint val="50000"/>
+      </a:schemeClr>
+    </dgm:linClrLst>
+    <dgm:effectClrLst/>
+    <dgm:txLinClrLst/>
+    <dgm:txFillClrLst meth="repeat">
+      <a:schemeClr val="lt2"/>
+    </dgm:txFillClrLst>
+    <dgm:txEffectClrLst/>
+  </dgm:styleLbl>
+  <dgm:styleLbl name="asst0">
+    <dgm:fillClrLst meth="repeat">
+      <a:schemeClr val="dk2"/>
+    </dgm:fillClrLst>
+    <dgm:linClrLst meth="repeat">
+      <a:schemeClr val="lt2"/>
+    </dgm:linClrLst>
+    <dgm:effectClrLst/>
+    <dgm:txLinClrLst/>
+    <dgm:txFillClrLst/>
+    <dgm:txEffectClrLst/>
+  </dgm:styleLbl>
+  <dgm:styleLbl name="asst1">
+    <dgm:fillClrLst meth="repeat">
+      <a:schemeClr val="dk2"/>
+    </dgm:fillClrLst>
+    <dgm:linClrLst meth="repeat">
+      <a:schemeClr val="lt2"/>
+    </dgm:linClrLst>
+    <dgm:effectClrLst/>
+    <dgm:txLinClrLst/>
+    <dgm:txFillClrLst/>
+    <dgm:txEffectClrLst/>
+  </dgm:styleLbl>
+  <dgm:styleLbl name="asst2">
+    <dgm:fillClrLst meth="repeat">
+      <a:schemeClr val="dk2"/>
+    </dgm:fillClrLst>
+    <dgm:linClrLst meth="repeat">
+      <a:schemeClr val="lt2"/>
+    </dgm:linClrLst>
+    <dgm:effectClrLst/>
+    <dgm:txLinClrLst/>
+    <dgm:txFillClrLst/>
+    <dgm:txEffectClrLst/>
+  </dgm:styleLbl>
+  <dgm:styleLbl name="asst3">
+    <dgm:fillClrLst meth="repeat">
+      <a:schemeClr val="dk2"/>
+    </dgm:fillClrLst>
+    <dgm:linClrLst meth="repeat">
+      <a:schemeClr val="lt2"/>
+    </dgm:linClrLst>
+    <dgm:effectClrLst/>
+    <dgm:txLinClrLst/>
+    <dgm:txFillClrLst/>
+    <dgm:txEffectClrLst/>
+  </dgm:styleLbl>
+  <dgm:styleLbl name="asst4">
+    <dgm:fillClrLst meth="repeat">
+      <a:schemeClr val="dk2"/>
+    </dgm:fillClrLst>
+    <dgm:linClrLst meth="repeat">
+      <a:schemeClr val="lt2"/>
+    </dgm:linClrLst>
+    <dgm:effectClrLst/>
+    <dgm:txLinClrLst/>
+    <dgm:txFillClrLst/>
+    <dgm:txEffectClrLst/>
+  </dgm:styleLbl>
+  <dgm:styleLbl name="parChTrans2D1">
+    <dgm:fillClrLst meth="repeat">
+      <a:schemeClr val="dk2">
+        <a:tint val="60000"/>
+      </a:schemeClr>
+    </dgm:fillClrLst>
+    <dgm:linClrLst meth="repeat">
+      <a:schemeClr val="dk2">
+        <a:tint val="60000"/>
+      </a:schemeClr>
+    </dgm:linClrLst>
+    <dgm:effectClrLst/>
+    <dgm:txLinClrLst/>
+    <dgm:txFillClrLst meth="repeat">
+      <a:schemeClr val="lt2"/>
+    </dgm:txFillClrLst>
+    <dgm:txEffectClrLst/>
+  </dgm:styleLbl>
+  <dgm:styleLbl name="parChTrans2D2">
+    <dgm:fillClrLst meth="repeat">
+      <a:schemeClr val="dk2"/>
+    </dgm:fillClrLst>
+    <dgm:linClrLst meth="repeat">
+      <a:schemeClr val="dk2"/>
+    </dgm:linClrLst>
+    <dgm:effectClrLst/>
+    <dgm:txLinClrLst/>
+    <dgm:txFillClrLst meth="repeat">
+      <a:schemeClr val="lt2"/>
+    </dgm:txFillClrLst>
+    <dgm:txEffectClrLst/>
+  </dgm:styleLbl>
+  <dgm:styleLbl name="parChTrans2D3">
+    <dgm:fillClrLst meth="repeat">
+      <a:schemeClr val="dk2"/>
+    </dgm:fillClrLst>
+    <dgm:linClrLst meth="repeat">
+      <a:schemeClr val="dk2"/>
+    </dgm:linClrLst>
+    <dgm:effectClrLst/>
+    <dgm:txLinClrLst/>
+    <dgm:txFillClrLst meth="repeat">
+      <a:schemeClr val="lt2"/>
+    </dgm:txFillClrLst>
+    <dgm:txEffectClrLst/>
+  </dgm:styleLbl>
+  <dgm:styleLbl name="parChTrans2D4">
+    <dgm:fillClrLst meth="repeat">
+      <a:schemeClr val="dk2"/>
+    </dgm:fillClrLst>
+    <dgm:linClrLst meth="repeat">
+      <a:schemeClr val="dk2"/>
+    </dgm:linClrLst>
+    <dgm:effectClrLst/>
+    <dgm:txLinClrLst/>
+    <dgm:txFillClrLst meth="repeat">
+      <a:schemeClr val="lt2"/>
+    </dgm:txFillClrLst>
+    <dgm:txEffectClrLst/>
+  </dgm:styleLbl>
+  <dgm:styleLbl name="parChTrans1D1">
+    <dgm:fillClrLst meth="repeat">
+      <a:schemeClr val="dk2"/>
+    </dgm:fillClrLst>
+    <dgm:linClrLst meth="repeat">
+      <a:schemeClr val="dk2">
+        <a:shade val="60000"/>
+      </a:schemeClr>
+    </dgm:linClrLst>
+    <dgm:effectClrLst/>
+    <dgm:txLinClrLst/>
+    <dgm:txFillClrLst meth="repeat">
+      <a:schemeClr val="tx1"/>
+    </dgm:txFillClrLst>
+    <dgm:txEffectClrLst/>
+  </dgm:styleLbl>
+  <dgm:styleLbl name="parChTrans1D2">
+    <dgm:fillClrLst meth="repeat">
+      <a:schemeClr val="dk2"/>
+    </dgm:fillClrLst>
+    <dgm:linClrLst meth="repeat">
+      <a:schemeClr val="dk2">
+        <a:shade val="60000"/>
+      </a:schemeClr>
+    </dgm:linClrLst>
+    <dgm:effectClrLst/>
+    <dgm:txLinClrLst/>
+    <dgm:txFillClrLst meth="repeat">
+      <a:schemeClr val="tx1"/>
+    </dgm:txFillClrLst>
+    <dgm:txEffectClrLst/>
+  </dgm:styleLbl>
+  <dgm:styleLbl name="parChTrans1D3">
+    <dgm:fillClrLst meth="repeat">
+      <a:schemeClr val="dk2"/>
+    </dgm:fillClrLst>
+    <dgm:linClrLst meth="repeat">
+      <a:schemeClr val="dk2">
+        <a:shade val="80000"/>
+      </a:schemeClr>
+    </dgm:linClrLst>
+    <dgm:effectClrLst/>
+    <dgm:txLinClrLst/>
+    <dgm:txFillClrLst meth="repeat">
+      <a:schemeClr val="tx1"/>
+    </dgm:txFillClrLst>
+    <dgm:txEffectClrLst/>
+  </dgm:styleLbl>
+  <dgm:styleLbl name="parChTrans1D4">
+    <dgm:fillClrLst meth="repeat">
+      <a:schemeClr val="dk2"/>
+    </dgm:fillClrLst>
+    <dgm:linClrLst meth="repeat">
+      <a:schemeClr val="dk2">
+        <a:shade val="80000"/>
+      </a:schemeClr>
+    </dgm:linClrLst>
+    <dgm:effectClrLst/>
+    <dgm:txLinClrLst/>
+    <dgm:txFillClrLst meth="repeat">
+      <a:schemeClr val="tx1"/>
+    </dgm:txFillClrLst>
+    <dgm:txEffectClrLst/>
+  </dgm:styleLbl>
+  <dgm:styleLbl name="fgAcc1">
+    <dgm:fillClrLst meth="repeat">
+      <a:schemeClr val="lt2">
+        <a:alpha val="90000"/>
+      </a:schemeClr>
+    </dgm:fillClrLst>
+    <dgm:linClrLst meth="repeat">
+      <a:schemeClr val="dk2"/>
+    </dgm:linClrLst>
+    <dgm:effectClrLst/>
+    <dgm:txLinClrLst/>
+    <dgm:txFillClrLst meth="repeat">
+      <a:schemeClr val="dk1"/>
+    </dgm:txFillClrLst>
+    <dgm:txEffectClrLst/>
+  </dgm:styleLbl>
+  <dgm:styleLbl name="conFgAcc1">
+    <dgm:fillClrLst meth="repeat">
+      <a:schemeClr val="lt2">
+        <a:alpha val="90000"/>
+      </a:schemeClr>
+    </dgm:fillClrLst>
+    <dgm:linClrLst meth="repeat">
+      <a:schemeClr val="dk2"/>
+    </dgm:linClrLst>
+    <dgm:effectClrLst/>
+    <dgm:txLinClrLst/>
+    <dgm:txFillClrLst meth="repeat">
+      <a:schemeClr val="dk1"/>
+    </dgm:txFillClrLst>
+    <dgm:txEffectClrLst/>
+  </dgm:styleLbl>
+  <dgm:styleLbl name="alignAcc1">
+    <dgm:fillClrLst meth="repeat">
+      <a:schemeClr val="lt2">
+        <a:alpha val="90000"/>
+      </a:schemeClr>
+    </dgm:fillClrLst>
+    <dgm:linClrLst meth="repeat">
+      <a:schemeClr val="dk2"/>
+    </dgm:linClrLst>
+    <dgm:effectClrLst/>
+    <dgm:txLinClrLst/>
+    <dgm:txFillClrLst meth="repeat">
+      <a:schemeClr val="dk1"/>
+    </dgm:txFillClrLst>
+    <dgm:txEffectClrLst/>
+  </dgm:styleLbl>
+  <dgm:styleLbl name="trAlignAcc1">
+    <dgm:fillClrLst meth="repeat">
+      <a:schemeClr val="lt2">
+        <a:alpha val="40000"/>
+      </a:schemeClr>
+    </dgm:fillClrLst>
+    <dgm:linClrLst meth="repeat">
+      <a:schemeClr val="dk2"/>
+    </dgm:linClrLst>
+    <dgm:effectClrLst/>
+    <dgm:txLinClrLst/>
+    <dgm:txFillClrLst meth="repeat">
+      <a:schemeClr val="dk1"/>
+    </dgm:txFillClrLst>
+    <dgm:txEffectClrLst/>
+  </dgm:styleLbl>
+  <dgm:styleLbl name="bgAcc1">
+    <dgm:fillClrLst meth="repeat">
+      <a:schemeClr val="lt2">
+        <a:alpha val="90000"/>
+      </a:schemeClr>
+    </dgm:fillClrLst>
+    <dgm:linClrLst meth="repeat">
+      <a:schemeClr val="dk2"/>
+    </dgm:linClrLst>
+    <dgm:effectClrLst/>
+    <dgm:txLinClrLst/>
+    <dgm:txFillClrLst meth="repeat">
+      <a:schemeClr val="dk1"/>
+    </dgm:txFillClrLst>
+    <dgm:txEffectClrLst/>
+  </dgm:styleLbl>
+  <dgm:styleLbl name="solidFgAcc1">
+    <dgm:fillClrLst meth="repeat">
+      <a:schemeClr val="lt2"/>
+    </dgm:fillClrLst>
+    <dgm:linClrLst meth="repeat">
+      <a:schemeClr val="dk2"/>
+    </dgm:linClrLst>
+    <dgm:effectClrLst/>
+    <dgm:txLinClrLst/>
+    <dgm:txFillClrLst meth="repeat">
+      <a:schemeClr val="dk1"/>
+    </dgm:txFillClrLst>
+    <dgm:txEffectClrLst/>
+  </dgm:styleLbl>
+  <dgm:styleLbl name="solidAlignAcc1">
+    <dgm:fillClrLst meth="repeat">
+      <a:schemeClr val="lt2"/>
+    </dgm:fillClrLst>
+    <dgm:linClrLst meth="repeat">
+      <a:schemeClr val="dk2"/>
+    </dgm:linClrLst>
+    <dgm:effectClrLst/>
+    <dgm:txLinClrLst/>
+    <dgm:txFillClrLst meth="repeat">
+      <a:schemeClr val="dk1"/>
+    </dgm:txFillClrLst>
+    <dgm:txEffectClrLst/>
+  </dgm:styleLbl>
+  <dgm:styleLbl name="solidBgAcc1">
+    <dgm:fillClrLst meth="repeat">
+      <a:schemeClr val="lt2"/>
+    </dgm:fillClrLst>
+    <dgm:linClrLst meth="repeat">
+      <a:schemeClr val="dk2"/>
+    </dgm:linClrLst>
+    <dgm:effectClrLst/>
+    <dgm:txLinClrLst/>
+    <dgm:txFillClrLst meth="repeat">
+      <a:schemeClr val="dk1"/>
+    </dgm:txFillClrLst>
+    <dgm:txEffectClrLst/>
+  </dgm:styleLbl>
+  <dgm:styleLbl name="fgAccFollowNode1">
+    <dgm:fillClrLst meth="repeat">
+      <a:schemeClr val="dk2">
+        <a:alpha val="90000"/>
+        <a:tint val="40000"/>
+      </a:schemeClr>
+    </dgm:fillClrLst>
+    <dgm:linClrLst meth="repeat">
+      <a:schemeClr val="dk2">
+        <a:alpha val="90000"/>
+        <a:tint val="40000"/>
+      </a:schemeClr>
+    </dgm:linClrLst>
+    <dgm:effectClrLst/>
+    <dgm:txLinClrLst/>
+    <dgm:txFillClrLst meth="repeat">
+      <a:schemeClr val="dk1"/>
+    </dgm:txFillClrLst>
+    <dgm:txEffectClrLst/>
+  </dgm:styleLbl>
+  <dgm:styleLbl name="alignAccFollowNode1">
+    <dgm:fillClrLst meth="repeat">
+      <a:schemeClr val="dk2">
+        <a:alpha val="90000"/>
+        <a:tint val="40000"/>
+      </a:schemeClr>
+    </dgm:fillClrLst>
+    <dgm:linClrLst meth="repeat">
+      <a:schemeClr val="dk2">
+        <a:alpha val="90000"/>
+        <a:tint val="40000"/>
+      </a:schemeClr>
+    </dgm:linClrLst>
+    <dgm:effectClrLst/>
+    <dgm:txLinClrLst/>
+    <dgm:txFillClrLst meth="repeat">
+      <a:schemeClr val="dk1"/>
+    </dgm:txFillClrLst>
+    <dgm:txEffectClrLst/>
+  </dgm:styleLbl>
+  <dgm:styleLbl name="bgAccFollowNode1">
+    <dgm:fillClrLst meth="repeat">
+      <a:schemeClr val="dk2">
+        <a:alpha val="90000"/>
+        <a:tint val="40000"/>
+      </a:schemeClr>
+    </dgm:fillClrLst>
+    <dgm:linClrLst meth="repeat">
+      <a:schemeClr val="dk2">
+        <a:alpha val="90000"/>
+        <a:tint val="40000"/>
+      </a:schemeClr>
+    </dgm:linClrLst>
+    <dgm:effectClrLst/>
+    <dgm:txLinClrLst/>
+    <dgm:txFillClrLst meth="repeat">
+      <a:schemeClr val="dk1"/>
+    </dgm:txFillClrLst>
+    <dgm:txEffectClrLst/>
+  </dgm:styleLbl>
+  <dgm:styleLbl name="fgAcc0">
+    <dgm:fillClrLst meth="repeat">
+      <a:schemeClr val="lt2">
+        <a:alpha val="90000"/>
+      </a:schemeClr>
+    </dgm:fillClrLst>
+    <dgm:linClrLst meth="repeat">
+      <a:schemeClr val="dk2"/>
+    </dgm:linClrLst>
+    <dgm:effectClrLst/>
+    <dgm:txLinClrLst/>
+    <dgm:txFillClrLst meth="repeat">
+      <a:schemeClr val="dk1"/>
+    </dgm:txFillClrLst>
+    <dgm:txEffectClrLst/>
+  </dgm:styleLbl>
+  <dgm:styleLbl name="fgAcc2">
+    <dgm:fillClrLst meth="repeat">
+      <a:schemeClr val="lt2">
+        <a:alpha val="90000"/>
+      </a:schemeClr>
+    </dgm:fillClrLst>
+    <dgm:linClrLst meth="repeat">
+      <a:schemeClr val="dk2"/>
+    </dgm:linClrLst>
+    <dgm:effectClrLst/>
+    <dgm:txLinClrLst/>
+    <dgm:txFillClrLst meth="repeat">
+      <a:schemeClr val="dk1"/>
+    </dgm:txFillClrLst>
+    <dgm:txEffectClrLst/>
+  </dgm:styleLbl>
+  <dgm:styleLbl name="fgAcc3">
+    <dgm:fillClrLst meth="repeat">
+      <a:schemeClr val="lt2">
+        <a:alpha val="90000"/>
+      </a:schemeClr>
+    </dgm:fillClrLst>
+    <dgm:linClrLst meth="repeat">
+      <a:schemeClr val="dk2"/>
+    </dgm:linClrLst>
+    <dgm:effectClrLst/>
+    <dgm:txLinClrLst/>
+    <dgm:txFillClrLst meth="repeat">
+      <a:schemeClr val="dk1"/>
+    </dgm:txFillClrLst>
+    <dgm:txEffectClrLst/>
+  </dgm:styleLbl>
+  <dgm:styleLbl name="fgAcc4">
+    <dgm:fillClrLst meth="repeat">
+      <a:schemeClr val="lt2">
+        <a:alpha val="90000"/>
+      </a:schemeClr>
+    </dgm:fillClrLst>
+    <dgm:linClrLst meth="repeat">
+      <a:schemeClr val="dk2"/>
+    </dgm:linClrLst>
+    <dgm:effectClrLst/>
+    <dgm:txLinClrLst/>
+    <dgm:txFillClrLst meth="repeat">
+      <a:schemeClr val="dk1"/>
+    </dgm:txFillClrLst>
+    <dgm:txEffectClrLst/>
+  </dgm:styleLbl>
+  <dgm:styleLbl name="bgShp">
+    <dgm:fillClrLst meth="repeat">
+      <a:schemeClr val="dk2"/>
+    </dgm:fillClrLst>
+    <dgm:linClrLst meth="repeat">
+      <a:schemeClr val="lt2">
+        <a:alpha val="0"/>
+      </a:schemeClr>
+    </dgm:linClrLst>
+    <dgm:effectClrLst/>
+    <dgm:txLinClrLst/>
+    <dgm:txFillClrLst/>
+    <dgm:txEffectClrLst/>
+  </dgm:styleLbl>
+  <dgm:styleLbl name="dkBgShp">
+    <dgm:fillClrLst meth="repeat">
+      <a:schemeClr val="dk2">
+        <a:shade val="80000"/>
+      </a:schemeClr>
+    </dgm:fillClrLst>
+    <dgm:linClrLst meth="repeat">
+      <a:schemeClr val="dk2"/>
+    </dgm:linClrLst>
+    <dgm:effectClrLst/>
+    <dgm:txLinClrLst/>
+    <dgm:txFillClrLst meth="repeat">
+      <a:schemeClr val="lt1"/>
+    </dgm:txFillClrLst>
+    <dgm:txEffectClrLst/>
+  </dgm:styleLbl>
+  <dgm:styleLbl name="trBgShp">
+    <dgm:fillClrLst meth="repeat">
+      <a:schemeClr val="dk2">
+        <a:tint val="50000"/>
+        <a:alpha val="40000"/>
+      </a:schemeClr>
+    </dgm:fillClrLst>
+    <dgm:linClrLst meth="repeat">
+      <a:schemeClr val="dk2"/>
+    </dgm:linClrLst>
+    <dgm:effectClrLst/>
+    <dgm:txLinClrLst/>
+    <dgm:txFillClrLst meth="repeat">
+      <a:schemeClr val="lt1"/>
+    </dgm:txFillClrLst>
+    <dgm:txEffectClrLst/>
+  </dgm:styleLbl>
+  <dgm:styleLbl name="fgShp">
+    <dgm:fillClrLst meth="repeat">
+      <a:schemeClr val="dk2">
+        <a:tint val="60000"/>
+      </a:schemeClr>
+    </dgm:fillClrLst>
+    <dgm:linClrLst meth="repeat">
+      <a:schemeClr val="lt2"/>
+    </dgm:linClrLst>
+    <dgm:effectClrLst/>
+    <dgm:txLinClrLst/>
+    <dgm:txFillClrLst meth="repeat">
+      <a:schemeClr val="dk1"/>
+    </dgm:txFillClrLst>
+    <dgm:txEffectClrLst/>
+  </dgm:styleLbl>
+  <dgm:styleLbl name="revTx">
+    <dgm:fillClrLst meth="repeat">
+      <a:schemeClr val="lt2">
+        <a:alpha val="0"/>
+      </a:schemeClr>
+    </dgm:fillClrLst>
+    <dgm:linClrLst meth="repeat">
+      <a:schemeClr val="dk1">
+        <a:alpha val="0"/>
+      </a:schemeClr>
+    </dgm:linClrLst>
+    <dgm:effectClrLst/>
+    <dgm:txLinClrLst/>
+    <dgm:txFillClrLst meth="repeat">
+      <a:schemeClr val="tx1"/>
+    </dgm:txFillClrLst>
+    <dgm:txEffectClrLst/>
+  </dgm:styleLbl>
+</dgm:colorsDef>
+</file>
+
 <file path=ppt/diagrams/data1.xml><?xml version="1.0" encoding="utf-8"?>
 <dgm:dataModel xmlns:dgm="http://schemas.openxmlformats.org/drawingml/2006/diagram" xmlns:a="http://schemas.openxmlformats.org/drawingml/2006/main">
   <dgm:ptLst>
@@ -4021,7 +4785,7 @@
   <dgm:whole/>
   <dgm:extLst>
     <a:ext uri="http://schemas.microsoft.com/office/drawing/2008/diagram">
-      <dsp:dataModelExt xmlns:dsp="http://schemas.microsoft.com/office/drawing/2008/diagram" relId="rId6" minVer="http://schemas.openxmlformats.org/drawingml/2006/diagram"/>
+      <dsp:dataModelExt xmlns:dsp="http://schemas.microsoft.com/office/drawing/2008/diagram" relId="rId7" minVer="http://schemas.openxmlformats.org/drawingml/2006/diagram"/>
     </a:ext>
   </dgm:extLst>
 </dgm:dataModel>
@@ -4356,7 +5120,7 @@
   <dgm:whole/>
   <dgm:extLst>
     <a:ext uri="http://schemas.microsoft.com/office/drawing/2008/diagram">
-      <dsp:dataModelExt xmlns:dsp="http://schemas.microsoft.com/office/drawing/2008/diagram" relId="rId11" minVer="http://schemas.openxmlformats.org/drawingml/2006/diagram"/>
+      <dsp:dataModelExt xmlns:dsp="http://schemas.microsoft.com/office/drawing/2008/diagram" relId="rId12" minVer="http://schemas.openxmlformats.org/drawingml/2006/diagram"/>
     </a:ext>
   </dgm:extLst>
 </dgm:dataModel>
@@ -4691,7 +5455,363 @@
   <dgm:whole/>
   <dgm:extLst>
     <a:ext uri="http://schemas.microsoft.com/office/drawing/2008/diagram">
-      <dsp:dataModelExt xmlns:dsp="http://schemas.microsoft.com/office/drawing/2008/diagram" relId="rId16" minVer="http://schemas.openxmlformats.org/drawingml/2006/diagram"/>
+      <dsp:dataModelExt xmlns:dsp="http://schemas.microsoft.com/office/drawing/2008/diagram" relId="rId17" minVer="http://schemas.openxmlformats.org/drawingml/2006/diagram"/>
+    </a:ext>
+  </dgm:extLst>
+</dgm:dataModel>
+</file>
+
+<file path=ppt/diagrams/data4.xml><?xml version="1.0" encoding="utf-8"?>
+<dgm:dataModel xmlns:dgm="http://schemas.openxmlformats.org/drawingml/2006/diagram" xmlns:a="http://schemas.openxmlformats.org/drawingml/2006/main">
+  <dgm:ptLst>
+    <dgm:pt modelId="{8D5D370A-E697-4655-981E-D154749AFE28}" type="doc">
+      <dgm:prSet loTypeId="urn:microsoft.com/office/officeart/2018/5/layout/IconLeafLabelList" loCatId="icon" qsTypeId="urn:microsoft.com/office/officeart/2005/8/quickstyle/simple1" qsCatId="simple" csTypeId="urn:microsoft.com/office/officeart/2018/5/colors/Iconchunking_neutralicon_accent0_3" csCatId="mainScheme" phldr="1"/>
+      <dgm:spPr/>
+      <dgm:t>
+        <a:bodyPr/>
+        <a:lstStyle/>
+        <a:p>
+          <a:endParaRPr lang="en-US"/>
+        </a:p>
+      </dgm:t>
+    </dgm:pt>
+    <dgm:pt modelId="{EAF05CD8-5527-4764-8D96-A9F784B807B7}">
+      <dgm:prSet/>
+      <dgm:spPr/>
+      <dgm:t>
+        <a:bodyPr/>
+        <a:lstStyle/>
+        <a:p>
+          <a:pPr>
+            <a:defRPr cap="all"/>
+          </a:pPr>
+          <a:r>
+            <a:rPr lang="fr-FR"/>
+            <a:t>Intégration</a:t>
+          </a:r>
+          <a:endParaRPr lang="en-US"/>
+        </a:p>
+      </dgm:t>
+    </dgm:pt>
+    <dgm:pt modelId="{4B237981-BEC2-4853-82A0-6FF484D76AFA}" type="parTrans" cxnId="{5B2B9D26-63EA-4549-A366-CB99BAE134BB}">
+      <dgm:prSet/>
+      <dgm:spPr/>
+      <dgm:t>
+        <a:bodyPr/>
+        <a:lstStyle/>
+        <a:p>
+          <a:endParaRPr lang="en-US"/>
+        </a:p>
+      </dgm:t>
+    </dgm:pt>
+    <dgm:pt modelId="{EC865E69-5295-45A6-A622-88C1DC83B3F0}" type="sibTrans" cxnId="{5B2B9D26-63EA-4549-A366-CB99BAE134BB}">
+      <dgm:prSet/>
+      <dgm:spPr/>
+      <dgm:t>
+        <a:bodyPr/>
+        <a:lstStyle/>
+        <a:p>
+          <a:endParaRPr lang="en-US"/>
+        </a:p>
+      </dgm:t>
+    </dgm:pt>
+    <dgm:pt modelId="{B7415316-18D4-4211-ADDF-11F29F481C9B}">
+      <dgm:prSet/>
+      <dgm:spPr/>
+      <dgm:t>
+        <a:bodyPr/>
+        <a:lstStyle/>
+        <a:p>
+          <a:pPr>
+            <a:defRPr cap="all"/>
+          </a:pPr>
+          <a:r>
+            <a:rPr lang="fr-FR"/>
+            <a:t>Personnalisation</a:t>
+          </a:r>
+          <a:endParaRPr lang="en-US"/>
+        </a:p>
+      </dgm:t>
+    </dgm:pt>
+    <dgm:pt modelId="{D25AE4DC-40A3-454B-A960-5BEA96F59B00}" type="parTrans" cxnId="{1D11CCA1-C485-4EE4-9D19-EE18518B55ED}">
+      <dgm:prSet/>
+      <dgm:spPr/>
+      <dgm:t>
+        <a:bodyPr/>
+        <a:lstStyle/>
+        <a:p>
+          <a:endParaRPr lang="en-US"/>
+        </a:p>
+      </dgm:t>
+    </dgm:pt>
+    <dgm:pt modelId="{662FBCF6-F6A7-4E55-A423-8ABFD0C56C65}" type="sibTrans" cxnId="{1D11CCA1-C485-4EE4-9D19-EE18518B55ED}">
+      <dgm:prSet/>
+      <dgm:spPr/>
+      <dgm:t>
+        <a:bodyPr/>
+        <a:lstStyle/>
+        <a:p>
+          <a:endParaRPr lang="en-US"/>
+        </a:p>
+      </dgm:t>
+    </dgm:pt>
+    <dgm:pt modelId="{7528CC87-656B-46FE-801E-A5CC770FFD4A}">
+      <dgm:prSet/>
+      <dgm:spPr/>
+      <dgm:t>
+        <a:bodyPr/>
+        <a:lstStyle/>
+        <a:p>
+          <a:pPr>
+            <a:defRPr cap="all"/>
+          </a:pPr>
+          <a:r>
+            <a:rPr lang="fr-FR"/>
+            <a:t>Multi-classification</a:t>
+          </a:r>
+          <a:endParaRPr lang="en-US"/>
+        </a:p>
+      </dgm:t>
+    </dgm:pt>
+    <dgm:pt modelId="{10653E43-17B1-456E-B624-CD8D9F154161}" type="parTrans" cxnId="{7A3B5FA1-645F-474B-84ED-B1AE5A7FAC87}">
+      <dgm:prSet/>
+      <dgm:spPr/>
+      <dgm:t>
+        <a:bodyPr/>
+        <a:lstStyle/>
+        <a:p>
+          <a:endParaRPr lang="en-US"/>
+        </a:p>
+      </dgm:t>
+    </dgm:pt>
+    <dgm:pt modelId="{1733F095-5CCF-4EB1-9D24-2816CD717E7F}" type="sibTrans" cxnId="{7A3B5FA1-645F-474B-84ED-B1AE5A7FAC87}">
+      <dgm:prSet/>
+      <dgm:spPr/>
+      <dgm:t>
+        <a:bodyPr/>
+        <a:lstStyle/>
+        <a:p>
+          <a:endParaRPr lang="en-US"/>
+        </a:p>
+      </dgm:t>
+    </dgm:pt>
+    <dgm:pt modelId="{51B54631-3AE4-478D-9132-1E18949AE162}" type="pres">
+      <dgm:prSet presAssocID="{8D5D370A-E697-4655-981E-D154749AFE28}" presName="root" presStyleCnt="0">
+        <dgm:presLayoutVars>
+          <dgm:dir/>
+          <dgm:resizeHandles val="exact"/>
+        </dgm:presLayoutVars>
+      </dgm:prSet>
+      <dgm:spPr/>
+    </dgm:pt>
+    <dgm:pt modelId="{909F6919-9595-46FA-ACEE-EA7B4360ACE5}" type="pres">
+      <dgm:prSet presAssocID="{EAF05CD8-5527-4764-8D96-A9F784B807B7}" presName="compNode" presStyleCnt="0"/>
+      <dgm:spPr/>
+    </dgm:pt>
+    <dgm:pt modelId="{133CA30F-7CAA-4D4C-A5ED-8991407D1A83}" type="pres">
+      <dgm:prSet presAssocID="{EAF05CD8-5527-4764-8D96-A9F784B807B7}" presName="iconBgRect" presStyleLbl="bgShp" presStyleIdx="0" presStyleCnt="3"/>
+      <dgm:spPr>
+        <a:prstGeom prst="round2DiagRect">
+          <a:avLst>
+            <a:gd name="adj1" fmla="val 29727"/>
+            <a:gd name="adj2" fmla="val 0"/>
+          </a:avLst>
+        </a:prstGeom>
+      </dgm:spPr>
+    </dgm:pt>
+    <dgm:pt modelId="{218D1B94-760A-4363-91FB-2EBD6E43C3CB}" type="pres">
+      <dgm:prSet presAssocID="{EAF05CD8-5527-4764-8D96-A9F784B807B7}" presName="iconRect" presStyleLbl="node1" presStyleIdx="0" presStyleCnt="3"/>
+      <dgm:spPr>
+        <a:blipFill>
+          <a:blip xmlns:r="http://schemas.openxmlformats.org/officeDocument/2006/relationships" r:embed="rId1">
+            <a:extLst>
+              <a:ext uri="{28A0092B-C50C-407E-A947-70E740481C1C}">
+                <a14:useLocalDpi xmlns:a14="http://schemas.microsoft.com/office/drawing/2010/main" val="0"/>
+              </a:ext>
+              <a:ext uri="{96DAC541-7B7A-43D3-8B79-37D633B846F1}">
+                <asvg:svgBlip xmlns:asvg="http://schemas.microsoft.com/office/drawing/2016/SVG/main" r:embed="rId2"/>
+              </a:ext>
+            </a:extLst>
+          </a:blip>
+          <a:stretch>
+            <a:fillRect/>
+          </a:stretch>
+        </a:blipFill>
+        <a:ln>
+          <a:noFill/>
+        </a:ln>
+      </dgm:spPr>
+      <dgm:extLst>
+        <a:ext uri="{E40237B7-FDA0-4F09-8148-C483321AD2D9}">
+          <dgm14:cNvPr xmlns:dgm14="http://schemas.microsoft.com/office/drawing/2010/diagram" id="0" name="" descr="Réseau"/>
+        </a:ext>
+      </dgm:extLst>
+    </dgm:pt>
+    <dgm:pt modelId="{DFF64312-B175-4DBC-848F-37B91B069314}" type="pres">
+      <dgm:prSet presAssocID="{EAF05CD8-5527-4764-8D96-A9F784B807B7}" presName="spaceRect" presStyleCnt="0"/>
+      <dgm:spPr/>
+    </dgm:pt>
+    <dgm:pt modelId="{82E8D6EC-2CA4-41F1-B3D4-7951FC490005}" type="pres">
+      <dgm:prSet presAssocID="{EAF05CD8-5527-4764-8D96-A9F784B807B7}" presName="textRect" presStyleLbl="revTx" presStyleIdx="0" presStyleCnt="3">
+        <dgm:presLayoutVars>
+          <dgm:chMax val="1"/>
+          <dgm:chPref val="1"/>
+        </dgm:presLayoutVars>
+      </dgm:prSet>
+      <dgm:spPr/>
+    </dgm:pt>
+    <dgm:pt modelId="{C568AB18-8D50-4EA1-83A5-EBA789740C06}" type="pres">
+      <dgm:prSet presAssocID="{EC865E69-5295-45A6-A622-88C1DC83B3F0}" presName="sibTrans" presStyleCnt="0"/>
+      <dgm:spPr/>
+    </dgm:pt>
+    <dgm:pt modelId="{81729F6F-FEE6-4910-9F7F-43DC374704D2}" type="pres">
+      <dgm:prSet presAssocID="{B7415316-18D4-4211-ADDF-11F29F481C9B}" presName="compNode" presStyleCnt="0"/>
+      <dgm:spPr/>
+    </dgm:pt>
+    <dgm:pt modelId="{7ABD3D99-869A-44A4-AEE9-E7E3104B0656}" type="pres">
+      <dgm:prSet presAssocID="{B7415316-18D4-4211-ADDF-11F29F481C9B}" presName="iconBgRect" presStyleLbl="bgShp" presStyleIdx="1" presStyleCnt="3"/>
+      <dgm:spPr>
+        <a:prstGeom prst="round2DiagRect">
+          <a:avLst>
+            <a:gd name="adj1" fmla="val 29727"/>
+            <a:gd name="adj2" fmla="val 0"/>
+          </a:avLst>
+        </a:prstGeom>
+      </dgm:spPr>
+    </dgm:pt>
+    <dgm:pt modelId="{364BECC4-BBF8-455A-8EA4-CC7C0CC4CE27}" type="pres">
+      <dgm:prSet presAssocID="{B7415316-18D4-4211-ADDF-11F29F481C9B}" presName="iconRect" presStyleLbl="node1" presStyleIdx="1" presStyleCnt="3"/>
+      <dgm:spPr>
+        <a:blipFill>
+          <a:blip xmlns:r="http://schemas.openxmlformats.org/officeDocument/2006/relationships" r:embed="rId3">
+            <a:extLst>
+              <a:ext uri="{28A0092B-C50C-407E-A947-70E740481C1C}">
+                <a14:useLocalDpi xmlns:a14="http://schemas.microsoft.com/office/drawing/2010/main" val="0"/>
+              </a:ext>
+              <a:ext uri="{96DAC541-7B7A-43D3-8B79-37D633B846F1}">
+                <asvg:svgBlip xmlns:asvg="http://schemas.microsoft.com/office/drawing/2016/SVG/main" r:embed="rId4"/>
+              </a:ext>
+            </a:extLst>
+          </a:blip>
+          <a:stretch>
+            <a:fillRect/>
+          </a:stretch>
+        </a:blipFill>
+        <a:ln>
+          <a:noFill/>
+        </a:ln>
+      </dgm:spPr>
+      <dgm:extLst>
+        <a:ext uri="{E40237B7-FDA0-4F09-8148-C483321AD2D9}">
+          <dgm14:cNvPr xmlns:dgm14="http://schemas.microsoft.com/office/drawing/2010/diagram" id="0" name="" descr="Utilisateur"/>
+        </a:ext>
+      </dgm:extLst>
+    </dgm:pt>
+    <dgm:pt modelId="{0A83CA2D-CF1E-4865-BAF1-C25CE3414651}" type="pres">
+      <dgm:prSet presAssocID="{B7415316-18D4-4211-ADDF-11F29F481C9B}" presName="spaceRect" presStyleCnt="0"/>
+      <dgm:spPr/>
+    </dgm:pt>
+    <dgm:pt modelId="{E9DFF8BD-5500-4EF1-90A5-767161752B35}" type="pres">
+      <dgm:prSet presAssocID="{B7415316-18D4-4211-ADDF-11F29F481C9B}" presName="textRect" presStyleLbl="revTx" presStyleIdx="1" presStyleCnt="3">
+        <dgm:presLayoutVars>
+          <dgm:chMax val="1"/>
+          <dgm:chPref val="1"/>
+        </dgm:presLayoutVars>
+      </dgm:prSet>
+      <dgm:spPr/>
+    </dgm:pt>
+    <dgm:pt modelId="{DC4D4FA6-FFCC-4F77-8D97-821D80AF68DC}" type="pres">
+      <dgm:prSet presAssocID="{662FBCF6-F6A7-4E55-A423-8ABFD0C56C65}" presName="sibTrans" presStyleCnt="0"/>
+      <dgm:spPr/>
+    </dgm:pt>
+    <dgm:pt modelId="{F2ED4490-4019-4C94-BAF8-95070044FA03}" type="pres">
+      <dgm:prSet presAssocID="{7528CC87-656B-46FE-801E-A5CC770FFD4A}" presName="compNode" presStyleCnt="0"/>
+      <dgm:spPr/>
+    </dgm:pt>
+    <dgm:pt modelId="{89F4C9F3-4C14-4542-9F02-A7F7EC6958E7}" type="pres">
+      <dgm:prSet presAssocID="{7528CC87-656B-46FE-801E-A5CC770FFD4A}" presName="iconBgRect" presStyleLbl="bgShp" presStyleIdx="2" presStyleCnt="3"/>
+      <dgm:spPr>
+        <a:prstGeom prst="round2DiagRect">
+          <a:avLst>
+            <a:gd name="adj1" fmla="val 29727"/>
+            <a:gd name="adj2" fmla="val 0"/>
+          </a:avLst>
+        </a:prstGeom>
+      </dgm:spPr>
+    </dgm:pt>
+    <dgm:pt modelId="{D7CA03FA-C5C4-46CA-8219-09CBE724EC9B}" type="pres">
+      <dgm:prSet presAssocID="{7528CC87-656B-46FE-801E-A5CC770FFD4A}" presName="iconRect" presStyleLbl="node1" presStyleIdx="2" presStyleCnt="3"/>
+      <dgm:spPr>
+        <a:blipFill>
+          <a:blip xmlns:r="http://schemas.openxmlformats.org/officeDocument/2006/relationships" r:embed="rId5">
+            <a:extLst>
+              <a:ext uri="{28A0092B-C50C-407E-A947-70E740481C1C}">
+                <a14:useLocalDpi xmlns:a14="http://schemas.microsoft.com/office/drawing/2010/main" val="0"/>
+              </a:ext>
+              <a:ext uri="{96DAC541-7B7A-43D3-8B79-37D633B846F1}">
+                <asvg:svgBlip xmlns:asvg="http://schemas.microsoft.com/office/drawing/2016/SVG/main" r:embed="rId6"/>
+              </a:ext>
+            </a:extLst>
+          </a:blip>
+          <a:stretch>
+            <a:fillRect/>
+          </a:stretch>
+        </a:blipFill>
+        <a:ln>
+          <a:noFill/>
+        </a:ln>
+      </dgm:spPr>
+      <dgm:extLst>
+        <a:ext uri="{E40237B7-FDA0-4F09-8148-C483321AD2D9}">
+          <dgm14:cNvPr xmlns:dgm14="http://schemas.microsoft.com/office/drawing/2010/diagram" id="0" name="" descr="Hiérarchie"/>
+        </a:ext>
+      </dgm:extLst>
+    </dgm:pt>
+    <dgm:pt modelId="{F5FBC82E-1168-488F-88CC-27EEC6E553B3}" type="pres">
+      <dgm:prSet presAssocID="{7528CC87-656B-46FE-801E-A5CC770FFD4A}" presName="spaceRect" presStyleCnt="0"/>
+      <dgm:spPr/>
+    </dgm:pt>
+    <dgm:pt modelId="{F80F145E-6C89-4ED3-94F4-1A1A792E7E59}" type="pres">
+      <dgm:prSet presAssocID="{7528CC87-656B-46FE-801E-A5CC770FFD4A}" presName="textRect" presStyleLbl="revTx" presStyleIdx="2" presStyleCnt="3">
+        <dgm:presLayoutVars>
+          <dgm:chMax val="1"/>
+          <dgm:chPref val="1"/>
+        </dgm:presLayoutVars>
+      </dgm:prSet>
+      <dgm:spPr/>
+    </dgm:pt>
+  </dgm:ptLst>
+  <dgm:cxnLst>
+    <dgm:cxn modelId="{5B2B9D26-63EA-4549-A366-CB99BAE134BB}" srcId="{8D5D370A-E697-4655-981E-D154749AFE28}" destId="{EAF05CD8-5527-4764-8D96-A9F784B807B7}" srcOrd="0" destOrd="0" parTransId="{4B237981-BEC2-4853-82A0-6FF484D76AFA}" sibTransId="{EC865E69-5295-45A6-A622-88C1DC83B3F0}"/>
+    <dgm:cxn modelId="{6CF1A961-5934-4D51-90B7-BFCA4697AEE5}" type="presOf" srcId="{EAF05CD8-5527-4764-8D96-A9F784B807B7}" destId="{82E8D6EC-2CA4-41F1-B3D4-7951FC490005}" srcOrd="0" destOrd="0" presId="urn:microsoft.com/office/officeart/2018/5/layout/IconLeafLabelList"/>
+    <dgm:cxn modelId="{50F15C42-6A9D-4563-B65D-91EBE0330C2A}" type="presOf" srcId="{8D5D370A-E697-4655-981E-D154749AFE28}" destId="{51B54631-3AE4-478D-9132-1E18949AE162}" srcOrd="0" destOrd="0" presId="urn:microsoft.com/office/officeart/2018/5/layout/IconLeafLabelList"/>
+    <dgm:cxn modelId="{47016092-4EC0-431E-AC48-F3987AB7A9DE}" type="presOf" srcId="{7528CC87-656B-46FE-801E-A5CC770FFD4A}" destId="{F80F145E-6C89-4ED3-94F4-1A1A792E7E59}" srcOrd="0" destOrd="0" presId="urn:microsoft.com/office/officeart/2018/5/layout/IconLeafLabelList"/>
+    <dgm:cxn modelId="{7A3B5FA1-645F-474B-84ED-B1AE5A7FAC87}" srcId="{8D5D370A-E697-4655-981E-D154749AFE28}" destId="{7528CC87-656B-46FE-801E-A5CC770FFD4A}" srcOrd="2" destOrd="0" parTransId="{10653E43-17B1-456E-B624-CD8D9F154161}" sibTransId="{1733F095-5CCF-4EB1-9D24-2816CD717E7F}"/>
+    <dgm:cxn modelId="{1D11CCA1-C485-4EE4-9D19-EE18518B55ED}" srcId="{8D5D370A-E697-4655-981E-D154749AFE28}" destId="{B7415316-18D4-4211-ADDF-11F29F481C9B}" srcOrd="1" destOrd="0" parTransId="{D25AE4DC-40A3-454B-A960-5BEA96F59B00}" sibTransId="{662FBCF6-F6A7-4E55-A423-8ABFD0C56C65}"/>
+    <dgm:cxn modelId="{3F5160B3-DD03-427F-9B72-FA95C776BC5D}" type="presOf" srcId="{B7415316-18D4-4211-ADDF-11F29F481C9B}" destId="{E9DFF8BD-5500-4EF1-90A5-767161752B35}" srcOrd="0" destOrd="0" presId="urn:microsoft.com/office/officeart/2018/5/layout/IconLeafLabelList"/>
+    <dgm:cxn modelId="{C298F5E2-DCBB-4D40-968C-6F3C42B31B6D}" type="presParOf" srcId="{51B54631-3AE4-478D-9132-1E18949AE162}" destId="{909F6919-9595-46FA-ACEE-EA7B4360ACE5}" srcOrd="0" destOrd="0" presId="urn:microsoft.com/office/officeart/2018/5/layout/IconLeafLabelList"/>
+    <dgm:cxn modelId="{E51D5CF7-1BBD-47FC-9C2B-E9E47D6C8778}" type="presParOf" srcId="{909F6919-9595-46FA-ACEE-EA7B4360ACE5}" destId="{133CA30F-7CAA-4D4C-A5ED-8991407D1A83}" srcOrd="0" destOrd="0" presId="urn:microsoft.com/office/officeart/2018/5/layout/IconLeafLabelList"/>
+    <dgm:cxn modelId="{D60464A6-93C3-4E55-963C-7F76EFF1E2B2}" type="presParOf" srcId="{909F6919-9595-46FA-ACEE-EA7B4360ACE5}" destId="{218D1B94-760A-4363-91FB-2EBD6E43C3CB}" srcOrd="1" destOrd="0" presId="urn:microsoft.com/office/officeart/2018/5/layout/IconLeafLabelList"/>
+    <dgm:cxn modelId="{050E2DBF-EC08-4E3C-A3A0-C89930CB5003}" type="presParOf" srcId="{909F6919-9595-46FA-ACEE-EA7B4360ACE5}" destId="{DFF64312-B175-4DBC-848F-37B91B069314}" srcOrd="2" destOrd="0" presId="urn:microsoft.com/office/officeart/2018/5/layout/IconLeafLabelList"/>
+    <dgm:cxn modelId="{868A7178-17B3-44CB-941E-AA785D4CED5E}" type="presParOf" srcId="{909F6919-9595-46FA-ACEE-EA7B4360ACE5}" destId="{82E8D6EC-2CA4-41F1-B3D4-7951FC490005}" srcOrd="3" destOrd="0" presId="urn:microsoft.com/office/officeart/2018/5/layout/IconLeafLabelList"/>
+    <dgm:cxn modelId="{B482710C-D120-40B4-A03C-3733E08FA1E2}" type="presParOf" srcId="{51B54631-3AE4-478D-9132-1E18949AE162}" destId="{C568AB18-8D50-4EA1-83A5-EBA789740C06}" srcOrd="1" destOrd="0" presId="urn:microsoft.com/office/officeart/2018/5/layout/IconLeafLabelList"/>
+    <dgm:cxn modelId="{A6B8070B-4073-4267-8D32-5203F0BC35D2}" type="presParOf" srcId="{51B54631-3AE4-478D-9132-1E18949AE162}" destId="{81729F6F-FEE6-4910-9F7F-43DC374704D2}" srcOrd="2" destOrd="0" presId="urn:microsoft.com/office/officeart/2018/5/layout/IconLeafLabelList"/>
+    <dgm:cxn modelId="{A1EDB232-8A11-442B-BD48-70BFDDC8A60A}" type="presParOf" srcId="{81729F6F-FEE6-4910-9F7F-43DC374704D2}" destId="{7ABD3D99-869A-44A4-AEE9-E7E3104B0656}" srcOrd="0" destOrd="0" presId="urn:microsoft.com/office/officeart/2018/5/layout/IconLeafLabelList"/>
+    <dgm:cxn modelId="{E1DB0383-1803-4A23-A9B1-DFD05AF620E0}" type="presParOf" srcId="{81729F6F-FEE6-4910-9F7F-43DC374704D2}" destId="{364BECC4-BBF8-455A-8EA4-CC7C0CC4CE27}" srcOrd="1" destOrd="0" presId="urn:microsoft.com/office/officeart/2018/5/layout/IconLeafLabelList"/>
+    <dgm:cxn modelId="{7BAB1193-AD03-4015-9C18-17849EF5BFD2}" type="presParOf" srcId="{81729F6F-FEE6-4910-9F7F-43DC374704D2}" destId="{0A83CA2D-CF1E-4865-BAF1-C25CE3414651}" srcOrd="2" destOrd="0" presId="urn:microsoft.com/office/officeart/2018/5/layout/IconLeafLabelList"/>
+    <dgm:cxn modelId="{45618480-D5AE-4410-AD78-2D21EBDDCADA}" type="presParOf" srcId="{81729F6F-FEE6-4910-9F7F-43DC374704D2}" destId="{E9DFF8BD-5500-4EF1-90A5-767161752B35}" srcOrd="3" destOrd="0" presId="urn:microsoft.com/office/officeart/2018/5/layout/IconLeafLabelList"/>
+    <dgm:cxn modelId="{A365E0AF-0820-4E32-B789-81DC3F1C32C8}" type="presParOf" srcId="{51B54631-3AE4-478D-9132-1E18949AE162}" destId="{DC4D4FA6-FFCC-4F77-8D97-821D80AF68DC}" srcOrd="3" destOrd="0" presId="urn:microsoft.com/office/officeart/2018/5/layout/IconLeafLabelList"/>
+    <dgm:cxn modelId="{AC9F415C-7955-48DD-BBC3-8336641E9F9C}" type="presParOf" srcId="{51B54631-3AE4-478D-9132-1E18949AE162}" destId="{F2ED4490-4019-4C94-BAF8-95070044FA03}" srcOrd="4" destOrd="0" presId="urn:microsoft.com/office/officeart/2018/5/layout/IconLeafLabelList"/>
+    <dgm:cxn modelId="{9154FA4E-5824-4EEE-9735-A5E1B94E966C}" type="presParOf" srcId="{F2ED4490-4019-4C94-BAF8-95070044FA03}" destId="{89F4C9F3-4C14-4542-9F02-A7F7EC6958E7}" srcOrd="0" destOrd="0" presId="urn:microsoft.com/office/officeart/2018/5/layout/IconLeafLabelList"/>
+    <dgm:cxn modelId="{7D95F093-1002-492A-85D9-176D54B3FFA4}" type="presParOf" srcId="{F2ED4490-4019-4C94-BAF8-95070044FA03}" destId="{D7CA03FA-C5C4-46CA-8219-09CBE724EC9B}" srcOrd="1" destOrd="0" presId="urn:microsoft.com/office/officeart/2018/5/layout/IconLeafLabelList"/>
+    <dgm:cxn modelId="{1DFC8356-B4E2-43E9-BBC3-5B121583F0C3}" type="presParOf" srcId="{F2ED4490-4019-4C94-BAF8-95070044FA03}" destId="{F5FBC82E-1168-488F-88CC-27EEC6E553B3}" srcOrd="2" destOrd="0" presId="urn:microsoft.com/office/officeart/2018/5/layout/IconLeafLabelList"/>
+    <dgm:cxn modelId="{F29C1527-65B0-4229-B42C-9D6FB2C2D576}" type="presParOf" srcId="{F2ED4490-4019-4C94-BAF8-95070044FA03}" destId="{F80F145E-6C89-4ED3-94F4-1A1A792E7E59}" srcOrd="3" destOrd="0" presId="urn:microsoft.com/office/officeart/2018/5/layout/IconLeafLabelList"/>
+  </dgm:cxnLst>
+  <dgm:bg/>
+  <dgm:whole/>
+  <dgm:extLst>
+    <a:ext uri="http://schemas.microsoft.com/office/drawing/2008/diagram">
+      <dsp:dataModelExt xmlns:dsp="http://schemas.microsoft.com/office/drawing/2008/diagram" relId="rId6" minVer="http://schemas.openxmlformats.org/drawingml/2006/diagram"/>
     </a:ext>
   </dgm:extLst>
 </dgm:dataModel>
@@ -6031,6 +7151,480 @@
       </dsp:txBody>
       <dsp:txXfrm>
         <a:off x="7628133" y="3018902"/>
+        <a:ext cx="3206250" cy="720000"/>
+      </dsp:txXfrm>
+    </dsp:sp>
+  </dsp:spTree>
+</dsp:drawing>
+</file>
+
+<file path=ppt/diagrams/drawing4.xml><?xml version="1.0" encoding="utf-8"?>
+<dsp:drawing xmlns:dgm="http://schemas.openxmlformats.org/drawingml/2006/diagram" xmlns:dsp="http://schemas.microsoft.com/office/drawing/2008/diagram" xmlns:a="http://schemas.openxmlformats.org/drawingml/2006/main">
+  <dsp:spTree>
+    <dsp:nvGrpSpPr>
+      <dsp:cNvPr id="0" name=""/>
+      <dsp:cNvGrpSpPr/>
+    </dsp:nvGrpSpPr>
+    <dsp:grpSpPr/>
+    <dsp:sp modelId="{133CA30F-7CAA-4D4C-A5ED-8991407D1A83}">
+      <dsp:nvSpPr>
+        <dsp:cNvPr id="0" name=""/>
+        <dsp:cNvSpPr/>
+      </dsp:nvSpPr>
+      <dsp:spPr>
+        <a:xfrm>
+          <a:off x="718664" y="202202"/>
+          <a:ext cx="1955812" cy="1955812"/>
+        </a:xfrm>
+        <a:prstGeom prst="round2DiagRect">
+          <a:avLst>
+            <a:gd name="adj1" fmla="val 29727"/>
+            <a:gd name="adj2" fmla="val 0"/>
+          </a:avLst>
+        </a:prstGeom>
+        <a:solidFill>
+          <a:schemeClr val="dk2">
+            <a:hueOff val="0"/>
+            <a:satOff val="0"/>
+            <a:lumOff val="0"/>
+            <a:alphaOff val="0"/>
+          </a:schemeClr>
+        </a:solidFill>
+        <a:ln>
+          <a:noFill/>
+        </a:ln>
+        <a:effectLst/>
+      </dsp:spPr>
+      <dsp:style>
+        <a:lnRef idx="0">
+          <a:scrgbClr r="0" g="0" b="0"/>
+        </a:lnRef>
+        <a:fillRef idx="1">
+          <a:scrgbClr r="0" g="0" b="0"/>
+        </a:fillRef>
+        <a:effectRef idx="0">
+          <a:scrgbClr r="0" g="0" b="0"/>
+        </a:effectRef>
+        <a:fontRef idx="minor"/>
+      </dsp:style>
+    </dsp:sp>
+    <dsp:sp modelId="{218D1B94-760A-4363-91FB-2EBD6E43C3CB}">
+      <dsp:nvSpPr>
+        <dsp:cNvPr id="0" name=""/>
+        <dsp:cNvSpPr/>
+      </dsp:nvSpPr>
+      <dsp:spPr>
+        <a:xfrm>
+          <a:off x="1135476" y="619014"/>
+          <a:ext cx="1122187" cy="1122187"/>
+        </a:xfrm>
+        <a:prstGeom prst="rect">
+          <a:avLst/>
+        </a:prstGeom>
+        <a:blipFill>
+          <a:blip xmlns:r="http://schemas.openxmlformats.org/officeDocument/2006/relationships" r:embed="rId1">
+            <a:extLst>
+              <a:ext uri="{28A0092B-C50C-407E-A947-70E740481C1C}">
+                <a14:useLocalDpi xmlns:a14="http://schemas.microsoft.com/office/drawing/2010/main" val="0"/>
+              </a:ext>
+              <a:ext uri="{96DAC541-7B7A-43D3-8B79-37D633B846F1}">
+                <asvg:svgBlip xmlns:asvg="http://schemas.microsoft.com/office/drawing/2016/SVG/main" r:embed="rId2"/>
+              </a:ext>
+            </a:extLst>
+          </a:blip>
+          <a:stretch>
+            <a:fillRect/>
+          </a:stretch>
+        </a:blipFill>
+        <a:ln w="19050" cap="flat" cmpd="sng" algn="ctr">
+          <a:noFill/>
+          <a:prstDash val="solid"/>
+          <a:miter lim="800000"/>
+        </a:ln>
+        <a:effectLst/>
+      </dsp:spPr>
+      <dsp:style>
+        <a:lnRef idx="2">
+          <a:scrgbClr r="0" g="0" b="0"/>
+        </a:lnRef>
+        <a:fillRef idx="1">
+          <a:scrgbClr r="0" g="0" b="0"/>
+        </a:fillRef>
+        <a:effectRef idx="0">
+          <a:scrgbClr r="0" g="0" b="0"/>
+        </a:effectRef>
+        <a:fontRef idx="minor">
+          <a:schemeClr val="lt1"/>
+        </a:fontRef>
+      </dsp:style>
+    </dsp:sp>
+    <dsp:sp modelId="{82E8D6EC-2CA4-41F1-B3D4-7951FC490005}">
+      <dsp:nvSpPr>
+        <dsp:cNvPr id="0" name=""/>
+        <dsp:cNvSpPr/>
+      </dsp:nvSpPr>
+      <dsp:spPr>
+        <a:xfrm>
+          <a:off x="93445" y="2767202"/>
+          <a:ext cx="3206250" cy="720000"/>
+        </a:xfrm>
+        <a:prstGeom prst="rect">
+          <a:avLst/>
+        </a:prstGeom>
+        <a:noFill/>
+        <a:ln>
+          <a:noFill/>
+        </a:ln>
+        <a:effectLst/>
+      </dsp:spPr>
+      <dsp:style>
+        <a:lnRef idx="0">
+          <a:scrgbClr r="0" g="0" b="0"/>
+        </a:lnRef>
+        <a:fillRef idx="0">
+          <a:scrgbClr r="0" g="0" b="0"/>
+        </a:fillRef>
+        <a:effectRef idx="0">
+          <a:scrgbClr r="0" g="0" b="0"/>
+        </a:effectRef>
+        <a:fontRef idx="minor"/>
+      </dsp:style>
+      <dsp:txBody>
+        <a:bodyPr spcFirstLastPara="0" vert="horz" wrap="square" lIns="0" tIns="0" rIns="0" bIns="0" numCol="1" spcCol="1270" anchor="t" anchorCtr="0">
+          <a:noAutofit/>
+        </a:bodyPr>
+        <a:lstStyle/>
+        <a:p>
+          <a:pPr marL="0" lvl="0" indent="0" algn="ctr" defTabSz="1111250">
+            <a:lnSpc>
+              <a:spcPct val="90000"/>
+            </a:lnSpc>
+            <a:spcBef>
+              <a:spcPct val="0"/>
+            </a:spcBef>
+            <a:spcAft>
+              <a:spcPct val="35000"/>
+            </a:spcAft>
+            <a:buNone/>
+            <a:defRPr cap="all"/>
+          </a:pPr>
+          <a:r>
+            <a:rPr lang="fr-FR" sz="2500" kern="1200"/>
+            <a:t>Intégration</a:t>
+          </a:r>
+          <a:endParaRPr lang="en-US" sz="2500" kern="1200"/>
+        </a:p>
+      </dsp:txBody>
+      <dsp:txXfrm>
+        <a:off x="93445" y="2767202"/>
+        <a:ext cx="3206250" cy="720000"/>
+      </dsp:txXfrm>
+    </dsp:sp>
+    <dsp:sp modelId="{7ABD3D99-869A-44A4-AEE9-E7E3104B0656}">
+      <dsp:nvSpPr>
+        <dsp:cNvPr id="0" name=""/>
+        <dsp:cNvSpPr/>
+      </dsp:nvSpPr>
+      <dsp:spPr>
+        <a:xfrm>
+          <a:off x="4486008" y="202202"/>
+          <a:ext cx="1955812" cy="1955812"/>
+        </a:xfrm>
+        <a:prstGeom prst="round2DiagRect">
+          <a:avLst>
+            <a:gd name="adj1" fmla="val 29727"/>
+            <a:gd name="adj2" fmla="val 0"/>
+          </a:avLst>
+        </a:prstGeom>
+        <a:solidFill>
+          <a:schemeClr val="dk2">
+            <a:hueOff val="0"/>
+            <a:satOff val="0"/>
+            <a:lumOff val="0"/>
+            <a:alphaOff val="0"/>
+          </a:schemeClr>
+        </a:solidFill>
+        <a:ln>
+          <a:noFill/>
+        </a:ln>
+        <a:effectLst/>
+      </dsp:spPr>
+      <dsp:style>
+        <a:lnRef idx="0">
+          <a:scrgbClr r="0" g="0" b="0"/>
+        </a:lnRef>
+        <a:fillRef idx="1">
+          <a:scrgbClr r="0" g="0" b="0"/>
+        </a:fillRef>
+        <a:effectRef idx="0">
+          <a:scrgbClr r="0" g="0" b="0"/>
+        </a:effectRef>
+        <a:fontRef idx="minor"/>
+      </dsp:style>
+    </dsp:sp>
+    <dsp:sp modelId="{364BECC4-BBF8-455A-8EA4-CC7C0CC4CE27}">
+      <dsp:nvSpPr>
+        <dsp:cNvPr id="0" name=""/>
+        <dsp:cNvSpPr/>
+      </dsp:nvSpPr>
+      <dsp:spPr>
+        <a:xfrm>
+          <a:off x="4902820" y="619014"/>
+          <a:ext cx="1122187" cy="1122187"/>
+        </a:xfrm>
+        <a:prstGeom prst="rect">
+          <a:avLst/>
+        </a:prstGeom>
+        <a:blipFill>
+          <a:blip xmlns:r="http://schemas.openxmlformats.org/officeDocument/2006/relationships" r:embed="rId3">
+            <a:extLst>
+              <a:ext uri="{28A0092B-C50C-407E-A947-70E740481C1C}">
+                <a14:useLocalDpi xmlns:a14="http://schemas.microsoft.com/office/drawing/2010/main" val="0"/>
+              </a:ext>
+              <a:ext uri="{96DAC541-7B7A-43D3-8B79-37D633B846F1}">
+                <asvg:svgBlip xmlns:asvg="http://schemas.microsoft.com/office/drawing/2016/SVG/main" r:embed="rId4"/>
+              </a:ext>
+            </a:extLst>
+          </a:blip>
+          <a:stretch>
+            <a:fillRect/>
+          </a:stretch>
+        </a:blipFill>
+        <a:ln w="19050" cap="flat" cmpd="sng" algn="ctr">
+          <a:noFill/>
+          <a:prstDash val="solid"/>
+          <a:miter lim="800000"/>
+        </a:ln>
+        <a:effectLst/>
+      </dsp:spPr>
+      <dsp:style>
+        <a:lnRef idx="2">
+          <a:scrgbClr r="0" g="0" b="0"/>
+        </a:lnRef>
+        <a:fillRef idx="1">
+          <a:scrgbClr r="0" g="0" b="0"/>
+        </a:fillRef>
+        <a:effectRef idx="0">
+          <a:scrgbClr r="0" g="0" b="0"/>
+        </a:effectRef>
+        <a:fontRef idx="minor">
+          <a:schemeClr val="lt1"/>
+        </a:fontRef>
+      </dsp:style>
+    </dsp:sp>
+    <dsp:sp modelId="{E9DFF8BD-5500-4EF1-90A5-767161752B35}">
+      <dsp:nvSpPr>
+        <dsp:cNvPr id="0" name=""/>
+        <dsp:cNvSpPr/>
+      </dsp:nvSpPr>
+      <dsp:spPr>
+        <a:xfrm>
+          <a:off x="3860789" y="2767202"/>
+          <a:ext cx="3206250" cy="720000"/>
+        </a:xfrm>
+        <a:prstGeom prst="rect">
+          <a:avLst/>
+        </a:prstGeom>
+        <a:noFill/>
+        <a:ln>
+          <a:noFill/>
+        </a:ln>
+        <a:effectLst/>
+      </dsp:spPr>
+      <dsp:style>
+        <a:lnRef idx="0">
+          <a:scrgbClr r="0" g="0" b="0"/>
+        </a:lnRef>
+        <a:fillRef idx="0">
+          <a:scrgbClr r="0" g="0" b="0"/>
+        </a:fillRef>
+        <a:effectRef idx="0">
+          <a:scrgbClr r="0" g="0" b="0"/>
+        </a:effectRef>
+        <a:fontRef idx="minor"/>
+      </dsp:style>
+      <dsp:txBody>
+        <a:bodyPr spcFirstLastPara="0" vert="horz" wrap="square" lIns="0" tIns="0" rIns="0" bIns="0" numCol="1" spcCol="1270" anchor="t" anchorCtr="0">
+          <a:noAutofit/>
+        </a:bodyPr>
+        <a:lstStyle/>
+        <a:p>
+          <a:pPr marL="0" lvl="0" indent="0" algn="ctr" defTabSz="1111250">
+            <a:lnSpc>
+              <a:spcPct val="90000"/>
+            </a:lnSpc>
+            <a:spcBef>
+              <a:spcPct val="0"/>
+            </a:spcBef>
+            <a:spcAft>
+              <a:spcPct val="35000"/>
+            </a:spcAft>
+            <a:buNone/>
+            <a:defRPr cap="all"/>
+          </a:pPr>
+          <a:r>
+            <a:rPr lang="fr-FR" sz="2500" kern="1200"/>
+            <a:t>Personnalisation</a:t>
+          </a:r>
+          <a:endParaRPr lang="en-US" sz="2500" kern="1200"/>
+        </a:p>
+      </dsp:txBody>
+      <dsp:txXfrm>
+        <a:off x="3860789" y="2767202"/>
+        <a:ext cx="3206250" cy="720000"/>
+      </dsp:txXfrm>
+    </dsp:sp>
+    <dsp:sp modelId="{89F4C9F3-4C14-4542-9F02-A7F7EC6958E7}">
+      <dsp:nvSpPr>
+        <dsp:cNvPr id="0" name=""/>
+        <dsp:cNvSpPr/>
+      </dsp:nvSpPr>
+      <dsp:spPr>
+        <a:xfrm>
+          <a:off x="8253352" y="202202"/>
+          <a:ext cx="1955812" cy="1955812"/>
+        </a:xfrm>
+        <a:prstGeom prst="round2DiagRect">
+          <a:avLst>
+            <a:gd name="adj1" fmla="val 29727"/>
+            <a:gd name="adj2" fmla="val 0"/>
+          </a:avLst>
+        </a:prstGeom>
+        <a:solidFill>
+          <a:schemeClr val="dk2">
+            <a:hueOff val="0"/>
+            <a:satOff val="0"/>
+            <a:lumOff val="0"/>
+            <a:alphaOff val="0"/>
+          </a:schemeClr>
+        </a:solidFill>
+        <a:ln>
+          <a:noFill/>
+        </a:ln>
+        <a:effectLst/>
+      </dsp:spPr>
+      <dsp:style>
+        <a:lnRef idx="0">
+          <a:scrgbClr r="0" g="0" b="0"/>
+        </a:lnRef>
+        <a:fillRef idx="1">
+          <a:scrgbClr r="0" g="0" b="0"/>
+        </a:fillRef>
+        <a:effectRef idx="0">
+          <a:scrgbClr r="0" g="0" b="0"/>
+        </a:effectRef>
+        <a:fontRef idx="minor"/>
+      </dsp:style>
+    </dsp:sp>
+    <dsp:sp modelId="{D7CA03FA-C5C4-46CA-8219-09CBE724EC9B}">
+      <dsp:nvSpPr>
+        <dsp:cNvPr id="0" name=""/>
+        <dsp:cNvSpPr/>
+      </dsp:nvSpPr>
+      <dsp:spPr>
+        <a:xfrm>
+          <a:off x="8670164" y="619014"/>
+          <a:ext cx="1122187" cy="1122187"/>
+        </a:xfrm>
+        <a:prstGeom prst="rect">
+          <a:avLst/>
+        </a:prstGeom>
+        <a:blipFill>
+          <a:blip xmlns:r="http://schemas.openxmlformats.org/officeDocument/2006/relationships" r:embed="rId5">
+            <a:extLst>
+              <a:ext uri="{28A0092B-C50C-407E-A947-70E740481C1C}">
+                <a14:useLocalDpi xmlns:a14="http://schemas.microsoft.com/office/drawing/2010/main" val="0"/>
+              </a:ext>
+              <a:ext uri="{96DAC541-7B7A-43D3-8B79-37D633B846F1}">
+                <asvg:svgBlip xmlns:asvg="http://schemas.microsoft.com/office/drawing/2016/SVG/main" r:embed="rId6"/>
+              </a:ext>
+            </a:extLst>
+          </a:blip>
+          <a:stretch>
+            <a:fillRect/>
+          </a:stretch>
+        </a:blipFill>
+        <a:ln w="19050" cap="flat" cmpd="sng" algn="ctr">
+          <a:noFill/>
+          <a:prstDash val="solid"/>
+          <a:miter lim="800000"/>
+        </a:ln>
+        <a:effectLst/>
+      </dsp:spPr>
+      <dsp:style>
+        <a:lnRef idx="2">
+          <a:scrgbClr r="0" g="0" b="0"/>
+        </a:lnRef>
+        <a:fillRef idx="1">
+          <a:scrgbClr r="0" g="0" b="0"/>
+        </a:fillRef>
+        <a:effectRef idx="0">
+          <a:scrgbClr r="0" g="0" b="0"/>
+        </a:effectRef>
+        <a:fontRef idx="minor">
+          <a:schemeClr val="lt1"/>
+        </a:fontRef>
+      </dsp:style>
+    </dsp:sp>
+    <dsp:sp modelId="{F80F145E-6C89-4ED3-94F4-1A1A792E7E59}">
+      <dsp:nvSpPr>
+        <dsp:cNvPr id="0" name=""/>
+        <dsp:cNvSpPr/>
+      </dsp:nvSpPr>
+      <dsp:spPr>
+        <a:xfrm>
+          <a:off x="7628133" y="2767202"/>
+          <a:ext cx="3206250" cy="720000"/>
+        </a:xfrm>
+        <a:prstGeom prst="rect">
+          <a:avLst/>
+        </a:prstGeom>
+        <a:noFill/>
+        <a:ln>
+          <a:noFill/>
+        </a:ln>
+        <a:effectLst/>
+      </dsp:spPr>
+      <dsp:style>
+        <a:lnRef idx="0">
+          <a:scrgbClr r="0" g="0" b="0"/>
+        </a:lnRef>
+        <a:fillRef idx="0">
+          <a:scrgbClr r="0" g="0" b="0"/>
+        </a:fillRef>
+        <a:effectRef idx="0">
+          <a:scrgbClr r="0" g="0" b="0"/>
+        </a:effectRef>
+        <a:fontRef idx="minor"/>
+      </dsp:style>
+      <dsp:txBody>
+        <a:bodyPr spcFirstLastPara="0" vert="horz" wrap="square" lIns="0" tIns="0" rIns="0" bIns="0" numCol="1" spcCol="1270" anchor="t" anchorCtr="0">
+          <a:noAutofit/>
+        </a:bodyPr>
+        <a:lstStyle/>
+        <a:p>
+          <a:pPr marL="0" lvl="0" indent="0" algn="ctr" defTabSz="1111250">
+            <a:lnSpc>
+              <a:spcPct val="90000"/>
+            </a:lnSpc>
+            <a:spcBef>
+              <a:spcPct val="0"/>
+            </a:spcBef>
+            <a:spcAft>
+              <a:spcPct val="35000"/>
+            </a:spcAft>
+            <a:buNone/>
+            <a:defRPr cap="all"/>
+          </a:pPr>
+          <a:r>
+            <a:rPr lang="fr-FR" sz="2500" kern="1200"/>
+            <a:t>Multi-classification</a:t>
+          </a:r>
+          <a:endParaRPr lang="en-US" sz="2500" kern="1200"/>
+        </a:p>
+      </dsp:txBody>
+      <dsp:txXfrm>
+        <a:off x="7628133" y="2767202"/>
         <a:ext cx="3206250" cy="720000"/>
       </dsp:txXfrm>
     </dsp:sp>
@@ -6683,6 +8277,233 @@
 </dgm:layoutDef>
 </file>
 
+<file path=ppt/diagrams/layout4.xml><?xml version="1.0" encoding="utf-8"?>
+<dgm:layoutDef xmlns:dgm="http://schemas.openxmlformats.org/drawingml/2006/diagram" xmlns:a="http://schemas.openxmlformats.org/drawingml/2006/main" uniqueId="urn:microsoft.com/office/officeart/2018/5/layout/IconLeafLabelList">
+  <dgm:title val="Icon Leaf Label List"/>
+  <dgm:desc val="Use to show non-sequential or grouped chunks of information accompanied by a related visuals. Works best with icons or small pictures with short text captions."/>
+  <dgm:catLst>
+    <dgm:cat type="icon" pri="500"/>
+  </dgm:catLst>
+  <dgm:sampData useDef="1">
+    <dgm:dataModel>
+      <dgm:ptLst/>
+      <dgm:bg/>
+      <dgm:whole/>
+    </dgm:dataModel>
+  </dgm:sampData>
+  <dgm:styleData useDef="1">
+    <dgm:dataModel>
+      <dgm:ptLst/>
+      <dgm:bg/>
+      <dgm:whole/>
+    </dgm:dataModel>
+  </dgm:styleData>
+  <dgm:clrData useDef="1">
+    <dgm:dataModel>
+      <dgm:ptLst/>
+      <dgm:bg/>
+      <dgm:whole/>
+    </dgm:dataModel>
+  </dgm:clrData>
+  <dgm:layoutNode name="root">
+    <dgm:varLst>
+      <dgm:dir/>
+      <dgm:resizeHandles val="exact"/>
+    </dgm:varLst>
+    <dgm:choose name="Name0">
+      <dgm:if name="Name1" axis="self" func="var" arg="dir" op="equ" val="norm">
+        <dgm:alg type="snake">
+          <dgm:param type="grDir" val="tL"/>
+          <dgm:param type="flowDir" val="row"/>
+          <dgm:param type="contDir" val="sameDir"/>
+          <dgm:param type="off" val="ctr"/>
+          <dgm:param type="vertAlign" val="mid"/>
+          <dgm:param type="horzAlign" val="ctr"/>
+        </dgm:alg>
+      </dgm:if>
+      <dgm:else name="Name2">
+        <dgm:alg type="snake">
+          <dgm:param type="grDir" val="tR"/>
+          <dgm:param type="flowDir" val="row"/>
+          <dgm:param type="contDir" val="sameDir"/>
+          <dgm:param type="off" val="ctr"/>
+          <dgm:param type="vertAlign" val="mid"/>
+          <dgm:param type="horzAlign" val="ctr"/>
+        </dgm:alg>
+      </dgm:else>
+    </dgm:choose>
+    <dgm:shape xmlns:r="http://schemas.openxmlformats.org/officeDocument/2006/relationships" r:blip="">
+      <dgm:adjLst/>
+    </dgm:shape>
+    <dgm:presOf/>
+    <dgm:choose name="Name3">
+      <dgm:if name="Name4" axis="ch" ptType="node" func="cnt" op="lte" val="2">
+        <dgm:constrLst>
+          <dgm:constr type="h" for="ch" forName="compNode" refType="h" fact="0.4"/>
+          <dgm:constr type="w" for="ch" forName="compNode" val="100"/>
+          <dgm:constr type="w" for="ch" forName="sibTrans" refType="w" refFor="ch" refForName="compNode" fact="0.175"/>
+          <dgm:constr type="sp" refType="w" refFor="ch" refForName="compNode" op="equ" fact="0.25"/>
+          <dgm:constr type="primFontSz" for="des" ptType="node" op="equ" val="44"/>
+          <dgm:constr type="h" for="des" forName="compNode" op="equ"/>
+          <dgm:constr type="h" for="des" forName="textRect" op="equ"/>
+        </dgm:constrLst>
+      </dgm:if>
+      <dgm:if name="Name5" axis="ch" ptType="node" func="cnt" op="lte" val="3">
+        <dgm:constrLst>
+          <dgm:constr type="h" for="ch" forName="compNode" refType="h" fact="0.4"/>
+          <dgm:constr type="w" for="ch" forName="compNode" val="100"/>
+          <dgm:constr type="w" for="ch" forName="sibTrans" refType="w" refFor="ch" refForName="compNode" fact="0.175"/>
+          <dgm:constr type="sp" refType="w" refFor="ch" refForName="compNode" op="equ" fact="0.25"/>
+          <dgm:constr type="primFontSz" for="des" ptType="node" op="equ" val="40"/>
+          <dgm:constr type="h" for="des" forName="compNode" op="equ"/>
+          <dgm:constr type="h" for="des" forName="textRect" op="equ"/>
+        </dgm:constrLst>
+      </dgm:if>
+      <dgm:if name="Name6" axis="ch" ptType="node" func="cnt" op="lte" val="4">
+        <dgm:constrLst>
+          <dgm:constr type="h" for="ch" forName="compNode" refType="h" fact="0.4"/>
+          <dgm:constr type="w" for="ch" forName="compNode" refType="w"/>
+          <dgm:constr type="w" for="ch" forName="sibTrans" refType="w" refFor="ch" refForName="compNode" fact="0.175"/>
+          <dgm:constr type="sp" refType="w" refFor="ch" refForName="compNode" op="equ" fact="0.25"/>
+          <dgm:constr type="primFontSz" for="des" ptType="node" op="equ" val="32"/>
+          <dgm:constr type="h" for="des" forName="compNode" op="equ"/>
+          <dgm:constr type="h" for="des" forName="textRect" op="equ"/>
+        </dgm:constrLst>
+      </dgm:if>
+      <dgm:else name="Name7">
+        <dgm:constrLst>
+          <dgm:constr type="h" for="ch" forName="compNode" refType="h" fact="0.4"/>
+          <dgm:constr type="w" for="ch" forName="compNode" refType="w"/>
+          <dgm:constr type="w" for="ch" forName="sibTrans" refType="w" refFor="ch" refForName="compNode" fact="0.175"/>
+          <dgm:constr type="sp" refType="w" refFor="ch" refForName="compNode" op="equ" fact="0.25"/>
+          <dgm:constr type="primFontSz" for="des" ptType="node" op="equ" val="24"/>
+          <dgm:constr type="h" for="des" forName="compNode" op="equ"/>
+          <dgm:constr type="h" for="des" forName="textRect" op="equ"/>
+        </dgm:constrLst>
+      </dgm:else>
+    </dgm:choose>
+    <dgm:ruleLst>
+      <dgm:rule type="w" for="ch" forName="compNode" val="50" fact="NaN" max="NaN"/>
+    </dgm:ruleLst>
+    <dgm:forEach name="Name8" axis="ch" ptType="node">
+      <dgm:layoutNode name="compNode">
+        <dgm:alg type="composite"/>
+        <dgm:shape xmlns:r="http://schemas.openxmlformats.org/officeDocument/2006/relationships" r:blip="">
+          <dgm:adjLst/>
+        </dgm:shape>
+        <dgm:presOf axis="self"/>
+        <dgm:constrLst>
+          <dgm:constr type="w" for="ch" forName="iconBgRect" refType="w" fact="0.61"/>
+          <dgm:constr type="h" for="ch" forName="iconBgRect" refType="w" refFor="ch" refForName="iconBgRect"/>
+          <dgm:constr type="t" for="ch" forName="iconBgRect"/>
+          <dgm:constr type="ctrX" for="ch" forName="iconBgRect" refType="w" fact="0.5"/>
+          <dgm:constr type="w" for="ch" forName="iconRect" refType="w" fact="0.35"/>
+          <dgm:constr type="h" for="ch" forName="iconRect" refType="w" refFor="ch" refForName="iconRect"/>
+          <dgm:constr type="ctrX" for="ch" forName="iconRect" refType="ctrX" refFor="ch" refForName="iconBgRect"/>
+          <dgm:constr type="ctrY" for="ch" forName="iconRect" refType="ctrY" refFor="ch" refForName="iconBgRect"/>
+          <dgm:constr type="h" for="ch" forName="spaceRect" refType="w" fact="0.19"/>
+          <dgm:constr type="w" for="ch" forName="spaceRect" refType="w"/>
+          <dgm:constr type="l" for="ch" forName="spaceRect"/>
+          <dgm:constr type="t" for="ch" forName="spaceRect" refType="b" refFor="ch" refForName="iconBgRect"/>
+          <dgm:constr type="h" for="ch" forName="textRect" val="20"/>
+          <dgm:constr type="w" for="ch" forName="textRect" refType="w"/>
+          <dgm:constr type="l" for="ch" forName="textRect"/>
+          <dgm:constr type="t" for="ch" forName="textRect" refType="b" refFor="ch" refForName="spaceRect"/>
+        </dgm:constrLst>
+        <dgm:ruleLst>
+          <dgm:rule type="h" val="INF" fact="NaN" max="NaN"/>
+        </dgm:ruleLst>
+        <dgm:layoutNode name="iconBgRect" styleLbl="bgShp">
+          <dgm:alg type="sp"/>
+          <dgm:shape xmlns:r="http://schemas.openxmlformats.org/officeDocument/2006/relationships" type="round2DiagRect" r:blip="">
+            <dgm:adjLst/>
+            <dgm:extLst>
+              <a:ext uri="{B698B0E9-8C71-41B9-8309-B3DCBF30829C}">
+                <dgm1612:spPr xmlns:dgm1612="http://schemas.microsoft.com/office/drawing/2016/12/diagram">
+                  <a:prstGeom prst="round2DiagRect">
+                    <a:avLst>
+                      <a:gd name="adj1" fmla="val 29727"/>
+                      <a:gd name="adj2" fmla="val 0"/>
+                    </a:avLst>
+                  </a:prstGeom>
+                </dgm1612:spPr>
+              </a:ext>
+            </dgm:extLst>
+          </dgm:shape>
+          <dgm:presOf/>
+          <dgm:constrLst/>
+          <dgm:ruleLst/>
+        </dgm:layoutNode>
+        <dgm:layoutNode name="iconRect" styleLbl="node1">
+          <dgm:alg type="sp"/>
+          <dgm:shape xmlns:r="http://schemas.openxmlformats.org/officeDocument/2006/relationships" type="rect" r:blip="" blipPhldr="1">
+            <dgm:adjLst/>
+          </dgm:shape>
+          <dgm:presOf/>
+          <dgm:constrLst/>
+          <dgm:ruleLst/>
+        </dgm:layoutNode>
+        <dgm:layoutNode name="spaceRect">
+          <dgm:alg type="sp"/>
+          <dgm:shape xmlns:r="http://schemas.openxmlformats.org/officeDocument/2006/relationships" r:blip="">
+            <dgm:adjLst/>
+          </dgm:shape>
+          <dgm:presOf/>
+          <dgm:constrLst/>
+          <dgm:ruleLst/>
+        </dgm:layoutNode>
+        <dgm:layoutNode name="textRect" styleLbl="revTx">
+          <dgm:varLst>
+            <dgm:chMax val="1"/>
+            <dgm:chPref val="1"/>
+          </dgm:varLst>
+          <dgm:alg type="tx">
+            <dgm:param type="txAnchorVert" val="t"/>
+          </dgm:alg>
+          <dgm:shape xmlns:r="http://schemas.openxmlformats.org/officeDocument/2006/relationships" type="rect" r:blip="">
+            <dgm:adjLst/>
+          </dgm:shape>
+          <dgm:presOf axis="self" ptType="node"/>
+          <dgm:constrLst>
+            <dgm:constr type="lMarg"/>
+            <dgm:constr type="rMarg"/>
+            <dgm:constr type="tMarg"/>
+            <dgm:constr type="bMarg"/>
+          </dgm:constrLst>
+          <dgm:ruleLst>
+            <dgm:rule type="primFontSz" val="11" fact="NaN" max="NaN"/>
+            <dgm:rule type="h" val="INF" fact="NaN" max="NaN"/>
+          </dgm:ruleLst>
+        </dgm:layoutNode>
+      </dgm:layoutNode>
+      <dgm:forEach name="Name9" axis="followSib" ptType="sibTrans" cnt="1">
+        <dgm:layoutNode name="sibTrans">
+          <dgm:alg type="sp"/>
+          <dgm:shape xmlns:r="http://schemas.openxmlformats.org/officeDocument/2006/relationships" r:blip="">
+            <dgm:adjLst/>
+          </dgm:shape>
+          <dgm:presOf axis="self"/>
+          <dgm:constrLst/>
+          <dgm:ruleLst/>
+        </dgm:layoutNode>
+      </dgm:forEach>
+    </dgm:forEach>
+  </dgm:layoutNode>
+  <dgm:extLst>
+    <a:ext uri="{68A01E43-0DF5-4B5B-8FA6-DAF915123BFB}">
+      <dgm1612:lstStyle xmlns:dgm1612="http://schemas.microsoft.com/office/drawing/2016/12/diagram">
+        <a:lvl1pPr>
+          <a:lnSpc>
+            <a:spcPct val="100000"/>
+          </a:lnSpc>
+          <a:defRPr cap="all"/>
+        </a:lvl1pPr>
+      </dgm1612:lstStyle>
+    </a:ext>
+  </dgm:extLst>
+</dgm:layoutDef>
+</file>
+
 <file path=ppt/diagrams/quickStyle1.xml><?xml version="1.0" encoding="utf-8"?>
 <dgm:styleDef xmlns:dgm="http://schemas.openxmlformats.org/drawingml/2006/diagram" xmlns:a="http://schemas.openxmlformats.org/drawingml/2006/main" uniqueId="urn:microsoft.com/office/officeart/2005/8/quickstyle/simple1">
   <dgm:title val=""/>
@@ -9783,6 +11604,1977 @@
     </dgm:style>
   </dgm:styleLbl>
 </dgm:styleDef>
+</file>
+
+<file path=ppt/diagrams/quickStyle4.xml><?xml version="1.0" encoding="utf-8"?>
+<dgm:styleDef xmlns:dgm="http://schemas.openxmlformats.org/drawingml/2006/diagram" xmlns:a="http://schemas.openxmlformats.org/drawingml/2006/main" uniqueId="urn:microsoft.com/office/officeart/2005/8/quickstyle/simple1">
+  <dgm:title val=""/>
+  <dgm:desc val=""/>
+  <dgm:catLst>
+    <dgm:cat type="simple" pri="10100"/>
+  </dgm:catLst>
+  <dgm:scene3d>
+    <a:camera prst="orthographicFront"/>
+    <a:lightRig rig="threePt" dir="t"/>
+  </dgm:scene3d>
+  <dgm:styleLbl name="node0">
+    <dgm:scene3d>
+      <a:camera prst="orthographicFront"/>
+      <a:lightRig rig="threePt" dir="t"/>
+    </dgm:scene3d>
+    <dgm:sp3d/>
+    <dgm:txPr/>
+    <dgm:style>
+      <a:lnRef idx="2">
+        <a:scrgbClr r="0" g="0" b="0"/>
+      </a:lnRef>
+      <a:fillRef idx="1">
+        <a:scrgbClr r="0" g="0" b="0"/>
+      </a:fillRef>
+      <a:effectRef idx="0">
+        <a:scrgbClr r="0" g="0" b="0"/>
+      </a:effectRef>
+      <a:fontRef idx="minor">
+        <a:schemeClr val="lt1"/>
+      </a:fontRef>
+    </dgm:style>
+  </dgm:styleLbl>
+  <dgm:styleLbl name="lnNode1">
+    <dgm:scene3d>
+      <a:camera prst="orthographicFront"/>
+      <a:lightRig rig="threePt" dir="t"/>
+    </dgm:scene3d>
+    <dgm:sp3d/>
+    <dgm:txPr/>
+    <dgm:style>
+      <a:lnRef idx="2">
+        <a:scrgbClr r="0" g="0" b="0"/>
+      </a:lnRef>
+      <a:fillRef idx="1">
+        <a:scrgbClr r="0" g="0" b="0"/>
+      </a:fillRef>
+      <a:effectRef idx="0">
+        <a:scrgbClr r="0" g="0" b="0"/>
+      </a:effectRef>
+      <a:fontRef idx="minor">
+        <a:schemeClr val="lt1"/>
+      </a:fontRef>
+    </dgm:style>
+  </dgm:styleLbl>
+  <dgm:styleLbl name="vennNode1">
+    <dgm:scene3d>
+      <a:camera prst="orthographicFront"/>
+      <a:lightRig rig="threePt" dir="t"/>
+    </dgm:scene3d>
+    <dgm:sp3d/>
+    <dgm:txPr/>
+    <dgm:style>
+      <a:lnRef idx="2">
+        <a:scrgbClr r="0" g="0" b="0"/>
+      </a:lnRef>
+      <a:fillRef idx="1">
+        <a:scrgbClr r="0" g="0" b="0"/>
+      </a:fillRef>
+      <a:effectRef idx="0">
+        <a:scrgbClr r="0" g="0" b="0"/>
+      </a:effectRef>
+      <a:fontRef idx="minor">
+        <a:schemeClr val="tx1"/>
+      </a:fontRef>
+    </dgm:style>
+  </dgm:styleLbl>
+  <dgm:styleLbl name="alignNode1">
+    <dgm:scene3d>
+      <a:camera prst="orthographicFront"/>
+      <a:lightRig rig="threePt" dir="t"/>
+    </dgm:scene3d>
+    <dgm:sp3d/>
+    <dgm:txPr/>
+    <dgm:style>
+      <a:lnRef idx="2">
+        <a:scrgbClr r="0" g="0" b="0"/>
+      </a:lnRef>
+      <a:fillRef idx="1">
+        <a:scrgbClr r="0" g="0" b="0"/>
+      </a:fillRef>
+      <a:effectRef idx="0">
+        <a:scrgbClr r="0" g="0" b="0"/>
+      </a:effectRef>
+      <a:fontRef idx="minor">
+        <a:schemeClr val="lt1"/>
+      </a:fontRef>
+    </dgm:style>
+  </dgm:styleLbl>
+  <dgm:styleLbl name="node1">
+    <dgm:scene3d>
+      <a:camera prst="orthographicFront"/>
+      <a:lightRig rig="threePt" dir="t"/>
+    </dgm:scene3d>
+    <dgm:sp3d/>
+    <dgm:txPr/>
+    <dgm:style>
+      <a:lnRef idx="2">
+        <a:scrgbClr r="0" g="0" b="0"/>
+      </a:lnRef>
+      <a:fillRef idx="1">
+        <a:scrgbClr r="0" g="0" b="0"/>
+      </a:fillRef>
+      <a:effectRef idx="0">
+        <a:scrgbClr r="0" g="0" b="0"/>
+      </a:effectRef>
+      <a:fontRef idx="minor">
+        <a:schemeClr val="lt1"/>
+      </a:fontRef>
+    </dgm:style>
+  </dgm:styleLbl>
+  <dgm:styleLbl name="node2">
+    <dgm:scene3d>
+      <a:camera prst="orthographicFront"/>
+      <a:lightRig rig="threePt" dir="t"/>
+    </dgm:scene3d>
+    <dgm:sp3d/>
+    <dgm:txPr/>
+    <dgm:style>
+      <a:lnRef idx="2">
+        <a:scrgbClr r="0" g="0" b="0"/>
+      </a:lnRef>
+      <a:fillRef idx="1">
+        <a:scrgbClr r="0" g="0" b="0"/>
+      </a:fillRef>
+      <a:effectRef idx="0">
+        <a:scrgbClr r="0" g="0" b="0"/>
+      </a:effectRef>
+      <a:fontRef idx="minor">
+        <a:schemeClr val="lt1"/>
+      </a:fontRef>
+    </dgm:style>
+  </dgm:styleLbl>
+  <dgm:styleLbl name="node3">
+    <dgm:scene3d>
+      <a:camera prst="orthographicFront"/>
+      <a:lightRig rig="threePt" dir="t"/>
+    </dgm:scene3d>
+    <dgm:sp3d/>
+    <dgm:txPr/>
+    <dgm:style>
+      <a:lnRef idx="2">
+        <a:scrgbClr r="0" g="0" b="0"/>
+      </a:lnRef>
+      <a:fillRef idx="1">
+        <a:scrgbClr r="0" g="0" b="0"/>
+      </a:fillRef>
+      <a:effectRef idx="0">
+        <a:scrgbClr r="0" g="0" b="0"/>
+      </a:effectRef>
+      <a:fontRef idx="minor">
+        <a:schemeClr val="lt1"/>
+      </a:fontRef>
+    </dgm:style>
+  </dgm:styleLbl>
+  <dgm:styleLbl name="node4">
+    <dgm:scene3d>
+      <a:camera prst="orthographicFront"/>
+      <a:lightRig rig="threePt" dir="t"/>
+    </dgm:scene3d>
+    <dgm:sp3d/>
+    <dgm:txPr/>
+    <dgm:style>
+      <a:lnRef idx="2">
+        <a:scrgbClr r="0" g="0" b="0"/>
+      </a:lnRef>
+      <a:fillRef idx="1">
+        <a:scrgbClr r="0" g="0" b="0"/>
+      </a:fillRef>
+      <a:effectRef idx="0">
+        <a:scrgbClr r="0" g="0" b="0"/>
+      </a:effectRef>
+      <a:fontRef idx="minor">
+        <a:schemeClr val="lt1"/>
+      </a:fontRef>
+    </dgm:style>
+  </dgm:styleLbl>
+  <dgm:styleLbl name="fgImgPlace1">
+    <dgm:scene3d>
+      <a:camera prst="orthographicFront"/>
+      <a:lightRig rig="threePt" dir="t"/>
+    </dgm:scene3d>
+    <dgm:sp3d/>
+    <dgm:txPr/>
+    <dgm:style>
+      <a:lnRef idx="2">
+        <a:scrgbClr r="0" g="0" b="0"/>
+      </a:lnRef>
+      <a:fillRef idx="1">
+        <a:scrgbClr r="0" g="0" b="0"/>
+      </a:fillRef>
+      <a:effectRef idx="0">
+        <a:scrgbClr r="0" g="0" b="0"/>
+      </a:effectRef>
+      <a:fontRef idx="minor"/>
+    </dgm:style>
+  </dgm:styleLbl>
+  <dgm:styleLbl name="alignImgPlace1">
+    <dgm:scene3d>
+      <a:camera prst="orthographicFront"/>
+      <a:lightRig rig="threePt" dir="t"/>
+    </dgm:scene3d>
+    <dgm:sp3d/>
+    <dgm:txPr/>
+    <dgm:style>
+      <a:lnRef idx="2">
+        <a:scrgbClr r="0" g="0" b="0"/>
+      </a:lnRef>
+      <a:fillRef idx="1">
+        <a:scrgbClr r="0" g="0" b="0"/>
+      </a:fillRef>
+      <a:effectRef idx="0">
+        <a:scrgbClr r="0" g="0" b="0"/>
+      </a:effectRef>
+      <a:fontRef idx="minor"/>
+    </dgm:style>
+  </dgm:styleLbl>
+  <dgm:styleLbl name="bgImgPlace1">
+    <dgm:scene3d>
+      <a:camera prst="orthographicFront"/>
+      <a:lightRig rig="threePt" dir="t"/>
+    </dgm:scene3d>
+    <dgm:sp3d/>
+    <dgm:txPr/>
+    <dgm:style>
+      <a:lnRef idx="2">
+        <a:scrgbClr r="0" g="0" b="0"/>
+      </a:lnRef>
+      <a:fillRef idx="1">
+        <a:scrgbClr r="0" g="0" b="0"/>
+      </a:fillRef>
+      <a:effectRef idx="0">
+        <a:scrgbClr r="0" g="0" b="0"/>
+      </a:effectRef>
+      <a:fontRef idx="minor"/>
+    </dgm:style>
+  </dgm:styleLbl>
+  <dgm:styleLbl name="sibTrans2D1">
+    <dgm:scene3d>
+      <a:camera prst="orthographicFront"/>
+      <a:lightRig rig="threePt" dir="t"/>
+    </dgm:scene3d>
+    <dgm:sp3d/>
+    <dgm:txPr/>
+    <dgm:style>
+      <a:lnRef idx="0">
+        <a:scrgbClr r="0" g="0" b="0"/>
+      </a:lnRef>
+      <a:fillRef idx="1">
+        <a:scrgbClr r="0" g="0" b="0"/>
+      </a:fillRef>
+      <a:effectRef idx="0">
+        <a:scrgbClr r="0" g="0" b="0"/>
+      </a:effectRef>
+      <a:fontRef idx="minor">
+        <a:schemeClr val="lt1"/>
+      </a:fontRef>
+    </dgm:style>
+  </dgm:styleLbl>
+  <dgm:styleLbl name="fgSibTrans2D1">
+    <dgm:scene3d>
+      <a:camera prst="orthographicFront"/>
+      <a:lightRig rig="threePt" dir="t"/>
+    </dgm:scene3d>
+    <dgm:sp3d/>
+    <dgm:txPr/>
+    <dgm:style>
+      <a:lnRef idx="0">
+        <a:scrgbClr r="0" g="0" b="0"/>
+      </a:lnRef>
+      <a:fillRef idx="1">
+        <a:scrgbClr r="0" g="0" b="0"/>
+      </a:fillRef>
+      <a:effectRef idx="0">
+        <a:scrgbClr r="0" g="0" b="0"/>
+      </a:effectRef>
+      <a:fontRef idx="minor">
+        <a:schemeClr val="lt1"/>
+      </a:fontRef>
+    </dgm:style>
+  </dgm:styleLbl>
+  <dgm:styleLbl name="bgSibTrans2D1">
+    <dgm:scene3d>
+      <a:camera prst="orthographicFront"/>
+      <a:lightRig rig="threePt" dir="t"/>
+    </dgm:scene3d>
+    <dgm:sp3d/>
+    <dgm:txPr/>
+    <dgm:style>
+      <a:lnRef idx="0">
+        <a:scrgbClr r="0" g="0" b="0"/>
+      </a:lnRef>
+      <a:fillRef idx="1">
+        <a:scrgbClr r="0" g="0" b="0"/>
+      </a:fillRef>
+      <a:effectRef idx="0">
+        <a:scrgbClr r="0" g="0" b="0"/>
+      </a:effectRef>
+      <a:fontRef idx="minor">
+        <a:schemeClr val="lt1"/>
+      </a:fontRef>
+    </dgm:style>
+  </dgm:styleLbl>
+  <dgm:styleLbl name="sibTrans1D1">
+    <dgm:scene3d>
+      <a:camera prst="orthographicFront"/>
+      <a:lightRig rig="threePt" dir="t"/>
+    </dgm:scene3d>
+    <dgm:sp3d/>
+    <dgm:txPr/>
+    <dgm:style>
+      <a:lnRef idx="1">
+        <a:scrgbClr r="0" g="0" b="0"/>
+      </a:lnRef>
+      <a:fillRef idx="0">
+        <a:scrgbClr r="0" g="0" b="0"/>
+      </a:fillRef>
+      <a:effectRef idx="0">
+        <a:scrgbClr r="0" g="0" b="0"/>
+      </a:effectRef>
+      <a:fontRef idx="minor"/>
+    </dgm:style>
+  </dgm:styleLbl>
+  <dgm:styleLbl name="callout">
+    <dgm:scene3d>
+      <a:camera prst="orthographicFront"/>
+      <a:lightRig rig="threePt" dir="t"/>
+    </dgm:scene3d>
+    <dgm:sp3d/>
+    <dgm:txPr/>
+    <dgm:style>
+      <a:lnRef idx="2">
+        <a:scrgbClr r="0" g="0" b="0"/>
+      </a:lnRef>
+      <a:fillRef idx="1">
+        <a:scrgbClr r="0" g="0" b="0"/>
+      </a:fillRef>
+      <a:effectRef idx="0">
+        <a:scrgbClr r="0" g="0" b="0"/>
+      </a:effectRef>
+      <a:fontRef idx="minor"/>
+    </dgm:style>
+  </dgm:styleLbl>
+  <dgm:styleLbl name="asst0">
+    <dgm:scene3d>
+      <a:camera prst="orthographicFront"/>
+      <a:lightRig rig="threePt" dir="t"/>
+    </dgm:scene3d>
+    <dgm:sp3d/>
+    <dgm:txPr/>
+    <dgm:style>
+      <a:lnRef idx="2">
+        <a:scrgbClr r="0" g="0" b="0"/>
+      </a:lnRef>
+      <a:fillRef idx="1">
+        <a:scrgbClr r="0" g="0" b="0"/>
+      </a:fillRef>
+      <a:effectRef idx="0">
+        <a:scrgbClr r="0" g="0" b="0"/>
+      </a:effectRef>
+      <a:fontRef idx="minor">
+        <a:schemeClr val="lt1"/>
+      </a:fontRef>
+    </dgm:style>
+  </dgm:styleLbl>
+  <dgm:styleLbl name="asst1">
+    <dgm:scene3d>
+      <a:camera prst="orthographicFront"/>
+      <a:lightRig rig="threePt" dir="t"/>
+    </dgm:scene3d>
+    <dgm:sp3d/>
+    <dgm:txPr/>
+    <dgm:style>
+      <a:lnRef idx="2">
+        <a:scrgbClr r="0" g="0" b="0"/>
+      </a:lnRef>
+      <a:fillRef idx="1">
+        <a:scrgbClr r="0" g="0" b="0"/>
+      </a:fillRef>
+      <a:effectRef idx="0">
+        <a:scrgbClr r="0" g="0" b="0"/>
+      </a:effectRef>
+      <a:fontRef idx="minor">
+        <a:schemeClr val="lt1"/>
+      </a:fontRef>
+    </dgm:style>
+  </dgm:styleLbl>
+  <dgm:styleLbl name="asst2">
+    <dgm:scene3d>
+      <a:camera prst="orthographicFront"/>
+      <a:lightRig rig="threePt" dir="t"/>
+    </dgm:scene3d>
+    <dgm:sp3d/>
+    <dgm:txPr/>
+    <dgm:style>
+      <a:lnRef idx="2">
+        <a:scrgbClr r="0" g="0" b="0"/>
+      </a:lnRef>
+      <a:fillRef idx="1">
+        <a:scrgbClr r="0" g="0" b="0"/>
+      </a:fillRef>
+      <a:effectRef idx="0">
+        <a:scrgbClr r="0" g="0" b="0"/>
+      </a:effectRef>
+      <a:fontRef idx="minor">
+        <a:schemeClr val="lt1"/>
+      </a:fontRef>
+    </dgm:style>
+  </dgm:styleLbl>
+  <dgm:styleLbl name="asst3">
+    <dgm:scene3d>
+      <a:camera prst="orthographicFront"/>
+      <a:lightRig rig="threePt" dir="t"/>
+    </dgm:scene3d>
+    <dgm:sp3d/>
+    <dgm:txPr/>
+    <dgm:style>
+      <a:lnRef idx="2">
+        <a:scrgbClr r="0" g="0" b="0"/>
+      </a:lnRef>
+      <a:fillRef idx="1">
+        <a:scrgbClr r="0" g="0" b="0"/>
+      </a:fillRef>
+      <a:effectRef idx="0">
+        <a:scrgbClr r="0" g="0" b="0"/>
+      </a:effectRef>
+      <a:fontRef idx="minor">
+        <a:schemeClr val="lt1"/>
+      </a:fontRef>
+    </dgm:style>
+  </dgm:styleLbl>
+  <dgm:styleLbl name="asst4">
+    <dgm:scene3d>
+      <a:camera prst="orthographicFront"/>
+      <a:lightRig rig="threePt" dir="t"/>
+    </dgm:scene3d>
+    <dgm:sp3d/>
+    <dgm:txPr/>
+    <dgm:style>
+      <a:lnRef idx="2">
+        <a:scrgbClr r="0" g="0" b="0"/>
+      </a:lnRef>
+      <a:fillRef idx="1">
+        <a:scrgbClr r="0" g="0" b="0"/>
+      </a:fillRef>
+      <a:effectRef idx="0">
+        <a:scrgbClr r="0" g="0" b="0"/>
+      </a:effectRef>
+      <a:fontRef idx="minor">
+        <a:schemeClr val="lt1"/>
+      </a:fontRef>
+    </dgm:style>
+  </dgm:styleLbl>
+  <dgm:styleLbl name="parChTrans2D1">
+    <dgm:scene3d>
+      <a:camera prst="orthographicFront"/>
+      <a:lightRig rig="threePt" dir="t"/>
+    </dgm:scene3d>
+    <dgm:sp3d/>
+    <dgm:txPr/>
+    <dgm:style>
+      <a:lnRef idx="2">
+        <a:scrgbClr r="0" g="0" b="0"/>
+      </a:lnRef>
+      <a:fillRef idx="1">
+        <a:scrgbClr r="0" g="0" b="0"/>
+      </a:fillRef>
+      <a:effectRef idx="0">
+        <a:scrgbClr r="0" g="0" b="0"/>
+      </a:effectRef>
+      <a:fontRef idx="minor">
+        <a:schemeClr val="lt1"/>
+      </a:fontRef>
+    </dgm:style>
+  </dgm:styleLbl>
+  <dgm:styleLbl name="parChTrans2D2">
+    <dgm:scene3d>
+      <a:camera prst="orthographicFront"/>
+      <a:lightRig rig="threePt" dir="t"/>
+    </dgm:scene3d>
+    <dgm:sp3d/>
+    <dgm:txPr/>
+    <dgm:style>
+      <a:lnRef idx="2">
+        <a:scrgbClr r="0" g="0" b="0"/>
+      </a:lnRef>
+      <a:fillRef idx="1">
+        <a:scrgbClr r="0" g="0" b="0"/>
+      </a:fillRef>
+      <a:effectRef idx="0">
+        <a:scrgbClr r="0" g="0" b="0"/>
+      </a:effectRef>
+      <a:fontRef idx="minor">
+        <a:schemeClr val="lt1"/>
+      </a:fontRef>
+    </dgm:style>
+  </dgm:styleLbl>
+  <dgm:styleLbl name="parChTrans2D3">
+    <dgm:scene3d>
+      <a:camera prst="orthographicFront"/>
+      <a:lightRig rig="threePt" dir="t"/>
+    </dgm:scene3d>
+    <dgm:sp3d/>
+    <dgm:txPr/>
+    <dgm:style>
+      <a:lnRef idx="2">
+        <a:scrgbClr r="0" g="0" b="0"/>
+      </a:lnRef>
+      <a:fillRef idx="1">
+        <a:scrgbClr r="0" g="0" b="0"/>
+      </a:fillRef>
+      <a:effectRef idx="0">
+        <a:scrgbClr r="0" g="0" b="0"/>
+      </a:effectRef>
+      <a:fontRef idx="minor">
+        <a:schemeClr val="lt1"/>
+      </a:fontRef>
+    </dgm:style>
+  </dgm:styleLbl>
+  <dgm:styleLbl name="parChTrans2D4">
+    <dgm:scene3d>
+      <a:camera prst="orthographicFront"/>
+      <a:lightRig rig="threePt" dir="t"/>
+    </dgm:scene3d>
+    <dgm:sp3d/>
+    <dgm:txPr/>
+    <dgm:style>
+      <a:lnRef idx="2">
+        <a:scrgbClr r="0" g="0" b="0"/>
+      </a:lnRef>
+      <a:fillRef idx="1">
+        <a:scrgbClr r="0" g="0" b="0"/>
+      </a:fillRef>
+      <a:effectRef idx="0">
+        <a:scrgbClr r="0" g="0" b="0"/>
+      </a:effectRef>
+      <a:fontRef idx="minor">
+        <a:schemeClr val="lt1"/>
+      </a:fontRef>
+    </dgm:style>
+  </dgm:styleLbl>
+  <dgm:styleLbl name="parChTrans1D1">
+    <dgm:scene3d>
+      <a:camera prst="orthographicFront"/>
+      <a:lightRig rig="threePt" dir="t"/>
+    </dgm:scene3d>
+    <dgm:sp3d/>
+    <dgm:txPr/>
+    <dgm:style>
+      <a:lnRef idx="2">
+        <a:scrgbClr r="0" g="0" b="0"/>
+      </a:lnRef>
+      <a:fillRef idx="0">
+        <a:scrgbClr r="0" g="0" b="0"/>
+      </a:fillRef>
+      <a:effectRef idx="0">
+        <a:scrgbClr r="0" g="0" b="0"/>
+      </a:effectRef>
+      <a:fontRef idx="minor"/>
+    </dgm:style>
+  </dgm:styleLbl>
+  <dgm:styleLbl name="parChTrans1D2">
+    <dgm:scene3d>
+      <a:camera prst="orthographicFront"/>
+      <a:lightRig rig="threePt" dir="t"/>
+    </dgm:scene3d>
+    <dgm:sp3d/>
+    <dgm:txPr/>
+    <dgm:style>
+      <a:lnRef idx="2">
+        <a:scrgbClr r="0" g="0" b="0"/>
+      </a:lnRef>
+      <a:fillRef idx="0">
+        <a:scrgbClr r="0" g="0" b="0"/>
+      </a:fillRef>
+      <a:effectRef idx="0">
+        <a:scrgbClr r="0" g="0" b="0"/>
+      </a:effectRef>
+      <a:fontRef idx="minor"/>
+    </dgm:style>
+  </dgm:styleLbl>
+  <dgm:styleLbl name="parChTrans1D3">
+    <dgm:scene3d>
+      <a:camera prst="orthographicFront"/>
+      <a:lightRig rig="threePt" dir="t"/>
+    </dgm:scene3d>
+    <dgm:sp3d/>
+    <dgm:txPr/>
+    <dgm:style>
+      <a:lnRef idx="2">
+        <a:scrgbClr r="0" g="0" b="0"/>
+      </a:lnRef>
+      <a:fillRef idx="0">
+        <a:scrgbClr r="0" g="0" b="0"/>
+      </a:fillRef>
+      <a:effectRef idx="0">
+        <a:scrgbClr r="0" g="0" b="0"/>
+      </a:effectRef>
+      <a:fontRef idx="minor"/>
+    </dgm:style>
+  </dgm:styleLbl>
+  <dgm:styleLbl name="parChTrans1D4">
+    <dgm:scene3d>
+      <a:camera prst="orthographicFront"/>
+      <a:lightRig rig="threePt" dir="t"/>
+    </dgm:scene3d>
+    <dgm:sp3d/>
+    <dgm:txPr/>
+    <dgm:style>
+      <a:lnRef idx="2">
+        <a:scrgbClr r="0" g="0" b="0"/>
+      </a:lnRef>
+      <a:fillRef idx="0">
+        <a:scrgbClr r="0" g="0" b="0"/>
+      </a:fillRef>
+      <a:effectRef idx="0">
+        <a:scrgbClr r="0" g="0" b="0"/>
+      </a:effectRef>
+      <a:fontRef idx="minor"/>
+    </dgm:style>
+  </dgm:styleLbl>
+  <dgm:styleLbl name="fgAcc1">
+    <dgm:scene3d>
+      <a:camera prst="orthographicFront"/>
+      <a:lightRig rig="threePt" dir="t"/>
+    </dgm:scene3d>
+    <dgm:sp3d/>
+    <dgm:txPr/>
+    <dgm:style>
+      <a:lnRef idx="2">
+        <a:scrgbClr r="0" g="0" b="0"/>
+      </a:lnRef>
+      <a:fillRef idx="1">
+        <a:scrgbClr r="0" g="0" b="0"/>
+      </a:fillRef>
+      <a:effectRef idx="0">
+        <a:scrgbClr r="0" g="0" b="0"/>
+      </a:effectRef>
+      <a:fontRef idx="minor"/>
+    </dgm:style>
+  </dgm:styleLbl>
+  <dgm:styleLbl name="conFgAcc1">
+    <dgm:scene3d>
+      <a:camera prst="orthographicFront"/>
+      <a:lightRig rig="threePt" dir="t"/>
+    </dgm:scene3d>
+    <dgm:sp3d/>
+    <dgm:txPr/>
+    <dgm:style>
+      <a:lnRef idx="2">
+        <a:scrgbClr r="0" g="0" b="0"/>
+      </a:lnRef>
+      <a:fillRef idx="1">
+        <a:scrgbClr r="0" g="0" b="0"/>
+      </a:fillRef>
+      <a:effectRef idx="0">
+        <a:scrgbClr r="0" g="0" b="0"/>
+      </a:effectRef>
+      <a:fontRef idx="minor"/>
+    </dgm:style>
+  </dgm:styleLbl>
+  <dgm:styleLbl name="alignAcc1">
+    <dgm:scene3d>
+      <a:camera prst="orthographicFront"/>
+      <a:lightRig rig="threePt" dir="t"/>
+    </dgm:scene3d>
+    <dgm:sp3d/>
+    <dgm:txPr/>
+    <dgm:style>
+      <a:lnRef idx="2">
+        <a:scrgbClr r="0" g="0" b="0"/>
+      </a:lnRef>
+      <a:fillRef idx="1">
+        <a:scrgbClr r="0" g="0" b="0"/>
+      </a:fillRef>
+      <a:effectRef idx="0">
+        <a:scrgbClr r="0" g="0" b="0"/>
+      </a:effectRef>
+      <a:fontRef idx="minor"/>
+    </dgm:style>
+  </dgm:styleLbl>
+  <dgm:styleLbl name="trAlignAcc1">
+    <dgm:scene3d>
+      <a:camera prst="orthographicFront"/>
+      <a:lightRig rig="threePt" dir="t"/>
+    </dgm:scene3d>
+    <dgm:sp3d/>
+    <dgm:txPr/>
+    <dgm:style>
+      <a:lnRef idx="1">
+        <a:scrgbClr r="0" g="0" b="0"/>
+      </a:lnRef>
+      <a:fillRef idx="1">
+        <a:scrgbClr r="0" g="0" b="0"/>
+      </a:fillRef>
+      <a:effectRef idx="0">
+        <a:scrgbClr r="0" g="0" b="0"/>
+      </a:effectRef>
+      <a:fontRef idx="minor"/>
+    </dgm:style>
+  </dgm:styleLbl>
+  <dgm:styleLbl name="bgAcc1">
+    <dgm:scene3d>
+      <a:camera prst="orthographicFront"/>
+      <a:lightRig rig="threePt" dir="t"/>
+    </dgm:scene3d>
+    <dgm:sp3d/>
+    <dgm:txPr/>
+    <dgm:style>
+      <a:lnRef idx="2">
+        <a:scrgbClr r="0" g="0" b="0"/>
+      </a:lnRef>
+      <a:fillRef idx="1">
+        <a:scrgbClr r="0" g="0" b="0"/>
+      </a:fillRef>
+      <a:effectRef idx="0">
+        <a:scrgbClr r="0" g="0" b="0"/>
+      </a:effectRef>
+      <a:fontRef idx="minor"/>
+    </dgm:style>
+  </dgm:styleLbl>
+  <dgm:styleLbl name="solidFgAcc1">
+    <dgm:scene3d>
+      <a:camera prst="orthographicFront"/>
+      <a:lightRig rig="threePt" dir="t"/>
+    </dgm:scene3d>
+    <dgm:sp3d/>
+    <dgm:txPr/>
+    <dgm:style>
+      <a:lnRef idx="2">
+        <a:scrgbClr r="0" g="0" b="0"/>
+      </a:lnRef>
+      <a:fillRef idx="1">
+        <a:scrgbClr r="0" g="0" b="0"/>
+      </a:fillRef>
+      <a:effectRef idx="0">
+        <a:scrgbClr r="0" g="0" b="0"/>
+      </a:effectRef>
+      <a:fontRef idx="minor"/>
+    </dgm:style>
+  </dgm:styleLbl>
+  <dgm:styleLbl name="solidAlignAcc1">
+    <dgm:scene3d>
+      <a:camera prst="orthographicFront"/>
+      <a:lightRig rig="threePt" dir="t"/>
+    </dgm:scene3d>
+    <dgm:sp3d/>
+    <dgm:txPr/>
+    <dgm:style>
+      <a:lnRef idx="2">
+        <a:scrgbClr r="0" g="0" b="0"/>
+      </a:lnRef>
+      <a:fillRef idx="1">
+        <a:scrgbClr r="0" g="0" b="0"/>
+      </a:fillRef>
+      <a:effectRef idx="0">
+        <a:scrgbClr r="0" g="0" b="0"/>
+      </a:effectRef>
+      <a:fontRef idx="minor"/>
+    </dgm:style>
+  </dgm:styleLbl>
+  <dgm:styleLbl name="solidBgAcc1">
+    <dgm:scene3d>
+      <a:camera prst="orthographicFront"/>
+      <a:lightRig rig="threePt" dir="t"/>
+    </dgm:scene3d>
+    <dgm:sp3d/>
+    <dgm:txPr/>
+    <dgm:style>
+      <a:lnRef idx="2">
+        <a:scrgbClr r="0" g="0" b="0"/>
+      </a:lnRef>
+      <a:fillRef idx="1">
+        <a:scrgbClr r="0" g="0" b="0"/>
+      </a:fillRef>
+      <a:effectRef idx="0">
+        <a:scrgbClr r="0" g="0" b="0"/>
+      </a:effectRef>
+      <a:fontRef idx="minor"/>
+    </dgm:style>
+  </dgm:styleLbl>
+  <dgm:styleLbl name="fgAccFollowNode1">
+    <dgm:scene3d>
+      <a:camera prst="orthographicFront"/>
+      <a:lightRig rig="threePt" dir="t"/>
+    </dgm:scene3d>
+    <dgm:sp3d/>
+    <dgm:txPr/>
+    <dgm:style>
+      <a:lnRef idx="2">
+        <a:scrgbClr r="0" g="0" b="0"/>
+      </a:lnRef>
+      <a:fillRef idx="1">
+        <a:scrgbClr r="0" g="0" b="0"/>
+      </a:fillRef>
+      <a:effectRef idx="0">
+        <a:scrgbClr r="0" g="0" b="0"/>
+      </a:effectRef>
+      <a:fontRef idx="minor"/>
+    </dgm:style>
+  </dgm:styleLbl>
+  <dgm:styleLbl name="alignAccFollowNode1">
+    <dgm:scene3d>
+      <a:camera prst="orthographicFront"/>
+      <a:lightRig rig="threePt" dir="t"/>
+    </dgm:scene3d>
+    <dgm:sp3d/>
+    <dgm:txPr/>
+    <dgm:style>
+      <a:lnRef idx="2">
+        <a:scrgbClr r="0" g="0" b="0"/>
+      </a:lnRef>
+      <a:fillRef idx="1">
+        <a:scrgbClr r="0" g="0" b="0"/>
+      </a:fillRef>
+      <a:effectRef idx="0">
+        <a:scrgbClr r="0" g="0" b="0"/>
+      </a:effectRef>
+      <a:fontRef idx="minor"/>
+    </dgm:style>
+  </dgm:styleLbl>
+  <dgm:styleLbl name="bgAccFollowNode1">
+    <dgm:scene3d>
+      <a:camera prst="orthographicFront"/>
+      <a:lightRig rig="threePt" dir="t"/>
+    </dgm:scene3d>
+    <dgm:sp3d/>
+    <dgm:txPr/>
+    <dgm:style>
+      <a:lnRef idx="2">
+        <a:scrgbClr r="0" g="0" b="0"/>
+      </a:lnRef>
+      <a:fillRef idx="1">
+        <a:scrgbClr r="0" g="0" b="0"/>
+      </a:fillRef>
+      <a:effectRef idx="0">
+        <a:scrgbClr r="0" g="0" b="0"/>
+      </a:effectRef>
+      <a:fontRef idx="minor"/>
+    </dgm:style>
+  </dgm:styleLbl>
+  <dgm:styleLbl name="fgAcc0">
+    <dgm:scene3d>
+      <a:camera prst="orthographicFront"/>
+      <a:lightRig rig="threePt" dir="t"/>
+    </dgm:scene3d>
+    <dgm:sp3d/>
+    <dgm:txPr/>
+    <dgm:style>
+      <a:lnRef idx="2">
+        <a:scrgbClr r="0" g="0" b="0"/>
+      </a:lnRef>
+      <a:fillRef idx="1">
+        <a:scrgbClr r="0" g="0" b="0"/>
+      </a:fillRef>
+      <a:effectRef idx="0">
+        <a:scrgbClr r="0" g="0" b="0"/>
+      </a:effectRef>
+      <a:fontRef idx="minor"/>
+    </dgm:style>
+  </dgm:styleLbl>
+  <dgm:styleLbl name="fgAcc2">
+    <dgm:scene3d>
+      <a:camera prst="orthographicFront"/>
+      <a:lightRig rig="threePt" dir="t"/>
+    </dgm:scene3d>
+    <dgm:sp3d/>
+    <dgm:txPr/>
+    <dgm:style>
+      <a:lnRef idx="2">
+        <a:scrgbClr r="0" g="0" b="0"/>
+      </a:lnRef>
+      <a:fillRef idx="1">
+        <a:scrgbClr r="0" g="0" b="0"/>
+      </a:fillRef>
+      <a:effectRef idx="0">
+        <a:scrgbClr r="0" g="0" b="0"/>
+      </a:effectRef>
+      <a:fontRef idx="minor"/>
+    </dgm:style>
+  </dgm:styleLbl>
+  <dgm:styleLbl name="fgAcc3">
+    <dgm:scene3d>
+      <a:camera prst="orthographicFront"/>
+      <a:lightRig rig="threePt" dir="t"/>
+    </dgm:scene3d>
+    <dgm:sp3d/>
+    <dgm:txPr/>
+    <dgm:style>
+      <a:lnRef idx="2">
+        <a:scrgbClr r="0" g="0" b="0"/>
+      </a:lnRef>
+      <a:fillRef idx="1">
+        <a:scrgbClr r="0" g="0" b="0"/>
+      </a:fillRef>
+      <a:effectRef idx="0">
+        <a:scrgbClr r="0" g="0" b="0"/>
+      </a:effectRef>
+      <a:fontRef idx="minor"/>
+    </dgm:style>
+  </dgm:styleLbl>
+  <dgm:styleLbl name="fgAcc4">
+    <dgm:scene3d>
+      <a:camera prst="orthographicFront"/>
+      <a:lightRig rig="threePt" dir="t"/>
+    </dgm:scene3d>
+    <dgm:sp3d/>
+    <dgm:txPr/>
+    <dgm:style>
+      <a:lnRef idx="2">
+        <a:scrgbClr r="0" g="0" b="0"/>
+      </a:lnRef>
+      <a:fillRef idx="1">
+        <a:scrgbClr r="0" g="0" b="0"/>
+      </a:fillRef>
+      <a:effectRef idx="0">
+        <a:scrgbClr r="0" g="0" b="0"/>
+      </a:effectRef>
+      <a:fontRef idx="minor"/>
+    </dgm:style>
+  </dgm:styleLbl>
+  <dgm:styleLbl name="bgShp">
+    <dgm:scene3d>
+      <a:camera prst="orthographicFront"/>
+      <a:lightRig rig="threePt" dir="t"/>
+    </dgm:scene3d>
+    <dgm:sp3d/>
+    <dgm:txPr/>
+    <dgm:style>
+      <a:lnRef idx="0">
+        <a:scrgbClr r="0" g="0" b="0"/>
+      </a:lnRef>
+      <a:fillRef idx="1">
+        <a:scrgbClr r="0" g="0" b="0"/>
+      </a:fillRef>
+      <a:effectRef idx="0">
+        <a:scrgbClr r="0" g="0" b="0"/>
+      </a:effectRef>
+      <a:fontRef idx="minor"/>
+    </dgm:style>
+  </dgm:styleLbl>
+  <dgm:styleLbl name="dkBgShp">
+    <dgm:scene3d>
+      <a:camera prst="orthographicFront"/>
+      <a:lightRig rig="threePt" dir="t"/>
+    </dgm:scene3d>
+    <dgm:sp3d/>
+    <dgm:txPr/>
+    <dgm:style>
+      <a:lnRef idx="0">
+        <a:scrgbClr r="0" g="0" b="0"/>
+      </a:lnRef>
+      <a:fillRef idx="1">
+        <a:scrgbClr r="0" g="0" b="0"/>
+      </a:fillRef>
+      <a:effectRef idx="0">
+        <a:scrgbClr r="0" g="0" b="0"/>
+      </a:effectRef>
+      <a:fontRef idx="minor"/>
+    </dgm:style>
+  </dgm:styleLbl>
+  <dgm:styleLbl name="trBgShp">
+    <dgm:scene3d>
+      <a:camera prst="orthographicFront"/>
+      <a:lightRig rig="threePt" dir="t"/>
+    </dgm:scene3d>
+    <dgm:sp3d/>
+    <dgm:txPr/>
+    <dgm:style>
+      <a:lnRef idx="0">
+        <a:scrgbClr r="0" g="0" b="0"/>
+      </a:lnRef>
+      <a:fillRef idx="1">
+        <a:scrgbClr r="0" g="0" b="0"/>
+      </a:fillRef>
+      <a:effectRef idx="0">
+        <a:scrgbClr r="0" g="0" b="0"/>
+      </a:effectRef>
+      <a:fontRef idx="minor"/>
+    </dgm:style>
+  </dgm:styleLbl>
+  <dgm:styleLbl name="fgShp">
+    <dgm:scene3d>
+      <a:camera prst="orthographicFront"/>
+      <a:lightRig rig="threePt" dir="t"/>
+    </dgm:scene3d>
+    <dgm:sp3d/>
+    <dgm:txPr/>
+    <dgm:style>
+      <a:lnRef idx="2">
+        <a:scrgbClr r="0" g="0" b="0"/>
+      </a:lnRef>
+      <a:fillRef idx="1">
+        <a:scrgbClr r="0" g="0" b="0"/>
+      </a:fillRef>
+      <a:effectRef idx="0">
+        <a:scrgbClr r="0" g="0" b="0"/>
+      </a:effectRef>
+      <a:fontRef idx="minor"/>
+    </dgm:style>
+  </dgm:styleLbl>
+  <dgm:styleLbl name="revTx">
+    <dgm:scene3d>
+      <a:camera prst="orthographicFront"/>
+      <a:lightRig rig="threePt" dir="t"/>
+    </dgm:scene3d>
+    <dgm:sp3d/>
+    <dgm:txPr/>
+    <dgm:style>
+      <a:lnRef idx="0">
+        <a:scrgbClr r="0" g="0" b="0"/>
+      </a:lnRef>
+      <a:fillRef idx="0">
+        <a:scrgbClr r="0" g="0" b="0"/>
+      </a:fillRef>
+      <a:effectRef idx="0">
+        <a:scrgbClr r="0" g="0" b="0"/>
+      </a:effectRef>
+      <a:fontRef idx="minor"/>
+    </dgm:style>
+  </dgm:styleLbl>
+</dgm:styleDef>
+</file>
+
+<file path=ppt/notesMasters/notesMaster1.xml><?xml version="1.0" encoding="utf-8"?>
+<p:notesMaster xmlns:a="http://schemas.openxmlformats.org/drawingml/2006/main" xmlns:r="http://schemas.openxmlformats.org/officeDocument/2006/relationships" xmlns:p="http://schemas.openxmlformats.org/presentationml/2006/main">
+  <p:cSld>
+    <p:bg>
+      <p:bgRef idx="1001">
+        <a:schemeClr val="bg1"/>
+      </p:bgRef>
+    </p:bg>
+    <p:spTree>
+      <p:nvGrpSpPr>
+        <p:cNvPr id="1" name=""/>
+        <p:cNvGrpSpPr/>
+        <p:nvPr/>
+      </p:nvGrpSpPr>
+      <p:grpSpPr>
+        <a:xfrm>
+          <a:off x="0" y="0"/>
+          <a:ext cx="0" cy="0"/>
+          <a:chOff x="0" y="0"/>
+          <a:chExt cx="0" cy="0"/>
+        </a:xfrm>
+      </p:grpSpPr>
+      <p:sp>
+        <p:nvSpPr>
+          <p:cNvPr id="2" name="Espace réservé de l'en-tête 1"/>
+          <p:cNvSpPr>
+            <a:spLocks noGrp="1"/>
+          </p:cNvSpPr>
+          <p:nvPr>
+            <p:ph type="hdr" sz="quarter"/>
+          </p:nvPr>
+        </p:nvSpPr>
+        <p:spPr>
+          <a:xfrm>
+            <a:off x="0" y="0"/>
+            <a:ext cx="2971800" cy="458788"/>
+          </a:xfrm>
+          <a:prstGeom prst="rect">
+            <a:avLst/>
+          </a:prstGeom>
+        </p:spPr>
+        <p:txBody>
+          <a:bodyPr vert="horz" lIns="91440" tIns="45720" rIns="91440" bIns="45720" rtlCol="0"/>
+          <a:lstStyle>
+            <a:lvl1pPr algn="l">
+              <a:defRPr sz="1200"/>
+            </a:lvl1pPr>
+          </a:lstStyle>
+          <a:p>
+            <a:endParaRPr lang="fr-FR"/>
+          </a:p>
+        </p:txBody>
+      </p:sp>
+      <p:sp>
+        <p:nvSpPr>
+          <p:cNvPr id="3" name="Espace réservé de la date 2"/>
+          <p:cNvSpPr>
+            <a:spLocks noGrp="1"/>
+          </p:cNvSpPr>
+          <p:nvPr>
+            <p:ph type="dt" idx="1"/>
+          </p:nvPr>
+        </p:nvSpPr>
+        <p:spPr>
+          <a:xfrm>
+            <a:off x="3884613" y="0"/>
+            <a:ext cx="2971800" cy="458788"/>
+          </a:xfrm>
+          <a:prstGeom prst="rect">
+            <a:avLst/>
+          </a:prstGeom>
+        </p:spPr>
+        <p:txBody>
+          <a:bodyPr vert="horz" lIns="91440" tIns="45720" rIns="91440" bIns="45720" rtlCol="0"/>
+          <a:lstStyle>
+            <a:lvl1pPr algn="r">
+              <a:defRPr sz="1200"/>
+            </a:lvl1pPr>
+          </a:lstStyle>
+          <a:p>
+            <a:fld id="{56343355-A262-4278-803F-29E5765114ED}" type="datetimeFigureOut">
+              <a:rPr lang="fr-FR" smtClean="0"/>
+              <a:t>08/05/2025</a:t>
+            </a:fld>
+            <a:endParaRPr lang="fr-FR"/>
+          </a:p>
+        </p:txBody>
+      </p:sp>
+      <p:sp>
+        <p:nvSpPr>
+          <p:cNvPr id="4" name="Espace réservé de l'image des diapositives 3"/>
+          <p:cNvSpPr>
+            <a:spLocks noGrp="1" noRot="1" noChangeAspect="1"/>
+          </p:cNvSpPr>
+          <p:nvPr>
+            <p:ph type="sldImg" idx="2"/>
+          </p:nvPr>
+        </p:nvSpPr>
+        <p:spPr>
+          <a:xfrm>
+            <a:off x="685800" y="1143000"/>
+            <a:ext cx="5486400" cy="3086100"/>
+          </a:xfrm>
+          <a:prstGeom prst="rect">
+            <a:avLst/>
+          </a:prstGeom>
+          <a:noFill/>
+          <a:ln w="12700">
+            <a:solidFill>
+              <a:prstClr val="black"/>
+            </a:solidFill>
+          </a:ln>
+        </p:spPr>
+        <p:txBody>
+          <a:bodyPr vert="horz" lIns="91440" tIns="45720" rIns="91440" bIns="45720" rtlCol="0" anchor="ctr"/>
+          <a:lstStyle/>
+          <a:p>
+            <a:endParaRPr lang="fr-FR"/>
+          </a:p>
+        </p:txBody>
+      </p:sp>
+      <p:sp>
+        <p:nvSpPr>
+          <p:cNvPr id="5" name="Espace réservé des notes 4"/>
+          <p:cNvSpPr>
+            <a:spLocks noGrp="1"/>
+          </p:cNvSpPr>
+          <p:nvPr>
+            <p:ph type="body" sz="quarter" idx="3"/>
+          </p:nvPr>
+        </p:nvSpPr>
+        <p:spPr>
+          <a:xfrm>
+            <a:off x="685800" y="4400550"/>
+            <a:ext cx="5486400" cy="3600450"/>
+          </a:xfrm>
+          <a:prstGeom prst="rect">
+            <a:avLst/>
+          </a:prstGeom>
+        </p:spPr>
+        <p:txBody>
+          <a:bodyPr vert="horz" lIns="91440" tIns="45720" rIns="91440" bIns="45720" rtlCol="0"/>
+          <a:lstStyle/>
+          <a:p>
+            <a:pPr lvl="0"/>
+            <a:r>
+              <a:rPr lang="fr-FR"/>
+              <a:t>Cliquez pour modifier les styles du texte du masque</a:t>
+            </a:r>
+          </a:p>
+          <a:p>
+            <a:pPr lvl="1"/>
+            <a:r>
+              <a:rPr lang="fr-FR"/>
+              <a:t>Deuxième niveau</a:t>
+            </a:r>
+          </a:p>
+          <a:p>
+            <a:pPr lvl="2"/>
+            <a:r>
+              <a:rPr lang="fr-FR"/>
+              <a:t>Troisième niveau</a:t>
+            </a:r>
+          </a:p>
+          <a:p>
+            <a:pPr lvl="3"/>
+            <a:r>
+              <a:rPr lang="fr-FR"/>
+              <a:t>Quatrième niveau</a:t>
+            </a:r>
+          </a:p>
+          <a:p>
+            <a:pPr lvl="4"/>
+            <a:r>
+              <a:rPr lang="fr-FR"/>
+              <a:t>Cinquième niveau</a:t>
+            </a:r>
+          </a:p>
+        </p:txBody>
+      </p:sp>
+      <p:sp>
+        <p:nvSpPr>
+          <p:cNvPr id="6" name="Espace réservé du pied de page 5"/>
+          <p:cNvSpPr>
+            <a:spLocks noGrp="1"/>
+          </p:cNvSpPr>
+          <p:nvPr>
+            <p:ph type="ftr" sz="quarter" idx="4"/>
+          </p:nvPr>
+        </p:nvSpPr>
+        <p:spPr>
+          <a:xfrm>
+            <a:off x="0" y="8685213"/>
+            <a:ext cx="2971800" cy="458787"/>
+          </a:xfrm>
+          <a:prstGeom prst="rect">
+            <a:avLst/>
+          </a:prstGeom>
+        </p:spPr>
+        <p:txBody>
+          <a:bodyPr vert="horz" lIns="91440" tIns="45720" rIns="91440" bIns="45720" rtlCol="0" anchor="b"/>
+          <a:lstStyle>
+            <a:lvl1pPr algn="l">
+              <a:defRPr sz="1200"/>
+            </a:lvl1pPr>
+          </a:lstStyle>
+          <a:p>
+            <a:endParaRPr lang="fr-FR"/>
+          </a:p>
+        </p:txBody>
+      </p:sp>
+      <p:sp>
+        <p:nvSpPr>
+          <p:cNvPr id="7" name="Espace réservé du numéro de diapositive 6"/>
+          <p:cNvSpPr>
+            <a:spLocks noGrp="1"/>
+          </p:cNvSpPr>
+          <p:nvPr>
+            <p:ph type="sldNum" sz="quarter" idx="5"/>
+          </p:nvPr>
+        </p:nvSpPr>
+        <p:spPr>
+          <a:xfrm>
+            <a:off x="3884613" y="8685213"/>
+            <a:ext cx="2971800" cy="458787"/>
+          </a:xfrm>
+          <a:prstGeom prst="rect">
+            <a:avLst/>
+          </a:prstGeom>
+        </p:spPr>
+        <p:txBody>
+          <a:bodyPr vert="horz" lIns="91440" tIns="45720" rIns="91440" bIns="45720" rtlCol="0" anchor="b"/>
+          <a:lstStyle>
+            <a:lvl1pPr algn="r">
+              <a:defRPr sz="1200"/>
+            </a:lvl1pPr>
+          </a:lstStyle>
+          <a:p>
+            <a:fld id="{A581D625-CD34-49E5-9328-DDCDDF828EC4}" type="slidenum">
+              <a:rPr lang="fr-FR" smtClean="0"/>
+              <a:t>‹N°›</a:t>
+            </a:fld>
+            <a:endParaRPr lang="fr-FR"/>
+          </a:p>
+        </p:txBody>
+      </p:sp>
+    </p:spTree>
+    <p:extLst>
+      <p:ext uri="{BB962C8B-B14F-4D97-AF65-F5344CB8AC3E}">
+        <p14:creationId xmlns:p14="http://schemas.microsoft.com/office/powerpoint/2010/main" val="166503339"/>
+      </p:ext>
+    </p:extLst>
+  </p:cSld>
+  <p:clrMap bg1="lt1" tx1="dk1" bg2="lt2" tx2="dk2" accent1="accent1" accent2="accent2" accent3="accent3" accent4="accent4" accent5="accent5" accent6="accent6" hlink="hlink" folHlink="folHlink"/>
+  <p:notesStyle>
+    <a:lvl1pPr marL="0" algn="l" defTabSz="914400" rtl="0" eaLnBrk="1" latinLnBrk="0" hangingPunct="1">
+      <a:defRPr sz="1200" kern="1200">
+        <a:solidFill>
+          <a:schemeClr val="tx1"/>
+        </a:solidFill>
+        <a:latin typeface="+mn-lt"/>
+        <a:ea typeface="+mn-ea"/>
+        <a:cs typeface="+mn-cs"/>
+      </a:defRPr>
+    </a:lvl1pPr>
+    <a:lvl2pPr marL="457200" algn="l" defTabSz="914400" rtl="0" eaLnBrk="1" latinLnBrk="0" hangingPunct="1">
+      <a:defRPr sz="1200" kern="1200">
+        <a:solidFill>
+          <a:schemeClr val="tx1"/>
+        </a:solidFill>
+        <a:latin typeface="+mn-lt"/>
+        <a:ea typeface="+mn-ea"/>
+        <a:cs typeface="+mn-cs"/>
+      </a:defRPr>
+    </a:lvl2pPr>
+    <a:lvl3pPr marL="914400" algn="l" defTabSz="914400" rtl="0" eaLnBrk="1" latinLnBrk="0" hangingPunct="1">
+      <a:defRPr sz="1200" kern="1200">
+        <a:solidFill>
+          <a:schemeClr val="tx1"/>
+        </a:solidFill>
+        <a:latin typeface="+mn-lt"/>
+        <a:ea typeface="+mn-ea"/>
+        <a:cs typeface="+mn-cs"/>
+      </a:defRPr>
+    </a:lvl3pPr>
+    <a:lvl4pPr marL="1371600" algn="l" defTabSz="914400" rtl="0" eaLnBrk="1" latinLnBrk="0" hangingPunct="1">
+      <a:defRPr sz="1200" kern="1200">
+        <a:solidFill>
+          <a:schemeClr val="tx1"/>
+        </a:solidFill>
+        <a:latin typeface="+mn-lt"/>
+        <a:ea typeface="+mn-ea"/>
+        <a:cs typeface="+mn-cs"/>
+      </a:defRPr>
+    </a:lvl4pPr>
+    <a:lvl5pPr marL="1828800" algn="l" defTabSz="914400" rtl="0" eaLnBrk="1" latinLnBrk="0" hangingPunct="1">
+      <a:defRPr sz="1200" kern="1200">
+        <a:solidFill>
+          <a:schemeClr val="tx1"/>
+        </a:solidFill>
+        <a:latin typeface="+mn-lt"/>
+        <a:ea typeface="+mn-ea"/>
+        <a:cs typeface="+mn-cs"/>
+      </a:defRPr>
+    </a:lvl5pPr>
+    <a:lvl6pPr marL="2286000" algn="l" defTabSz="914400" rtl="0" eaLnBrk="1" latinLnBrk="0" hangingPunct="1">
+      <a:defRPr sz="1200" kern="1200">
+        <a:solidFill>
+          <a:schemeClr val="tx1"/>
+        </a:solidFill>
+        <a:latin typeface="+mn-lt"/>
+        <a:ea typeface="+mn-ea"/>
+        <a:cs typeface="+mn-cs"/>
+      </a:defRPr>
+    </a:lvl6pPr>
+    <a:lvl7pPr marL="2743200" algn="l" defTabSz="914400" rtl="0" eaLnBrk="1" latinLnBrk="0" hangingPunct="1">
+      <a:defRPr sz="1200" kern="1200">
+        <a:solidFill>
+          <a:schemeClr val="tx1"/>
+        </a:solidFill>
+        <a:latin typeface="+mn-lt"/>
+        <a:ea typeface="+mn-ea"/>
+        <a:cs typeface="+mn-cs"/>
+      </a:defRPr>
+    </a:lvl7pPr>
+    <a:lvl8pPr marL="3200400" algn="l" defTabSz="914400" rtl="0" eaLnBrk="1" latinLnBrk="0" hangingPunct="1">
+      <a:defRPr sz="1200" kern="1200">
+        <a:solidFill>
+          <a:schemeClr val="tx1"/>
+        </a:solidFill>
+        <a:latin typeface="+mn-lt"/>
+        <a:ea typeface="+mn-ea"/>
+        <a:cs typeface="+mn-cs"/>
+      </a:defRPr>
+    </a:lvl8pPr>
+    <a:lvl9pPr marL="3657600" algn="l" defTabSz="914400" rtl="0" eaLnBrk="1" latinLnBrk="0" hangingPunct="1">
+      <a:defRPr sz="1200" kern="1200">
+        <a:solidFill>
+          <a:schemeClr val="tx1"/>
+        </a:solidFill>
+        <a:latin typeface="+mn-lt"/>
+        <a:ea typeface="+mn-ea"/>
+        <a:cs typeface="+mn-cs"/>
+      </a:defRPr>
+    </a:lvl9pPr>
+  </p:notesStyle>
+</p:notesMaster>
+</file>
+
+<file path=ppt/notesSlides/notesSlide1.xml><?xml version="1.0" encoding="utf-8"?>
+<p:notes xmlns:a="http://schemas.openxmlformats.org/drawingml/2006/main" xmlns:r="http://schemas.openxmlformats.org/officeDocument/2006/relationships" xmlns:p="http://schemas.openxmlformats.org/presentationml/2006/main">
+  <p:cSld>
+    <p:spTree>
+      <p:nvGrpSpPr>
+        <p:cNvPr id="1" name=""/>
+        <p:cNvGrpSpPr/>
+        <p:nvPr/>
+      </p:nvGrpSpPr>
+      <p:grpSpPr>
+        <a:xfrm>
+          <a:off x="0" y="0"/>
+          <a:ext cx="0" cy="0"/>
+          <a:chOff x="0" y="0"/>
+          <a:chExt cx="0" cy="0"/>
+        </a:xfrm>
+      </p:grpSpPr>
+      <p:sp>
+        <p:nvSpPr>
+          <p:cNvPr id="2" name="Espace réservé de l'image des diapositives 1"/>
+          <p:cNvSpPr>
+            <a:spLocks noGrp="1" noRot="1" noChangeAspect="1"/>
+          </p:cNvSpPr>
+          <p:nvPr>
+            <p:ph type="sldImg"/>
+          </p:nvPr>
+        </p:nvSpPr>
+        <p:spPr/>
+      </p:sp>
+      <p:sp>
+        <p:nvSpPr>
+          <p:cNvPr id="3" name="Espace réservé des notes 2"/>
+          <p:cNvSpPr>
+            <a:spLocks noGrp="1"/>
+          </p:cNvSpPr>
+          <p:nvPr>
+            <p:ph type="body" idx="1"/>
+          </p:nvPr>
+        </p:nvSpPr>
+        <p:spPr/>
+        <p:txBody>
+          <a:bodyPr/>
+          <a:lstStyle/>
+          <a:p>
+            <a:endParaRPr lang="fr-FR" dirty="0"/>
+          </a:p>
+        </p:txBody>
+      </p:sp>
+      <p:sp>
+        <p:nvSpPr>
+          <p:cNvPr id="4" name="Espace réservé du numéro de diapositive 3"/>
+          <p:cNvSpPr>
+            <a:spLocks noGrp="1"/>
+          </p:cNvSpPr>
+          <p:nvPr>
+            <p:ph type="sldNum" sz="quarter" idx="5"/>
+          </p:nvPr>
+        </p:nvSpPr>
+        <p:spPr/>
+        <p:txBody>
+          <a:bodyPr/>
+          <a:lstStyle/>
+          <a:p>
+            <a:fld id="{A581D625-CD34-49E5-9328-DDCDDF828EC4}" type="slidenum">
+              <a:rPr lang="fr-FR" smtClean="0"/>
+              <a:t>1</a:t>
+            </a:fld>
+            <a:endParaRPr lang="fr-FR"/>
+          </a:p>
+        </p:txBody>
+      </p:sp>
+    </p:spTree>
+    <p:extLst>
+      <p:ext uri="{BB962C8B-B14F-4D97-AF65-F5344CB8AC3E}">
+        <p14:creationId xmlns:p14="http://schemas.microsoft.com/office/powerpoint/2010/main" val="1452480052"/>
+      </p:ext>
+    </p:extLst>
+  </p:cSld>
+  <p:clrMapOvr>
+    <a:masterClrMapping/>
+  </p:clrMapOvr>
+</p:notes>
+</file>
+
+<file path=ppt/notesSlides/notesSlide2.xml><?xml version="1.0" encoding="utf-8"?>
+<p:notes xmlns:a="http://schemas.openxmlformats.org/drawingml/2006/main" xmlns:r="http://schemas.openxmlformats.org/officeDocument/2006/relationships" xmlns:p="http://schemas.openxmlformats.org/presentationml/2006/main">
+  <p:cSld>
+    <p:spTree>
+      <p:nvGrpSpPr>
+        <p:cNvPr id="1" name=""/>
+        <p:cNvGrpSpPr/>
+        <p:nvPr/>
+      </p:nvGrpSpPr>
+      <p:grpSpPr>
+        <a:xfrm>
+          <a:off x="0" y="0"/>
+          <a:ext cx="0" cy="0"/>
+          <a:chOff x="0" y="0"/>
+          <a:chExt cx="0" cy="0"/>
+        </a:xfrm>
+      </p:grpSpPr>
+      <p:sp>
+        <p:nvSpPr>
+          <p:cNvPr id="2" name="Espace réservé de l'image des diapositives 1"/>
+          <p:cNvSpPr>
+            <a:spLocks noGrp="1" noRot="1" noChangeAspect="1"/>
+          </p:cNvSpPr>
+          <p:nvPr>
+            <p:ph type="sldImg"/>
+          </p:nvPr>
+        </p:nvSpPr>
+        <p:spPr/>
+      </p:sp>
+      <p:sp>
+        <p:nvSpPr>
+          <p:cNvPr id="3" name="Espace réservé des notes 2"/>
+          <p:cNvSpPr>
+            <a:spLocks noGrp="1"/>
+          </p:cNvSpPr>
+          <p:nvPr>
+            <p:ph type="body" idx="1"/>
+          </p:nvPr>
+        </p:nvSpPr>
+        <p:spPr/>
+        <p:txBody>
+          <a:bodyPr/>
+          <a:lstStyle/>
+          <a:p>
+            <a:r>
+              <a:rPr lang="fr-FR" dirty="0"/>
+              <a:t>Efficacité gain de temps</a:t>
+            </a:r>
+          </a:p>
+          <a:p>
+            <a:r>
+              <a:rPr lang="fr-FR" dirty="0"/>
+              <a:t>Productivité meilleurs résultats</a:t>
+            </a:r>
+          </a:p>
+        </p:txBody>
+      </p:sp>
+      <p:sp>
+        <p:nvSpPr>
+          <p:cNvPr id="4" name="Espace réservé du numéro de diapositive 3"/>
+          <p:cNvSpPr>
+            <a:spLocks noGrp="1"/>
+          </p:cNvSpPr>
+          <p:nvPr>
+            <p:ph type="sldNum" sz="quarter" idx="5"/>
+          </p:nvPr>
+        </p:nvSpPr>
+        <p:spPr/>
+        <p:txBody>
+          <a:bodyPr/>
+          <a:lstStyle/>
+          <a:p>
+            <a:fld id="{A581D625-CD34-49E5-9328-DDCDDF828EC4}" type="slidenum">
+              <a:rPr lang="fr-FR" smtClean="0"/>
+              <a:t>3</a:t>
+            </a:fld>
+            <a:endParaRPr lang="fr-FR"/>
+          </a:p>
+        </p:txBody>
+      </p:sp>
+    </p:spTree>
+    <p:extLst>
+      <p:ext uri="{BB962C8B-B14F-4D97-AF65-F5344CB8AC3E}">
+        <p14:creationId xmlns:p14="http://schemas.microsoft.com/office/powerpoint/2010/main" val="623961826"/>
+      </p:ext>
+    </p:extLst>
+  </p:cSld>
+  <p:clrMapOvr>
+    <a:masterClrMapping/>
+  </p:clrMapOvr>
+</p:notes>
+</file>
+
+<file path=ppt/notesSlides/notesSlide3.xml><?xml version="1.0" encoding="utf-8"?>
+<p:notes xmlns:a="http://schemas.openxmlformats.org/drawingml/2006/main" xmlns:r="http://schemas.openxmlformats.org/officeDocument/2006/relationships" xmlns:p="http://schemas.openxmlformats.org/presentationml/2006/main">
+  <p:cSld>
+    <p:spTree>
+      <p:nvGrpSpPr>
+        <p:cNvPr id="1" name=""/>
+        <p:cNvGrpSpPr/>
+        <p:nvPr/>
+      </p:nvGrpSpPr>
+      <p:grpSpPr>
+        <a:xfrm>
+          <a:off x="0" y="0"/>
+          <a:ext cx="0" cy="0"/>
+          <a:chOff x="0" y="0"/>
+          <a:chExt cx="0" cy="0"/>
+        </a:xfrm>
+      </p:grpSpPr>
+      <p:sp>
+        <p:nvSpPr>
+          <p:cNvPr id="2" name="Espace réservé de l'image des diapositives 1"/>
+          <p:cNvSpPr>
+            <a:spLocks noGrp="1" noRot="1" noChangeAspect="1"/>
+          </p:cNvSpPr>
+          <p:nvPr>
+            <p:ph type="sldImg"/>
+          </p:nvPr>
+        </p:nvSpPr>
+        <p:spPr/>
+      </p:sp>
+      <p:sp>
+        <p:nvSpPr>
+          <p:cNvPr id="3" name="Espace réservé des notes 2"/>
+          <p:cNvSpPr>
+            <a:spLocks noGrp="1"/>
+          </p:cNvSpPr>
+          <p:nvPr>
+            <p:ph type="body" idx="1"/>
+          </p:nvPr>
+        </p:nvSpPr>
+        <p:spPr/>
+        <p:txBody>
+          <a:bodyPr/>
+          <a:lstStyle/>
+          <a:p>
+            <a:r>
+              <a:rPr lang="fr-FR" dirty="0"/>
+              <a:t>TREC </a:t>
+            </a:r>
+            <a:r>
+              <a:rPr lang="fr-FR" dirty="0" err="1"/>
+              <a:t>Text</a:t>
+            </a:r>
+            <a:r>
+              <a:rPr lang="fr-FR" dirty="0"/>
+              <a:t> </a:t>
+            </a:r>
+            <a:r>
+              <a:rPr lang="fr-FR" dirty="0" err="1"/>
+              <a:t>Retrieval</a:t>
+            </a:r>
+            <a:r>
+              <a:rPr lang="fr-FR" dirty="0"/>
+              <a:t> </a:t>
+            </a:r>
+            <a:r>
+              <a:rPr lang="fr-FR" dirty="0" err="1"/>
+              <a:t>Conference</a:t>
+            </a:r>
+            <a:endParaRPr lang="fr-FR" dirty="0"/>
+          </a:p>
+          <a:p>
+            <a:r>
+              <a:rPr lang="fr-FR" dirty="0"/>
+              <a:t>Communauté de chercheurs en récupération d’informations et NLP</a:t>
+            </a:r>
+          </a:p>
+        </p:txBody>
+      </p:sp>
+      <p:sp>
+        <p:nvSpPr>
+          <p:cNvPr id="4" name="Espace réservé du numéro de diapositive 3"/>
+          <p:cNvSpPr>
+            <a:spLocks noGrp="1"/>
+          </p:cNvSpPr>
+          <p:nvPr>
+            <p:ph type="sldNum" sz="quarter" idx="5"/>
+          </p:nvPr>
+        </p:nvSpPr>
+        <p:spPr/>
+        <p:txBody>
+          <a:bodyPr/>
+          <a:lstStyle/>
+          <a:p>
+            <a:fld id="{A581D625-CD34-49E5-9328-DDCDDF828EC4}" type="slidenum">
+              <a:rPr lang="fr-FR" smtClean="0"/>
+              <a:t>4</a:t>
+            </a:fld>
+            <a:endParaRPr lang="fr-FR"/>
+          </a:p>
+        </p:txBody>
+      </p:sp>
+    </p:spTree>
+    <p:extLst>
+      <p:ext uri="{BB962C8B-B14F-4D97-AF65-F5344CB8AC3E}">
+        <p14:creationId xmlns:p14="http://schemas.microsoft.com/office/powerpoint/2010/main" val="1280677107"/>
+      </p:ext>
+    </p:extLst>
+  </p:cSld>
+  <p:clrMapOvr>
+    <a:masterClrMapping/>
+  </p:clrMapOvr>
+</p:notes>
+</file>
+
+<file path=ppt/notesSlides/notesSlide4.xml><?xml version="1.0" encoding="utf-8"?>
+<p:notes xmlns:a="http://schemas.openxmlformats.org/drawingml/2006/main" xmlns:r="http://schemas.openxmlformats.org/officeDocument/2006/relationships" xmlns:p="http://schemas.openxmlformats.org/presentationml/2006/main">
+  <p:cSld>
+    <p:spTree>
+      <p:nvGrpSpPr>
+        <p:cNvPr id="1" name=""/>
+        <p:cNvGrpSpPr/>
+        <p:nvPr/>
+      </p:nvGrpSpPr>
+      <p:grpSpPr>
+        <a:xfrm>
+          <a:off x="0" y="0"/>
+          <a:ext cx="0" cy="0"/>
+          <a:chOff x="0" y="0"/>
+          <a:chExt cx="0" cy="0"/>
+        </a:xfrm>
+      </p:grpSpPr>
+      <p:sp>
+        <p:nvSpPr>
+          <p:cNvPr id="2" name="Espace réservé de l'image des diapositives 1"/>
+          <p:cNvSpPr>
+            <a:spLocks noGrp="1" noRot="1" noChangeAspect="1"/>
+          </p:cNvSpPr>
+          <p:nvPr>
+            <p:ph type="sldImg"/>
+          </p:nvPr>
+        </p:nvSpPr>
+        <p:spPr/>
+      </p:sp>
+      <p:sp>
+        <p:nvSpPr>
+          <p:cNvPr id="3" name="Espace réservé des notes 2"/>
+          <p:cNvSpPr>
+            <a:spLocks noGrp="1"/>
+          </p:cNvSpPr>
+          <p:nvPr>
+            <p:ph type="body" idx="1"/>
+          </p:nvPr>
+        </p:nvSpPr>
+        <p:spPr/>
+        <p:txBody>
+          <a:bodyPr/>
+          <a:lstStyle/>
+          <a:p>
+            <a:r>
+              <a:rPr lang="fr-FR" dirty="0"/>
+              <a:t>ML</a:t>
+            </a:r>
+          </a:p>
+          <a:p>
+            <a:r>
+              <a:rPr lang="fr-FR" dirty="0"/>
+              <a:t>Fit 1 min</a:t>
+            </a:r>
+          </a:p>
+          <a:p>
+            <a:r>
+              <a:rPr lang="fr-FR" dirty="0"/>
+              <a:t>97 % de réponses justes en validation</a:t>
+            </a:r>
+          </a:p>
+          <a:p>
+            <a:r>
+              <a:rPr lang="fr-FR" dirty="0"/>
+              <a:t>DL</a:t>
+            </a:r>
+          </a:p>
+          <a:p>
+            <a:r>
+              <a:rPr lang="fr-FR" dirty="0"/>
+              <a:t>Fit 15 min</a:t>
+            </a:r>
+          </a:p>
+          <a:p>
+            <a:r>
+              <a:rPr lang="fr-FR" dirty="0"/>
+              <a:t>99 % de bonnes réponses en validation</a:t>
+            </a:r>
+          </a:p>
+        </p:txBody>
+      </p:sp>
+      <p:sp>
+        <p:nvSpPr>
+          <p:cNvPr id="4" name="Espace réservé du numéro de diapositive 3"/>
+          <p:cNvSpPr>
+            <a:spLocks noGrp="1"/>
+          </p:cNvSpPr>
+          <p:nvPr>
+            <p:ph type="sldNum" sz="quarter" idx="5"/>
+          </p:nvPr>
+        </p:nvSpPr>
+        <p:spPr/>
+        <p:txBody>
+          <a:bodyPr/>
+          <a:lstStyle/>
+          <a:p>
+            <a:fld id="{A581D625-CD34-49E5-9328-DDCDDF828EC4}" type="slidenum">
+              <a:rPr lang="fr-FR" smtClean="0"/>
+              <a:t>7</a:t>
+            </a:fld>
+            <a:endParaRPr lang="fr-FR"/>
+          </a:p>
+        </p:txBody>
+      </p:sp>
+    </p:spTree>
+    <p:extLst>
+      <p:ext uri="{BB962C8B-B14F-4D97-AF65-F5344CB8AC3E}">
+        <p14:creationId xmlns:p14="http://schemas.microsoft.com/office/powerpoint/2010/main" val="18034760"/>
+      </p:ext>
+    </p:extLst>
+  </p:cSld>
+  <p:clrMapOvr>
+    <a:masterClrMapping/>
+  </p:clrMapOvr>
+</p:notes>
+</file>
+
+<file path=ppt/notesSlides/notesSlide5.xml><?xml version="1.0" encoding="utf-8"?>
+<p:notes xmlns:a="http://schemas.openxmlformats.org/drawingml/2006/main" xmlns:r="http://schemas.openxmlformats.org/officeDocument/2006/relationships" xmlns:p="http://schemas.openxmlformats.org/presentationml/2006/main">
+  <p:cSld>
+    <p:spTree>
+      <p:nvGrpSpPr>
+        <p:cNvPr id="1" name=""/>
+        <p:cNvGrpSpPr/>
+        <p:nvPr/>
+      </p:nvGrpSpPr>
+      <p:grpSpPr>
+        <a:xfrm>
+          <a:off x="0" y="0"/>
+          <a:ext cx="0" cy="0"/>
+          <a:chOff x="0" y="0"/>
+          <a:chExt cx="0" cy="0"/>
+        </a:xfrm>
+      </p:grpSpPr>
+      <p:sp>
+        <p:nvSpPr>
+          <p:cNvPr id="2" name="Espace réservé de l'image des diapositives 1"/>
+          <p:cNvSpPr>
+            <a:spLocks noGrp="1" noRot="1" noChangeAspect="1"/>
+          </p:cNvSpPr>
+          <p:nvPr>
+            <p:ph type="sldImg"/>
+          </p:nvPr>
+        </p:nvSpPr>
+        <p:spPr/>
+      </p:sp>
+      <p:sp>
+        <p:nvSpPr>
+          <p:cNvPr id="3" name="Espace réservé des notes 2"/>
+          <p:cNvSpPr>
+            <a:spLocks noGrp="1"/>
+          </p:cNvSpPr>
+          <p:nvPr>
+            <p:ph type="body" idx="1"/>
+          </p:nvPr>
+        </p:nvSpPr>
+        <p:spPr/>
+        <p:txBody>
+          <a:bodyPr/>
+          <a:lstStyle/>
+          <a:p>
+            <a:r>
+              <a:rPr lang="fr-FR" dirty="0" err="1"/>
+              <a:t>Opt</a:t>
+            </a:r>
+            <a:endParaRPr lang="fr-FR" dirty="0"/>
+          </a:p>
+          <a:p>
+            <a:r>
+              <a:rPr lang="fr-FR" dirty="0"/>
+              <a:t>Adam </a:t>
+            </a:r>
+            <a:r>
+              <a:rPr lang="fr-FR" dirty="0" err="1"/>
+              <a:t>sgd</a:t>
+            </a:r>
+            <a:endParaRPr lang="fr-FR" dirty="0"/>
+          </a:p>
+          <a:p>
+            <a:endParaRPr lang="fr-FR" dirty="0"/>
+          </a:p>
+          <a:p>
+            <a:r>
+              <a:rPr lang="fr-FR" dirty="0" err="1"/>
+              <a:t>Metrics</a:t>
+            </a:r>
+            <a:endParaRPr lang="fr-FR" dirty="0"/>
+          </a:p>
+          <a:p>
+            <a:r>
+              <a:rPr lang="fr-FR" dirty="0" err="1"/>
+              <a:t>Accuracy</a:t>
+            </a:r>
+            <a:r>
+              <a:rPr lang="fr-FR" dirty="0"/>
+              <a:t> f1score </a:t>
+            </a:r>
+            <a:r>
+              <a:rPr lang="fr-FR" dirty="0" err="1"/>
+              <a:t>recall</a:t>
+            </a:r>
+            <a:r>
+              <a:rPr lang="fr-FR" dirty="0"/>
+              <a:t> </a:t>
+            </a:r>
+            <a:r>
+              <a:rPr lang="fr-FR" dirty="0" err="1"/>
+              <a:t>precision</a:t>
+            </a:r>
+            <a:endParaRPr lang="fr-FR" dirty="0"/>
+          </a:p>
+          <a:p>
+            <a:endParaRPr lang="fr-FR" dirty="0"/>
+          </a:p>
+          <a:p>
+            <a:r>
+              <a:rPr lang="fr-FR" dirty="0" err="1"/>
+              <a:t>Batch_size</a:t>
+            </a:r>
+            <a:endParaRPr lang="fr-FR" dirty="0"/>
+          </a:p>
+          <a:p>
+            <a:r>
+              <a:rPr lang="fr-FR" dirty="0"/>
+              <a:t>4 8 16 32</a:t>
+            </a:r>
+          </a:p>
+          <a:p>
+            <a:endParaRPr lang="fr-FR" dirty="0"/>
+          </a:p>
+          <a:p>
+            <a:r>
+              <a:rPr lang="fr-FR" dirty="0" err="1"/>
+              <a:t>Epochs</a:t>
+            </a:r>
+            <a:endParaRPr lang="fr-FR" dirty="0"/>
+          </a:p>
+          <a:p>
+            <a:r>
+              <a:rPr lang="fr-FR" dirty="0"/>
+              <a:t>100 mais 50 suffisant</a:t>
+            </a:r>
+          </a:p>
+          <a:p>
+            <a:endParaRPr lang="fr-FR" dirty="0"/>
+          </a:p>
+          <a:p>
+            <a:r>
+              <a:rPr lang="fr-FR" dirty="0" err="1"/>
+              <a:t>Validation_split</a:t>
+            </a:r>
+            <a:endParaRPr lang="fr-FR" dirty="0"/>
+          </a:p>
+          <a:p>
+            <a:r>
+              <a:rPr lang="fr-FR" dirty="0"/>
+              <a:t>0,1 0,15 0,2</a:t>
+            </a:r>
+          </a:p>
+        </p:txBody>
+      </p:sp>
+      <p:sp>
+        <p:nvSpPr>
+          <p:cNvPr id="4" name="Espace réservé du numéro de diapositive 3"/>
+          <p:cNvSpPr>
+            <a:spLocks noGrp="1"/>
+          </p:cNvSpPr>
+          <p:nvPr>
+            <p:ph type="sldNum" sz="quarter" idx="5"/>
+          </p:nvPr>
+        </p:nvSpPr>
+        <p:spPr/>
+        <p:txBody>
+          <a:bodyPr/>
+          <a:lstStyle/>
+          <a:p>
+            <a:fld id="{A581D625-CD34-49E5-9328-DDCDDF828EC4}" type="slidenum">
+              <a:rPr lang="fr-FR" smtClean="0"/>
+              <a:t>8</a:t>
+            </a:fld>
+            <a:endParaRPr lang="fr-FR"/>
+          </a:p>
+        </p:txBody>
+      </p:sp>
+    </p:spTree>
+    <p:extLst>
+      <p:ext uri="{BB962C8B-B14F-4D97-AF65-F5344CB8AC3E}">
+        <p14:creationId xmlns:p14="http://schemas.microsoft.com/office/powerpoint/2010/main" val="3335395481"/>
+      </p:ext>
+    </p:extLst>
+  </p:cSld>
+  <p:clrMapOvr>
+    <a:masterClrMapping/>
+  </p:clrMapOvr>
+</p:notes>
 </file>
 
 <file path=ppt/slideLayouts/slideLayout1.xml><?xml version="1.0" encoding="utf-8"?>
@@ -9932,7 +13724,7 @@
           <a:p>
             <a:fld id="{D443ED3C-8566-44F9-A004-5B5D9316587E}" type="datetimeFigureOut">
               <a:rPr lang="fr-FR" smtClean="0"/>
-              <a:t>05/05/2025</a:t>
+              <a:t>08/05/2025</a:t>
             </a:fld>
             <a:endParaRPr lang="fr-FR"/>
           </a:p>
@@ -10130,7 +13922,7 @@
           <a:p>
             <a:fld id="{D443ED3C-8566-44F9-A004-5B5D9316587E}" type="datetimeFigureOut">
               <a:rPr lang="fr-FR" smtClean="0"/>
-              <a:t>05/05/2025</a:t>
+              <a:t>08/05/2025</a:t>
             </a:fld>
             <a:endParaRPr lang="fr-FR"/>
           </a:p>
@@ -10338,7 +14130,7 @@
           <a:p>
             <a:fld id="{D443ED3C-8566-44F9-A004-5B5D9316587E}" type="datetimeFigureOut">
               <a:rPr lang="fr-FR" smtClean="0"/>
-              <a:t>05/05/2025</a:t>
+              <a:t>08/05/2025</a:t>
             </a:fld>
             <a:endParaRPr lang="fr-FR"/>
           </a:p>
@@ -10536,7 +14328,7 @@
           <a:p>
             <a:fld id="{D443ED3C-8566-44F9-A004-5B5D9316587E}" type="datetimeFigureOut">
               <a:rPr lang="fr-FR" smtClean="0"/>
-              <a:t>05/05/2025</a:t>
+              <a:t>08/05/2025</a:t>
             </a:fld>
             <a:endParaRPr lang="fr-FR"/>
           </a:p>
@@ -10811,7 +14603,7 @@
           <a:p>
             <a:fld id="{D443ED3C-8566-44F9-A004-5B5D9316587E}" type="datetimeFigureOut">
               <a:rPr lang="fr-FR" smtClean="0"/>
-              <a:t>05/05/2025</a:t>
+              <a:t>08/05/2025</a:t>
             </a:fld>
             <a:endParaRPr lang="fr-FR"/>
           </a:p>
@@ -11076,7 +14868,7 @@
           <a:p>
             <a:fld id="{D443ED3C-8566-44F9-A004-5B5D9316587E}" type="datetimeFigureOut">
               <a:rPr lang="fr-FR" smtClean="0"/>
-              <a:t>05/05/2025</a:t>
+              <a:t>08/05/2025</a:t>
             </a:fld>
             <a:endParaRPr lang="fr-FR"/>
           </a:p>
@@ -11488,7 +15280,7 @@
           <a:p>
             <a:fld id="{D443ED3C-8566-44F9-A004-5B5D9316587E}" type="datetimeFigureOut">
               <a:rPr lang="fr-FR" smtClean="0"/>
-              <a:t>05/05/2025</a:t>
+              <a:t>08/05/2025</a:t>
             </a:fld>
             <a:endParaRPr lang="fr-FR"/>
           </a:p>
@@ -11629,7 +15421,7 @@
           <a:p>
             <a:fld id="{D443ED3C-8566-44F9-A004-5B5D9316587E}" type="datetimeFigureOut">
               <a:rPr lang="fr-FR" smtClean="0"/>
-              <a:t>05/05/2025</a:t>
+              <a:t>08/05/2025</a:t>
             </a:fld>
             <a:endParaRPr lang="fr-FR"/>
           </a:p>
@@ -11742,7 +15534,7 @@
           <a:p>
             <a:fld id="{D443ED3C-8566-44F9-A004-5B5D9316587E}" type="datetimeFigureOut">
               <a:rPr lang="fr-FR" smtClean="0"/>
-              <a:t>05/05/2025</a:t>
+              <a:t>08/05/2025</a:t>
             </a:fld>
             <a:endParaRPr lang="fr-FR"/>
           </a:p>
@@ -12053,7 +15845,7 @@
           <a:p>
             <a:fld id="{D443ED3C-8566-44F9-A004-5B5D9316587E}" type="datetimeFigureOut">
               <a:rPr lang="fr-FR" smtClean="0"/>
-              <a:t>05/05/2025</a:t>
+              <a:t>08/05/2025</a:t>
             </a:fld>
             <a:endParaRPr lang="fr-FR"/>
           </a:p>
@@ -12341,7 +16133,7 @@
           <a:p>
             <a:fld id="{D443ED3C-8566-44F9-A004-5B5D9316587E}" type="datetimeFigureOut">
               <a:rPr lang="fr-FR" smtClean="0"/>
-              <a:t>05/05/2025</a:t>
+              <a:t>08/05/2025</a:t>
             </a:fld>
             <a:endParaRPr lang="fr-FR"/>
           </a:p>
@@ -12582,7 +16374,7 @@
           <a:p>
             <a:fld id="{D443ED3C-8566-44F9-A004-5B5D9316587E}" type="datetimeFigureOut">
               <a:rPr lang="fr-FR" smtClean="0"/>
-              <a:t>05/05/2025</a:t>
+              <a:t>08/05/2025</a:t>
             </a:fld>
             <a:endParaRPr lang="fr-FR"/>
           </a:p>
@@ -13009,10 +16801,10 @@
       </p:grpSpPr>
       <p:sp useBgFill="1">
         <p:nvSpPr>
-          <p:cNvPr id="8" name="Rectangle 7">
+          <p:cNvPr id="2099" name="Rectangle 2098">
             <a:extLst>
               <a:ext uri="{FF2B5EF4-FFF2-40B4-BE49-F238E27FC236}">
-                <a16:creationId xmlns:a16="http://schemas.microsoft.com/office/drawing/2014/main" id="{6F5A5072-7B47-4D32-B52A-4EBBF590B8A5}"/>
+                <a16:creationId xmlns:a16="http://schemas.microsoft.com/office/drawing/2014/main" id="{DEE2AD96-B495-4E06-9291-B71706F728CB}"/>
               </a:ext>
               <a:ext uri="{C183D7F6-B498-43B3-948B-1728B52AA6E4}">
                 <adec:decorative xmlns:adec="http://schemas.microsoft.com/office/drawing/2017/decorative" val="1"/>
@@ -13085,10 +16877,10 @@
       </p:sp>
       <p:sp>
         <p:nvSpPr>
-          <p:cNvPr id="10" name="Rectangle 9">
+          <p:cNvPr id="2101" name="Rectangle 2100">
             <a:extLst>
               <a:ext uri="{FF2B5EF4-FFF2-40B4-BE49-F238E27FC236}">
-                <a16:creationId xmlns:a16="http://schemas.microsoft.com/office/drawing/2014/main" id="{9715DAF0-AE1B-46C9-8A6B-DB2AA05AB91D}"/>
+                <a16:creationId xmlns:a16="http://schemas.microsoft.com/office/drawing/2014/main" id="{53CF6D67-C5A8-4ADD-9E8E-1E38CA1D3166}"/>
               </a:ext>
               <a:ext uri="{C183D7F6-B498-43B3-948B-1728B52AA6E4}">
                 <adec:decorative xmlns:adec="http://schemas.microsoft.com/office/drawing/2017/decorative" val="1"/>
@@ -13107,25 +16899,25 @@
           </p:nvPr>
         </p:nvSpPr>
         <p:spPr>
-          <a:xfrm rot="10800000">
-            <a:off x="-2" y="-22693"/>
-            <a:ext cx="12191999" cy="4374129"/>
+          <a:xfrm rot="5400000" flipH="1">
+            <a:off x="-638515" y="639280"/>
+            <a:ext cx="6858000" cy="5579440"/>
           </a:xfrm>
           <a:prstGeom prst="rect">
             <a:avLst/>
           </a:prstGeom>
           <a:gradFill>
             <a:gsLst>
-              <a:gs pos="0">
+              <a:gs pos="8000">
+                <a:srgbClr val="000000"/>
+              </a:gs>
+              <a:gs pos="100000">
                 <a:schemeClr val="accent1">
                   <a:lumMod val="75000"/>
                 </a:schemeClr>
               </a:gs>
-              <a:gs pos="100000">
-                <a:srgbClr val="000000"/>
-              </a:gs>
             </a:gsLst>
-            <a:lin ang="15000000" scaled="0"/>
+            <a:lin ang="3000000" scaled="0"/>
           </a:gradFill>
           <a:ln>
             <a:noFill/>
@@ -13158,10 +16950,10 @@
       </p:sp>
       <p:sp>
         <p:nvSpPr>
-          <p:cNvPr id="12" name="Rectangle 11">
+          <p:cNvPr id="2103" name="Rectangle 2102">
             <a:extLst>
               <a:ext uri="{FF2B5EF4-FFF2-40B4-BE49-F238E27FC236}">
-                <a16:creationId xmlns:a16="http://schemas.microsoft.com/office/drawing/2014/main" id="{6016219D-510E-4184-9090-6D5578A87BD1}"/>
+                <a16:creationId xmlns:a16="http://schemas.microsoft.com/office/drawing/2014/main" id="{86909FA0-B515-4681-B7A8-FA281D133B94}"/>
               </a:ext>
               <a:ext uri="{C183D7F6-B498-43B3-948B-1728B52AA6E4}">
                 <adec:decorative xmlns:adec="http://schemas.microsoft.com/office/drawing/2017/decorative" val="1"/>
@@ -13180,28 +16972,27 @@
           </p:nvPr>
         </p:nvSpPr>
         <p:spPr>
-          <a:xfrm rot="5400000">
-            <a:off x="3908719" y="-3931841"/>
-            <a:ext cx="4374557" cy="12192000"/>
+          <a:xfrm rot="5400000" flipH="1">
+            <a:off x="-393206" y="395206"/>
+            <a:ext cx="6346209" cy="5576080"/>
           </a:xfrm>
           <a:prstGeom prst="rect">
             <a:avLst/>
           </a:prstGeom>
           <a:gradFill>
             <a:gsLst>
-              <a:gs pos="40000">
+              <a:gs pos="0">
+                <a:srgbClr val="000000">
+                  <a:alpha val="0"/>
+                </a:srgbClr>
+              </a:gs>
+              <a:gs pos="99000">
                 <a:schemeClr val="accent1">
                   <a:alpha val="0"/>
                 </a:schemeClr>
               </a:gs>
-              <a:gs pos="100000">
-                <a:schemeClr val="accent1">
-                  <a:lumMod val="75000"/>
-                  <a:alpha val="52000"/>
-                </a:schemeClr>
-              </a:gs>
             </a:gsLst>
-            <a:lin ang="2400000" scaled="0"/>
+            <a:lin ang="1800000" scaled="0"/>
           </a:gradFill>
           <a:ln>
             <a:noFill/>
@@ -13234,10 +17025,10 @@
       </p:sp>
       <p:sp>
         <p:nvSpPr>
-          <p:cNvPr id="14" name="Rectangle 13">
+          <p:cNvPr id="2105" name="Rectangle 2104">
             <a:extLst>
               <a:ext uri="{FF2B5EF4-FFF2-40B4-BE49-F238E27FC236}">
-                <a16:creationId xmlns:a16="http://schemas.microsoft.com/office/drawing/2014/main" id="{AFF4A713-7B75-4B21-90D7-5AB19547C728}"/>
+                <a16:creationId xmlns:a16="http://schemas.microsoft.com/office/drawing/2014/main" id="{21C9FE86-FCC3-4A31-AA1C-C882262B7FE7}"/>
               </a:ext>
               <a:ext uri="{C183D7F6-B498-43B3-948B-1728B52AA6E4}">
                 <adec:decorative xmlns:adec="http://schemas.microsoft.com/office/drawing/2017/decorative" val="1"/>
@@ -13256,23 +17047,23 @@
           </p:nvPr>
         </p:nvSpPr>
         <p:spPr>
-          <a:xfrm rot="5400000">
-            <a:off x="4136696" y="-3703868"/>
-            <a:ext cx="4374128" cy="11736479"/>
+          <a:xfrm rot="5400000" flipH="1">
+            <a:off x="1528907" y="2818967"/>
+            <a:ext cx="2501979" cy="5576080"/>
           </a:xfrm>
           <a:prstGeom prst="rect">
             <a:avLst/>
           </a:prstGeom>
           <a:gradFill>
             <a:gsLst>
-              <a:gs pos="17000">
+              <a:gs pos="2000">
                 <a:schemeClr val="accent1">
-                  <a:alpha val="0"/>
+                  <a:alpha val="29000"/>
                 </a:schemeClr>
               </a:gs>
               <a:gs pos="100000">
                 <a:srgbClr val="000000">
-                  <a:alpha val="37000"/>
+                  <a:alpha val="30000"/>
                 </a:srgbClr>
               </a:gs>
             </a:gsLst>
@@ -13303,16 +17094,16 @@
           <a:lstStyle/>
           <a:p>
             <a:pPr algn="ctr"/>
-            <a:endParaRPr lang="en-US"/>
+            <a:endParaRPr lang="en-US" dirty="0"/>
           </a:p>
         </p:txBody>
       </p:sp>
       <p:sp>
         <p:nvSpPr>
-          <p:cNvPr id="16" name="Rectangle 15">
+          <p:cNvPr id="2107" name="Rectangle 2106">
             <a:extLst>
               <a:ext uri="{FF2B5EF4-FFF2-40B4-BE49-F238E27FC236}">
-                <a16:creationId xmlns:a16="http://schemas.microsoft.com/office/drawing/2014/main" id="{DC631C0B-6DA6-4E57-8231-CE32B3434A7E}"/>
+                <a16:creationId xmlns:a16="http://schemas.microsoft.com/office/drawing/2014/main" id="{7D96243B-ECED-4B71-8E06-AE9A285EAD20}"/>
               </a:ext>
               <a:ext uri="{C183D7F6-B498-43B3-948B-1728B52AA6E4}">
                 <adec:decorative xmlns:adec="http://schemas.microsoft.com/office/drawing/2017/decorative" val="1"/>
@@ -13331,9 +17122,9 @@
           </p:nvPr>
         </p:nvSpPr>
         <p:spPr>
-          <a:xfrm>
-            <a:off x="-5" y="-22690"/>
-            <a:ext cx="8542485" cy="4374126"/>
+          <a:xfrm rot="5400000" flipH="1">
+            <a:off x="-425002" y="852793"/>
+            <a:ext cx="6858001" cy="5152412"/>
           </a:xfrm>
           <a:prstGeom prst="rect">
             <a:avLst/>
@@ -13341,18 +17132,17 @@
           <a:gradFill>
             <a:gsLst>
               <a:gs pos="0">
+                <a:srgbClr val="000000">
+                  <a:alpha val="0"/>
+                </a:srgbClr>
+              </a:gs>
+              <a:gs pos="99000">
                 <a:schemeClr val="accent1">
-                  <a:lumMod val="50000"/>
-                  <a:alpha val="0"/>
+                  <a:alpha val="11000"/>
                 </a:schemeClr>
               </a:gs>
-              <a:gs pos="100000">
-                <a:srgbClr val="000000">
-                  <a:alpha val="25000"/>
-                </a:srgbClr>
-              </a:gs>
             </a:gsLst>
-            <a:lin ang="18600000" scaled="0"/>
+            <a:lin ang="7800000" scaled="0"/>
           </a:gradFill>
           <a:ln>
             <a:noFill/>
@@ -13385,10 +17175,10 @@
       </p:sp>
       <p:sp>
         <p:nvSpPr>
-          <p:cNvPr id="18" name="Freeform: Shape 17">
+          <p:cNvPr id="2109" name="Oval 2108">
             <a:extLst>
               <a:ext uri="{FF2B5EF4-FFF2-40B4-BE49-F238E27FC236}">
-                <a16:creationId xmlns:a16="http://schemas.microsoft.com/office/drawing/2014/main" id="{C29501E6-A978-4A61-9689-9085AF97A53A}"/>
+                <a16:creationId xmlns:a16="http://schemas.microsoft.com/office/drawing/2014/main" id="{A09989E4-EFDC-4A90-A633-E0525FB4139E}"/>
               </a:ext>
               <a:ext uri="{C183D7F6-B498-43B3-948B-1728B52AA6E4}">
                 <adec:decorative xmlns:adec="http://schemas.microsoft.com/office/drawing/2017/decorative" val="1"/>
@@ -13407,94 +17197,29 @@
           </p:nvPr>
         </p:nvSpPr>
         <p:spPr>
-          <a:xfrm rot="12508972">
-            <a:off x="5945431" y="-1032053"/>
-            <a:ext cx="4990147" cy="4439131"/>
+          <a:xfrm rot="6097846">
+            <a:off x="818753" y="1128497"/>
+            <a:ext cx="4318303" cy="4318303"/>
           </a:xfrm>
-          <a:custGeom>
+          <a:prstGeom prst="ellipse">
             <a:avLst/>
-            <a:gdLst>
-              <a:gd name="connsiteX0" fmla="*/ 4990147 w 4990147"/>
-              <a:gd name="connsiteY0" fmla="*/ 2229378 h 4439131"/>
-              <a:gd name="connsiteX1" fmla="*/ 917384 w 4990147"/>
-              <a:gd name="connsiteY1" fmla="*/ 4439131 h 4439131"/>
-              <a:gd name="connsiteX2" fmla="*/ 910814 w 4990147"/>
-              <a:gd name="connsiteY2" fmla="*/ 4434219 h 4439131"/>
-              <a:gd name="connsiteX3" fmla="*/ 0 w 4990147"/>
-              <a:gd name="connsiteY3" fmla="*/ 2502877 h 4439131"/>
-              <a:gd name="connsiteX4" fmla="*/ 2502877 w 4990147"/>
-              <a:gd name="connsiteY4" fmla="*/ 0 h 4439131"/>
-              <a:gd name="connsiteX5" fmla="*/ 4954904 w 4990147"/>
-              <a:gd name="connsiteY5" fmla="*/ 1998460 h 4439131"/>
-            </a:gdLst>
-            <a:ahLst/>
-            <a:cxnLst>
-              <a:cxn ang="0">
-                <a:pos x="connsiteX0" y="connsiteY0"/>
-              </a:cxn>
-              <a:cxn ang="0">
-                <a:pos x="connsiteX1" y="connsiteY1"/>
-              </a:cxn>
-              <a:cxn ang="0">
-                <a:pos x="connsiteX2" y="connsiteY2"/>
-              </a:cxn>
-              <a:cxn ang="0">
-                <a:pos x="connsiteX3" y="connsiteY3"/>
-              </a:cxn>
-              <a:cxn ang="0">
-                <a:pos x="connsiteX4" y="connsiteY4"/>
-              </a:cxn>
-              <a:cxn ang="0">
-                <a:pos x="connsiteX5" y="connsiteY5"/>
-              </a:cxn>
-            </a:cxnLst>
-            <a:rect l="l" t="t" r="r" b="b"/>
-            <a:pathLst>
-              <a:path w="4990147" h="4439131">
-                <a:moveTo>
-                  <a:pt x="4990147" y="2229378"/>
-                </a:moveTo>
-                <a:lnTo>
-                  <a:pt x="917384" y="4439131"/>
-                </a:lnTo>
-                <a:lnTo>
-                  <a:pt x="910814" y="4434219"/>
-                </a:lnTo>
-                <a:cubicBezTo>
-                  <a:pt x="354557" y="3975154"/>
-                  <a:pt x="0" y="3280421"/>
-                  <a:pt x="0" y="2502877"/>
-                </a:cubicBezTo>
-                <a:cubicBezTo>
-                  <a:pt x="0" y="1120576"/>
-                  <a:pt x="1120576" y="0"/>
-                  <a:pt x="2502877" y="0"/>
-                </a:cubicBezTo>
-                <a:cubicBezTo>
-                  <a:pt x="3712390" y="0"/>
-                  <a:pt x="4721520" y="857941"/>
-                  <a:pt x="4954904" y="1998460"/>
-                </a:cubicBezTo>
-                <a:close/>
-              </a:path>
-            </a:pathLst>
-          </a:custGeom>
+          </a:prstGeom>
           <a:gradFill>
             <a:gsLst>
-              <a:gs pos="0">
+              <a:gs pos="39000">
                 <a:schemeClr val="accent1">
-                  <a:alpha val="22000"/>
+                  <a:alpha val="0"/>
                 </a:schemeClr>
               </a:gs>
-              <a:gs pos="87000">
+              <a:gs pos="100000">
                 <a:schemeClr val="accent1">
                   <a:lumMod val="60000"/>
                   <a:lumOff val="40000"/>
-                  <a:alpha val="2000"/>
+                  <a:alpha val="15000"/>
                 </a:schemeClr>
               </a:gs>
             </a:gsLst>
-            <a:lin ang="8400000" scaled="0"/>
+            <a:lin ang="17400000" scaled="0"/>
           </a:gradFill>
           <a:ln>
             <a:noFill/>
@@ -13517,9 +17242,7 @@
           </a:fontRef>
         </p:style>
         <p:txBody>
-          <a:bodyPr wrap="square" rtlCol="0" anchor="ctr">
-            <a:noAutofit/>
-          </a:bodyPr>
+          <a:bodyPr rtlCol="0" anchor="ctr"/>
           <a:lstStyle/>
           <a:p>
             <a:pPr algn="ctr"/>
@@ -13529,234 +17252,109 @@
       </p:sp>
       <p:sp>
         <p:nvSpPr>
-          <p:cNvPr id="2" name="Titre 1">
+          <p:cNvPr id="6" name="ZoneTexte 5">
             <a:extLst>
               <a:ext uri="{FF2B5EF4-FFF2-40B4-BE49-F238E27FC236}">
-                <a16:creationId xmlns:a16="http://schemas.microsoft.com/office/drawing/2014/main" id="{D77D71A2-9372-14B4-2214-F0170A53F2CF}"/>
+                <a16:creationId xmlns:a16="http://schemas.microsoft.com/office/drawing/2014/main" id="{B228E02E-AAA5-8541-4FEE-3AAE975BD148}"/>
               </a:ext>
             </a:extLst>
           </p:cNvPr>
-          <p:cNvSpPr>
-            <a:spLocks noGrp="1"/>
-          </p:cNvSpPr>
-          <p:nvPr>
-            <p:ph type="ctrTitle"/>
-          </p:nvPr>
+          <p:cNvSpPr txBox="1"/>
+          <p:nvPr/>
         </p:nvSpPr>
         <p:spPr>
           <a:xfrm>
-            <a:off x="1314824" y="735106"/>
-            <a:ext cx="10053763" cy="2928470"/>
+            <a:off x="1052565" y="2966525"/>
+            <a:ext cx="3902865" cy="1528005"/>
           </a:xfrm>
+          <a:prstGeom prst="rect">
+            <a:avLst/>
+          </a:prstGeom>
         </p:spPr>
         <p:txBody>
-          <a:bodyPr anchor="b">
+          <a:bodyPr vert="horz" lIns="91440" tIns="45720" rIns="91440" bIns="45720" rtlCol="0" anchor="ctr">
             <a:normAutofit/>
           </a:bodyPr>
           <a:lstStyle/>
           <a:p>
-            <a:pPr algn="l"/>
+            <a:pPr algn="r">
+              <a:lnSpc>
+                <a:spcPct val="90000"/>
+              </a:lnSpc>
+              <a:spcAft>
+                <a:spcPts val="600"/>
+              </a:spcAft>
+            </a:pPr>
             <a:r>
-              <a:rPr lang="fr-FR" sz="4800" dirty="0">
+              <a:rPr lang="en-US" sz="4000" dirty="0">
                 <a:solidFill>
-                  <a:srgbClr val="FFFFFF"/>
+                  <a:schemeClr val="bg1"/>
                 </a:solidFill>
               </a:rPr>
-              <a:t>Classification d’email</a:t>
+              <a:t>Louis BURET</a:t>
             </a:r>
           </a:p>
         </p:txBody>
       </p:sp>
-      <p:sp>
-        <p:nvSpPr>
-          <p:cNvPr id="3" name="Sous-titre 2">
+      <p:pic>
+        <p:nvPicPr>
+          <p:cNvPr id="7" name="Picture 4" descr="Image preview">
             <a:extLst>
               <a:ext uri="{FF2B5EF4-FFF2-40B4-BE49-F238E27FC236}">
-                <a16:creationId xmlns:a16="http://schemas.microsoft.com/office/drawing/2014/main" id="{7F7E5E6D-2A1B-A1C7-3290-A8D0A5EC40DD}"/>
+                <a16:creationId xmlns:a16="http://schemas.microsoft.com/office/drawing/2014/main" id="{D68A2747-FEB4-B997-03E9-C98AF7C3529F}"/>
               </a:ext>
             </a:extLst>
           </p:cNvPr>
-          <p:cNvSpPr>
-            <a:spLocks noGrp="1"/>
-          </p:cNvSpPr>
-          <p:nvPr>
-            <p:ph type="subTitle" idx="1"/>
-          </p:nvPr>
-        </p:nvSpPr>
-        <p:spPr>
+          <p:cNvPicPr>
+            <a:picLocks noChangeAspect="1" noChangeArrowheads="1"/>
+          </p:cNvPicPr>
+          <p:nvPr/>
+        </p:nvPicPr>
+        <p:blipFill>
+          <a:blip r:embed="rId3">
+            <a:extLst>
+              <a:ext uri="{28A0092B-C50C-407E-A947-70E740481C1C}">
+                <a14:useLocalDpi xmlns:a14="http://schemas.microsoft.com/office/drawing/2010/main" val="0"/>
+              </a:ext>
+            </a:extLst>
+          </a:blip>
+          <a:srcRect r="-3" b="-3"/>
+          <a:stretch/>
+        </p:blipFill>
+        <p:spPr bwMode="auto">
           <a:xfrm>
-            <a:off x="1350682" y="4870824"/>
-            <a:ext cx="10005951" cy="1458258"/>
+            <a:off x="6094310" y="595384"/>
+            <a:ext cx="5384528" cy="5384528"/>
           </a:xfrm>
+          <a:prstGeom prst="rect">
+            <a:avLst/>
+          </a:prstGeom>
+          <a:noFill/>
+          <a:extLst>
+            <a:ext uri="{909E8E84-426E-40DD-AFC4-6F175D3DCCD1}">
+              <a14:hiddenFill xmlns:a14="http://schemas.microsoft.com/office/drawing/2010/main">
+                <a:solidFill>
+                  <a:srgbClr val="FFFFFF"/>
+                </a:solidFill>
+              </a14:hiddenFill>
+            </a:ext>
+          </a:extLst>
         </p:spPr>
-        <p:txBody>
-          <a:bodyPr anchor="ctr">
-            <a:normAutofit/>
-          </a:bodyPr>
-          <a:lstStyle/>
-          <a:p>
-            <a:pPr algn="l"/>
-            <a:r>
-              <a:rPr lang="fr-FR" dirty="0"/>
-              <a:t>Comment filtrer des messages</a:t>
-            </a:r>
-            <a:endParaRPr lang="fr-FR"/>
-          </a:p>
-        </p:txBody>
-      </p:sp>
+      </p:pic>
     </p:spTree>
     <p:extLst>
       <p:ext uri="{BB962C8B-B14F-4D97-AF65-F5344CB8AC3E}">
-        <p14:creationId xmlns:p14="http://schemas.microsoft.com/office/powerpoint/2010/main" val="4019099597"/>
+        <p14:creationId xmlns:p14="http://schemas.microsoft.com/office/powerpoint/2010/main" val="27629540"/>
       </p:ext>
     </p:extLst>
   </p:cSld>
   <p:clrMapOvr>
     <a:masterClrMapping/>
   </p:clrMapOvr>
-  <p:timing>
-    <p:tnLst>
-      <p:par>
-        <p:cTn id="1" dur="indefinite" restart="never" nodeType="tmRoot">
-          <p:childTnLst>
-            <p:seq concurrent="1" nextAc="seek">
-              <p:cTn id="2" dur="indefinite" nodeType="mainSeq">
-                <p:childTnLst>
-                  <p:par>
-                    <p:cTn id="3" fill="hold">
-                      <p:stCondLst>
-                        <p:cond delay="indefinite"/>
-                        <p:cond evt="onBegin" delay="0">
-                          <p:tn val="2"/>
-                        </p:cond>
-                      </p:stCondLst>
-                      <p:childTnLst>
-                        <p:par>
-                          <p:cTn id="4" fill="hold">
-                            <p:stCondLst>
-                              <p:cond delay="0"/>
-                            </p:stCondLst>
-                            <p:childTnLst>
-                              <p:par>
-                                <p:cTn id="5" presetID="10" presetClass="entr" presetSubtype="0" fill="hold" grpId="0" nodeType="withEffect">
-                                  <p:stCondLst>
-                                    <p:cond delay="500"/>
-                                  </p:stCondLst>
-                                  <p:iterate type="lt">
-                                    <p:tmPct val="10000"/>
-                                  </p:iterate>
-                                  <p:childTnLst>
-                                    <p:set>
-                                      <p:cBhvr>
-                                        <p:cTn id="6" dur="1" fill="hold">
-                                          <p:stCondLst>
-                                            <p:cond delay="0"/>
-                                          </p:stCondLst>
-                                        </p:cTn>
-                                        <p:tgtEl>
-                                          <p:spTgt spid="2"/>
-                                        </p:tgtEl>
-                                        <p:attrNameLst>
-                                          <p:attrName>style.visibility</p:attrName>
-                                        </p:attrNameLst>
-                                      </p:cBhvr>
-                                      <p:to>
-                                        <p:strVal val="visible"/>
-                                      </p:to>
-                                    </p:set>
-                                    <p:animEffect transition="in" filter="fade">
-                                      <p:cBhvr>
-                                        <p:cTn id="7" dur="400"/>
-                                        <p:tgtEl>
-                                          <p:spTgt spid="2"/>
-                                        </p:tgtEl>
-                                      </p:cBhvr>
-                                    </p:animEffect>
-                                  </p:childTnLst>
-                                </p:cTn>
-                              </p:par>
-                              <p:par>
-                                <p:cTn id="8" presetID="10" presetClass="entr" presetSubtype="0" fill="hold" grpId="0" nodeType="withEffect">
-                                  <p:stCondLst>
-                                    <p:cond delay="2000"/>
-                                  </p:stCondLst>
-                                  <p:iterate type="lt">
-                                    <p:tmPct val="10000"/>
-                                  </p:iterate>
-                                  <p:childTnLst>
-                                    <p:set>
-                                      <p:cBhvr>
-                                        <p:cTn id="9" dur="1" fill="hold">
-                                          <p:stCondLst>
-                                            <p:cond delay="0"/>
-                                          </p:stCondLst>
-                                        </p:cTn>
-                                        <p:tgtEl>
-                                          <p:spTgt spid="3">
-                                            <p:txEl>
-                                              <p:pRg st="0" end="0"/>
-                                            </p:txEl>
-                                          </p:spTgt>
-                                        </p:tgtEl>
-                                        <p:attrNameLst>
-                                          <p:attrName>style.visibility</p:attrName>
-                                        </p:attrNameLst>
-                                      </p:cBhvr>
-                                      <p:to>
-                                        <p:strVal val="visible"/>
-                                      </p:to>
-                                    </p:set>
-                                    <p:animEffect transition="in" filter="fade">
-                                      <p:cBhvr>
-                                        <p:cTn id="10" dur="400"/>
-                                        <p:tgtEl>
-                                          <p:spTgt spid="3">
-                                            <p:txEl>
-                                              <p:pRg st="0" end="0"/>
-                                            </p:txEl>
-                                          </p:spTgt>
-                                        </p:tgtEl>
-                                      </p:cBhvr>
-                                    </p:animEffect>
-                                  </p:childTnLst>
-                                </p:cTn>
-                              </p:par>
-                            </p:childTnLst>
-                          </p:cTn>
-                        </p:par>
-                      </p:childTnLst>
-                    </p:cTn>
-                  </p:par>
-                </p:childTnLst>
-              </p:cTn>
-              <p:prevCondLst>
-                <p:cond evt="onPrev" delay="0">
-                  <p:tgtEl>
-                    <p:sldTgt/>
-                  </p:tgtEl>
-                </p:cond>
-              </p:prevCondLst>
-              <p:nextCondLst>
-                <p:cond evt="onNext" delay="0">
-                  <p:tgtEl>
-                    <p:sldTgt/>
-                  </p:tgtEl>
-                </p:cond>
-              </p:nextCondLst>
-            </p:seq>
-          </p:childTnLst>
-        </p:cTn>
-      </p:par>
-    </p:tnLst>
-    <p:bldLst>
-      <p:bldP spid="2" grpId="0"/>
-      <p:bldP spid="3" grpId="0" build="p"/>
-    </p:bldLst>
-  </p:timing>
 </p:sld>
 </file>
 
-<file path=ppt/slides/slide2.xml><?xml version="1.0" encoding="utf-8"?>
+<file path=ppt/slides/slide10.xml><?xml version="1.0" encoding="utf-8"?>
 <p:sld xmlns:a="http://schemas.openxmlformats.org/drawingml/2006/main" xmlns:r="http://schemas.openxmlformats.org/officeDocument/2006/relationships" xmlns:p="http://schemas.openxmlformats.org/presentationml/2006/main">
   <p:cSld>
     <p:bg>
@@ -13883,7 +17481,7 @@
         <p:spPr>
           <a:xfrm flipH="1">
             <a:off x="2" y="0"/>
-            <a:ext cx="12191998" cy="1575955"/>
+            <a:ext cx="12191998" cy="2170031"/>
           </a:xfrm>
           <a:prstGeom prst="rect">
             <a:avLst/>
@@ -13901,7 +17499,7 @@
                 </a:schemeClr>
               </a:gs>
             </a:gsLst>
-            <a:lin ang="8400000" scaled="0"/>
+            <a:lin ang="19800000" scaled="0"/>
           </a:gradFill>
           <a:ln>
             <a:noFill/>
@@ -13956,9 +17554,9 @@
           </p:nvPr>
         </p:nvSpPr>
         <p:spPr>
-          <a:xfrm rot="10800000" flipH="1">
-            <a:off x="8128857" y="0"/>
-            <a:ext cx="4063143" cy="1576412"/>
+          <a:xfrm flipH="1">
+            <a:off x="8082819" y="0"/>
+            <a:ext cx="4097211" cy="2170661"/>
           </a:xfrm>
           <a:prstGeom prst="rect">
             <a:avLst/>
@@ -13973,7 +17571,7 @@
               </a:gs>
               <a:gs pos="100000">
                 <a:schemeClr val="accent1">
-                  <a:alpha val="79000"/>
+                  <a:alpha val="48000"/>
                 </a:schemeClr>
               </a:gs>
             </a:gsLst>
@@ -14032,9 +17630,9 @@
           </p:nvPr>
         </p:nvSpPr>
         <p:spPr>
-          <a:xfrm rot="5400000">
-            <a:off x="5307777" y="-5307778"/>
-            <a:ext cx="1576446" cy="12192002"/>
+          <a:xfrm rot="16200000" flipH="1">
+            <a:off x="5010646" y="-5010043"/>
+            <a:ext cx="2170709" cy="12192000"/>
           </a:xfrm>
           <a:prstGeom prst="rect">
             <a:avLst/>
@@ -14043,16 +17641,17 @@
             <a:gsLst>
               <a:gs pos="23000">
                 <a:schemeClr val="accent1">
-                  <a:alpha val="0"/>
+                  <a:lumMod val="75000"/>
+                  <a:alpha val="16000"/>
                 </a:schemeClr>
               </a:gs>
               <a:gs pos="99000">
                 <a:srgbClr val="000000">
-                  <a:alpha val="74000"/>
+                  <a:alpha val="45000"/>
                 </a:srgbClr>
               </a:gs>
             </a:gsLst>
-            <a:lin ang="20400000" scaled="0"/>
+            <a:lin ang="21000000" scaled="0"/>
           </a:gradFill>
           <a:ln>
             <a:noFill/>
@@ -14088,7 +17687,7 @@
           <p:cNvPr id="2" name="Titre 1">
             <a:extLst>
               <a:ext uri="{FF2B5EF4-FFF2-40B4-BE49-F238E27FC236}">
-                <a16:creationId xmlns:a16="http://schemas.microsoft.com/office/drawing/2014/main" id="{983A2D02-AB60-51C6-15F5-0567AB819F4D}"/>
+                <a16:creationId xmlns:a16="http://schemas.microsoft.com/office/drawing/2014/main" id="{A8412235-3707-E03A-0C43-07FC1011AEE7}"/>
               </a:ext>
             </a:extLst>
           </p:cNvPr>
@@ -14101,8 +17700,8 @@
         </p:nvSpPr>
         <p:spPr>
           <a:xfrm>
-            <a:off x="1371597" y="348865"/>
-            <a:ext cx="10044023" cy="877729"/>
+            <a:off x="1383564" y="348865"/>
+            <a:ext cx="9718111" cy="1576446"/>
           </a:xfrm>
         </p:spPr>
         <p:txBody>
@@ -14117,7 +17716,7 @@
                   <a:srgbClr val="FFFFFF"/>
                 </a:solidFill>
               </a:rPr>
-              <a:t>Quel intérêt ?</a:t>
+              <a:t>Possibilités d’améliorations</a:t>
             </a:r>
           </a:p>
         </p:txBody>
@@ -14127,7 +17726,7 @@
           <p:cNvPr id="5" name="Espace réservé du contenu 2">
             <a:extLst>
               <a:ext uri="{FF2B5EF4-FFF2-40B4-BE49-F238E27FC236}">
-                <a16:creationId xmlns:a16="http://schemas.microsoft.com/office/drawing/2014/main" id="{B47BD0C8-0E62-5C41-0524-7FCE1B36448B}"/>
+                <a16:creationId xmlns:a16="http://schemas.microsoft.com/office/drawing/2014/main" id="{CB2A1BBE-E1DC-9A6D-6ED6-E697D1D5C7D1}"/>
               </a:ext>
             </a:extLst>
           </p:cNvPr>
@@ -14138,14 +17737,14 @@
             <p:ph idx="1"/>
             <p:extLst>
               <p:ext uri="{D42A27DB-BD31-4B8C-83A1-F6EECF244321}">
-                <p14:modId xmlns:p14="http://schemas.microsoft.com/office/powerpoint/2010/main" val="103196550"/>
+                <p14:modId xmlns:p14="http://schemas.microsoft.com/office/powerpoint/2010/main" val="307782961"/>
               </p:ext>
             </p:extLst>
           </p:nvPr>
         </p:nvGraphicFramePr>
         <p:xfrm>
-          <a:off x="631242" y="2277168"/>
-          <a:ext cx="10927829" cy="4192805"/>
+          <a:off x="644056" y="2615979"/>
+          <a:ext cx="10927829" cy="3689405"/>
         </p:xfrm>
         <a:graphic>
           <a:graphicData uri="http://schemas.openxmlformats.org/drawingml/2006/diagram">
@@ -14153,88 +17752,19 @@
           </a:graphicData>
         </a:graphic>
       </p:graphicFrame>
-      <p:graphicFrame>
-        <p:nvGraphicFramePr>
-          <p:cNvPr id="4" name="Espace réservé du contenu 2">
-            <a:extLst>
-              <a:ext uri="{FF2B5EF4-FFF2-40B4-BE49-F238E27FC236}">
-                <a16:creationId xmlns:a16="http://schemas.microsoft.com/office/drawing/2014/main" id="{A2F72DEB-A2AA-EE04-3F1A-6EE66782B307}"/>
-              </a:ext>
-            </a:extLst>
-          </p:cNvPr>
-          <p:cNvGraphicFramePr>
-            <a:graphicFrameLocks/>
-          </p:cNvGraphicFramePr>
-          <p:nvPr>
-            <p:extLst>
-              <p:ext uri="{D42A27DB-BD31-4B8C-83A1-F6EECF244321}">
-                <p14:modId xmlns:p14="http://schemas.microsoft.com/office/powerpoint/2010/main" val="2409475459"/>
-              </p:ext>
-            </p:extLst>
-          </p:nvPr>
-        </p:nvGraphicFramePr>
-        <p:xfrm>
-          <a:off x="631241" y="2120329"/>
-          <a:ext cx="10927829" cy="4192805"/>
-        </p:xfrm>
-        <a:graphic>
-          <a:graphicData uri="http://schemas.openxmlformats.org/drawingml/2006/diagram">
-            <dgm:relIds xmlns:dgm="http://schemas.openxmlformats.org/drawingml/2006/diagram" xmlns:r="http://schemas.openxmlformats.org/officeDocument/2006/relationships" r:dm="rId7" r:lo="rId8" r:qs="rId9" r:cs="rId10"/>
-          </a:graphicData>
-        </a:graphic>
-      </p:graphicFrame>
-      <p:graphicFrame>
-        <p:nvGraphicFramePr>
-          <p:cNvPr id="6" name="Espace réservé du contenu 2">
-            <a:extLst>
-              <a:ext uri="{FF2B5EF4-FFF2-40B4-BE49-F238E27FC236}">
-                <a16:creationId xmlns:a16="http://schemas.microsoft.com/office/drawing/2014/main" id="{61F1D4D6-A16B-4C52-E320-7E4C29F3C330}"/>
-              </a:ext>
-            </a:extLst>
-          </p:cNvPr>
-          <p:cNvGraphicFramePr>
-            <a:graphicFrameLocks/>
-          </p:cNvGraphicFramePr>
-          <p:nvPr>
-            <p:extLst>
-              <p:ext uri="{D42A27DB-BD31-4B8C-83A1-F6EECF244321}">
-                <p14:modId xmlns:p14="http://schemas.microsoft.com/office/powerpoint/2010/main" val="1677936607"/>
-              </p:ext>
-            </p:extLst>
-          </p:nvPr>
-        </p:nvGraphicFramePr>
-        <p:xfrm>
-          <a:off x="631241" y="2198748"/>
-          <a:ext cx="10927829" cy="4192805"/>
-        </p:xfrm>
-        <a:graphic>
-          <a:graphicData uri="http://schemas.openxmlformats.org/drawingml/2006/diagram">
-            <dgm:relIds xmlns:dgm="http://schemas.openxmlformats.org/drawingml/2006/diagram" xmlns:r="http://schemas.openxmlformats.org/officeDocument/2006/relationships" r:dm="rId12" r:lo="rId13" r:qs="rId14" r:cs="rId15"/>
-          </a:graphicData>
-        </a:graphic>
-      </p:graphicFrame>
     </p:spTree>
     <p:extLst>
       <p:ext uri="{BB962C8B-B14F-4D97-AF65-F5344CB8AC3E}">
-        <p14:creationId xmlns:p14="http://schemas.microsoft.com/office/powerpoint/2010/main" val="1515576637"/>
+        <p14:creationId xmlns:p14="http://schemas.microsoft.com/office/powerpoint/2010/main" val="1799966843"/>
       </p:ext>
     </p:extLst>
   </p:cSld>
   <p:clrMapOvr>
     <a:masterClrMapping/>
   </p:clrMapOvr>
-  <mc:AlternateContent xmlns:mc="http://schemas.openxmlformats.org/markup-compatibility/2006">
-    <mc:Choice xmlns:p14="http://schemas.microsoft.com/office/powerpoint/2010/main" Requires="p14">
-      <p:transition spd="med" p14:dur="700">
-        <p:fade/>
-      </p:transition>
-    </mc:Choice>
-    <mc:Fallback>
-      <p:transition spd="med">
-        <p:fade/>
-      </p:transition>
-    </mc:Fallback>
-  </mc:AlternateContent>
+  <p:transition spd="slow">
+    <p:push dir="u"/>
+  </p:transition>
   <p:timing>
     <p:tnLst>
       <p:par>
@@ -14256,7 +17786,7 @@
                             </p:stCondLst>
                             <p:childTnLst>
                               <p:par>
-                                <p:cTn id="5" presetID="42" presetClass="entr" presetSubtype="0" fill="hold" grpId="0" nodeType="clickEffect">
+                                <p:cTn id="5" presetID="2" presetClass="entr" presetSubtype="4" fill="hold" grpId="0" nodeType="clickEffect">
                                   <p:stCondLst>
                                     <p:cond delay="0"/>
                                   </p:stCondLst>
@@ -14269,7 +17799,7 @@
                                           </p:stCondLst>
                                         </p:cTn>
                                         <p:tgtEl>
-                                          <p:spTgt spid="4"/>
+                                          <p:spTgt spid="5"/>
                                         </p:tgtEl>
                                         <p:attrNameLst>
                                           <p:attrName>style.visibility</p:attrName>
@@ -14279,19 +17809,11 @@
                                         <p:strVal val="visible"/>
                                       </p:to>
                                     </p:set>
-                                    <p:animEffect transition="in" filter="fade">
-                                      <p:cBhvr>
-                                        <p:cTn id="7" dur="1000"/>
-                                        <p:tgtEl>
-                                          <p:spTgt spid="4"/>
-                                        </p:tgtEl>
-                                      </p:cBhvr>
-                                    </p:animEffect>
                                     <p:anim calcmode="lin" valueType="num">
-                                      <p:cBhvr>
-                                        <p:cTn id="8" dur="1000" fill="hold"/>
-                                        <p:tgtEl>
-                                          <p:spTgt spid="4"/>
+                                      <p:cBhvr additive="base">
+                                        <p:cTn id="7" dur="500" fill="hold"/>
+                                        <p:tgtEl>
+                                          <p:spTgt spid="5"/>
                                         </p:tgtEl>
                                         <p:attrNameLst>
                                           <p:attrName>ppt_x</p:attrName>
@@ -14311,10 +17833,10 @@
                                       </p:tavLst>
                                     </p:anim>
                                     <p:anim calcmode="lin" valueType="num">
-                                      <p:cBhvr>
-                                        <p:cTn id="9" dur="1000" fill="hold"/>
-                                        <p:tgtEl>
-                                          <p:spTgt spid="4"/>
+                                      <p:cBhvr additive="base">
+                                        <p:cTn id="8" dur="500" fill="hold"/>
+                                        <p:tgtEl>
+                                          <p:spTgt spid="5"/>
                                         </p:tgtEl>
                                         <p:attrNameLst>
                                           <p:attrName>ppt_y</p:attrName>
@@ -14323,205 +17845,7 @@
                                       <p:tavLst>
                                         <p:tav tm="0">
                                           <p:val>
-                                            <p:strVal val="#ppt_y+.1"/>
-                                          </p:val>
-                                        </p:tav>
-                                        <p:tav tm="100000">
-                                          <p:val>
-                                            <p:strVal val="#ppt_y"/>
-                                          </p:val>
-                                        </p:tav>
-                                      </p:tavLst>
-                                    </p:anim>
-                                  </p:childTnLst>
-                                </p:cTn>
-                              </p:par>
-                            </p:childTnLst>
-                          </p:cTn>
-                        </p:par>
-                      </p:childTnLst>
-                    </p:cTn>
-                  </p:par>
-                  <p:par>
-                    <p:cTn id="10" fill="hold">
-                      <p:stCondLst>
-                        <p:cond delay="indefinite"/>
-                      </p:stCondLst>
-                      <p:childTnLst>
-                        <p:par>
-                          <p:cTn id="11" fill="hold">
-                            <p:stCondLst>
-                              <p:cond delay="0"/>
-                            </p:stCondLst>
-                            <p:childTnLst>
-                              <p:par>
-                                <p:cTn id="12" presetID="42" presetClass="entr" presetSubtype="0" fill="hold" grpId="0" nodeType="clickEffect">
-                                  <p:stCondLst>
-                                    <p:cond delay="0"/>
-                                  </p:stCondLst>
-                                  <p:childTnLst>
-                                    <p:set>
-                                      <p:cBhvr>
-                                        <p:cTn id="13" dur="1" fill="hold">
-                                          <p:stCondLst>
-                                            <p:cond delay="0"/>
-                                          </p:stCondLst>
-                                        </p:cTn>
-                                        <p:tgtEl>
-                                          <p:spTgt spid="5"/>
-                                        </p:tgtEl>
-                                        <p:attrNameLst>
-                                          <p:attrName>style.visibility</p:attrName>
-                                        </p:attrNameLst>
-                                      </p:cBhvr>
-                                      <p:to>
-                                        <p:strVal val="visible"/>
-                                      </p:to>
-                                    </p:set>
-                                    <p:animEffect transition="in" filter="fade">
-                                      <p:cBhvr>
-                                        <p:cTn id="14" dur="1000"/>
-                                        <p:tgtEl>
-                                          <p:spTgt spid="5"/>
-                                        </p:tgtEl>
-                                      </p:cBhvr>
-                                    </p:animEffect>
-                                    <p:anim calcmode="lin" valueType="num">
-                                      <p:cBhvr>
-                                        <p:cTn id="15" dur="1000" fill="hold"/>
-                                        <p:tgtEl>
-                                          <p:spTgt spid="5"/>
-                                        </p:tgtEl>
-                                        <p:attrNameLst>
-                                          <p:attrName>ppt_x</p:attrName>
-                                        </p:attrNameLst>
-                                      </p:cBhvr>
-                                      <p:tavLst>
-                                        <p:tav tm="0">
-                                          <p:val>
-                                            <p:strVal val="#ppt_x"/>
-                                          </p:val>
-                                        </p:tav>
-                                        <p:tav tm="100000">
-                                          <p:val>
-                                            <p:strVal val="#ppt_x"/>
-                                          </p:val>
-                                        </p:tav>
-                                      </p:tavLst>
-                                    </p:anim>
-                                    <p:anim calcmode="lin" valueType="num">
-                                      <p:cBhvr>
-                                        <p:cTn id="16" dur="1000" fill="hold"/>
-                                        <p:tgtEl>
-                                          <p:spTgt spid="5"/>
-                                        </p:tgtEl>
-                                        <p:attrNameLst>
-                                          <p:attrName>ppt_y</p:attrName>
-                                        </p:attrNameLst>
-                                      </p:cBhvr>
-                                      <p:tavLst>
-                                        <p:tav tm="0">
-                                          <p:val>
-                                            <p:strVal val="#ppt_y+.1"/>
-                                          </p:val>
-                                        </p:tav>
-                                        <p:tav tm="100000">
-                                          <p:val>
-                                            <p:strVal val="#ppt_y"/>
-                                          </p:val>
-                                        </p:tav>
-                                      </p:tavLst>
-                                    </p:anim>
-                                  </p:childTnLst>
-                                </p:cTn>
-                              </p:par>
-                            </p:childTnLst>
-                          </p:cTn>
-                        </p:par>
-                      </p:childTnLst>
-                    </p:cTn>
-                  </p:par>
-                  <p:par>
-                    <p:cTn id="17" fill="hold">
-                      <p:stCondLst>
-                        <p:cond delay="indefinite"/>
-                      </p:stCondLst>
-                      <p:childTnLst>
-                        <p:par>
-                          <p:cTn id="18" fill="hold">
-                            <p:stCondLst>
-                              <p:cond delay="0"/>
-                            </p:stCondLst>
-                            <p:childTnLst>
-                              <p:par>
-                                <p:cTn id="19" presetID="42" presetClass="entr" presetSubtype="0" fill="hold" grpId="0" nodeType="clickEffect">
-                                  <p:stCondLst>
-                                    <p:cond delay="0"/>
-                                  </p:stCondLst>
-                                  <p:childTnLst>
-                                    <p:set>
-                                      <p:cBhvr>
-                                        <p:cTn id="20" dur="1" fill="hold">
-                                          <p:stCondLst>
-                                            <p:cond delay="0"/>
-                                          </p:stCondLst>
-                                        </p:cTn>
-                                        <p:tgtEl>
-                                          <p:spTgt spid="6"/>
-                                        </p:tgtEl>
-                                        <p:attrNameLst>
-                                          <p:attrName>style.visibility</p:attrName>
-                                        </p:attrNameLst>
-                                      </p:cBhvr>
-                                      <p:to>
-                                        <p:strVal val="visible"/>
-                                      </p:to>
-                                    </p:set>
-                                    <p:animEffect transition="in" filter="fade">
-                                      <p:cBhvr>
-                                        <p:cTn id="21" dur="1000"/>
-                                        <p:tgtEl>
-                                          <p:spTgt spid="6"/>
-                                        </p:tgtEl>
-                                      </p:cBhvr>
-                                    </p:animEffect>
-                                    <p:anim calcmode="lin" valueType="num">
-                                      <p:cBhvr>
-                                        <p:cTn id="22" dur="1000" fill="hold"/>
-                                        <p:tgtEl>
-                                          <p:spTgt spid="6"/>
-                                        </p:tgtEl>
-                                        <p:attrNameLst>
-                                          <p:attrName>ppt_x</p:attrName>
-                                        </p:attrNameLst>
-                                      </p:cBhvr>
-                                      <p:tavLst>
-                                        <p:tav tm="0">
-                                          <p:val>
-                                            <p:strVal val="#ppt_x"/>
-                                          </p:val>
-                                        </p:tav>
-                                        <p:tav tm="100000">
-                                          <p:val>
-                                            <p:strVal val="#ppt_x"/>
-                                          </p:val>
-                                        </p:tav>
-                                      </p:tavLst>
-                                    </p:anim>
-                                    <p:anim calcmode="lin" valueType="num">
-                                      <p:cBhvr>
-                                        <p:cTn id="23" dur="1000" fill="hold"/>
-                                        <p:tgtEl>
-                                          <p:spTgt spid="6"/>
-                                        </p:tgtEl>
-                                        <p:attrNameLst>
-                                          <p:attrName>ppt_y</p:attrName>
-                                        </p:attrNameLst>
-                                      </p:cBhvr>
-                                      <p:tavLst>
-                                        <p:tav tm="0">
-                                          <p:val>
-                                            <p:strVal val="#ppt_y+.1"/>
+                                            <p:strVal val="1+#ppt_h/2"/>
                                           </p:val>
                                         </p:tav>
                                         <p:tav tm="100000">
@@ -14565,18 +17889,12 @@
       <p:bldGraphic spid="5" grpId="0">
         <p:bldAsOne/>
       </p:bldGraphic>
-      <p:bldGraphic spid="4" grpId="0">
-        <p:bldAsOne/>
-      </p:bldGraphic>
-      <p:bldGraphic spid="6" grpId="0">
-        <p:bldAsOne/>
-      </p:bldGraphic>
     </p:bldLst>
   </p:timing>
 </p:sld>
 </file>
 
-<file path=ppt/slides/slide3.xml><?xml version="1.0" encoding="utf-8"?>
+<file path=ppt/slides/slide11.xml><?xml version="1.0" encoding="utf-8"?>
 <p:sld xmlns:a="http://schemas.openxmlformats.org/drawingml/2006/main" xmlns:r="http://schemas.openxmlformats.org/officeDocument/2006/relationships" xmlns:p="http://schemas.openxmlformats.org/presentationml/2006/main">
   <p:cSld>
     <p:bg>
@@ -14603,7 +17921,83 @@
       </p:grpSpPr>
       <p:sp useBgFill="1">
         <p:nvSpPr>
-          <p:cNvPr id="14" name="Rectangle 13">
+          <p:cNvPr id="8" name="Rectangle 7">
+            <a:extLst>
+              <a:ext uri="{FF2B5EF4-FFF2-40B4-BE49-F238E27FC236}">
+                <a16:creationId xmlns:a16="http://schemas.microsoft.com/office/drawing/2014/main" id="{09588DA8-065E-4F6F-8EFD-43104AB2E0CF}"/>
+              </a:ext>
+              <a:ext uri="{C183D7F6-B498-43B3-948B-1728B52AA6E4}">
+                <adec:decorative xmlns:adec="http://schemas.microsoft.com/office/drawing/2017/decorative" val="1"/>
+              </a:ext>
+            </a:extLst>
+          </p:cNvPr>
+          <p:cNvSpPr>
+            <a:spLocks noGrp="1" noRot="1" noChangeAspect="1" noMove="1" noResize="1" noEditPoints="1" noAdjustHandles="1" noChangeArrowheads="1" noChangeShapeType="1" noTextEdit="1"/>
+          </p:cNvSpPr>
+          <p:nvPr>
+            <p:extLst>
+              <p:ext uri="{386F3935-93C4-4BCD-93E2-E3B085C9AB24}">
+                <p16:designElem xmlns:p16="http://schemas.microsoft.com/office/powerpoint/2015/main" val="1"/>
+              </p:ext>
+            </p:extLst>
+          </p:nvPr>
+        </p:nvSpPr>
+        <p:spPr>
+          <a:xfrm>
+            <a:off x="0" y="0"/>
+            <a:ext cx="12192000" cy="6858000"/>
+          </a:xfrm>
+          <a:prstGeom prst="rect">
+            <a:avLst/>
+          </a:prstGeom>
+          <a:ln w="12700" cap="flat" cmpd="sng" algn="ctr">
+            <a:noFill/>
+            <a:prstDash val="solid"/>
+            <a:miter lim="800000"/>
+          </a:ln>
+          <a:effectLst/>
+          <a:extLst>
+            <a:ext uri="{91240B29-F687-4F45-9708-019B960494DF}">
+              <a14:hiddenLine xmlns:a14="http://schemas.microsoft.com/office/drawing/2010/main" w="12700" cap="flat" cmpd="sng" algn="ctr">
+                <a:solidFill>
+                  <a:schemeClr val="accent1">
+                    <a:shade val="50000"/>
+                  </a:schemeClr>
+                </a:solidFill>
+                <a:prstDash val="solid"/>
+                <a:miter lim="800000"/>
+              </a14:hiddenLine>
+            </a:ext>
+          </a:extLst>
+        </p:spPr>
+        <p:style>
+          <a:lnRef idx="2">
+            <a:schemeClr val="accent1">
+              <a:shade val="50000"/>
+            </a:schemeClr>
+          </a:lnRef>
+          <a:fillRef idx="1">
+            <a:schemeClr val="accent1"/>
+          </a:fillRef>
+          <a:effectRef idx="0">
+            <a:schemeClr val="accent1"/>
+          </a:effectRef>
+          <a:fontRef idx="minor">
+            <a:schemeClr val="lt1"/>
+          </a:fontRef>
+        </p:style>
+        <p:txBody>
+          <a:bodyPr rtlCol="0" anchor="ctr"/>
+          <a:lstStyle/>
+          <a:p>
+            <a:pPr algn="ctr"/>
+            <a:endParaRPr lang="en-US"/>
+          </a:p>
+        </p:txBody>
+      </p:sp>
+      <p:sp useBgFill="1">
+        <p:nvSpPr>
+          <p:cNvPr id="10" name="Rectangle 9">
             <a:extLst>
               <a:ext uri="{FF2B5EF4-FFF2-40B4-BE49-F238E27FC236}">
                 <a16:creationId xmlns:a16="http://schemas.microsoft.com/office/drawing/2014/main" id="{C4285719-470E-454C-AF62-8323075F1F5B}"/>
@@ -14679,7 +18073,7 @@
       </p:sp>
       <p:sp>
         <p:nvSpPr>
-          <p:cNvPr id="16" name="Rectangle 15">
+          <p:cNvPr id="12" name="Rectangle 11">
             <a:extLst>
               <a:ext uri="{FF2B5EF4-FFF2-40B4-BE49-F238E27FC236}">
                 <a16:creationId xmlns:a16="http://schemas.microsoft.com/office/drawing/2014/main" id="{CD9FE4EF-C4D8-49A0-B2FF-81D8DB7D8A24}"/>
@@ -14752,7 +18146,7 @@
       </p:sp>
       <p:sp>
         <p:nvSpPr>
-          <p:cNvPr id="25" name="Rectangle 24">
+          <p:cNvPr id="14" name="Rectangle 13">
             <a:extLst>
               <a:ext uri="{FF2B5EF4-FFF2-40B4-BE49-F238E27FC236}">
                 <a16:creationId xmlns:a16="http://schemas.microsoft.com/office/drawing/2014/main" id="{4300840D-0A0B-4512-BACA-B439D5B9C57C}"/>
@@ -14827,7 +18221,7 @@
       </p:sp>
       <p:sp>
         <p:nvSpPr>
-          <p:cNvPr id="26" name="Rectangle 25">
+          <p:cNvPr id="16" name="Rectangle 15">
             <a:extLst>
               <a:ext uri="{FF2B5EF4-FFF2-40B4-BE49-F238E27FC236}">
                 <a16:creationId xmlns:a16="http://schemas.microsoft.com/office/drawing/2014/main" id="{D2B78728-A580-49A7-84F9-6EF6F583ADE0}"/>
@@ -14902,7 +18296,7 @@
       </p:sp>
       <p:sp>
         <p:nvSpPr>
-          <p:cNvPr id="27" name="Freeform: Shape 21">
+          <p:cNvPr id="18" name="Freeform: Shape 17">
             <a:extLst>
               <a:ext uri="{FF2B5EF4-FFF2-40B4-BE49-F238E27FC236}">
                 <a16:creationId xmlns:a16="http://schemas.microsoft.com/office/drawing/2014/main" id="{38FAA1A1-D861-433F-88FA-1E9D6FD31D11}"/>
@@ -15072,6 +18466,3003 @@
       </p:sp>
       <p:sp>
         <p:nvSpPr>
+          <p:cNvPr id="20" name="Rectangle 19">
+            <a:extLst>
+              <a:ext uri="{FF2B5EF4-FFF2-40B4-BE49-F238E27FC236}">
+                <a16:creationId xmlns:a16="http://schemas.microsoft.com/office/drawing/2014/main" id="{8D71EDA1-87BF-4D5D-AB79-F346FD19278A}"/>
+              </a:ext>
+              <a:ext uri="{C183D7F6-B498-43B3-948B-1728B52AA6E4}">
+                <adec:decorative xmlns:adec="http://schemas.microsoft.com/office/drawing/2017/decorative" val="1"/>
+              </a:ext>
+            </a:extLst>
+          </p:cNvPr>
+          <p:cNvSpPr>
+            <a:spLocks noGrp="1" noRot="1" noChangeAspect="1" noMove="1" noResize="1" noEditPoints="1" noAdjustHandles="1" noChangeArrowheads="1" noChangeShapeType="1" noTextEdit="1"/>
+          </p:cNvSpPr>
+          <p:nvPr>
+            <p:extLst>
+              <p:ext uri="{386F3935-93C4-4BCD-93E2-E3B085C9AB24}">
+                <p16:designElem xmlns:p16="http://schemas.microsoft.com/office/powerpoint/2015/main" val="1"/>
+              </p:ext>
+            </p:extLst>
+          </p:nvPr>
+        </p:nvSpPr>
+        <p:spPr>
+          <a:xfrm rot="5400000" flipH="1">
+            <a:off x="-1410093" y="1399943"/>
+            <a:ext cx="6858003" cy="4037835"/>
+          </a:xfrm>
+          <a:prstGeom prst="rect">
+            <a:avLst/>
+          </a:prstGeom>
+          <a:gradFill>
+            <a:gsLst>
+              <a:gs pos="0">
+                <a:srgbClr val="000000">
+                  <a:alpha val="0"/>
+                </a:srgbClr>
+              </a:gs>
+              <a:gs pos="99000">
+                <a:schemeClr val="accent1">
+                  <a:lumMod val="60000"/>
+                  <a:lumOff val="40000"/>
+                  <a:alpha val="11000"/>
+                </a:schemeClr>
+              </a:gs>
+            </a:gsLst>
+            <a:lin ang="7200000" scaled="0"/>
+          </a:gradFill>
+          <a:ln>
+            <a:noFill/>
+          </a:ln>
+        </p:spPr>
+        <p:style>
+          <a:lnRef idx="2">
+            <a:schemeClr val="accent1">
+              <a:shade val="50000"/>
+            </a:schemeClr>
+          </a:lnRef>
+          <a:fillRef idx="1">
+            <a:schemeClr val="accent1"/>
+          </a:fillRef>
+          <a:effectRef idx="0">
+            <a:schemeClr val="accent1"/>
+          </a:effectRef>
+          <a:fontRef idx="minor">
+            <a:schemeClr val="lt1"/>
+          </a:fontRef>
+        </p:style>
+        <p:txBody>
+          <a:bodyPr rtlCol="0" anchor="ctr"/>
+          <a:lstStyle/>
+          <a:p>
+            <a:pPr algn="ctr"/>
+            <a:endParaRPr lang="en-US"/>
+          </a:p>
+        </p:txBody>
+      </p:sp>
+      <p:sp>
+        <p:nvSpPr>
+          <p:cNvPr id="2" name="Titre 1">
+            <a:extLst>
+              <a:ext uri="{FF2B5EF4-FFF2-40B4-BE49-F238E27FC236}">
+                <a16:creationId xmlns:a16="http://schemas.microsoft.com/office/drawing/2014/main" id="{847027FE-1993-0D05-0C24-AD9D9109C137}"/>
+              </a:ext>
+            </a:extLst>
+          </p:cNvPr>
+          <p:cNvSpPr>
+            <a:spLocks noGrp="1"/>
+          </p:cNvSpPr>
+          <p:nvPr>
+            <p:ph type="title"/>
+          </p:nvPr>
+        </p:nvSpPr>
+        <p:spPr>
+          <a:xfrm>
+            <a:off x="466722" y="586855"/>
+            <a:ext cx="3201366" cy="3387497"/>
+          </a:xfrm>
+        </p:spPr>
+        <p:txBody>
+          <a:bodyPr anchor="b">
+            <a:normAutofit/>
+          </a:bodyPr>
+          <a:lstStyle/>
+          <a:p>
+            <a:pPr algn="r"/>
+            <a:r>
+              <a:rPr lang="fr-FR" sz="4000" dirty="0">
+                <a:solidFill>
+                  <a:srgbClr val="FFFFFF"/>
+                </a:solidFill>
+              </a:rPr>
+              <a:t>Merci pour votre écoute</a:t>
+            </a:r>
+          </a:p>
+        </p:txBody>
+      </p:sp>
+      <p:pic>
+        <p:nvPicPr>
+          <p:cNvPr id="1026" name="Picture 2" descr="Neomytic">
+            <a:extLst>
+              <a:ext uri="{FF2B5EF4-FFF2-40B4-BE49-F238E27FC236}">
+                <a16:creationId xmlns:a16="http://schemas.microsoft.com/office/drawing/2014/main" id="{105BDF6E-A9B2-ABA1-748A-EE440AFB960E}"/>
+              </a:ext>
+            </a:extLst>
+          </p:cNvPr>
+          <p:cNvPicPr>
+            <a:picLocks noChangeAspect="1" noChangeArrowheads="1"/>
+          </p:cNvPicPr>
+          <p:nvPr/>
+        </p:nvPicPr>
+        <p:blipFill>
+          <a:blip r:embed="rId2">
+            <a:extLst>
+              <a:ext uri="{28A0092B-C50C-407E-A947-70E740481C1C}">
+                <a14:useLocalDpi xmlns:a14="http://schemas.microsoft.com/office/drawing/2010/main" val="0"/>
+              </a:ext>
+            </a:extLst>
+          </a:blip>
+          <a:srcRect/>
+          <a:stretch>
+            <a:fillRect/>
+          </a:stretch>
+        </p:blipFill>
+        <p:spPr bwMode="auto">
+          <a:xfrm>
+            <a:off x="5895893" y="4483939"/>
+            <a:ext cx="4384073" cy="1627691"/>
+          </a:xfrm>
+          <a:prstGeom prst="rect">
+            <a:avLst/>
+          </a:prstGeom>
+          <a:noFill/>
+          <a:extLst>
+            <a:ext uri="{909E8E84-426E-40DD-AFC4-6F175D3DCCD1}">
+              <a14:hiddenFill xmlns:a14="http://schemas.microsoft.com/office/drawing/2010/main">
+                <a:solidFill>
+                  <a:srgbClr val="FFFFFF"/>
+                </a:solidFill>
+              </a14:hiddenFill>
+            </a:ext>
+          </a:extLst>
+        </p:spPr>
+      </p:pic>
+      <p:pic>
+        <p:nvPicPr>
+          <p:cNvPr id="1028" name="Picture 4" descr="Computerland | DigitalWallonia.be">
+            <a:extLst>
+              <a:ext uri="{FF2B5EF4-FFF2-40B4-BE49-F238E27FC236}">
+                <a16:creationId xmlns:a16="http://schemas.microsoft.com/office/drawing/2014/main" id="{D56EACEB-E899-3858-5F77-05A523C4E8CD}"/>
+              </a:ext>
+            </a:extLst>
+          </p:cNvPr>
+          <p:cNvPicPr>
+            <a:picLocks noChangeAspect="1" noChangeArrowheads="1"/>
+          </p:cNvPicPr>
+          <p:nvPr/>
+        </p:nvPicPr>
+        <p:blipFill>
+          <a:blip r:embed="rId3">
+            <a:extLst>
+              <a:ext uri="{28A0092B-C50C-407E-A947-70E740481C1C}">
+                <a14:useLocalDpi xmlns:a14="http://schemas.microsoft.com/office/drawing/2010/main" val="0"/>
+              </a:ext>
+            </a:extLst>
+          </a:blip>
+          <a:srcRect/>
+          <a:stretch>
+            <a:fillRect/>
+          </a:stretch>
+        </p:blipFill>
+        <p:spPr bwMode="auto">
+          <a:xfrm>
+            <a:off x="5840031" y="3464764"/>
+            <a:ext cx="4495800" cy="1019175"/>
+          </a:xfrm>
+          <a:prstGeom prst="rect">
+            <a:avLst/>
+          </a:prstGeom>
+          <a:noFill/>
+          <a:extLst>
+            <a:ext uri="{909E8E84-426E-40DD-AFC4-6F175D3DCCD1}">
+              <a14:hiddenFill xmlns:a14="http://schemas.microsoft.com/office/drawing/2010/main">
+                <a:solidFill>
+                  <a:srgbClr val="FFFFFF"/>
+                </a:solidFill>
+              </a14:hiddenFill>
+            </a:ext>
+          </a:extLst>
+        </p:spPr>
+      </p:pic>
+      <p:pic>
+        <p:nvPicPr>
+          <p:cNvPr id="1032" name="Picture 8" descr="À propos du projet Numéria">
+            <a:extLst>
+              <a:ext uri="{FF2B5EF4-FFF2-40B4-BE49-F238E27FC236}">
+                <a16:creationId xmlns:a16="http://schemas.microsoft.com/office/drawing/2014/main" id="{534C0AE0-A1F8-FD6A-5F30-3746D9EB52CF}"/>
+              </a:ext>
+            </a:extLst>
+          </p:cNvPr>
+          <p:cNvPicPr>
+            <a:picLocks noChangeAspect="1" noChangeArrowheads="1"/>
+          </p:cNvPicPr>
+          <p:nvPr/>
+        </p:nvPicPr>
+        <p:blipFill>
+          <a:blip r:embed="rId4">
+            <a:extLst>
+              <a:ext uri="{28A0092B-C50C-407E-A947-70E740481C1C}">
+                <a14:useLocalDpi xmlns:a14="http://schemas.microsoft.com/office/drawing/2010/main" val="0"/>
+              </a:ext>
+            </a:extLst>
+          </a:blip>
+          <a:srcRect/>
+          <a:stretch>
+            <a:fillRect/>
+          </a:stretch>
+        </p:blipFill>
+        <p:spPr bwMode="auto">
+          <a:xfrm>
+            <a:off x="5702429" y="1090703"/>
+            <a:ext cx="4771002" cy="2061222"/>
+          </a:xfrm>
+          <a:prstGeom prst="rect">
+            <a:avLst/>
+          </a:prstGeom>
+          <a:noFill/>
+          <a:extLst>
+            <a:ext uri="{909E8E84-426E-40DD-AFC4-6F175D3DCCD1}">
+              <a14:hiddenFill xmlns:a14="http://schemas.microsoft.com/office/drawing/2010/main">
+                <a:solidFill>
+                  <a:srgbClr val="FFFFFF"/>
+                </a:solidFill>
+              </a14:hiddenFill>
+            </a:ext>
+          </a:extLst>
+        </p:spPr>
+      </p:pic>
+    </p:spTree>
+    <p:extLst>
+      <p:ext uri="{BB962C8B-B14F-4D97-AF65-F5344CB8AC3E}">
+        <p14:creationId xmlns:p14="http://schemas.microsoft.com/office/powerpoint/2010/main" val="1765404275"/>
+      </p:ext>
+    </p:extLst>
+  </p:cSld>
+  <p:clrMapOvr>
+    <a:masterClrMapping/>
+  </p:clrMapOvr>
+  <p:transition spd="slow">
+    <p:wipe/>
+  </p:transition>
+</p:sld>
+</file>
+
+<file path=ppt/slides/slide12.xml><?xml version="1.0" encoding="utf-8"?>
+<p:sld xmlns:a="http://schemas.openxmlformats.org/drawingml/2006/main" xmlns:r="http://schemas.openxmlformats.org/officeDocument/2006/relationships" xmlns:p="http://schemas.openxmlformats.org/presentationml/2006/main">
+  <p:cSld>
+    <p:bg>
+      <p:bgPr>
+        <a:solidFill>
+          <a:schemeClr val="bg1"/>
+        </a:solidFill>
+        <a:effectLst/>
+      </p:bgPr>
+    </p:bg>
+    <p:spTree>
+      <p:nvGrpSpPr>
+        <p:cNvPr id="1" name=""/>
+        <p:cNvGrpSpPr/>
+        <p:nvPr/>
+      </p:nvGrpSpPr>
+      <p:grpSpPr>
+        <a:xfrm>
+          <a:off x="0" y="0"/>
+          <a:ext cx="0" cy="0"/>
+          <a:chOff x="0" y="0"/>
+          <a:chExt cx="0" cy="0"/>
+        </a:xfrm>
+      </p:grpSpPr>
+      <p:sp useBgFill="1">
+        <p:nvSpPr>
+          <p:cNvPr id="8" name="Rectangle 7">
+            <a:extLst>
+              <a:ext uri="{FF2B5EF4-FFF2-40B4-BE49-F238E27FC236}">
+                <a16:creationId xmlns:a16="http://schemas.microsoft.com/office/drawing/2014/main" id="{0E30439A-8A5B-46EC-8283-9B6B031D40D0}"/>
+              </a:ext>
+              <a:ext uri="{C183D7F6-B498-43B3-948B-1728B52AA6E4}">
+                <adec:decorative xmlns:adec="http://schemas.microsoft.com/office/drawing/2017/decorative" val="1"/>
+              </a:ext>
+            </a:extLst>
+          </p:cNvPr>
+          <p:cNvSpPr>
+            <a:spLocks noGrp="1" noRot="1" noChangeAspect="1" noMove="1" noResize="1" noEditPoints="1" noAdjustHandles="1" noChangeArrowheads="1" noChangeShapeType="1" noTextEdit="1"/>
+          </p:cNvSpPr>
+          <p:nvPr>
+            <p:extLst>
+              <p:ext uri="{386F3935-93C4-4BCD-93E2-E3B085C9AB24}">
+                <p16:designElem xmlns:p16="http://schemas.microsoft.com/office/powerpoint/2015/main" val="1"/>
+              </p:ext>
+            </p:extLst>
+          </p:nvPr>
+        </p:nvSpPr>
+        <p:spPr>
+          <a:xfrm>
+            <a:off x="0" y="0"/>
+            <a:ext cx="12192000" cy="6858000"/>
+          </a:xfrm>
+          <a:prstGeom prst="rect">
+            <a:avLst/>
+          </a:prstGeom>
+          <a:ln w="12700" cap="flat" cmpd="sng" algn="ctr">
+            <a:noFill/>
+            <a:prstDash val="solid"/>
+            <a:miter lim="800000"/>
+          </a:ln>
+          <a:effectLst/>
+          <a:extLst>
+            <a:ext uri="{91240B29-F687-4F45-9708-019B960494DF}">
+              <a14:hiddenLine xmlns:a14="http://schemas.microsoft.com/office/drawing/2010/main" w="12700" cap="flat" cmpd="sng" algn="ctr">
+                <a:solidFill>
+                  <a:schemeClr val="accent1">
+                    <a:shade val="50000"/>
+                  </a:schemeClr>
+                </a:solidFill>
+                <a:prstDash val="solid"/>
+                <a:miter lim="800000"/>
+              </a14:hiddenLine>
+            </a:ext>
+          </a:extLst>
+        </p:spPr>
+        <p:style>
+          <a:lnRef idx="2">
+            <a:schemeClr val="accent1">
+              <a:shade val="50000"/>
+            </a:schemeClr>
+          </a:lnRef>
+          <a:fillRef idx="1">
+            <a:schemeClr val="accent1"/>
+          </a:fillRef>
+          <a:effectRef idx="0">
+            <a:schemeClr val="accent1"/>
+          </a:effectRef>
+          <a:fontRef idx="minor">
+            <a:schemeClr val="lt1"/>
+          </a:fontRef>
+        </p:style>
+        <p:txBody>
+          <a:bodyPr rtlCol="0" anchor="ctr"/>
+          <a:lstStyle/>
+          <a:p>
+            <a:pPr algn="ctr"/>
+            <a:endParaRPr lang="en-US"/>
+          </a:p>
+        </p:txBody>
+      </p:sp>
+      <p:sp>
+        <p:nvSpPr>
+          <p:cNvPr id="10" name="Rectangle 9">
+            <a:extLst>
+              <a:ext uri="{FF2B5EF4-FFF2-40B4-BE49-F238E27FC236}">
+                <a16:creationId xmlns:a16="http://schemas.microsoft.com/office/drawing/2014/main" id="{5CEAD642-85CF-4750-8432-7C80C901F001}"/>
+              </a:ext>
+              <a:ext uri="{C183D7F6-B498-43B3-948B-1728B52AA6E4}">
+                <adec:decorative xmlns:adec="http://schemas.microsoft.com/office/drawing/2017/decorative" val="1"/>
+              </a:ext>
+            </a:extLst>
+          </p:cNvPr>
+          <p:cNvSpPr>
+            <a:spLocks noGrp="1" noRot="1" noChangeAspect="1" noMove="1" noResize="1" noEditPoints="1" noAdjustHandles="1" noChangeArrowheads="1" noChangeShapeType="1" noTextEdit="1"/>
+          </p:cNvSpPr>
+          <p:nvPr>
+            <p:extLst>
+              <p:ext uri="{386F3935-93C4-4BCD-93E2-E3B085C9AB24}">
+                <p16:designElem xmlns:p16="http://schemas.microsoft.com/office/powerpoint/2015/main" val="1"/>
+              </p:ext>
+            </p:extLst>
+          </p:nvPr>
+        </p:nvSpPr>
+        <p:spPr>
+          <a:xfrm>
+            <a:off x="0" y="-427"/>
+            <a:ext cx="12192001" cy="6858000"/>
+          </a:xfrm>
+          <a:prstGeom prst="rect">
+            <a:avLst/>
+          </a:prstGeom>
+          <a:gradFill>
+            <a:gsLst>
+              <a:gs pos="0">
+                <a:srgbClr val="000000"/>
+              </a:gs>
+              <a:gs pos="100000">
+                <a:schemeClr val="accent1">
+                  <a:lumMod val="75000"/>
+                </a:schemeClr>
+              </a:gs>
+            </a:gsLst>
+            <a:lin ang="15000000" scaled="0"/>
+          </a:gradFill>
+          <a:ln>
+            <a:noFill/>
+          </a:ln>
+        </p:spPr>
+        <p:style>
+          <a:lnRef idx="2">
+            <a:schemeClr val="accent1">
+              <a:shade val="50000"/>
+            </a:schemeClr>
+          </a:lnRef>
+          <a:fillRef idx="1">
+            <a:schemeClr val="accent1"/>
+          </a:fillRef>
+          <a:effectRef idx="0">
+            <a:schemeClr val="accent1"/>
+          </a:effectRef>
+          <a:fontRef idx="minor">
+            <a:schemeClr val="lt1"/>
+          </a:fontRef>
+        </p:style>
+        <p:txBody>
+          <a:bodyPr rtlCol="0" anchor="ctr"/>
+          <a:lstStyle/>
+          <a:p>
+            <a:pPr algn="ctr"/>
+            <a:endParaRPr lang="en-US"/>
+          </a:p>
+        </p:txBody>
+      </p:sp>
+      <p:sp>
+        <p:nvSpPr>
+          <p:cNvPr id="12" name="Rectangle 11">
+            <a:extLst>
+              <a:ext uri="{FF2B5EF4-FFF2-40B4-BE49-F238E27FC236}">
+                <a16:creationId xmlns:a16="http://schemas.microsoft.com/office/drawing/2014/main" id="{FA33EEAE-15D5-4119-8C1E-89D943F911EF}"/>
+              </a:ext>
+              <a:ext uri="{C183D7F6-B498-43B3-948B-1728B52AA6E4}">
+                <adec:decorative xmlns:adec="http://schemas.microsoft.com/office/drawing/2017/decorative" val="1"/>
+              </a:ext>
+            </a:extLst>
+          </p:cNvPr>
+          <p:cNvSpPr>
+            <a:spLocks noGrp="1" noRot="1" noChangeAspect="1" noMove="1" noResize="1" noEditPoints="1" noAdjustHandles="1" noChangeArrowheads="1" noChangeShapeType="1" noTextEdit="1"/>
+          </p:cNvSpPr>
+          <p:nvPr>
+            <p:extLst>
+              <p:ext uri="{386F3935-93C4-4BCD-93E2-E3B085C9AB24}">
+                <p16:designElem xmlns:p16="http://schemas.microsoft.com/office/powerpoint/2015/main" val="1"/>
+              </p:ext>
+            </p:extLst>
+          </p:nvPr>
+        </p:nvSpPr>
+        <p:spPr>
+          <a:xfrm rot="10800000" flipH="1">
+            <a:off x="455521" y="-1720"/>
+            <a:ext cx="11750040" cy="6840685"/>
+          </a:xfrm>
+          <a:prstGeom prst="rect">
+            <a:avLst/>
+          </a:prstGeom>
+          <a:gradFill>
+            <a:gsLst>
+              <a:gs pos="21000">
+                <a:schemeClr val="accent1">
+                  <a:lumMod val="50000"/>
+                  <a:alpha val="61000"/>
+                </a:schemeClr>
+              </a:gs>
+              <a:gs pos="100000">
+                <a:schemeClr val="accent1">
+                  <a:alpha val="0"/>
+                </a:schemeClr>
+              </a:gs>
+            </a:gsLst>
+            <a:lin ang="21594000" scaled="0"/>
+          </a:gradFill>
+          <a:ln>
+            <a:noFill/>
+          </a:ln>
+        </p:spPr>
+        <p:style>
+          <a:lnRef idx="2">
+            <a:schemeClr val="accent1">
+              <a:shade val="50000"/>
+            </a:schemeClr>
+          </a:lnRef>
+          <a:fillRef idx="1">
+            <a:schemeClr val="accent1"/>
+          </a:fillRef>
+          <a:effectRef idx="0">
+            <a:schemeClr val="accent1"/>
+          </a:effectRef>
+          <a:fontRef idx="minor">
+            <a:schemeClr val="lt1"/>
+          </a:fontRef>
+        </p:style>
+        <p:txBody>
+          <a:bodyPr rtlCol="0" anchor="ctr"/>
+          <a:lstStyle/>
+          <a:p>
+            <a:pPr algn="ctr"/>
+            <a:endParaRPr lang="en-US"/>
+          </a:p>
+        </p:txBody>
+      </p:sp>
+      <p:sp>
+        <p:nvSpPr>
+          <p:cNvPr id="14" name="Rectangle 13">
+            <a:extLst>
+              <a:ext uri="{FF2B5EF4-FFF2-40B4-BE49-F238E27FC236}">
+                <a16:creationId xmlns:a16="http://schemas.microsoft.com/office/drawing/2014/main" id="{730D8B3B-9B80-4025-B934-26DC7D7CD231}"/>
+              </a:ext>
+              <a:ext uri="{C183D7F6-B498-43B3-948B-1728B52AA6E4}">
+                <adec:decorative xmlns:adec="http://schemas.microsoft.com/office/drawing/2017/decorative" val="1"/>
+              </a:ext>
+            </a:extLst>
+          </p:cNvPr>
+          <p:cNvSpPr>
+            <a:spLocks noGrp="1" noRot="1" noChangeAspect="1" noMove="1" noResize="1" noEditPoints="1" noAdjustHandles="1" noChangeArrowheads="1" noChangeShapeType="1" noTextEdit="1"/>
+          </p:cNvSpPr>
+          <p:nvPr>
+            <p:extLst>
+              <p:ext uri="{386F3935-93C4-4BCD-93E2-E3B085C9AB24}">
+                <p16:designElem xmlns:p16="http://schemas.microsoft.com/office/powerpoint/2015/main" val="1"/>
+              </p:ext>
+            </p:extLst>
+          </p:nvPr>
+        </p:nvSpPr>
+        <p:spPr>
+          <a:xfrm>
+            <a:off x="8606054" y="-1291"/>
+            <a:ext cx="3608179" cy="6858864"/>
+          </a:xfrm>
+          <a:prstGeom prst="rect">
+            <a:avLst/>
+          </a:prstGeom>
+          <a:gradFill>
+            <a:gsLst>
+              <a:gs pos="0">
+                <a:schemeClr val="accent1">
+                  <a:lumMod val="75000"/>
+                  <a:alpha val="0"/>
+                </a:schemeClr>
+              </a:gs>
+              <a:gs pos="99000">
+                <a:srgbClr val="000000">
+                  <a:alpha val="41000"/>
+                </a:srgbClr>
+              </a:gs>
+            </a:gsLst>
+            <a:lin ang="16200000" scaled="0"/>
+          </a:gradFill>
+          <a:ln>
+            <a:noFill/>
+          </a:ln>
+        </p:spPr>
+        <p:style>
+          <a:lnRef idx="2">
+            <a:schemeClr val="accent1">
+              <a:shade val="50000"/>
+            </a:schemeClr>
+          </a:lnRef>
+          <a:fillRef idx="1">
+            <a:schemeClr val="accent1"/>
+          </a:fillRef>
+          <a:effectRef idx="0">
+            <a:schemeClr val="accent1"/>
+          </a:effectRef>
+          <a:fontRef idx="minor">
+            <a:schemeClr val="lt1"/>
+          </a:fontRef>
+        </p:style>
+        <p:txBody>
+          <a:bodyPr rtlCol="0" anchor="ctr"/>
+          <a:lstStyle/>
+          <a:p>
+            <a:pPr algn="ctr"/>
+            <a:endParaRPr lang="en-US"/>
+          </a:p>
+        </p:txBody>
+      </p:sp>
+      <p:sp>
+        <p:nvSpPr>
+          <p:cNvPr id="16" name="Oval 15">
+            <a:extLst>
+              <a:ext uri="{FF2B5EF4-FFF2-40B4-BE49-F238E27FC236}">
+                <a16:creationId xmlns:a16="http://schemas.microsoft.com/office/drawing/2014/main" id="{B5A1B09C-1565-46F8-B70F-621C5EB48A09}"/>
+              </a:ext>
+              <a:ext uri="{C183D7F6-B498-43B3-948B-1728B52AA6E4}">
+                <adec:decorative xmlns:adec="http://schemas.microsoft.com/office/drawing/2017/decorative" val="1"/>
+              </a:ext>
+            </a:extLst>
+          </p:cNvPr>
+          <p:cNvSpPr>
+            <a:spLocks noGrp="1" noRot="1" noChangeAspect="1" noMove="1" noResize="1" noEditPoints="1" noAdjustHandles="1" noChangeArrowheads="1" noChangeShapeType="1" noTextEdit="1"/>
+          </p:cNvSpPr>
+          <p:nvPr>
+            <p:extLst>
+              <p:ext uri="{386F3935-93C4-4BCD-93E2-E3B085C9AB24}">
+                <p16:designElem xmlns:p16="http://schemas.microsoft.com/office/powerpoint/2015/main" val="1"/>
+              </p:ext>
+            </p:extLst>
+          </p:nvPr>
+        </p:nvSpPr>
+        <p:spPr>
+          <a:xfrm rot="15274173">
+            <a:off x="6059728" y="779270"/>
+            <a:ext cx="4967533" cy="4988390"/>
+          </a:xfrm>
+          <a:prstGeom prst="ellipse">
+            <a:avLst/>
+          </a:prstGeom>
+          <a:gradFill>
+            <a:gsLst>
+              <a:gs pos="0">
+                <a:schemeClr val="accent1">
+                  <a:alpha val="24000"/>
+                </a:schemeClr>
+              </a:gs>
+              <a:gs pos="79000">
+                <a:schemeClr val="accent1">
+                  <a:lumMod val="60000"/>
+                  <a:lumOff val="40000"/>
+                  <a:alpha val="0"/>
+                </a:schemeClr>
+              </a:gs>
+            </a:gsLst>
+            <a:lin ang="14400000" scaled="0"/>
+          </a:gradFill>
+          <a:ln>
+            <a:noFill/>
+          </a:ln>
+        </p:spPr>
+        <p:style>
+          <a:lnRef idx="2">
+            <a:schemeClr val="accent1">
+              <a:shade val="50000"/>
+            </a:schemeClr>
+          </a:lnRef>
+          <a:fillRef idx="1">
+            <a:schemeClr val="accent1"/>
+          </a:fillRef>
+          <a:effectRef idx="0">
+            <a:schemeClr val="accent1"/>
+          </a:effectRef>
+          <a:fontRef idx="minor">
+            <a:schemeClr val="lt1"/>
+          </a:fontRef>
+        </p:style>
+        <p:txBody>
+          <a:bodyPr rtlCol="0" anchor="ctr"/>
+          <a:lstStyle/>
+          <a:p>
+            <a:pPr algn="ctr"/>
+            <a:endParaRPr lang="en-US" dirty="0"/>
+          </a:p>
+        </p:txBody>
+      </p:sp>
+      <p:sp>
+        <p:nvSpPr>
+          <p:cNvPr id="2" name="Titre 1">
+            <a:extLst>
+              <a:ext uri="{FF2B5EF4-FFF2-40B4-BE49-F238E27FC236}">
+                <a16:creationId xmlns:a16="http://schemas.microsoft.com/office/drawing/2014/main" id="{E9581922-57DC-FF2E-7309-6CD2E2515BE6}"/>
+              </a:ext>
+            </a:extLst>
+          </p:cNvPr>
+          <p:cNvSpPr>
+            <a:spLocks noGrp="1"/>
+          </p:cNvSpPr>
+          <p:nvPr>
+            <p:ph type="title"/>
+          </p:nvPr>
+        </p:nvSpPr>
+        <p:spPr>
+          <a:xfrm>
+            <a:off x="1983967" y="1211090"/>
+            <a:ext cx="6596245" cy="3268520"/>
+          </a:xfrm>
+        </p:spPr>
+        <p:txBody>
+          <a:bodyPr vert="horz" lIns="91440" tIns="45720" rIns="91440" bIns="45720" rtlCol="0" anchor="b">
+            <a:normAutofit/>
+          </a:bodyPr>
+          <a:lstStyle/>
+          <a:p>
+            <a:pPr algn="r"/>
+            <a:r>
+              <a:rPr lang="en-US" sz="4800" dirty="0">
+                <a:solidFill>
+                  <a:srgbClr val="FFFFFF"/>
+                </a:solidFill>
+              </a:rPr>
+              <a:t>Place à </a:t>
+            </a:r>
+            <a:r>
+              <a:rPr lang="en-US" sz="4800" dirty="0" err="1">
+                <a:solidFill>
+                  <a:srgbClr val="FFFFFF"/>
+                </a:solidFill>
+              </a:rPr>
+              <a:t>une</a:t>
+            </a:r>
+            <a:r>
+              <a:rPr lang="en-US" sz="4800" dirty="0">
+                <a:solidFill>
+                  <a:srgbClr val="FFFFFF"/>
+                </a:solidFill>
+              </a:rPr>
+              <a:t> petite demonstration !</a:t>
+            </a:r>
+            <a:endParaRPr lang="en-US" sz="4800" kern="1200" dirty="0">
+              <a:solidFill>
+                <a:srgbClr val="FFFFFF"/>
+              </a:solidFill>
+              <a:latin typeface="+mj-lt"/>
+              <a:ea typeface="+mj-ea"/>
+              <a:cs typeface="+mj-cs"/>
+            </a:endParaRPr>
+          </a:p>
+        </p:txBody>
+      </p:sp>
+      <p:sp>
+        <p:nvSpPr>
+          <p:cNvPr id="18" name="Rectangle 17">
+            <a:extLst>
+              <a:ext uri="{FF2B5EF4-FFF2-40B4-BE49-F238E27FC236}">
+                <a16:creationId xmlns:a16="http://schemas.microsoft.com/office/drawing/2014/main" id="{8C516CC8-80AC-446C-A56E-9F54B7210402}"/>
+              </a:ext>
+              <a:ext uri="{C183D7F6-B498-43B3-948B-1728B52AA6E4}">
+                <adec:decorative xmlns:adec="http://schemas.microsoft.com/office/drawing/2017/decorative" val="1"/>
+              </a:ext>
+            </a:extLst>
+          </p:cNvPr>
+          <p:cNvSpPr>
+            <a:spLocks noGrp="1" noRot="1" noChangeAspect="1" noMove="1" noResize="1" noEditPoints="1" noAdjustHandles="1" noChangeArrowheads="1" noChangeShapeType="1" noTextEdit="1"/>
+          </p:cNvSpPr>
+          <p:nvPr>
+            <p:extLst>
+              <p:ext uri="{386F3935-93C4-4BCD-93E2-E3B085C9AB24}">
+                <p16:designElem xmlns:p16="http://schemas.microsoft.com/office/powerpoint/2015/main" val="1"/>
+              </p:ext>
+            </p:extLst>
+          </p:nvPr>
+        </p:nvSpPr>
+        <p:spPr>
+          <a:xfrm rot="10800000" flipH="1">
+            <a:off x="6314" y="4480038"/>
+            <a:ext cx="12179371" cy="2377962"/>
+          </a:xfrm>
+          <a:prstGeom prst="rect">
+            <a:avLst/>
+          </a:prstGeom>
+          <a:gradFill>
+            <a:gsLst>
+              <a:gs pos="0">
+                <a:schemeClr val="accent1">
+                  <a:lumMod val="75000"/>
+                  <a:alpha val="50000"/>
+                </a:schemeClr>
+              </a:gs>
+              <a:gs pos="99000">
+                <a:srgbClr val="000000">
+                  <a:alpha val="34000"/>
+                </a:srgbClr>
+              </a:gs>
+            </a:gsLst>
+            <a:lin ang="17400000" scaled="0"/>
+          </a:gradFill>
+          <a:ln>
+            <a:noFill/>
+          </a:ln>
+        </p:spPr>
+        <p:style>
+          <a:lnRef idx="2">
+            <a:schemeClr val="accent1">
+              <a:shade val="50000"/>
+            </a:schemeClr>
+          </a:lnRef>
+          <a:fillRef idx="1">
+            <a:schemeClr val="accent1"/>
+          </a:fillRef>
+          <a:effectRef idx="0">
+            <a:schemeClr val="accent1"/>
+          </a:effectRef>
+          <a:fontRef idx="minor">
+            <a:schemeClr val="lt1"/>
+          </a:fontRef>
+        </p:style>
+        <p:txBody>
+          <a:bodyPr rtlCol="0" anchor="ctr"/>
+          <a:lstStyle/>
+          <a:p>
+            <a:pPr algn="ctr"/>
+            <a:endParaRPr lang="en-US"/>
+          </a:p>
+        </p:txBody>
+      </p:sp>
+      <p:sp>
+        <p:nvSpPr>
+          <p:cNvPr id="20" name="Rectangle 19">
+            <a:extLst>
+              <a:ext uri="{FF2B5EF4-FFF2-40B4-BE49-F238E27FC236}">
+                <a16:creationId xmlns:a16="http://schemas.microsoft.com/office/drawing/2014/main" id="{53947E58-F088-49F1-A3D1-DEA690192E84}"/>
+              </a:ext>
+              <a:ext uri="{C183D7F6-B498-43B3-948B-1728B52AA6E4}">
+                <adec:decorative xmlns:adec="http://schemas.microsoft.com/office/drawing/2017/decorative" val="1"/>
+              </a:ext>
+            </a:extLst>
+          </p:cNvPr>
+          <p:cNvSpPr>
+            <a:spLocks noGrp="1" noRot="1" noChangeAspect="1" noMove="1" noResize="1" noEditPoints="1" noAdjustHandles="1" noChangeArrowheads="1" noChangeShapeType="1" noTextEdit="1"/>
+          </p:cNvSpPr>
+          <p:nvPr>
+            <p:extLst>
+              <p:ext uri="{386F3935-93C4-4BCD-93E2-E3B085C9AB24}">
+                <p16:designElem xmlns:p16="http://schemas.microsoft.com/office/powerpoint/2015/main" val="1"/>
+              </p:ext>
+            </p:extLst>
+          </p:nvPr>
+        </p:nvSpPr>
+        <p:spPr>
+          <a:xfrm rot="16200000" flipH="1">
+            <a:off x="6967085" y="1632660"/>
+            <a:ext cx="6857572" cy="3592258"/>
+          </a:xfrm>
+          <a:prstGeom prst="rect">
+            <a:avLst/>
+          </a:prstGeom>
+          <a:gradFill>
+            <a:gsLst>
+              <a:gs pos="0">
+                <a:schemeClr val="accent1">
+                  <a:lumMod val="75000"/>
+                  <a:alpha val="50000"/>
+                </a:schemeClr>
+              </a:gs>
+              <a:gs pos="99000">
+                <a:srgbClr val="000000">
+                  <a:alpha val="0"/>
+                </a:srgbClr>
+              </a:gs>
+            </a:gsLst>
+            <a:lin ang="15600000" scaled="0"/>
+          </a:gradFill>
+          <a:ln>
+            <a:noFill/>
+          </a:ln>
+        </p:spPr>
+        <p:style>
+          <a:lnRef idx="2">
+            <a:schemeClr val="accent1">
+              <a:shade val="50000"/>
+            </a:schemeClr>
+          </a:lnRef>
+          <a:fillRef idx="1">
+            <a:schemeClr val="accent1"/>
+          </a:fillRef>
+          <a:effectRef idx="0">
+            <a:schemeClr val="accent1"/>
+          </a:effectRef>
+          <a:fontRef idx="minor">
+            <a:schemeClr val="lt1"/>
+          </a:fontRef>
+        </p:style>
+        <p:txBody>
+          <a:bodyPr rtlCol="0" anchor="ctr"/>
+          <a:lstStyle/>
+          <a:p>
+            <a:pPr algn="ctr"/>
+            <a:endParaRPr lang="en-US"/>
+          </a:p>
+        </p:txBody>
+      </p:sp>
+    </p:spTree>
+    <p:extLst>
+      <p:ext uri="{BB962C8B-B14F-4D97-AF65-F5344CB8AC3E}">
+        <p14:creationId xmlns:p14="http://schemas.microsoft.com/office/powerpoint/2010/main" val="640211871"/>
+      </p:ext>
+    </p:extLst>
+  </p:cSld>
+  <p:clrMapOvr>
+    <a:masterClrMapping/>
+  </p:clrMapOvr>
+  <p:transition spd="med">
+    <p:pull/>
+  </p:transition>
+</p:sld>
+</file>
+
+<file path=ppt/slides/slide2.xml><?xml version="1.0" encoding="utf-8"?>
+<p:sld xmlns:a="http://schemas.openxmlformats.org/drawingml/2006/main" xmlns:r="http://schemas.openxmlformats.org/officeDocument/2006/relationships" xmlns:p="http://schemas.openxmlformats.org/presentationml/2006/main">
+  <p:cSld>
+    <p:bg>
+      <p:bgPr>
+        <a:solidFill>
+          <a:schemeClr val="bg1"/>
+        </a:solidFill>
+        <a:effectLst/>
+      </p:bgPr>
+    </p:bg>
+    <p:spTree>
+      <p:nvGrpSpPr>
+        <p:cNvPr id="1" name=""/>
+        <p:cNvGrpSpPr/>
+        <p:nvPr/>
+      </p:nvGrpSpPr>
+      <p:grpSpPr>
+        <a:xfrm>
+          <a:off x="0" y="0"/>
+          <a:ext cx="0" cy="0"/>
+          <a:chOff x="0" y="0"/>
+          <a:chExt cx="0" cy="0"/>
+        </a:xfrm>
+      </p:grpSpPr>
+      <p:sp useBgFill="1">
+        <p:nvSpPr>
+          <p:cNvPr id="8" name="Rectangle 7">
+            <a:extLst>
+              <a:ext uri="{FF2B5EF4-FFF2-40B4-BE49-F238E27FC236}">
+                <a16:creationId xmlns:a16="http://schemas.microsoft.com/office/drawing/2014/main" id="{6F5A5072-7B47-4D32-B52A-4EBBF590B8A5}"/>
+              </a:ext>
+              <a:ext uri="{C183D7F6-B498-43B3-948B-1728B52AA6E4}">
+                <adec:decorative xmlns:adec="http://schemas.microsoft.com/office/drawing/2017/decorative" val="1"/>
+              </a:ext>
+            </a:extLst>
+          </p:cNvPr>
+          <p:cNvSpPr>
+            <a:spLocks noGrp="1" noRot="1" noChangeAspect="1" noMove="1" noResize="1" noEditPoints="1" noAdjustHandles="1" noChangeArrowheads="1" noChangeShapeType="1" noTextEdit="1"/>
+          </p:cNvSpPr>
+          <p:nvPr>
+            <p:extLst>
+              <p:ext uri="{386F3935-93C4-4BCD-93E2-E3B085C9AB24}">
+                <p16:designElem xmlns:p16="http://schemas.microsoft.com/office/powerpoint/2015/main" val="1"/>
+              </p:ext>
+            </p:extLst>
+          </p:nvPr>
+        </p:nvSpPr>
+        <p:spPr>
+          <a:xfrm>
+            <a:off x="0" y="0"/>
+            <a:ext cx="12192000" cy="6858000"/>
+          </a:xfrm>
+          <a:prstGeom prst="rect">
+            <a:avLst/>
+          </a:prstGeom>
+          <a:ln w="12700" cap="flat" cmpd="sng" algn="ctr">
+            <a:noFill/>
+            <a:prstDash val="solid"/>
+            <a:miter lim="800000"/>
+          </a:ln>
+          <a:effectLst/>
+          <a:extLst>
+            <a:ext uri="{91240B29-F687-4F45-9708-019B960494DF}">
+              <a14:hiddenLine xmlns:a14="http://schemas.microsoft.com/office/drawing/2010/main" w="12700" cap="flat" cmpd="sng" algn="ctr">
+                <a:solidFill>
+                  <a:schemeClr val="accent1">
+                    <a:shade val="50000"/>
+                  </a:schemeClr>
+                </a:solidFill>
+                <a:prstDash val="solid"/>
+                <a:miter lim="800000"/>
+              </a14:hiddenLine>
+            </a:ext>
+          </a:extLst>
+        </p:spPr>
+        <p:style>
+          <a:lnRef idx="2">
+            <a:schemeClr val="accent1">
+              <a:shade val="50000"/>
+            </a:schemeClr>
+          </a:lnRef>
+          <a:fillRef idx="1">
+            <a:schemeClr val="accent1"/>
+          </a:fillRef>
+          <a:effectRef idx="0">
+            <a:schemeClr val="accent1"/>
+          </a:effectRef>
+          <a:fontRef idx="minor">
+            <a:schemeClr val="lt1"/>
+          </a:fontRef>
+        </p:style>
+        <p:txBody>
+          <a:bodyPr rtlCol="0" anchor="ctr"/>
+          <a:lstStyle/>
+          <a:p>
+            <a:pPr algn="ctr"/>
+            <a:endParaRPr lang="en-US"/>
+          </a:p>
+        </p:txBody>
+      </p:sp>
+      <p:sp>
+        <p:nvSpPr>
+          <p:cNvPr id="10" name="Rectangle 9">
+            <a:extLst>
+              <a:ext uri="{FF2B5EF4-FFF2-40B4-BE49-F238E27FC236}">
+                <a16:creationId xmlns:a16="http://schemas.microsoft.com/office/drawing/2014/main" id="{9715DAF0-AE1B-46C9-8A6B-DB2AA05AB91D}"/>
+              </a:ext>
+              <a:ext uri="{C183D7F6-B498-43B3-948B-1728B52AA6E4}">
+                <adec:decorative xmlns:adec="http://schemas.microsoft.com/office/drawing/2017/decorative" val="1"/>
+              </a:ext>
+            </a:extLst>
+          </p:cNvPr>
+          <p:cNvSpPr>
+            <a:spLocks noGrp="1" noRot="1" noChangeAspect="1" noMove="1" noResize="1" noEditPoints="1" noAdjustHandles="1" noChangeArrowheads="1" noChangeShapeType="1" noTextEdit="1"/>
+          </p:cNvSpPr>
+          <p:nvPr>
+            <p:extLst>
+              <p:ext uri="{386F3935-93C4-4BCD-93E2-E3B085C9AB24}">
+                <p16:designElem xmlns:p16="http://schemas.microsoft.com/office/powerpoint/2015/main" val="1"/>
+              </p:ext>
+            </p:extLst>
+          </p:nvPr>
+        </p:nvSpPr>
+        <p:spPr>
+          <a:xfrm rot="10800000">
+            <a:off x="-2" y="-22693"/>
+            <a:ext cx="12191999" cy="4374129"/>
+          </a:xfrm>
+          <a:prstGeom prst="rect">
+            <a:avLst/>
+          </a:prstGeom>
+          <a:gradFill>
+            <a:gsLst>
+              <a:gs pos="0">
+                <a:schemeClr val="accent1">
+                  <a:lumMod val="75000"/>
+                </a:schemeClr>
+              </a:gs>
+              <a:gs pos="100000">
+                <a:srgbClr val="000000"/>
+              </a:gs>
+            </a:gsLst>
+            <a:lin ang="15000000" scaled="0"/>
+          </a:gradFill>
+          <a:ln>
+            <a:noFill/>
+          </a:ln>
+        </p:spPr>
+        <p:style>
+          <a:lnRef idx="2">
+            <a:schemeClr val="accent1">
+              <a:shade val="50000"/>
+            </a:schemeClr>
+          </a:lnRef>
+          <a:fillRef idx="1">
+            <a:schemeClr val="accent1"/>
+          </a:fillRef>
+          <a:effectRef idx="0">
+            <a:schemeClr val="accent1"/>
+          </a:effectRef>
+          <a:fontRef idx="minor">
+            <a:schemeClr val="lt1"/>
+          </a:fontRef>
+        </p:style>
+        <p:txBody>
+          <a:bodyPr rtlCol="0" anchor="ctr"/>
+          <a:lstStyle/>
+          <a:p>
+            <a:pPr algn="ctr"/>
+            <a:endParaRPr lang="en-US"/>
+          </a:p>
+        </p:txBody>
+      </p:sp>
+      <p:sp>
+        <p:nvSpPr>
+          <p:cNvPr id="12" name="Rectangle 11">
+            <a:extLst>
+              <a:ext uri="{FF2B5EF4-FFF2-40B4-BE49-F238E27FC236}">
+                <a16:creationId xmlns:a16="http://schemas.microsoft.com/office/drawing/2014/main" id="{6016219D-510E-4184-9090-6D5578A87BD1}"/>
+              </a:ext>
+              <a:ext uri="{C183D7F6-B498-43B3-948B-1728B52AA6E4}">
+                <adec:decorative xmlns:adec="http://schemas.microsoft.com/office/drawing/2017/decorative" val="1"/>
+              </a:ext>
+            </a:extLst>
+          </p:cNvPr>
+          <p:cNvSpPr>
+            <a:spLocks noGrp="1" noRot="1" noChangeAspect="1" noMove="1" noResize="1" noEditPoints="1" noAdjustHandles="1" noChangeArrowheads="1" noChangeShapeType="1" noTextEdit="1"/>
+          </p:cNvSpPr>
+          <p:nvPr>
+            <p:extLst>
+              <p:ext uri="{386F3935-93C4-4BCD-93E2-E3B085C9AB24}">
+                <p16:designElem xmlns:p16="http://schemas.microsoft.com/office/powerpoint/2015/main" val="1"/>
+              </p:ext>
+            </p:extLst>
+          </p:nvPr>
+        </p:nvSpPr>
+        <p:spPr>
+          <a:xfrm rot="5400000">
+            <a:off x="3908719" y="-3931841"/>
+            <a:ext cx="4374557" cy="12192000"/>
+          </a:xfrm>
+          <a:prstGeom prst="rect">
+            <a:avLst/>
+          </a:prstGeom>
+          <a:gradFill>
+            <a:gsLst>
+              <a:gs pos="40000">
+                <a:schemeClr val="accent1">
+                  <a:alpha val="0"/>
+                </a:schemeClr>
+              </a:gs>
+              <a:gs pos="100000">
+                <a:schemeClr val="accent1">
+                  <a:lumMod val="75000"/>
+                  <a:alpha val="52000"/>
+                </a:schemeClr>
+              </a:gs>
+            </a:gsLst>
+            <a:lin ang="2400000" scaled="0"/>
+          </a:gradFill>
+          <a:ln>
+            <a:noFill/>
+          </a:ln>
+        </p:spPr>
+        <p:style>
+          <a:lnRef idx="2">
+            <a:schemeClr val="accent1">
+              <a:shade val="50000"/>
+            </a:schemeClr>
+          </a:lnRef>
+          <a:fillRef idx="1">
+            <a:schemeClr val="accent1"/>
+          </a:fillRef>
+          <a:effectRef idx="0">
+            <a:schemeClr val="accent1"/>
+          </a:effectRef>
+          <a:fontRef idx="minor">
+            <a:schemeClr val="lt1"/>
+          </a:fontRef>
+        </p:style>
+        <p:txBody>
+          <a:bodyPr rtlCol="0" anchor="ctr"/>
+          <a:lstStyle/>
+          <a:p>
+            <a:pPr algn="ctr"/>
+            <a:endParaRPr lang="en-US"/>
+          </a:p>
+        </p:txBody>
+      </p:sp>
+      <p:sp>
+        <p:nvSpPr>
+          <p:cNvPr id="14" name="Rectangle 13">
+            <a:extLst>
+              <a:ext uri="{FF2B5EF4-FFF2-40B4-BE49-F238E27FC236}">
+                <a16:creationId xmlns:a16="http://schemas.microsoft.com/office/drawing/2014/main" id="{AFF4A713-7B75-4B21-90D7-5AB19547C728}"/>
+              </a:ext>
+              <a:ext uri="{C183D7F6-B498-43B3-948B-1728B52AA6E4}">
+                <adec:decorative xmlns:adec="http://schemas.microsoft.com/office/drawing/2017/decorative" val="1"/>
+              </a:ext>
+            </a:extLst>
+          </p:cNvPr>
+          <p:cNvSpPr>
+            <a:spLocks noGrp="1" noRot="1" noChangeAspect="1" noMove="1" noResize="1" noEditPoints="1" noAdjustHandles="1" noChangeArrowheads="1" noChangeShapeType="1" noTextEdit="1"/>
+          </p:cNvSpPr>
+          <p:nvPr>
+            <p:extLst>
+              <p:ext uri="{386F3935-93C4-4BCD-93E2-E3B085C9AB24}">
+                <p16:designElem xmlns:p16="http://schemas.microsoft.com/office/powerpoint/2015/main" val="1"/>
+              </p:ext>
+            </p:extLst>
+          </p:nvPr>
+        </p:nvSpPr>
+        <p:spPr>
+          <a:xfrm rot="5400000">
+            <a:off x="4136696" y="-3703868"/>
+            <a:ext cx="4374128" cy="11736479"/>
+          </a:xfrm>
+          <a:prstGeom prst="rect">
+            <a:avLst/>
+          </a:prstGeom>
+          <a:gradFill>
+            <a:gsLst>
+              <a:gs pos="17000">
+                <a:schemeClr val="accent1">
+                  <a:alpha val="0"/>
+                </a:schemeClr>
+              </a:gs>
+              <a:gs pos="100000">
+                <a:srgbClr val="000000">
+                  <a:alpha val="37000"/>
+                </a:srgbClr>
+              </a:gs>
+            </a:gsLst>
+            <a:lin ang="7800000" scaled="0"/>
+          </a:gradFill>
+          <a:ln>
+            <a:noFill/>
+          </a:ln>
+        </p:spPr>
+        <p:style>
+          <a:lnRef idx="2">
+            <a:schemeClr val="accent1">
+              <a:shade val="50000"/>
+            </a:schemeClr>
+          </a:lnRef>
+          <a:fillRef idx="1">
+            <a:schemeClr val="accent1"/>
+          </a:fillRef>
+          <a:effectRef idx="0">
+            <a:schemeClr val="accent1"/>
+          </a:effectRef>
+          <a:fontRef idx="minor">
+            <a:schemeClr val="lt1"/>
+          </a:fontRef>
+        </p:style>
+        <p:txBody>
+          <a:bodyPr rtlCol="0" anchor="ctr"/>
+          <a:lstStyle/>
+          <a:p>
+            <a:pPr algn="ctr"/>
+            <a:endParaRPr lang="en-US"/>
+          </a:p>
+        </p:txBody>
+      </p:sp>
+      <p:sp>
+        <p:nvSpPr>
+          <p:cNvPr id="16" name="Rectangle 15">
+            <a:extLst>
+              <a:ext uri="{FF2B5EF4-FFF2-40B4-BE49-F238E27FC236}">
+                <a16:creationId xmlns:a16="http://schemas.microsoft.com/office/drawing/2014/main" id="{DC631C0B-6DA6-4E57-8231-CE32B3434A7E}"/>
+              </a:ext>
+              <a:ext uri="{C183D7F6-B498-43B3-948B-1728B52AA6E4}">
+                <adec:decorative xmlns:adec="http://schemas.microsoft.com/office/drawing/2017/decorative" val="1"/>
+              </a:ext>
+            </a:extLst>
+          </p:cNvPr>
+          <p:cNvSpPr>
+            <a:spLocks noGrp="1" noRot="1" noChangeAspect="1" noMove="1" noResize="1" noEditPoints="1" noAdjustHandles="1" noChangeArrowheads="1" noChangeShapeType="1" noTextEdit="1"/>
+          </p:cNvSpPr>
+          <p:nvPr>
+            <p:extLst>
+              <p:ext uri="{386F3935-93C4-4BCD-93E2-E3B085C9AB24}">
+                <p16:designElem xmlns:p16="http://schemas.microsoft.com/office/powerpoint/2015/main" val="1"/>
+              </p:ext>
+            </p:extLst>
+          </p:nvPr>
+        </p:nvSpPr>
+        <p:spPr>
+          <a:xfrm>
+            <a:off x="-5" y="-22690"/>
+            <a:ext cx="8542485" cy="4374126"/>
+          </a:xfrm>
+          <a:prstGeom prst="rect">
+            <a:avLst/>
+          </a:prstGeom>
+          <a:gradFill>
+            <a:gsLst>
+              <a:gs pos="0">
+                <a:schemeClr val="accent1">
+                  <a:lumMod val="50000"/>
+                  <a:alpha val="0"/>
+                </a:schemeClr>
+              </a:gs>
+              <a:gs pos="100000">
+                <a:srgbClr val="000000">
+                  <a:alpha val="25000"/>
+                </a:srgbClr>
+              </a:gs>
+            </a:gsLst>
+            <a:lin ang="18600000" scaled="0"/>
+          </a:gradFill>
+          <a:ln>
+            <a:noFill/>
+          </a:ln>
+        </p:spPr>
+        <p:style>
+          <a:lnRef idx="2">
+            <a:schemeClr val="accent1">
+              <a:shade val="50000"/>
+            </a:schemeClr>
+          </a:lnRef>
+          <a:fillRef idx="1">
+            <a:schemeClr val="accent1"/>
+          </a:fillRef>
+          <a:effectRef idx="0">
+            <a:schemeClr val="accent1"/>
+          </a:effectRef>
+          <a:fontRef idx="minor">
+            <a:schemeClr val="lt1"/>
+          </a:fontRef>
+        </p:style>
+        <p:txBody>
+          <a:bodyPr rtlCol="0" anchor="ctr"/>
+          <a:lstStyle/>
+          <a:p>
+            <a:pPr algn="ctr"/>
+            <a:endParaRPr lang="en-US"/>
+          </a:p>
+        </p:txBody>
+      </p:sp>
+      <p:sp>
+        <p:nvSpPr>
+          <p:cNvPr id="18" name="Freeform: Shape 17">
+            <a:extLst>
+              <a:ext uri="{FF2B5EF4-FFF2-40B4-BE49-F238E27FC236}">
+                <a16:creationId xmlns:a16="http://schemas.microsoft.com/office/drawing/2014/main" id="{C29501E6-A978-4A61-9689-9085AF97A53A}"/>
+              </a:ext>
+              <a:ext uri="{C183D7F6-B498-43B3-948B-1728B52AA6E4}">
+                <adec:decorative xmlns:adec="http://schemas.microsoft.com/office/drawing/2017/decorative" val="1"/>
+              </a:ext>
+            </a:extLst>
+          </p:cNvPr>
+          <p:cNvSpPr>
+            <a:spLocks noGrp="1" noRot="1" noChangeAspect="1" noMove="1" noResize="1" noEditPoints="1" noAdjustHandles="1" noChangeArrowheads="1" noChangeShapeType="1" noTextEdit="1"/>
+          </p:cNvSpPr>
+          <p:nvPr>
+            <p:extLst>
+              <p:ext uri="{386F3935-93C4-4BCD-93E2-E3B085C9AB24}">
+                <p16:designElem xmlns:p16="http://schemas.microsoft.com/office/powerpoint/2015/main" val="1"/>
+              </p:ext>
+            </p:extLst>
+          </p:nvPr>
+        </p:nvSpPr>
+        <p:spPr>
+          <a:xfrm rot="12508972">
+            <a:off x="5945431" y="-1032053"/>
+            <a:ext cx="4990147" cy="4439131"/>
+          </a:xfrm>
+          <a:custGeom>
+            <a:avLst/>
+            <a:gdLst>
+              <a:gd name="connsiteX0" fmla="*/ 4990147 w 4990147"/>
+              <a:gd name="connsiteY0" fmla="*/ 2229378 h 4439131"/>
+              <a:gd name="connsiteX1" fmla="*/ 917384 w 4990147"/>
+              <a:gd name="connsiteY1" fmla="*/ 4439131 h 4439131"/>
+              <a:gd name="connsiteX2" fmla="*/ 910814 w 4990147"/>
+              <a:gd name="connsiteY2" fmla="*/ 4434219 h 4439131"/>
+              <a:gd name="connsiteX3" fmla="*/ 0 w 4990147"/>
+              <a:gd name="connsiteY3" fmla="*/ 2502877 h 4439131"/>
+              <a:gd name="connsiteX4" fmla="*/ 2502877 w 4990147"/>
+              <a:gd name="connsiteY4" fmla="*/ 0 h 4439131"/>
+              <a:gd name="connsiteX5" fmla="*/ 4954904 w 4990147"/>
+              <a:gd name="connsiteY5" fmla="*/ 1998460 h 4439131"/>
+            </a:gdLst>
+            <a:ahLst/>
+            <a:cxnLst>
+              <a:cxn ang="0">
+                <a:pos x="connsiteX0" y="connsiteY0"/>
+              </a:cxn>
+              <a:cxn ang="0">
+                <a:pos x="connsiteX1" y="connsiteY1"/>
+              </a:cxn>
+              <a:cxn ang="0">
+                <a:pos x="connsiteX2" y="connsiteY2"/>
+              </a:cxn>
+              <a:cxn ang="0">
+                <a:pos x="connsiteX3" y="connsiteY3"/>
+              </a:cxn>
+              <a:cxn ang="0">
+                <a:pos x="connsiteX4" y="connsiteY4"/>
+              </a:cxn>
+              <a:cxn ang="0">
+                <a:pos x="connsiteX5" y="connsiteY5"/>
+              </a:cxn>
+            </a:cxnLst>
+            <a:rect l="l" t="t" r="r" b="b"/>
+            <a:pathLst>
+              <a:path w="4990147" h="4439131">
+                <a:moveTo>
+                  <a:pt x="4990147" y="2229378"/>
+                </a:moveTo>
+                <a:lnTo>
+                  <a:pt x="917384" y="4439131"/>
+                </a:lnTo>
+                <a:lnTo>
+                  <a:pt x="910814" y="4434219"/>
+                </a:lnTo>
+                <a:cubicBezTo>
+                  <a:pt x="354557" y="3975154"/>
+                  <a:pt x="0" y="3280421"/>
+                  <a:pt x="0" y="2502877"/>
+                </a:cubicBezTo>
+                <a:cubicBezTo>
+                  <a:pt x="0" y="1120576"/>
+                  <a:pt x="1120576" y="0"/>
+                  <a:pt x="2502877" y="0"/>
+                </a:cubicBezTo>
+                <a:cubicBezTo>
+                  <a:pt x="3712390" y="0"/>
+                  <a:pt x="4721520" y="857941"/>
+                  <a:pt x="4954904" y="1998460"/>
+                </a:cubicBezTo>
+                <a:close/>
+              </a:path>
+            </a:pathLst>
+          </a:custGeom>
+          <a:gradFill>
+            <a:gsLst>
+              <a:gs pos="0">
+                <a:schemeClr val="accent1">
+                  <a:alpha val="22000"/>
+                </a:schemeClr>
+              </a:gs>
+              <a:gs pos="87000">
+                <a:schemeClr val="accent1">
+                  <a:lumMod val="60000"/>
+                  <a:lumOff val="40000"/>
+                  <a:alpha val="2000"/>
+                </a:schemeClr>
+              </a:gs>
+            </a:gsLst>
+            <a:lin ang="8400000" scaled="0"/>
+          </a:gradFill>
+          <a:ln>
+            <a:noFill/>
+          </a:ln>
+        </p:spPr>
+        <p:style>
+          <a:lnRef idx="2">
+            <a:schemeClr val="accent1">
+              <a:shade val="50000"/>
+            </a:schemeClr>
+          </a:lnRef>
+          <a:fillRef idx="1">
+            <a:schemeClr val="accent1"/>
+          </a:fillRef>
+          <a:effectRef idx="0">
+            <a:schemeClr val="accent1"/>
+          </a:effectRef>
+          <a:fontRef idx="minor">
+            <a:schemeClr val="lt1"/>
+          </a:fontRef>
+        </p:style>
+        <p:txBody>
+          <a:bodyPr wrap="square" rtlCol="0" anchor="ctr">
+            <a:noAutofit/>
+          </a:bodyPr>
+          <a:lstStyle/>
+          <a:p>
+            <a:pPr algn="ctr"/>
+            <a:endParaRPr lang="en-US" dirty="0"/>
+          </a:p>
+        </p:txBody>
+      </p:sp>
+      <p:sp>
+        <p:nvSpPr>
+          <p:cNvPr id="2" name="Titre 1">
+            <a:extLst>
+              <a:ext uri="{FF2B5EF4-FFF2-40B4-BE49-F238E27FC236}">
+                <a16:creationId xmlns:a16="http://schemas.microsoft.com/office/drawing/2014/main" id="{D77D71A2-9372-14B4-2214-F0170A53F2CF}"/>
+              </a:ext>
+            </a:extLst>
+          </p:cNvPr>
+          <p:cNvSpPr>
+            <a:spLocks noGrp="1"/>
+          </p:cNvSpPr>
+          <p:nvPr>
+            <p:ph type="ctrTitle"/>
+          </p:nvPr>
+        </p:nvSpPr>
+        <p:spPr>
+          <a:xfrm>
+            <a:off x="1314824" y="735106"/>
+            <a:ext cx="10053763" cy="2928470"/>
+          </a:xfrm>
+        </p:spPr>
+        <p:txBody>
+          <a:bodyPr anchor="b">
+            <a:normAutofit/>
+          </a:bodyPr>
+          <a:lstStyle/>
+          <a:p>
+            <a:pPr algn="l"/>
+            <a:r>
+              <a:rPr lang="fr-FR" sz="4800" dirty="0">
+                <a:solidFill>
+                  <a:srgbClr val="FFFFFF"/>
+                </a:solidFill>
+              </a:rPr>
+              <a:t>Classification d’email</a:t>
+            </a:r>
+          </a:p>
+        </p:txBody>
+      </p:sp>
+      <p:sp>
+        <p:nvSpPr>
+          <p:cNvPr id="3" name="Sous-titre 2">
+            <a:extLst>
+              <a:ext uri="{FF2B5EF4-FFF2-40B4-BE49-F238E27FC236}">
+                <a16:creationId xmlns:a16="http://schemas.microsoft.com/office/drawing/2014/main" id="{7F7E5E6D-2A1B-A1C7-3290-A8D0A5EC40DD}"/>
+              </a:ext>
+            </a:extLst>
+          </p:cNvPr>
+          <p:cNvSpPr>
+            <a:spLocks noGrp="1"/>
+          </p:cNvSpPr>
+          <p:nvPr>
+            <p:ph type="subTitle" idx="1"/>
+          </p:nvPr>
+        </p:nvSpPr>
+        <p:spPr>
+          <a:xfrm>
+            <a:off x="1350682" y="4870824"/>
+            <a:ext cx="10005951" cy="1458258"/>
+          </a:xfrm>
+        </p:spPr>
+        <p:txBody>
+          <a:bodyPr anchor="ctr">
+            <a:normAutofit/>
+          </a:bodyPr>
+          <a:lstStyle/>
+          <a:p>
+            <a:pPr algn="l"/>
+            <a:r>
+              <a:rPr lang="fr-FR" dirty="0"/>
+              <a:t>Comment filtrer des messages</a:t>
+            </a:r>
+            <a:endParaRPr lang="fr-FR"/>
+          </a:p>
+        </p:txBody>
+      </p:sp>
+    </p:spTree>
+    <p:extLst>
+      <p:ext uri="{BB962C8B-B14F-4D97-AF65-F5344CB8AC3E}">
+        <p14:creationId xmlns:p14="http://schemas.microsoft.com/office/powerpoint/2010/main" val="4019099597"/>
+      </p:ext>
+    </p:extLst>
+  </p:cSld>
+  <p:clrMapOvr>
+    <a:masterClrMapping/>
+  </p:clrMapOvr>
+  <p:timing>
+    <p:tnLst>
+      <p:par>
+        <p:cTn id="1" dur="indefinite" restart="never" nodeType="tmRoot">
+          <p:childTnLst>
+            <p:seq concurrent="1" nextAc="seek">
+              <p:cTn id="2" dur="indefinite" nodeType="mainSeq">
+                <p:childTnLst>
+                  <p:par>
+                    <p:cTn id="3" fill="hold">
+                      <p:stCondLst>
+                        <p:cond delay="indefinite"/>
+                        <p:cond evt="onBegin" delay="0">
+                          <p:tn val="2"/>
+                        </p:cond>
+                      </p:stCondLst>
+                      <p:childTnLst>
+                        <p:par>
+                          <p:cTn id="4" fill="hold">
+                            <p:stCondLst>
+                              <p:cond delay="0"/>
+                            </p:stCondLst>
+                            <p:childTnLst>
+                              <p:par>
+                                <p:cTn id="5" presetID="10" presetClass="entr" presetSubtype="0" fill="hold" grpId="0" nodeType="withEffect">
+                                  <p:stCondLst>
+                                    <p:cond delay="500"/>
+                                  </p:stCondLst>
+                                  <p:iterate type="lt">
+                                    <p:tmPct val="10000"/>
+                                  </p:iterate>
+                                  <p:childTnLst>
+                                    <p:set>
+                                      <p:cBhvr>
+                                        <p:cTn id="6" dur="1" fill="hold">
+                                          <p:stCondLst>
+                                            <p:cond delay="0"/>
+                                          </p:stCondLst>
+                                        </p:cTn>
+                                        <p:tgtEl>
+                                          <p:spTgt spid="2"/>
+                                        </p:tgtEl>
+                                        <p:attrNameLst>
+                                          <p:attrName>style.visibility</p:attrName>
+                                        </p:attrNameLst>
+                                      </p:cBhvr>
+                                      <p:to>
+                                        <p:strVal val="visible"/>
+                                      </p:to>
+                                    </p:set>
+                                    <p:animEffect transition="in" filter="fade">
+                                      <p:cBhvr>
+                                        <p:cTn id="7" dur="400"/>
+                                        <p:tgtEl>
+                                          <p:spTgt spid="2"/>
+                                        </p:tgtEl>
+                                      </p:cBhvr>
+                                    </p:animEffect>
+                                  </p:childTnLst>
+                                </p:cTn>
+                              </p:par>
+                              <p:par>
+                                <p:cTn id="8" presetID="10" presetClass="entr" presetSubtype="0" fill="hold" grpId="0" nodeType="withEffect">
+                                  <p:stCondLst>
+                                    <p:cond delay="2000"/>
+                                  </p:stCondLst>
+                                  <p:iterate type="lt">
+                                    <p:tmPct val="10000"/>
+                                  </p:iterate>
+                                  <p:childTnLst>
+                                    <p:set>
+                                      <p:cBhvr>
+                                        <p:cTn id="9" dur="1" fill="hold">
+                                          <p:stCondLst>
+                                            <p:cond delay="0"/>
+                                          </p:stCondLst>
+                                        </p:cTn>
+                                        <p:tgtEl>
+                                          <p:spTgt spid="3">
+                                            <p:txEl>
+                                              <p:pRg st="0" end="0"/>
+                                            </p:txEl>
+                                          </p:spTgt>
+                                        </p:tgtEl>
+                                        <p:attrNameLst>
+                                          <p:attrName>style.visibility</p:attrName>
+                                        </p:attrNameLst>
+                                      </p:cBhvr>
+                                      <p:to>
+                                        <p:strVal val="visible"/>
+                                      </p:to>
+                                    </p:set>
+                                    <p:animEffect transition="in" filter="fade">
+                                      <p:cBhvr>
+                                        <p:cTn id="10" dur="400"/>
+                                        <p:tgtEl>
+                                          <p:spTgt spid="3">
+                                            <p:txEl>
+                                              <p:pRg st="0" end="0"/>
+                                            </p:txEl>
+                                          </p:spTgt>
+                                        </p:tgtEl>
+                                      </p:cBhvr>
+                                    </p:animEffect>
+                                  </p:childTnLst>
+                                </p:cTn>
+                              </p:par>
+                            </p:childTnLst>
+                          </p:cTn>
+                        </p:par>
+                      </p:childTnLst>
+                    </p:cTn>
+                  </p:par>
+                </p:childTnLst>
+              </p:cTn>
+              <p:prevCondLst>
+                <p:cond evt="onPrev" delay="0">
+                  <p:tgtEl>
+                    <p:sldTgt/>
+                  </p:tgtEl>
+                </p:cond>
+              </p:prevCondLst>
+              <p:nextCondLst>
+                <p:cond evt="onNext" delay="0">
+                  <p:tgtEl>
+                    <p:sldTgt/>
+                  </p:tgtEl>
+                </p:cond>
+              </p:nextCondLst>
+            </p:seq>
+          </p:childTnLst>
+        </p:cTn>
+      </p:par>
+    </p:tnLst>
+    <p:bldLst>
+      <p:bldP spid="2" grpId="0"/>
+      <p:bldP spid="3" grpId="0" build="p"/>
+    </p:bldLst>
+  </p:timing>
+</p:sld>
+</file>
+
+<file path=ppt/slides/slide3.xml><?xml version="1.0" encoding="utf-8"?>
+<p:sld xmlns:a="http://schemas.openxmlformats.org/drawingml/2006/main" xmlns:r="http://schemas.openxmlformats.org/officeDocument/2006/relationships" xmlns:p="http://schemas.openxmlformats.org/presentationml/2006/main">
+  <p:cSld>
+    <p:bg>
+      <p:bgPr>
+        <a:solidFill>
+          <a:schemeClr val="bg1"/>
+        </a:solidFill>
+        <a:effectLst/>
+      </p:bgPr>
+    </p:bg>
+    <p:spTree>
+      <p:nvGrpSpPr>
+        <p:cNvPr id="1" name=""/>
+        <p:cNvGrpSpPr/>
+        <p:nvPr/>
+      </p:nvGrpSpPr>
+      <p:grpSpPr>
+        <a:xfrm>
+          <a:off x="0" y="0"/>
+          <a:ext cx="0" cy="0"/>
+          <a:chOff x="0" y="0"/>
+          <a:chExt cx="0" cy="0"/>
+        </a:xfrm>
+      </p:grpSpPr>
+      <p:sp useBgFill="1">
+        <p:nvSpPr>
+          <p:cNvPr id="9" name="Rectangle 8">
+            <a:extLst>
+              <a:ext uri="{FF2B5EF4-FFF2-40B4-BE49-F238E27FC236}">
+                <a16:creationId xmlns:a16="http://schemas.microsoft.com/office/drawing/2014/main" id="{BACC6370-2D7E-4714-9D71-7542949D7D5D}"/>
+              </a:ext>
+              <a:ext uri="{C183D7F6-B498-43B3-948B-1728B52AA6E4}">
+                <adec:decorative xmlns:adec="http://schemas.microsoft.com/office/drawing/2017/decorative" val="1"/>
+              </a:ext>
+            </a:extLst>
+          </p:cNvPr>
+          <p:cNvSpPr>
+            <a:spLocks noGrp="1" noRot="1" noChangeAspect="1" noMove="1" noResize="1" noEditPoints="1" noAdjustHandles="1" noChangeArrowheads="1" noChangeShapeType="1" noTextEdit="1"/>
+          </p:cNvSpPr>
+          <p:nvPr>
+            <p:extLst>
+              <p:ext uri="{386F3935-93C4-4BCD-93E2-E3B085C9AB24}">
+                <p16:designElem xmlns:p16="http://schemas.microsoft.com/office/powerpoint/2015/main" val="1"/>
+              </p:ext>
+            </p:extLst>
+          </p:nvPr>
+        </p:nvSpPr>
+        <p:spPr>
+          <a:xfrm>
+            <a:off x="0" y="0"/>
+            <a:ext cx="12192000" cy="6858000"/>
+          </a:xfrm>
+          <a:prstGeom prst="rect">
+            <a:avLst/>
+          </a:prstGeom>
+          <a:ln w="12700" cap="flat" cmpd="sng" algn="ctr">
+            <a:noFill/>
+            <a:prstDash val="solid"/>
+            <a:miter lim="800000"/>
+          </a:ln>
+          <a:effectLst/>
+          <a:extLst>
+            <a:ext uri="{91240B29-F687-4F45-9708-019B960494DF}">
+              <a14:hiddenLine xmlns:a14="http://schemas.microsoft.com/office/drawing/2010/main" w="12700" cap="flat" cmpd="sng" algn="ctr">
+                <a:solidFill>
+                  <a:schemeClr val="accent1">
+                    <a:shade val="50000"/>
+                  </a:schemeClr>
+                </a:solidFill>
+                <a:prstDash val="solid"/>
+                <a:miter lim="800000"/>
+              </a14:hiddenLine>
+            </a:ext>
+          </a:extLst>
+        </p:spPr>
+        <p:style>
+          <a:lnRef idx="2">
+            <a:schemeClr val="accent1">
+              <a:shade val="50000"/>
+            </a:schemeClr>
+          </a:lnRef>
+          <a:fillRef idx="1">
+            <a:schemeClr val="accent1"/>
+          </a:fillRef>
+          <a:effectRef idx="0">
+            <a:schemeClr val="accent1"/>
+          </a:effectRef>
+          <a:fontRef idx="minor">
+            <a:schemeClr val="lt1"/>
+          </a:fontRef>
+        </p:style>
+        <p:txBody>
+          <a:bodyPr rtlCol="0" anchor="ctr"/>
+          <a:lstStyle/>
+          <a:p>
+            <a:pPr algn="ctr"/>
+            <a:endParaRPr lang="en-US"/>
+          </a:p>
+        </p:txBody>
+      </p:sp>
+      <p:sp>
+        <p:nvSpPr>
+          <p:cNvPr id="11" name="Rectangle 10">
+            <a:extLst>
+              <a:ext uri="{FF2B5EF4-FFF2-40B4-BE49-F238E27FC236}">
+                <a16:creationId xmlns:a16="http://schemas.microsoft.com/office/drawing/2014/main" id="{F68B3F68-107C-434F-AA38-110D5EA91B85}"/>
+              </a:ext>
+              <a:ext uri="{C183D7F6-B498-43B3-948B-1728B52AA6E4}">
+                <adec:decorative xmlns:adec="http://schemas.microsoft.com/office/drawing/2017/decorative" val="1"/>
+              </a:ext>
+            </a:extLst>
+          </p:cNvPr>
+          <p:cNvSpPr>
+            <a:spLocks noGrp="1" noRot="1" noChangeAspect="1" noMove="1" noResize="1" noEditPoints="1" noAdjustHandles="1" noChangeArrowheads="1" noChangeShapeType="1" noTextEdit="1"/>
+          </p:cNvSpPr>
+          <p:nvPr>
+            <p:extLst>
+              <p:ext uri="{386F3935-93C4-4BCD-93E2-E3B085C9AB24}">
+                <p16:designElem xmlns:p16="http://schemas.microsoft.com/office/powerpoint/2015/main" val="1"/>
+              </p:ext>
+            </p:extLst>
+          </p:nvPr>
+        </p:nvSpPr>
+        <p:spPr>
+          <a:xfrm flipH="1">
+            <a:off x="2" y="0"/>
+            <a:ext cx="12191998" cy="1575955"/>
+          </a:xfrm>
+          <a:prstGeom prst="rect">
+            <a:avLst/>
+          </a:prstGeom>
+          <a:gradFill>
+            <a:gsLst>
+              <a:gs pos="0">
+                <a:srgbClr val="000000">
+                  <a:alpha val="96000"/>
+                </a:srgbClr>
+              </a:gs>
+              <a:gs pos="100000">
+                <a:schemeClr val="accent1">
+                  <a:lumMod val="75000"/>
+                </a:schemeClr>
+              </a:gs>
+            </a:gsLst>
+            <a:lin ang="8400000" scaled="0"/>
+          </a:gradFill>
+          <a:ln>
+            <a:noFill/>
+          </a:ln>
+        </p:spPr>
+        <p:style>
+          <a:lnRef idx="2">
+            <a:schemeClr val="accent1">
+              <a:shade val="50000"/>
+            </a:schemeClr>
+          </a:lnRef>
+          <a:fillRef idx="1">
+            <a:schemeClr val="accent1"/>
+          </a:fillRef>
+          <a:effectRef idx="0">
+            <a:schemeClr val="accent1"/>
+          </a:effectRef>
+          <a:fontRef idx="minor">
+            <a:schemeClr val="lt1"/>
+          </a:fontRef>
+        </p:style>
+        <p:txBody>
+          <a:bodyPr rtlCol="0" anchor="ctr"/>
+          <a:lstStyle/>
+          <a:p>
+            <a:pPr algn="ctr"/>
+            <a:endParaRPr lang="en-US"/>
+          </a:p>
+        </p:txBody>
+      </p:sp>
+      <p:sp>
+        <p:nvSpPr>
+          <p:cNvPr id="13" name="Rectangle 12">
+            <a:extLst>
+              <a:ext uri="{FF2B5EF4-FFF2-40B4-BE49-F238E27FC236}">
+                <a16:creationId xmlns:a16="http://schemas.microsoft.com/office/drawing/2014/main" id="{AAD0DBB9-1A4B-4391-81D4-CB19F9AB918A}"/>
+              </a:ext>
+              <a:ext uri="{C183D7F6-B498-43B3-948B-1728B52AA6E4}">
+                <adec:decorative xmlns:adec="http://schemas.microsoft.com/office/drawing/2017/decorative" val="1"/>
+              </a:ext>
+            </a:extLst>
+          </p:cNvPr>
+          <p:cNvSpPr>
+            <a:spLocks noGrp="1" noRot="1" noChangeAspect="1" noMove="1" noResize="1" noEditPoints="1" noAdjustHandles="1" noChangeArrowheads="1" noChangeShapeType="1" noTextEdit="1"/>
+          </p:cNvSpPr>
+          <p:nvPr>
+            <p:extLst>
+              <p:ext uri="{386F3935-93C4-4BCD-93E2-E3B085C9AB24}">
+                <p16:designElem xmlns:p16="http://schemas.microsoft.com/office/powerpoint/2015/main" val="1"/>
+              </p:ext>
+            </p:extLst>
+          </p:nvPr>
+        </p:nvSpPr>
+        <p:spPr>
+          <a:xfrm rot="10800000" flipH="1">
+            <a:off x="8128857" y="0"/>
+            <a:ext cx="4063143" cy="1576412"/>
+          </a:xfrm>
+          <a:prstGeom prst="rect">
+            <a:avLst/>
+          </a:prstGeom>
+          <a:gradFill>
+            <a:gsLst>
+              <a:gs pos="19000">
+                <a:schemeClr val="accent1">
+                  <a:lumMod val="50000"/>
+                  <a:alpha val="68000"/>
+                </a:schemeClr>
+              </a:gs>
+              <a:gs pos="100000">
+                <a:schemeClr val="accent1">
+                  <a:alpha val="79000"/>
+                </a:schemeClr>
+              </a:gs>
+            </a:gsLst>
+            <a:lin ang="19200000" scaled="0"/>
+          </a:gradFill>
+          <a:ln>
+            <a:noFill/>
+          </a:ln>
+        </p:spPr>
+        <p:style>
+          <a:lnRef idx="2">
+            <a:schemeClr val="accent1">
+              <a:shade val="50000"/>
+            </a:schemeClr>
+          </a:lnRef>
+          <a:fillRef idx="1">
+            <a:schemeClr val="accent1"/>
+          </a:fillRef>
+          <a:effectRef idx="0">
+            <a:schemeClr val="accent1"/>
+          </a:effectRef>
+          <a:fontRef idx="minor">
+            <a:schemeClr val="lt1"/>
+          </a:fontRef>
+        </p:style>
+        <p:txBody>
+          <a:bodyPr rtlCol="0" anchor="ctr"/>
+          <a:lstStyle/>
+          <a:p>
+            <a:pPr algn="ctr"/>
+            <a:endParaRPr lang="en-US"/>
+          </a:p>
+        </p:txBody>
+      </p:sp>
+      <p:sp>
+        <p:nvSpPr>
+          <p:cNvPr id="15" name="Rectangle 14">
+            <a:extLst>
+              <a:ext uri="{FF2B5EF4-FFF2-40B4-BE49-F238E27FC236}">
+                <a16:creationId xmlns:a16="http://schemas.microsoft.com/office/drawing/2014/main" id="{063BBA22-50EA-4C4D-BE05-F1CE4E63AA56}"/>
+              </a:ext>
+              <a:ext uri="{C183D7F6-B498-43B3-948B-1728B52AA6E4}">
+                <adec:decorative xmlns:adec="http://schemas.microsoft.com/office/drawing/2017/decorative" val="1"/>
+              </a:ext>
+            </a:extLst>
+          </p:cNvPr>
+          <p:cNvSpPr>
+            <a:spLocks noGrp="1" noRot="1" noChangeAspect="1" noMove="1" noResize="1" noEditPoints="1" noAdjustHandles="1" noChangeArrowheads="1" noChangeShapeType="1" noTextEdit="1"/>
+          </p:cNvSpPr>
+          <p:nvPr>
+            <p:extLst>
+              <p:ext uri="{386F3935-93C4-4BCD-93E2-E3B085C9AB24}">
+                <p16:designElem xmlns:p16="http://schemas.microsoft.com/office/powerpoint/2015/main" val="1"/>
+              </p:ext>
+            </p:extLst>
+          </p:nvPr>
+        </p:nvSpPr>
+        <p:spPr>
+          <a:xfrm rot="5400000">
+            <a:off x="5307777" y="-5307778"/>
+            <a:ext cx="1576446" cy="12192002"/>
+          </a:xfrm>
+          <a:prstGeom prst="rect">
+            <a:avLst/>
+          </a:prstGeom>
+          <a:gradFill>
+            <a:gsLst>
+              <a:gs pos="23000">
+                <a:schemeClr val="accent1">
+                  <a:alpha val="0"/>
+                </a:schemeClr>
+              </a:gs>
+              <a:gs pos="99000">
+                <a:srgbClr val="000000">
+                  <a:alpha val="74000"/>
+                </a:srgbClr>
+              </a:gs>
+            </a:gsLst>
+            <a:lin ang="20400000" scaled="0"/>
+          </a:gradFill>
+          <a:ln>
+            <a:noFill/>
+          </a:ln>
+        </p:spPr>
+        <p:style>
+          <a:lnRef idx="2">
+            <a:schemeClr val="accent1">
+              <a:shade val="50000"/>
+            </a:schemeClr>
+          </a:lnRef>
+          <a:fillRef idx="1">
+            <a:schemeClr val="accent1"/>
+          </a:fillRef>
+          <a:effectRef idx="0">
+            <a:schemeClr val="accent1"/>
+          </a:effectRef>
+          <a:fontRef idx="minor">
+            <a:schemeClr val="lt1"/>
+          </a:fontRef>
+        </p:style>
+        <p:txBody>
+          <a:bodyPr rtlCol="0" anchor="ctr"/>
+          <a:lstStyle/>
+          <a:p>
+            <a:pPr algn="ctr"/>
+            <a:endParaRPr lang="en-US" dirty="0"/>
+          </a:p>
+        </p:txBody>
+      </p:sp>
+      <p:sp>
+        <p:nvSpPr>
+          <p:cNvPr id="2" name="Titre 1">
+            <a:extLst>
+              <a:ext uri="{FF2B5EF4-FFF2-40B4-BE49-F238E27FC236}">
+                <a16:creationId xmlns:a16="http://schemas.microsoft.com/office/drawing/2014/main" id="{983A2D02-AB60-51C6-15F5-0567AB819F4D}"/>
+              </a:ext>
+            </a:extLst>
+          </p:cNvPr>
+          <p:cNvSpPr>
+            <a:spLocks noGrp="1"/>
+          </p:cNvSpPr>
+          <p:nvPr>
+            <p:ph type="title"/>
+          </p:nvPr>
+        </p:nvSpPr>
+        <p:spPr>
+          <a:xfrm>
+            <a:off x="1371597" y="348865"/>
+            <a:ext cx="10044023" cy="877729"/>
+          </a:xfrm>
+        </p:spPr>
+        <p:txBody>
+          <a:bodyPr anchor="ctr">
+            <a:normAutofit/>
+          </a:bodyPr>
+          <a:lstStyle/>
+          <a:p>
+            <a:r>
+              <a:rPr lang="fr-FR" sz="4000" dirty="0">
+                <a:solidFill>
+                  <a:srgbClr val="FFFFFF"/>
+                </a:solidFill>
+              </a:rPr>
+              <a:t>Quel intérêt ?</a:t>
+            </a:r>
+          </a:p>
+        </p:txBody>
+      </p:sp>
+      <p:graphicFrame>
+        <p:nvGraphicFramePr>
+          <p:cNvPr id="5" name="Espace réservé du contenu 2">
+            <a:extLst>
+              <a:ext uri="{FF2B5EF4-FFF2-40B4-BE49-F238E27FC236}">
+                <a16:creationId xmlns:a16="http://schemas.microsoft.com/office/drawing/2014/main" id="{B47BD0C8-0E62-5C41-0524-7FCE1B36448B}"/>
+              </a:ext>
+            </a:extLst>
+          </p:cNvPr>
+          <p:cNvGraphicFramePr>
+            <a:graphicFrameLocks noGrp="1"/>
+          </p:cNvGraphicFramePr>
+          <p:nvPr>
+            <p:ph idx="1"/>
+            <p:extLst>
+              <p:ext uri="{D42A27DB-BD31-4B8C-83A1-F6EECF244321}">
+                <p14:modId xmlns:p14="http://schemas.microsoft.com/office/powerpoint/2010/main" val="103196550"/>
+              </p:ext>
+            </p:extLst>
+          </p:nvPr>
+        </p:nvGraphicFramePr>
+        <p:xfrm>
+          <a:off x="631242" y="2277168"/>
+          <a:ext cx="10927829" cy="4192805"/>
+        </p:xfrm>
+        <a:graphic>
+          <a:graphicData uri="http://schemas.openxmlformats.org/drawingml/2006/diagram">
+            <dgm:relIds xmlns:dgm="http://schemas.openxmlformats.org/drawingml/2006/diagram" xmlns:r="http://schemas.openxmlformats.org/officeDocument/2006/relationships" r:dm="rId3" r:lo="rId4" r:qs="rId5" r:cs="rId6"/>
+          </a:graphicData>
+        </a:graphic>
+      </p:graphicFrame>
+      <p:graphicFrame>
+        <p:nvGraphicFramePr>
+          <p:cNvPr id="4" name="Espace réservé du contenu 2">
+            <a:extLst>
+              <a:ext uri="{FF2B5EF4-FFF2-40B4-BE49-F238E27FC236}">
+                <a16:creationId xmlns:a16="http://schemas.microsoft.com/office/drawing/2014/main" id="{A2F72DEB-A2AA-EE04-3F1A-6EE66782B307}"/>
+              </a:ext>
+            </a:extLst>
+          </p:cNvPr>
+          <p:cNvGraphicFramePr>
+            <a:graphicFrameLocks/>
+          </p:cNvGraphicFramePr>
+          <p:nvPr>
+            <p:extLst>
+              <p:ext uri="{D42A27DB-BD31-4B8C-83A1-F6EECF244321}">
+                <p14:modId xmlns:p14="http://schemas.microsoft.com/office/powerpoint/2010/main" val="2409475459"/>
+              </p:ext>
+            </p:extLst>
+          </p:nvPr>
+        </p:nvGraphicFramePr>
+        <p:xfrm>
+          <a:off x="631241" y="2120329"/>
+          <a:ext cx="10927829" cy="4192805"/>
+        </p:xfrm>
+        <a:graphic>
+          <a:graphicData uri="http://schemas.openxmlformats.org/drawingml/2006/diagram">
+            <dgm:relIds xmlns:dgm="http://schemas.openxmlformats.org/drawingml/2006/diagram" xmlns:r="http://schemas.openxmlformats.org/officeDocument/2006/relationships" r:dm="rId8" r:lo="rId9" r:qs="rId10" r:cs="rId11"/>
+          </a:graphicData>
+        </a:graphic>
+      </p:graphicFrame>
+      <p:graphicFrame>
+        <p:nvGraphicFramePr>
+          <p:cNvPr id="6" name="Espace réservé du contenu 2">
+            <a:extLst>
+              <a:ext uri="{FF2B5EF4-FFF2-40B4-BE49-F238E27FC236}">
+                <a16:creationId xmlns:a16="http://schemas.microsoft.com/office/drawing/2014/main" id="{61F1D4D6-A16B-4C52-E320-7E4C29F3C330}"/>
+              </a:ext>
+            </a:extLst>
+          </p:cNvPr>
+          <p:cNvGraphicFramePr>
+            <a:graphicFrameLocks/>
+          </p:cNvGraphicFramePr>
+          <p:nvPr>
+            <p:extLst>
+              <p:ext uri="{D42A27DB-BD31-4B8C-83A1-F6EECF244321}">
+                <p14:modId xmlns:p14="http://schemas.microsoft.com/office/powerpoint/2010/main" val="1677936607"/>
+              </p:ext>
+            </p:extLst>
+          </p:nvPr>
+        </p:nvGraphicFramePr>
+        <p:xfrm>
+          <a:off x="631241" y="2198748"/>
+          <a:ext cx="10927829" cy="4192805"/>
+        </p:xfrm>
+        <a:graphic>
+          <a:graphicData uri="http://schemas.openxmlformats.org/drawingml/2006/diagram">
+            <dgm:relIds xmlns:dgm="http://schemas.openxmlformats.org/drawingml/2006/diagram" xmlns:r="http://schemas.openxmlformats.org/officeDocument/2006/relationships" r:dm="rId13" r:lo="rId14" r:qs="rId15" r:cs="rId16"/>
+          </a:graphicData>
+        </a:graphic>
+      </p:graphicFrame>
+    </p:spTree>
+    <p:extLst>
+      <p:ext uri="{BB962C8B-B14F-4D97-AF65-F5344CB8AC3E}">
+        <p14:creationId xmlns:p14="http://schemas.microsoft.com/office/powerpoint/2010/main" val="1515576637"/>
+      </p:ext>
+    </p:extLst>
+  </p:cSld>
+  <p:clrMapOvr>
+    <a:masterClrMapping/>
+  </p:clrMapOvr>
+  <mc:AlternateContent xmlns:mc="http://schemas.openxmlformats.org/markup-compatibility/2006" xmlns:p14="http://schemas.microsoft.com/office/powerpoint/2010/main">
+    <mc:Choice Requires="p14">
+      <p:transition spd="med" p14:dur="700">
+        <p:fade/>
+      </p:transition>
+    </mc:Choice>
+    <mc:Fallback xmlns="">
+      <p:transition spd="med">
+        <p:fade/>
+      </p:transition>
+    </mc:Fallback>
+  </mc:AlternateContent>
+  <p:timing>
+    <p:tnLst>
+      <p:par>
+        <p:cTn id="1" dur="indefinite" restart="never" nodeType="tmRoot">
+          <p:childTnLst>
+            <p:seq concurrent="1" nextAc="seek">
+              <p:cTn id="2" dur="indefinite" nodeType="mainSeq">
+                <p:childTnLst>
+                  <p:par>
+                    <p:cTn id="3" fill="hold">
+                      <p:stCondLst>
+                        <p:cond delay="indefinite"/>
+                      </p:stCondLst>
+                      <p:childTnLst>
+                        <p:par>
+                          <p:cTn id="4" fill="hold">
+                            <p:stCondLst>
+                              <p:cond delay="0"/>
+                            </p:stCondLst>
+                            <p:childTnLst>
+                              <p:par>
+                                <p:cTn id="5" presetID="42" presetClass="entr" presetSubtype="0" fill="hold" grpId="0" nodeType="clickEffect">
+                                  <p:stCondLst>
+                                    <p:cond delay="0"/>
+                                  </p:stCondLst>
+                                  <p:childTnLst>
+                                    <p:set>
+                                      <p:cBhvr>
+                                        <p:cTn id="6" dur="1" fill="hold">
+                                          <p:stCondLst>
+                                            <p:cond delay="0"/>
+                                          </p:stCondLst>
+                                        </p:cTn>
+                                        <p:tgtEl>
+                                          <p:spTgt spid="4"/>
+                                        </p:tgtEl>
+                                        <p:attrNameLst>
+                                          <p:attrName>style.visibility</p:attrName>
+                                        </p:attrNameLst>
+                                      </p:cBhvr>
+                                      <p:to>
+                                        <p:strVal val="visible"/>
+                                      </p:to>
+                                    </p:set>
+                                    <p:animEffect transition="in" filter="fade">
+                                      <p:cBhvr>
+                                        <p:cTn id="7" dur="1000"/>
+                                        <p:tgtEl>
+                                          <p:spTgt spid="4"/>
+                                        </p:tgtEl>
+                                      </p:cBhvr>
+                                    </p:animEffect>
+                                    <p:anim calcmode="lin" valueType="num">
+                                      <p:cBhvr>
+                                        <p:cTn id="8" dur="1000" fill="hold"/>
+                                        <p:tgtEl>
+                                          <p:spTgt spid="4"/>
+                                        </p:tgtEl>
+                                        <p:attrNameLst>
+                                          <p:attrName>ppt_x</p:attrName>
+                                        </p:attrNameLst>
+                                      </p:cBhvr>
+                                      <p:tavLst>
+                                        <p:tav tm="0">
+                                          <p:val>
+                                            <p:strVal val="#ppt_x"/>
+                                          </p:val>
+                                        </p:tav>
+                                        <p:tav tm="100000">
+                                          <p:val>
+                                            <p:strVal val="#ppt_x"/>
+                                          </p:val>
+                                        </p:tav>
+                                      </p:tavLst>
+                                    </p:anim>
+                                    <p:anim calcmode="lin" valueType="num">
+                                      <p:cBhvr>
+                                        <p:cTn id="9" dur="1000" fill="hold"/>
+                                        <p:tgtEl>
+                                          <p:spTgt spid="4"/>
+                                        </p:tgtEl>
+                                        <p:attrNameLst>
+                                          <p:attrName>ppt_y</p:attrName>
+                                        </p:attrNameLst>
+                                      </p:cBhvr>
+                                      <p:tavLst>
+                                        <p:tav tm="0">
+                                          <p:val>
+                                            <p:strVal val="#ppt_y+.1"/>
+                                          </p:val>
+                                        </p:tav>
+                                        <p:tav tm="100000">
+                                          <p:val>
+                                            <p:strVal val="#ppt_y"/>
+                                          </p:val>
+                                        </p:tav>
+                                      </p:tavLst>
+                                    </p:anim>
+                                  </p:childTnLst>
+                                </p:cTn>
+                              </p:par>
+                            </p:childTnLst>
+                          </p:cTn>
+                        </p:par>
+                      </p:childTnLst>
+                    </p:cTn>
+                  </p:par>
+                  <p:par>
+                    <p:cTn id="10" fill="hold">
+                      <p:stCondLst>
+                        <p:cond delay="indefinite"/>
+                      </p:stCondLst>
+                      <p:childTnLst>
+                        <p:par>
+                          <p:cTn id="11" fill="hold">
+                            <p:stCondLst>
+                              <p:cond delay="0"/>
+                            </p:stCondLst>
+                            <p:childTnLst>
+                              <p:par>
+                                <p:cTn id="12" presetID="42" presetClass="entr" presetSubtype="0" fill="hold" grpId="0" nodeType="clickEffect">
+                                  <p:stCondLst>
+                                    <p:cond delay="0"/>
+                                  </p:stCondLst>
+                                  <p:childTnLst>
+                                    <p:set>
+                                      <p:cBhvr>
+                                        <p:cTn id="13" dur="1" fill="hold">
+                                          <p:stCondLst>
+                                            <p:cond delay="0"/>
+                                          </p:stCondLst>
+                                        </p:cTn>
+                                        <p:tgtEl>
+                                          <p:spTgt spid="5"/>
+                                        </p:tgtEl>
+                                        <p:attrNameLst>
+                                          <p:attrName>style.visibility</p:attrName>
+                                        </p:attrNameLst>
+                                      </p:cBhvr>
+                                      <p:to>
+                                        <p:strVal val="visible"/>
+                                      </p:to>
+                                    </p:set>
+                                    <p:animEffect transition="in" filter="fade">
+                                      <p:cBhvr>
+                                        <p:cTn id="14" dur="1000"/>
+                                        <p:tgtEl>
+                                          <p:spTgt spid="5"/>
+                                        </p:tgtEl>
+                                      </p:cBhvr>
+                                    </p:animEffect>
+                                    <p:anim calcmode="lin" valueType="num">
+                                      <p:cBhvr>
+                                        <p:cTn id="15" dur="1000" fill="hold"/>
+                                        <p:tgtEl>
+                                          <p:spTgt spid="5"/>
+                                        </p:tgtEl>
+                                        <p:attrNameLst>
+                                          <p:attrName>ppt_x</p:attrName>
+                                        </p:attrNameLst>
+                                      </p:cBhvr>
+                                      <p:tavLst>
+                                        <p:tav tm="0">
+                                          <p:val>
+                                            <p:strVal val="#ppt_x"/>
+                                          </p:val>
+                                        </p:tav>
+                                        <p:tav tm="100000">
+                                          <p:val>
+                                            <p:strVal val="#ppt_x"/>
+                                          </p:val>
+                                        </p:tav>
+                                      </p:tavLst>
+                                    </p:anim>
+                                    <p:anim calcmode="lin" valueType="num">
+                                      <p:cBhvr>
+                                        <p:cTn id="16" dur="1000" fill="hold"/>
+                                        <p:tgtEl>
+                                          <p:spTgt spid="5"/>
+                                        </p:tgtEl>
+                                        <p:attrNameLst>
+                                          <p:attrName>ppt_y</p:attrName>
+                                        </p:attrNameLst>
+                                      </p:cBhvr>
+                                      <p:tavLst>
+                                        <p:tav tm="0">
+                                          <p:val>
+                                            <p:strVal val="#ppt_y+.1"/>
+                                          </p:val>
+                                        </p:tav>
+                                        <p:tav tm="100000">
+                                          <p:val>
+                                            <p:strVal val="#ppt_y"/>
+                                          </p:val>
+                                        </p:tav>
+                                      </p:tavLst>
+                                    </p:anim>
+                                  </p:childTnLst>
+                                </p:cTn>
+                              </p:par>
+                            </p:childTnLst>
+                          </p:cTn>
+                        </p:par>
+                      </p:childTnLst>
+                    </p:cTn>
+                  </p:par>
+                  <p:par>
+                    <p:cTn id="17" fill="hold">
+                      <p:stCondLst>
+                        <p:cond delay="indefinite"/>
+                      </p:stCondLst>
+                      <p:childTnLst>
+                        <p:par>
+                          <p:cTn id="18" fill="hold">
+                            <p:stCondLst>
+                              <p:cond delay="0"/>
+                            </p:stCondLst>
+                            <p:childTnLst>
+                              <p:par>
+                                <p:cTn id="19" presetID="42" presetClass="entr" presetSubtype="0" fill="hold" grpId="0" nodeType="clickEffect">
+                                  <p:stCondLst>
+                                    <p:cond delay="0"/>
+                                  </p:stCondLst>
+                                  <p:childTnLst>
+                                    <p:set>
+                                      <p:cBhvr>
+                                        <p:cTn id="20" dur="1" fill="hold">
+                                          <p:stCondLst>
+                                            <p:cond delay="0"/>
+                                          </p:stCondLst>
+                                        </p:cTn>
+                                        <p:tgtEl>
+                                          <p:spTgt spid="6"/>
+                                        </p:tgtEl>
+                                        <p:attrNameLst>
+                                          <p:attrName>style.visibility</p:attrName>
+                                        </p:attrNameLst>
+                                      </p:cBhvr>
+                                      <p:to>
+                                        <p:strVal val="visible"/>
+                                      </p:to>
+                                    </p:set>
+                                    <p:animEffect transition="in" filter="fade">
+                                      <p:cBhvr>
+                                        <p:cTn id="21" dur="1000"/>
+                                        <p:tgtEl>
+                                          <p:spTgt spid="6"/>
+                                        </p:tgtEl>
+                                      </p:cBhvr>
+                                    </p:animEffect>
+                                    <p:anim calcmode="lin" valueType="num">
+                                      <p:cBhvr>
+                                        <p:cTn id="22" dur="1000" fill="hold"/>
+                                        <p:tgtEl>
+                                          <p:spTgt spid="6"/>
+                                        </p:tgtEl>
+                                        <p:attrNameLst>
+                                          <p:attrName>ppt_x</p:attrName>
+                                        </p:attrNameLst>
+                                      </p:cBhvr>
+                                      <p:tavLst>
+                                        <p:tav tm="0">
+                                          <p:val>
+                                            <p:strVal val="#ppt_x"/>
+                                          </p:val>
+                                        </p:tav>
+                                        <p:tav tm="100000">
+                                          <p:val>
+                                            <p:strVal val="#ppt_x"/>
+                                          </p:val>
+                                        </p:tav>
+                                      </p:tavLst>
+                                    </p:anim>
+                                    <p:anim calcmode="lin" valueType="num">
+                                      <p:cBhvr>
+                                        <p:cTn id="23" dur="1000" fill="hold"/>
+                                        <p:tgtEl>
+                                          <p:spTgt spid="6"/>
+                                        </p:tgtEl>
+                                        <p:attrNameLst>
+                                          <p:attrName>ppt_y</p:attrName>
+                                        </p:attrNameLst>
+                                      </p:cBhvr>
+                                      <p:tavLst>
+                                        <p:tav tm="0">
+                                          <p:val>
+                                            <p:strVal val="#ppt_y+.1"/>
+                                          </p:val>
+                                        </p:tav>
+                                        <p:tav tm="100000">
+                                          <p:val>
+                                            <p:strVal val="#ppt_y"/>
+                                          </p:val>
+                                        </p:tav>
+                                      </p:tavLst>
+                                    </p:anim>
+                                  </p:childTnLst>
+                                </p:cTn>
+                              </p:par>
+                            </p:childTnLst>
+                          </p:cTn>
+                        </p:par>
+                      </p:childTnLst>
+                    </p:cTn>
+                  </p:par>
+                </p:childTnLst>
+              </p:cTn>
+              <p:prevCondLst>
+                <p:cond evt="onPrev" delay="0">
+                  <p:tgtEl>
+                    <p:sldTgt/>
+                  </p:tgtEl>
+                </p:cond>
+              </p:prevCondLst>
+              <p:nextCondLst>
+                <p:cond evt="onNext" delay="0">
+                  <p:tgtEl>
+                    <p:sldTgt/>
+                  </p:tgtEl>
+                </p:cond>
+              </p:nextCondLst>
+            </p:seq>
+          </p:childTnLst>
+        </p:cTn>
+      </p:par>
+    </p:tnLst>
+    <p:bldLst>
+      <p:bldGraphic spid="5" grpId="0">
+        <p:bldAsOne/>
+      </p:bldGraphic>
+      <p:bldGraphic spid="4" grpId="0">
+        <p:bldAsOne/>
+      </p:bldGraphic>
+      <p:bldGraphic spid="6" grpId="0">
+        <p:bldAsOne/>
+      </p:bldGraphic>
+    </p:bldLst>
+  </p:timing>
+</p:sld>
+</file>
+
+<file path=ppt/slides/slide4.xml><?xml version="1.0" encoding="utf-8"?>
+<p:sld xmlns:a="http://schemas.openxmlformats.org/drawingml/2006/main" xmlns:r="http://schemas.openxmlformats.org/officeDocument/2006/relationships" xmlns:p="http://schemas.openxmlformats.org/presentationml/2006/main">
+  <p:cSld>
+    <p:bg>
+      <p:bgPr>
+        <a:solidFill>
+          <a:schemeClr val="bg1"/>
+        </a:solidFill>
+        <a:effectLst/>
+      </p:bgPr>
+    </p:bg>
+    <p:spTree>
+      <p:nvGrpSpPr>
+        <p:cNvPr id="1" name=""/>
+        <p:cNvGrpSpPr/>
+        <p:nvPr/>
+      </p:nvGrpSpPr>
+      <p:grpSpPr>
+        <a:xfrm>
+          <a:off x="0" y="0"/>
+          <a:ext cx="0" cy="0"/>
+          <a:chOff x="0" y="0"/>
+          <a:chExt cx="0" cy="0"/>
+        </a:xfrm>
+      </p:grpSpPr>
+      <p:sp useBgFill="1">
+        <p:nvSpPr>
+          <p:cNvPr id="14" name="Rectangle 13">
+            <a:extLst>
+              <a:ext uri="{FF2B5EF4-FFF2-40B4-BE49-F238E27FC236}">
+                <a16:creationId xmlns:a16="http://schemas.microsoft.com/office/drawing/2014/main" id="{C4285719-470E-454C-AF62-8323075F1F5B}"/>
+              </a:ext>
+              <a:ext uri="{C183D7F6-B498-43B3-948B-1728B52AA6E4}">
+                <adec:decorative xmlns:adec="http://schemas.microsoft.com/office/drawing/2017/decorative" val="1"/>
+              </a:ext>
+            </a:extLst>
+          </p:cNvPr>
+          <p:cNvSpPr>
+            <a:spLocks noGrp="1" noRot="1" noChangeAspect="1" noMove="1" noResize="1" noEditPoints="1" noAdjustHandles="1" noChangeArrowheads="1" noChangeShapeType="1" noTextEdit="1"/>
+          </p:cNvSpPr>
+          <p:nvPr>
+            <p:extLst>
+              <p:ext uri="{386F3935-93C4-4BCD-93E2-E3B085C9AB24}">
+                <p16:designElem xmlns:p16="http://schemas.microsoft.com/office/powerpoint/2015/main" val="1"/>
+              </p:ext>
+            </p:extLst>
+          </p:nvPr>
+        </p:nvSpPr>
+        <p:spPr>
+          <a:xfrm>
+            <a:off x="0" y="0"/>
+            <a:ext cx="12188952" cy="6858000"/>
+          </a:xfrm>
+          <a:prstGeom prst="rect">
+            <a:avLst/>
+          </a:prstGeom>
+          <a:ln w="12700" cap="flat" cmpd="sng" algn="ctr">
+            <a:noFill/>
+            <a:prstDash val="solid"/>
+            <a:miter lim="800000"/>
+          </a:ln>
+          <a:effectLst/>
+          <a:extLst>
+            <a:ext uri="{91240B29-F687-4F45-9708-019B960494DF}">
+              <a14:hiddenLine xmlns:a14="http://schemas.microsoft.com/office/drawing/2010/main" w="12700" cap="flat" cmpd="sng" algn="ctr">
+                <a:solidFill>
+                  <a:schemeClr val="accent1">
+                    <a:shade val="50000"/>
+                  </a:schemeClr>
+                </a:solidFill>
+                <a:prstDash val="solid"/>
+                <a:miter lim="800000"/>
+              </a14:hiddenLine>
+            </a:ext>
+          </a:extLst>
+        </p:spPr>
+        <p:style>
+          <a:lnRef idx="2">
+            <a:schemeClr val="accent1">
+              <a:shade val="50000"/>
+            </a:schemeClr>
+          </a:lnRef>
+          <a:fillRef idx="1">
+            <a:schemeClr val="accent1"/>
+          </a:fillRef>
+          <a:effectRef idx="0">
+            <a:schemeClr val="accent1"/>
+          </a:effectRef>
+          <a:fontRef idx="minor">
+            <a:schemeClr val="lt1"/>
+          </a:fontRef>
+        </p:style>
+        <p:txBody>
+          <a:bodyPr rtlCol="0" anchor="ctr"/>
+          <a:lstStyle/>
+          <a:p>
+            <a:pPr algn="ctr"/>
+            <a:endParaRPr lang="en-US"/>
+          </a:p>
+        </p:txBody>
+      </p:sp>
+      <p:sp>
+        <p:nvSpPr>
+          <p:cNvPr id="16" name="Rectangle 15">
+            <a:extLst>
+              <a:ext uri="{FF2B5EF4-FFF2-40B4-BE49-F238E27FC236}">
+                <a16:creationId xmlns:a16="http://schemas.microsoft.com/office/drawing/2014/main" id="{CD9FE4EF-C4D8-49A0-B2FF-81D8DB7D8A24}"/>
+              </a:ext>
+              <a:ext uri="{C183D7F6-B498-43B3-948B-1728B52AA6E4}">
+                <adec:decorative xmlns:adec="http://schemas.microsoft.com/office/drawing/2017/decorative" val="1"/>
+              </a:ext>
+            </a:extLst>
+          </p:cNvPr>
+          <p:cNvSpPr>
+            <a:spLocks noGrp="1" noRot="1" noChangeAspect="1" noMove="1" noResize="1" noEditPoints="1" noAdjustHandles="1" noChangeArrowheads="1" noChangeShapeType="1" noTextEdit="1"/>
+          </p:cNvSpPr>
+          <p:nvPr>
+            <p:extLst>
+              <p:ext uri="{386F3935-93C4-4BCD-93E2-E3B085C9AB24}">
+                <p16:designElem xmlns:p16="http://schemas.microsoft.com/office/powerpoint/2015/main" val="1"/>
+              </p:ext>
+            </p:extLst>
+          </p:nvPr>
+        </p:nvSpPr>
+        <p:spPr>
+          <a:xfrm rot="5400000" flipH="1">
+            <a:off x="-1410084" y="1410082"/>
+            <a:ext cx="6858000" cy="4037836"/>
+          </a:xfrm>
+          <a:prstGeom prst="rect">
+            <a:avLst/>
+          </a:prstGeom>
+          <a:gradFill>
+            <a:gsLst>
+              <a:gs pos="8000">
+                <a:srgbClr val="000000"/>
+              </a:gs>
+              <a:gs pos="100000">
+                <a:schemeClr val="accent1">
+                  <a:lumMod val="75000"/>
+                </a:schemeClr>
+              </a:gs>
+            </a:gsLst>
+            <a:lin ang="3000000" scaled="0"/>
+          </a:gradFill>
+          <a:ln>
+            <a:noFill/>
+          </a:ln>
+        </p:spPr>
+        <p:style>
+          <a:lnRef idx="2">
+            <a:schemeClr val="accent1">
+              <a:shade val="50000"/>
+            </a:schemeClr>
+          </a:lnRef>
+          <a:fillRef idx="1">
+            <a:schemeClr val="accent1"/>
+          </a:fillRef>
+          <a:effectRef idx="0">
+            <a:schemeClr val="accent1"/>
+          </a:effectRef>
+          <a:fontRef idx="minor">
+            <a:schemeClr val="lt1"/>
+          </a:fontRef>
+        </p:style>
+        <p:txBody>
+          <a:bodyPr rtlCol="0" anchor="ctr"/>
+          <a:lstStyle/>
+          <a:p>
+            <a:pPr algn="ctr"/>
+            <a:endParaRPr lang="en-US"/>
+          </a:p>
+        </p:txBody>
+      </p:sp>
+      <p:sp>
+        <p:nvSpPr>
+          <p:cNvPr id="25" name="Rectangle 24">
+            <a:extLst>
+              <a:ext uri="{FF2B5EF4-FFF2-40B4-BE49-F238E27FC236}">
+                <a16:creationId xmlns:a16="http://schemas.microsoft.com/office/drawing/2014/main" id="{4300840D-0A0B-4512-BACA-B439D5B9C57C}"/>
+              </a:ext>
+              <a:ext uri="{C183D7F6-B498-43B3-948B-1728B52AA6E4}">
+                <adec:decorative xmlns:adec="http://schemas.microsoft.com/office/drawing/2017/decorative" val="1"/>
+              </a:ext>
+            </a:extLst>
+          </p:cNvPr>
+          <p:cNvSpPr>
+            <a:spLocks noGrp="1" noRot="1" noChangeAspect="1" noMove="1" noResize="1" noEditPoints="1" noAdjustHandles="1" noChangeArrowheads="1" noChangeShapeType="1" noTextEdit="1"/>
+          </p:cNvSpPr>
+          <p:nvPr>
+            <p:extLst>
+              <p:ext uri="{386F3935-93C4-4BCD-93E2-E3B085C9AB24}">
+                <p16:designElem xmlns:p16="http://schemas.microsoft.com/office/powerpoint/2015/main" val="1"/>
+              </p:ext>
+            </p:extLst>
+          </p:nvPr>
+        </p:nvSpPr>
+        <p:spPr>
+          <a:xfrm rot="5400000" flipH="1">
+            <a:off x="-1410085" y="1420219"/>
+            <a:ext cx="6857999" cy="4037839"/>
+          </a:xfrm>
+          <a:prstGeom prst="rect">
+            <a:avLst/>
+          </a:prstGeom>
+          <a:gradFill>
+            <a:gsLst>
+              <a:gs pos="0">
+                <a:srgbClr val="000000">
+                  <a:alpha val="0"/>
+                </a:srgbClr>
+              </a:gs>
+              <a:gs pos="99000">
+                <a:schemeClr val="accent1">
+                  <a:alpha val="46000"/>
+                </a:schemeClr>
+              </a:gs>
+            </a:gsLst>
+            <a:lin ang="1800000" scaled="0"/>
+          </a:gradFill>
+          <a:ln>
+            <a:noFill/>
+          </a:ln>
+        </p:spPr>
+        <p:style>
+          <a:lnRef idx="2">
+            <a:schemeClr val="accent1">
+              <a:shade val="50000"/>
+            </a:schemeClr>
+          </a:lnRef>
+          <a:fillRef idx="1">
+            <a:schemeClr val="accent1"/>
+          </a:fillRef>
+          <a:effectRef idx="0">
+            <a:schemeClr val="accent1"/>
+          </a:effectRef>
+          <a:fontRef idx="minor">
+            <a:schemeClr val="lt1"/>
+          </a:fontRef>
+        </p:style>
+        <p:txBody>
+          <a:bodyPr rtlCol="0" anchor="ctr"/>
+          <a:lstStyle/>
+          <a:p>
+            <a:pPr algn="ctr"/>
+            <a:endParaRPr lang="en-US"/>
+          </a:p>
+        </p:txBody>
+      </p:sp>
+      <p:sp>
+        <p:nvSpPr>
+          <p:cNvPr id="26" name="Rectangle 25">
+            <a:extLst>
+              <a:ext uri="{FF2B5EF4-FFF2-40B4-BE49-F238E27FC236}">
+                <a16:creationId xmlns:a16="http://schemas.microsoft.com/office/drawing/2014/main" id="{D2B78728-A580-49A7-84F9-6EF6F583ADE0}"/>
+              </a:ext>
+              <a:ext uri="{C183D7F6-B498-43B3-948B-1728B52AA6E4}">
+                <adec:decorative xmlns:adec="http://schemas.microsoft.com/office/drawing/2017/decorative" val="1"/>
+              </a:ext>
+            </a:extLst>
+          </p:cNvPr>
+          <p:cNvSpPr>
+            <a:spLocks noGrp="1" noRot="1" noChangeAspect="1" noMove="1" noResize="1" noEditPoints="1" noAdjustHandles="1" noChangeArrowheads="1" noChangeShapeType="1" noTextEdit="1"/>
+          </p:cNvSpPr>
+          <p:nvPr>
+            <p:extLst>
+              <p:ext uri="{386F3935-93C4-4BCD-93E2-E3B085C9AB24}">
+                <p16:designElem xmlns:p16="http://schemas.microsoft.com/office/powerpoint/2015/main" val="1"/>
+              </p:ext>
+            </p:extLst>
+          </p:nvPr>
+        </p:nvSpPr>
+        <p:spPr>
+          <a:xfrm rot="5400000" flipH="1">
+            <a:off x="767923" y="3588085"/>
+            <a:ext cx="2501979" cy="4037841"/>
+          </a:xfrm>
+          <a:prstGeom prst="rect">
+            <a:avLst/>
+          </a:prstGeom>
+          <a:gradFill>
+            <a:gsLst>
+              <a:gs pos="2000">
+                <a:schemeClr val="accent1">
+                  <a:alpha val="29000"/>
+                </a:schemeClr>
+              </a:gs>
+              <a:gs pos="100000">
+                <a:srgbClr val="000000">
+                  <a:alpha val="30000"/>
+                </a:srgbClr>
+              </a:gs>
+            </a:gsLst>
+            <a:lin ang="7800000" scaled="0"/>
+          </a:gradFill>
+          <a:ln>
+            <a:noFill/>
+          </a:ln>
+        </p:spPr>
+        <p:style>
+          <a:lnRef idx="2">
+            <a:schemeClr val="accent1">
+              <a:shade val="50000"/>
+            </a:schemeClr>
+          </a:lnRef>
+          <a:fillRef idx="1">
+            <a:schemeClr val="accent1"/>
+          </a:fillRef>
+          <a:effectRef idx="0">
+            <a:schemeClr val="accent1"/>
+          </a:effectRef>
+          <a:fontRef idx="minor">
+            <a:schemeClr val="lt1"/>
+          </a:fontRef>
+        </p:style>
+        <p:txBody>
+          <a:bodyPr rtlCol="0" anchor="ctr"/>
+          <a:lstStyle/>
+          <a:p>
+            <a:pPr algn="ctr"/>
+            <a:endParaRPr lang="en-US" dirty="0"/>
+          </a:p>
+        </p:txBody>
+      </p:sp>
+      <p:sp>
+        <p:nvSpPr>
+          <p:cNvPr id="27" name="Freeform: Shape 21">
+            <a:extLst>
+              <a:ext uri="{FF2B5EF4-FFF2-40B4-BE49-F238E27FC236}">
+                <a16:creationId xmlns:a16="http://schemas.microsoft.com/office/drawing/2014/main" id="{38FAA1A1-D861-433F-88FA-1E9D6FD31D11}"/>
+              </a:ext>
+              <a:ext uri="{C183D7F6-B498-43B3-948B-1728B52AA6E4}">
+                <adec:decorative xmlns:adec="http://schemas.microsoft.com/office/drawing/2017/decorative" val="1"/>
+              </a:ext>
+            </a:extLst>
+          </p:cNvPr>
+          <p:cNvSpPr>
+            <a:spLocks noGrp="1" noRot="1" noChangeAspect="1" noMove="1" noResize="1" noEditPoints="1" noAdjustHandles="1" noChangeArrowheads="1" noChangeShapeType="1" noTextEdit="1"/>
+          </p:cNvSpPr>
+          <p:nvPr>
+            <p:extLst>
+              <p:ext uri="{386F3935-93C4-4BCD-93E2-E3B085C9AB24}">
+                <p16:designElem xmlns:p16="http://schemas.microsoft.com/office/powerpoint/2015/main" val="1"/>
+              </p:ext>
+            </p:extLst>
+          </p:nvPr>
+        </p:nvSpPr>
+        <p:spPr>
+          <a:xfrm rot="20635413">
+            <a:off x="-501737" y="969718"/>
+            <a:ext cx="3900357" cy="4178958"/>
+          </a:xfrm>
+          <a:custGeom>
+            <a:avLst/>
+            <a:gdLst>
+              <a:gd name="connsiteX0" fmla="*/ 2432225 w 3900357"/>
+              <a:gd name="connsiteY0" fmla="*/ 93939 h 4178958"/>
+              <a:gd name="connsiteX1" fmla="*/ 3900357 w 3900357"/>
+              <a:gd name="connsiteY1" fmla="*/ 2089479 h 4178958"/>
+              <a:gd name="connsiteX2" fmla="*/ 1810878 w 3900357"/>
+              <a:gd name="connsiteY2" fmla="*/ 4178958 h 4178958"/>
+              <a:gd name="connsiteX3" fmla="*/ 78249 w 3900357"/>
+              <a:gd name="connsiteY3" fmla="*/ 3257727 h 4178958"/>
+              <a:gd name="connsiteX4" fmla="*/ 0 w 3900357"/>
+              <a:gd name="connsiteY4" fmla="*/ 3128923 h 4178958"/>
+              <a:gd name="connsiteX5" fmla="*/ 831324 w 3900357"/>
+              <a:gd name="connsiteY5" fmla="*/ 244281 h 4178958"/>
+              <a:gd name="connsiteX6" fmla="*/ 997559 w 3900357"/>
+              <a:gd name="connsiteY6" fmla="*/ 164202 h 4178958"/>
+              <a:gd name="connsiteX7" fmla="*/ 1810878 w 3900357"/>
+              <a:gd name="connsiteY7" fmla="*/ 0 h 4178958"/>
+              <a:gd name="connsiteX8" fmla="*/ 2432225 w 3900357"/>
+              <a:gd name="connsiteY8" fmla="*/ 93939 h 4178958"/>
+            </a:gdLst>
+            <a:ahLst/>
+            <a:cxnLst>
+              <a:cxn ang="0">
+                <a:pos x="connsiteX0" y="connsiteY0"/>
+              </a:cxn>
+              <a:cxn ang="0">
+                <a:pos x="connsiteX1" y="connsiteY1"/>
+              </a:cxn>
+              <a:cxn ang="0">
+                <a:pos x="connsiteX2" y="connsiteY2"/>
+              </a:cxn>
+              <a:cxn ang="0">
+                <a:pos x="connsiteX3" y="connsiteY3"/>
+              </a:cxn>
+              <a:cxn ang="0">
+                <a:pos x="connsiteX4" y="connsiteY4"/>
+              </a:cxn>
+              <a:cxn ang="0">
+                <a:pos x="connsiteX5" y="connsiteY5"/>
+              </a:cxn>
+              <a:cxn ang="0">
+                <a:pos x="connsiteX6" y="connsiteY6"/>
+              </a:cxn>
+              <a:cxn ang="0">
+                <a:pos x="connsiteX7" y="connsiteY7"/>
+              </a:cxn>
+              <a:cxn ang="0">
+                <a:pos x="connsiteX8" y="connsiteY8"/>
+              </a:cxn>
+            </a:cxnLst>
+            <a:rect l="l" t="t" r="r" b="b"/>
+            <a:pathLst>
+              <a:path w="3900357" h="4178958">
+                <a:moveTo>
+                  <a:pt x="2432225" y="93939"/>
+                </a:moveTo>
+                <a:cubicBezTo>
+                  <a:pt x="3282786" y="358491"/>
+                  <a:pt x="3900357" y="1151865"/>
+                  <a:pt x="3900357" y="2089479"/>
+                </a:cubicBezTo>
+                <a:cubicBezTo>
+                  <a:pt x="3900357" y="3243466"/>
+                  <a:pt x="2964865" y="4178958"/>
+                  <a:pt x="1810878" y="4178958"/>
+                </a:cubicBezTo>
+                <a:cubicBezTo>
+                  <a:pt x="1089636" y="4178958"/>
+                  <a:pt x="453744" y="3813531"/>
+                  <a:pt x="78249" y="3257727"/>
+                </a:cubicBezTo>
+                <a:lnTo>
+                  <a:pt x="0" y="3128923"/>
+                </a:lnTo>
+                <a:lnTo>
+                  <a:pt x="831324" y="244281"/>
+                </a:lnTo>
+                <a:lnTo>
+                  <a:pt x="997559" y="164202"/>
+                </a:lnTo>
+                <a:cubicBezTo>
+                  <a:pt x="1247540" y="58468"/>
+                  <a:pt x="1522381" y="0"/>
+                  <a:pt x="1810878" y="0"/>
+                </a:cubicBezTo>
+                <a:cubicBezTo>
+                  <a:pt x="2027251" y="0"/>
+                  <a:pt x="2235942" y="32888"/>
+                  <a:pt x="2432225" y="93939"/>
+                </a:cubicBezTo>
+                <a:close/>
+              </a:path>
+            </a:pathLst>
+          </a:custGeom>
+          <a:gradFill>
+            <a:gsLst>
+              <a:gs pos="29000">
+                <a:srgbClr val="000000">
+                  <a:alpha val="0"/>
+                </a:srgbClr>
+              </a:gs>
+              <a:gs pos="100000">
+                <a:schemeClr val="accent1">
+                  <a:alpha val="43000"/>
+                </a:schemeClr>
+              </a:gs>
+            </a:gsLst>
+            <a:lin ang="1800000" scaled="0"/>
+          </a:gradFill>
+          <a:ln>
+            <a:noFill/>
+          </a:ln>
+        </p:spPr>
+        <p:style>
+          <a:lnRef idx="2">
+            <a:schemeClr val="accent1">
+              <a:shade val="50000"/>
+            </a:schemeClr>
+          </a:lnRef>
+          <a:fillRef idx="1">
+            <a:schemeClr val="accent1"/>
+          </a:fillRef>
+          <a:effectRef idx="0">
+            <a:schemeClr val="accent1"/>
+          </a:effectRef>
+          <a:fontRef idx="minor">
+            <a:schemeClr val="lt1"/>
+          </a:fontRef>
+        </p:style>
+        <p:txBody>
+          <a:bodyPr wrap="square" rtlCol="0" anchor="ctr">
+            <a:noAutofit/>
+          </a:bodyPr>
+          <a:lstStyle/>
+          <a:p>
+            <a:pPr algn="ctr"/>
+            <a:endParaRPr lang="en-US" dirty="0"/>
+          </a:p>
+        </p:txBody>
+      </p:sp>
+      <p:sp>
+        <p:nvSpPr>
           <p:cNvPr id="24" name="Rectangle 23">
             <a:extLst>
               <a:ext uri="{FF2B5EF4-FFF2-40B4-BE49-F238E27FC236}">
@@ -15286,7 +21677,7 @@
           <p:nvPr>
             <p:extLst>
               <p:ext uri="{D42A27DB-BD31-4B8C-83A1-F6EECF244321}">
-                <p14:modId xmlns:p14="http://schemas.microsoft.com/office/powerpoint/2010/main" val="2687575330"/>
+                <p14:modId xmlns:p14="http://schemas.microsoft.com/office/powerpoint/2010/main" val="3030221618"/>
               </p:ext>
             </p:extLst>
           </p:nvPr>
@@ -15297,7 +21688,7 @@
         </p:xfrm>
         <a:graphic>
           <a:graphicData uri="http://schemas.openxmlformats.org/drawingml/2006/chart">
-            <c:chart xmlns:c="http://schemas.openxmlformats.org/drawingml/2006/chart" xmlns:r="http://schemas.openxmlformats.org/officeDocument/2006/relationships" r:id="rId2"/>
+            <c:chart xmlns:c="http://schemas.openxmlformats.org/drawingml/2006/chart" xmlns:r="http://schemas.openxmlformats.org/officeDocument/2006/relationships" r:id="rId3"/>
           </a:graphicData>
         </a:graphic>
       </p:graphicFrame>
@@ -15555,7 +21946,7 @@
 </p:sld>
 </file>
 
-<file path=ppt/slides/slide4.xml><?xml version="1.0" encoding="utf-8"?>
+<file path=ppt/slides/slide5.xml><?xml version="1.0" encoding="utf-8"?>
 <p:sld xmlns:a="http://schemas.openxmlformats.org/drawingml/2006/main" xmlns:r="http://schemas.openxmlformats.org/officeDocument/2006/relationships" xmlns:p="http://schemas.openxmlformats.org/presentationml/2006/main">
   <p:cSld>
     <p:bg>
@@ -17027,7 +23418,7 @@
 </p:sld>
 </file>
 
-<file path=ppt/slides/slide5.xml><?xml version="1.0" encoding="utf-8"?>
+<file path=ppt/slides/slide6.xml><?xml version="1.0" encoding="utf-8"?>
 <p:sld xmlns:a="http://schemas.openxmlformats.org/drawingml/2006/main" xmlns:r="http://schemas.openxmlformats.org/officeDocument/2006/relationships" xmlns:p="http://schemas.openxmlformats.org/presentationml/2006/main">
   <p:cSld>
     <p:bg>
@@ -18565,7 +24956,7 @@
 </p:sld>
 </file>
 
-<file path=ppt/slides/slide6.xml><?xml version="1.0" encoding="utf-8"?>
+<file path=ppt/slides/slide7.xml><?xml version="1.0" encoding="utf-8"?>
 <p:sld xmlns:a="http://schemas.openxmlformats.org/drawingml/2006/main" xmlns:r="http://schemas.openxmlformats.org/officeDocument/2006/relationships" xmlns:p="http://schemas.openxmlformats.org/presentationml/2006/main">
   <p:cSld>
     <p:bg>
@@ -19094,7 +25485,7 @@
           <p:nvPr/>
         </p:nvPicPr>
         <p:blipFill>
-          <a:blip r:embed="rId2"/>
+          <a:blip r:embed="rId3"/>
           <a:stretch>
             <a:fillRect/>
           </a:stretch>
@@ -19124,7 +25515,7 @@
           <p:nvPr/>
         </p:nvPicPr>
         <p:blipFill>
-          <a:blip r:embed="rId3"/>
+          <a:blip r:embed="rId4"/>
           <a:stretch>
             <a:fillRect/>
           </a:stretch>
@@ -19365,7 +25756,7 @@
 </p:sld>
 </file>
 
-<file path=ppt/slides/slide7.xml><?xml version="1.0" encoding="utf-8"?>
+<file path=ppt/slides/slide8.xml><?xml version="1.0" encoding="utf-8"?>
 <p:sld xmlns:a="http://schemas.openxmlformats.org/drawingml/2006/main" xmlns:r="http://schemas.openxmlformats.org/officeDocument/2006/relationships" xmlns:p="http://schemas.openxmlformats.org/presentationml/2006/main">
   <p:cSld>
     <p:bg>
@@ -21225,7 +27616,7 @@
 </p:sld>
 </file>
 
-<file path=ppt/slides/slide8.xml><?xml version="1.0" encoding="utf-8"?>
+<file path=ppt/slides/slide9.xml><?xml version="1.0" encoding="utf-8"?>
 <p:sld xmlns:a="http://schemas.openxmlformats.org/drawingml/2006/main" xmlns:r="http://schemas.openxmlformats.org/officeDocument/2006/relationships" xmlns:p="http://schemas.openxmlformats.org/presentationml/2006/main">
   <p:cSld>
     <p:bg>
@@ -34871,650 +41262,6 @@
       <p:bldP spid="344" grpId="0"/>
     </p:bldLst>
   </p:timing>
-</p:sld>
-</file>
-
-<file path=ppt/slides/slide9.xml><?xml version="1.0" encoding="utf-8"?>
-<p:sld xmlns:a="http://schemas.openxmlformats.org/drawingml/2006/main" xmlns:r="http://schemas.openxmlformats.org/officeDocument/2006/relationships" xmlns:p="http://schemas.openxmlformats.org/presentationml/2006/main">
-  <p:cSld>
-    <p:bg>
-      <p:bgPr>
-        <a:solidFill>
-          <a:schemeClr val="bg1"/>
-        </a:solidFill>
-        <a:effectLst/>
-      </p:bgPr>
-    </p:bg>
-    <p:spTree>
-      <p:nvGrpSpPr>
-        <p:cNvPr id="1" name=""/>
-        <p:cNvGrpSpPr/>
-        <p:nvPr/>
-      </p:nvGrpSpPr>
-      <p:grpSpPr>
-        <a:xfrm>
-          <a:off x="0" y="0"/>
-          <a:ext cx="0" cy="0"/>
-          <a:chOff x="0" y="0"/>
-          <a:chExt cx="0" cy="0"/>
-        </a:xfrm>
-      </p:grpSpPr>
-      <p:sp useBgFill="1">
-        <p:nvSpPr>
-          <p:cNvPr id="8" name="Rectangle 7">
-            <a:extLst>
-              <a:ext uri="{FF2B5EF4-FFF2-40B4-BE49-F238E27FC236}">
-                <a16:creationId xmlns:a16="http://schemas.microsoft.com/office/drawing/2014/main" id="{0E30439A-8A5B-46EC-8283-9B6B031D40D0}"/>
-              </a:ext>
-              <a:ext uri="{C183D7F6-B498-43B3-948B-1728B52AA6E4}">
-                <adec:decorative xmlns:adec="http://schemas.microsoft.com/office/drawing/2017/decorative" val="1"/>
-              </a:ext>
-            </a:extLst>
-          </p:cNvPr>
-          <p:cNvSpPr>
-            <a:spLocks noGrp="1" noRot="1" noChangeAspect="1" noMove="1" noResize="1" noEditPoints="1" noAdjustHandles="1" noChangeArrowheads="1" noChangeShapeType="1" noTextEdit="1"/>
-          </p:cNvSpPr>
-          <p:nvPr>
-            <p:extLst>
-              <p:ext uri="{386F3935-93C4-4BCD-93E2-E3B085C9AB24}">
-                <p16:designElem xmlns:p16="http://schemas.microsoft.com/office/powerpoint/2015/main" val="1"/>
-              </p:ext>
-            </p:extLst>
-          </p:nvPr>
-        </p:nvSpPr>
-        <p:spPr>
-          <a:xfrm>
-            <a:off x="0" y="0"/>
-            <a:ext cx="12192000" cy="6858000"/>
-          </a:xfrm>
-          <a:prstGeom prst="rect">
-            <a:avLst/>
-          </a:prstGeom>
-          <a:ln w="12700" cap="flat" cmpd="sng" algn="ctr">
-            <a:noFill/>
-            <a:prstDash val="solid"/>
-            <a:miter lim="800000"/>
-          </a:ln>
-          <a:effectLst/>
-          <a:extLst>
-            <a:ext uri="{91240B29-F687-4F45-9708-019B960494DF}">
-              <a14:hiddenLine xmlns:a14="http://schemas.microsoft.com/office/drawing/2010/main" w="12700" cap="flat" cmpd="sng" algn="ctr">
-                <a:solidFill>
-                  <a:schemeClr val="accent1">
-                    <a:shade val="50000"/>
-                  </a:schemeClr>
-                </a:solidFill>
-                <a:prstDash val="solid"/>
-                <a:miter lim="800000"/>
-              </a14:hiddenLine>
-            </a:ext>
-          </a:extLst>
-        </p:spPr>
-        <p:style>
-          <a:lnRef idx="2">
-            <a:schemeClr val="accent1">
-              <a:shade val="50000"/>
-            </a:schemeClr>
-          </a:lnRef>
-          <a:fillRef idx="1">
-            <a:schemeClr val="accent1"/>
-          </a:fillRef>
-          <a:effectRef idx="0">
-            <a:schemeClr val="accent1"/>
-          </a:effectRef>
-          <a:fontRef idx="minor">
-            <a:schemeClr val="lt1"/>
-          </a:fontRef>
-        </p:style>
-        <p:txBody>
-          <a:bodyPr rtlCol="0" anchor="ctr"/>
-          <a:lstStyle/>
-          <a:p>
-            <a:pPr algn="ctr"/>
-            <a:endParaRPr lang="en-US"/>
-          </a:p>
-        </p:txBody>
-      </p:sp>
-      <p:sp>
-        <p:nvSpPr>
-          <p:cNvPr id="10" name="Rectangle 9">
-            <a:extLst>
-              <a:ext uri="{FF2B5EF4-FFF2-40B4-BE49-F238E27FC236}">
-                <a16:creationId xmlns:a16="http://schemas.microsoft.com/office/drawing/2014/main" id="{5CEAD642-85CF-4750-8432-7C80C901F001}"/>
-              </a:ext>
-              <a:ext uri="{C183D7F6-B498-43B3-948B-1728B52AA6E4}">
-                <adec:decorative xmlns:adec="http://schemas.microsoft.com/office/drawing/2017/decorative" val="1"/>
-              </a:ext>
-            </a:extLst>
-          </p:cNvPr>
-          <p:cNvSpPr>
-            <a:spLocks noGrp="1" noRot="1" noChangeAspect="1" noMove="1" noResize="1" noEditPoints="1" noAdjustHandles="1" noChangeArrowheads="1" noChangeShapeType="1" noTextEdit="1"/>
-          </p:cNvSpPr>
-          <p:nvPr>
-            <p:extLst>
-              <p:ext uri="{386F3935-93C4-4BCD-93E2-E3B085C9AB24}">
-                <p16:designElem xmlns:p16="http://schemas.microsoft.com/office/powerpoint/2015/main" val="1"/>
-              </p:ext>
-            </p:extLst>
-          </p:nvPr>
-        </p:nvSpPr>
-        <p:spPr>
-          <a:xfrm>
-            <a:off x="0" y="-427"/>
-            <a:ext cx="12192001" cy="6858000"/>
-          </a:xfrm>
-          <a:prstGeom prst="rect">
-            <a:avLst/>
-          </a:prstGeom>
-          <a:gradFill>
-            <a:gsLst>
-              <a:gs pos="0">
-                <a:srgbClr val="000000"/>
-              </a:gs>
-              <a:gs pos="100000">
-                <a:schemeClr val="accent1">
-                  <a:lumMod val="75000"/>
-                </a:schemeClr>
-              </a:gs>
-            </a:gsLst>
-            <a:lin ang="15000000" scaled="0"/>
-          </a:gradFill>
-          <a:ln>
-            <a:noFill/>
-          </a:ln>
-        </p:spPr>
-        <p:style>
-          <a:lnRef idx="2">
-            <a:schemeClr val="accent1">
-              <a:shade val="50000"/>
-            </a:schemeClr>
-          </a:lnRef>
-          <a:fillRef idx="1">
-            <a:schemeClr val="accent1"/>
-          </a:fillRef>
-          <a:effectRef idx="0">
-            <a:schemeClr val="accent1"/>
-          </a:effectRef>
-          <a:fontRef idx="minor">
-            <a:schemeClr val="lt1"/>
-          </a:fontRef>
-        </p:style>
-        <p:txBody>
-          <a:bodyPr rtlCol="0" anchor="ctr"/>
-          <a:lstStyle/>
-          <a:p>
-            <a:pPr algn="ctr"/>
-            <a:endParaRPr lang="en-US"/>
-          </a:p>
-        </p:txBody>
-      </p:sp>
-      <p:sp>
-        <p:nvSpPr>
-          <p:cNvPr id="12" name="Rectangle 11">
-            <a:extLst>
-              <a:ext uri="{FF2B5EF4-FFF2-40B4-BE49-F238E27FC236}">
-                <a16:creationId xmlns:a16="http://schemas.microsoft.com/office/drawing/2014/main" id="{FA33EEAE-15D5-4119-8C1E-89D943F911EF}"/>
-              </a:ext>
-              <a:ext uri="{C183D7F6-B498-43B3-948B-1728B52AA6E4}">
-                <adec:decorative xmlns:adec="http://schemas.microsoft.com/office/drawing/2017/decorative" val="1"/>
-              </a:ext>
-            </a:extLst>
-          </p:cNvPr>
-          <p:cNvSpPr>
-            <a:spLocks noGrp="1" noRot="1" noChangeAspect="1" noMove="1" noResize="1" noEditPoints="1" noAdjustHandles="1" noChangeArrowheads="1" noChangeShapeType="1" noTextEdit="1"/>
-          </p:cNvSpPr>
-          <p:nvPr>
-            <p:extLst>
-              <p:ext uri="{386F3935-93C4-4BCD-93E2-E3B085C9AB24}">
-                <p16:designElem xmlns:p16="http://schemas.microsoft.com/office/powerpoint/2015/main" val="1"/>
-              </p:ext>
-            </p:extLst>
-          </p:nvPr>
-        </p:nvSpPr>
-        <p:spPr>
-          <a:xfrm rot="10800000" flipH="1">
-            <a:off x="455521" y="-1720"/>
-            <a:ext cx="11750040" cy="6840685"/>
-          </a:xfrm>
-          <a:prstGeom prst="rect">
-            <a:avLst/>
-          </a:prstGeom>
-          <a:gradFill>
-            <a:gsLst>
-              <a:gs pos="21000">
-                <a:schemeClr val="accent1">
-                  <a:lumMod val="50000"/>
-                  <a:alpha val="61000"/>
-                </a:schemeClr>
-              </a:gs>
-              <a:gs pos="100000">
-                <a:schemeClr val="accent1">
-                  <a:alpha val="0"/>
-                </a:schemeClr>
-              </a:gs>
-            </a:gsLst>
-            <a:lin ang="21594000" scaled="0"/>
-          </a:gradFill>
-          <a:ln>
-            <a:noFill/>
-          </a:ln>
-        </p:spPr>
-        <p:style>
-          <a:lnRef idx="2">
-            <a:schemeClr val="accent1">
-              <a:shade val="50000"/>
-            </a:schemeClr>
-          </a:lnRef>
-          <a:fillRef idx="1">
-            <a:schemeClr val="accent1"/>
-          </a:fillRef>
-          <a:effectRef idx="0">
-            <a:schemeClr val="accent1"/>
-          </a:effectRef>
-          <a:fontRef idx="minor">
-            <a:schemeClr val="lt1"/>
-          </a:fontRef>
-        </p:style>
-        <p:txBody>
-          <a:bodyPr rtlCol="0" anchor="ctr"/>
-          <a:lstStyle/>
-          <a:p>
-            <a:pPr algn="ctr"/>
-            <a:endParaRPr lang="en-US"/>
-          </a:p>
-        </p:txBody>
-      </p:sp>
-      <p:sp>
-        <p:nvSpPr>
-          <p:cNvPr id="14" name="Rectangle 13">
-            <a:extLst>
-              <a:ext uri="{FF2B5EF4-FFF2-40B4-BE49-F238E27FC236}">
-                <a16:creationId xmlns:a16="http://schemas.microsoft.com/office/drawing/2014/main" id="{730D8B3B-9B80-4025-B934-26DC7D7CD231}"/>
-              </a:ext>
-              <a:ext uri="{C183D7F6-B498-43B3-948B-1728B52AA6E4}">
-                <adec:decorative xmlns:adec="http://schemas.microsoft.com/office/drawing/2017/decorative" val="1"/>
-              </a:ext>
-            </a:extLst>
-          </p:cNvPr>
-          <p:cNvSpPr>
-            <a:spLocks noGrp="1" noRot="1" noChangeAspect="1" noMove="1" noResize="1" noEditPoints="1" noAdjustHandles="1" noChangeArrowheads="1" noChangeShapeType="1" noTextEdit="1"/>
-          </p:cNvSpPr>
-          <p:nvPr>
-            <p:extLst>
-              <p:ext uri="{386F3935-93C4-4BCD-93E2-E3B085C9AB24}">
-                <p16:designElem xmlns:p16="http://schemas.microsoft.com/office/powerpoint/2015/main" val="1"/>
-              </p:ext>
-            </p:extLst>
-          </p:nvPr>
-        </p:nvSpPr>
-        <p:spPr>
-          <a:xfrm>
-            <a:off x="8606054" y="-1291"/>
-            <a:ext cx="3608179" cy="6858864"/>
-          </a:xfrm>
-          <a:prstGeom prst="rect">
-            <a:avLst/>
-          </a:prstGeom>
-          <a:gradFill>
-            <a:gsLst>
-              <a:gs pos="0">
-                <a:schemeClr val="accent1">
-                  <a:lumMod val="75000"/>
-                  <a:alpha val="0"/>
-                </a:schemeClr>
-              </a:gs>
-              <a:gs pos="99000">
-                <a:srgbClr val="000000">
-                  <a:alpha val="41000"/>
-                </a:srgbClr>
-              </a:gs>
-            </a:gsLst>
-            <a:lin ang="16200000" scaled="0"/>
-          </a:gradFill>
-          <a:ln>
-            <a:noFill/>
-          </a:ln>
-        </p:spPr>
-        <p:style>
-          <a:lnRef idx="2">
-            <a:schemeClr val="accent1">
-              <a:shade val="50000"/>
-            </a:schemeClr>
-          </a:lnRef>
-          <a:fillRef idx="1">
-            <a:schemeClr val="accent1"/>
-          </a:fillRef>
-          <a:effectRef idx="0">
-            <a:schemeClr val="accent1"/>
-          </a:effectRef>
-          <a:fontRef idx="minor">
-            <a:schemeClr val="lt1"/>
-          </a:fontRef>
-        </p:style>
-        <p:txBody>
-          <a:bodyPr rtlCol="0" anchor="ctr"/>
-          <a:lstStyle/>
-          <a:p>
-            <a:pPr algn="ctr"/>
-            <a:endParaRPr lang="en-US"/>
-          </a:p>
-        </p:txBody>
-      </p:sp>
-      <p:sp>
-        <p:nvSpPr>
-          <p:cNvPr id="16" name="Oval 15">
-            <a:extLst>
-              <a:ext uri="{FF2B5EF4-FFF2-40B4-BE49-F238E27FC236}">
-                <a16:creationId xmlns:a16="http://schemas.microsoft.com/office/drawing/2014/main" id="{B5A1B09C-1565-46F8-B70F-621C5EB48A09}"/>
-              </a:ext>
-              <a:ext uri="{C183D7F6-B498-43B3-948B-1728B52AA6E4}">
-                <adec:decorative xmlns:adec="http://schemas.microsoft.com/office/drawing/2017/decorative" val="1"/>
-              </a:ext>
-            </a:extLst>
-          </p:cNvPr>
-          <p:cNvSpPr>
-            <a:spLocks noGrp="1" noRot="1" noChangeAspect="1" noMove="1" noResize="1" noEditPoints="1" noAdjustHandles="1" noChangeArrowheads="1" noChangeShapeType="1" noTextEdit="1"/>
-          </p:cNvSpPr>
-          <p:nvPr>
-            <p:extLst>
-              <p:ext uri="{386F3935-93C4-4BCD-93E2-E3B085C9AB24}">
-                <p16:designElem xmlns:p16="http://schemas.microsoft.com/office/powerpoint/2015/main" val="1"/>
-              </p:ext>
-            </p:extLst>
-          </p:nvPr>
-        </p:nvSpPr>
-        <p:spPr>
-          <a:xfrm rot="15274173">
-            <a:off x="6059728" y="779270"/>
-            <a:ext cx="4967533" cy="4988390"/>
-          </a:xfrm>
-          <a:prstGeom prst="ellipse">
-            <a:avLst/>
-          </a:prstGeom>
-          <a:gradFill>
-            <a:gsLst>
-              <a:gs pos="0">
-                <a:schemeClr val="accent1">
-                  <a:alpha val="24000"/>
-                </a:schemeClr>
-              </a:gs>
-              <a:gs pos="79000">
-                <a:schemeClr val="accent1">
-                  <a:lumMod val="60000"/>
-                  <a:lumOff val="40000"/>
-                  <a:alpha val="0"/>
-                </a:schemeClr>
-              </a:gs>
-            </a:gsLst>
-            <a:lin ang="14400000" scaled="0"/>
-          </a:gradFill>
-          <a:ln>
-            <a:noFill/>
-          </a:ln>
-        </p:spPr>
-        <p:style>
-          <a:lnRef idx="2">
-            <a:schemeClr val="accent1">
-              <a:shade val="50000"/>
-            </a:schemeClr>
-          </a:lnRef>
-          <a:fillRef idx="1">
-            <a:schemeClr val="accent1"/>
-          </a:fillRef>
-          <a:effectRef idx="0">
-            <a:schemeClr val="accent1"/>
-          </a:effectRef>
-          <a:fontRef idx="minor">
-            <a:schemeClr val="lt1"/>
-          </a:fontRef>
-        </p:style>
-        <p:txBody>
-          <a:bodyPr rtlCol="0" anchor="ctr"/>
-          <a:lstStyle/>
-          <a:p>
-            <a:pPr algn="ctr"/>
-            <a:endParaRPr lang="en-US" dirty="0"/>
-          </a:p>
-        </p:txBody>
-      </p:sp>
-      <p:sp>
-        <p:nvSpPr>
-          <p:cNvPr id="2" name="Titre 1">
-            <a:extLst>
-              <a:ext uri="{FF2B5EF4-FFF2-40B4-BE49-F238E27FC236}">
-                <a16:creationId xmlns:a16="http://schemas.microsoft.com/office/drawing/2014/main" id="{E9581922-57DC-FF2E-7309-6CD2E2515BE6}"/>
-              </a:ext>
-            </a:extLst>
-          </p:cNvPr>
-          <p:cNvSpPr>
-            <a:spLocks noGrp="1"/>
-          </p:cNvSpPr>
-          <p:nvPr>
-            <p:ph type="title"/>
-          </p:nvPr>
-        </p:nvSpPr>
-        <p:spPr>
-          <a:xfrm>
-            <a:off x="1983967" y="1211090"/>
-            <a:ext cx="6596245" cy="3268520"/>
-          </a:xfrm>
-        </p:spPr>
-        <p:txBody>
-          <a:bodyPr vert="horz" lIns="91440" tIns="45720" rIns="91440" bIns="45720" rtlCol="0" anchor="b">
-            <a:normAutofit/>
-          </a:bodyPr>
-          <a:lstStyle/>
-          <a:p>
-            <a:pPr algn="r"/>
-            <a:r>
-              <a:rPr lang="en-US" sz="4800" dirty="0">
-                <a:solidFill>
-                  <a:srgbClr val="FFFFFF"/>
-                </a:solidFill>
-              </a:rPr>
-              <a:t>Place à </a:t>
-            </a:r>
-            <a:r>
-              <a:rPr lang="en-US" sz="4800" dirty="0" err="1">
-                <a:solidFill>
-                  <a:srgbClr val="FFFFFF"/>
-                </a:solidFill>
-              </a:rPr>
-              <a:t>une</a:t>
-            </a:r>
-            <a:r>
-              <a:rPr lang="en-US" sz="4800" dirty="0">
-                <a:solidFill>
-                  <a:srgbClr val="FFFFFF"/>
-                </a:solidFill>
-              </a:rPr>
-              <a:t> petite demonstration !</a:t>
-            </a:r>
-            <a:endParaRPr lang="en-US" sz="4800" kern="1200" dirty="0">
-              <a:solidFill>
-                <a:srgbClr val="FFFFFF"/>
-              </a:solidFill>
-              <a:latin typeface="+mj-lt"/>
-              <a:ea typeface="+mj-ea"/>
-              <a:cs typeface="+mj-cs"/>
-            </a:endParaRPr>
-          </a:p>
-        </p:txBody>
-      </p:sp>
-      <p:sp>
-        <p:nvSpPr>
-          <p:cNvPr id="18" name="Rectangle 17">
-            <a:extLst>
-              <a:ext uri="{FF2B5EF4-FFF2-40B4-BE49-F238E27FC236}">
-                <a16:creationId xmlns:a16="http://schemas.microsoft.com/office/drawing/2014/main" id="{8C516CC8-80AC-446C-A56E-9F54B7210402}"/>
-              </a:ext>
-              <a:ext uri="{C183D7F6-B498-43B3-948B-1728B52AA6E4}">
-                <adec:decorative xmlns:adec="http://schemas.microsoft.com/office/drawing/2017/decorative" val="1"/>
-              </a:ext>
-            </a:extLst>
-          </p:cNvPr>
-          <p:cNvSpPr>
-            <a:spLocks noGrp="1" noRot="1" noChangeAspect="1" noMove="1" noResize="1" noEditPoints="1" noAdjustHandles="1" noChangeArrowheads="1" noChangeShapeType="1" noTextEdit="1"/>
-          </p:cNvSpPr>
-          <p:nvPr>
-            <p:extLst>
-              <p:ext uri="{386F3935-93C4-4BCD-93E2-E3B085C9AB24}">
-                <p16:designElem xmlns:p16="http://schemas.microsoft.com/office/powerpoint/2015/main" val="1"/>
-              </p:ext>
-            </p:extLst>
-          </p:nvPr>
-        </p:nvSpPr>
-        <p:spPr>
-          <a:xfrm rot="10800000" flipH="1">
-            <a:off x="6314" y="4480038"/>
-            <a:ext cx="12179371" cy="2377962"/>
-          </a:xfrm>
-          <a:prstGeom prst="rect">
-            <a:avLst/>
-          </a:prstGeom>
-          <a:gradFill>
-            <a:gsLst>
-              <a:gs pos="0">
-                <a:schemeClr val="accent1">
-                  <a:lumMod val="75000"/>
-                  <a:alpha val="50000"/>
-                </a:schemeClr>
-              </a:gs>
-              <a:gs pos="99000">
-                <a:srgbClr val="000000">
-                  <a:alpha val="34000"/>
-                </a:srgbClr>
-              </a:gs>
-            </a:gsLst>
-            <a:lin ang="17400000" scaled="0"/>
-          </a:gradFill>
-          <a:ln>
-            <a:noFill/>
-          </a:ln>
-        </p:spPr>
-        <p:style>
-          <a:lnRef idx="2">
-            <a:schemeClr val="accent1">
-              <a:shade val="50000"/>
-            </a:schemeClr>
-          </a:lnRef>
-          <a:fillRef idx="1">
-            <a:schemeClr val="accent1"/>
-          </a:fillRef>
-          <a:effectRef idx="0">
-            <a:schemeClr val="accent1"/>
-          </a:effectRef>
-          <a:fontRef idx="minor">
-            <a:schemeClr val="lt1"/>
-          </a:fontRef>
-        </p:style>
-        <p:txBody>
-          <a:bodyPr rtlCol="0" anchor="ctr"/>
-          <a:lstStyle/>
-          <a:p>
-            <a:pPr algn="ctr"/>
-            <a:endParaRPr lang="en-US"/>
-          </a:p>
-        </p:txBody>
-      </p:sp>
-      <p:sp>
-        <p:nvSpPr>
-          <p:cNvPr id="20" name="Rectangle 19">
-            <a:extLst>
-              <a:ext uri="{FF2B5EF4-FFF2-40B4-BE49-F238E27FC236}">
-                <a16:creationId xmlns:a16="http://schemas.microsoft.com/office/drawing/2014/main" id="{53947E58-F088-49F1-A3D1-DEA690192E84}"/>
-              </a:ext>
-              <a:ext uri="{C183D7F6-B498-43B3-948B-1728B52AA6E4}">
-                <adec:decorative xmlns:adec="http://schemas.microsoft.com/office/drawing/2017/decorative" val="1"/>
-              </a:ext>
-            </a:extLst>
-          </p:cNvPr>
-          <p:cNvSpPr>
-            <a:spLocks noGrp="1" noRot="1" noChangeAspect="1" noMove="1" noResize="1" noEditPoints="1" noAdjustHandles="1" noChangeArrowheads="1" noChangeShapeType="1" noTextEdit="1"/>
-          </p:cNvSpPr>
-          <p:nvPr>
-            <p:extLst>
-              <p:ext uri="{386F3935-93C4-4BCD-93E2-E3B085C9AB24}">
-                <p16:designElem xmlns:p16="http://schemas.microsoft.com/office/powerpoint/2015/main" val="1"/>
-              </p:ext>
-            </p:extLst>
-          </p:nvPr>
-        </p:nvSpPr>
-        <p:spPr>
-          <a:xfrm rot="16200000" flipH="1">
-            <a:off x="6967085" y="1632660"/>
-            <a:ext cx="6857572" cy="3592258"/>
-          </a:xfrm>
-          <a:prstGeom prst="rect">
-            <a:avLst/>
-          </a:prstGeom>
-          <a:gradFill>
-            <a:gsLst>
-              <a:gs pos="0">
-                <a:schemeClr val="accent1">
-                  <a:lumMod val="75000"/>
-                  <a:alpha val="50000"/>
-                </a:schemeClr>
-              </a:gs>
-              <a:gs pos="99000">
-                <a:srgbClr val="000000">
-                  <a:alpha val="0"/>
-                </a:srgbClr>
-              </a:gs>
-            </a:gsLst>
-            <a:lin ang="15600000" scaled="0"/>
-          </a:gradFill>
-          <a:ln>
-            <a:noFill/>
-          </a:ln>
-        </p:spPr>
-        <p:style>
-          <a:lnRef idx="2">
-            <a:schemeClr val="accent1">
-              <a:shade val="50000"/>
-            </a:schemeClr>
-          </a:lnRef>
-          <a:fillRef idx="1">
-            <a:schemeClr val="accent1"/>
-          </a:fillRef>
-          <a:effectRef idx="0">
-            <a:schemeClr val="accent1"/>
-          </a:effectRef>
-          <a:fontRef idx="minor">
-            <a:schemeClr val="lt1"/>
-          </a:fontRef>
-        </p:style>
-        <p:txBody>
-          <a:bodyPr rtlCol="0" anchor="ctr"/>
-          <a:lstStyle/>
-          <a:p>
-            <a:pPr algn="ctr"/>
-            <a:endParaRPr lang="en-US"/>
-          </a:p>
-        </p:txBody>
-      </p:sp>
-    </p:spTree>
-    <p:extLst>
-      <p:ext uri="{BB962C8B-B14F-4D97-AF65-F5344CB8AC3E}">
-        <p14:creationId xmlns:p14="http://schemas.microsoft.com/office/powerpoint/2010/main" val="640211871"/>
-      </p:ext>
-    </p:extLst>
-  </p:cSld>
-  <p:clrMapOvr>
-    <a:masterClrMapping/>
-  </p:clrMapOvr>
-  <mc:AlternateContent xmlns:mc="http://schemas.openxmlformats.org/markup-compatibility/2006">
-    <mc:Choice xmlns:p15="http://schemas.microsoft.com/office/powerpoint/2012/main" Requires="p15">
-      <p:transition xmlns:p14="http://schemas.microsoft.com/office/powerpoint/2010/main" spd="slow" p14:dur="1250">
-        <p15:prstTrans prst="airplane"/>
-      </p:transition>
-    </mc:Choice>
-    <mc:Fallback>
-      <p:transition spd="slow">
-        <p:fade/>
-      </p:transition>
-    </mc:Fallback>
-  </mc:AlternateContent>
 </p:sld>
 </file>
 
@@ -35831,4 +41578,319 @@
     </a:ext>
   </a:extLst>
 </a:theme>
+</file>
+
+<file path=ppt/theme/theme2.xml><?xml version="1.0" encoding="utf-8"?>
+<a:theme xmlns:a="http://schemas.openxmlformats.org/drawingml/2006/main" name="Thème Office">
+  <a:themeElements>
+    <a:clrScheme name="Office">
+      <a:dk1>
+        <a:sysClr val="windowText" lastClr="000000"/>
+      </a:dk1>
+      <a:lt1>
+        <a:sysClr val="window" lastClr="FFFFFF"/>
+      </a:lt1>
+      <a:dk2>
+        <a:srgbClr val="0E2841"/>
+      </a:dk2>
+      <a:lt2>
+        <a:srgbClr val="E8E8E8"/>
+      </a:lt2>
+      <a:accent1>
+        <a:srgbClr val="156082"/>
+      </a:accent1>
+      <a:accent2>
+        <a:srgbClr val="E97132"/>
+      </a:accent2>
+      <a:accent3>
+        <a:srgbClr val="196B24"/>
+      </a:accent3>
+      <a:accent4>
+        <a:srgbClr val="0F9ED5"/>
+      </a:accent4>
+      <a:accent5>
+        <a:srgbClr val="A02B93"/>
+      </a:accent5>
+      <a:accent6>
+        <a:srgbClr val="4EA72E"/>
+      </a:accent6>
+      <a:hlink>
+        <a:srgbClr val="467886"/>
+      </a:hlink>
+      <a:folHlink>
+        <a:srgbClr val="96607D"/>
+      </a:folHlink>
+    </a:clrScheme>
+    <a:fontScheme name="Office">
+      <a:majorFont>
+        <a:latin typeface="Aptos Display" panose="02110004020202020204"/>
+        <a:ea typeface=""/>
+        <a:cs typeface=""/>
+        <a:font script="Jpan" typeface="游ゴシック Light"/>
+        <a:font script="Hang" typeface="맑은 고딕"/>
+        <a:font script="Hans" typeface="等线 Light"/>
+        <a:font script="Hant" typeface="新細明體"/>
+        <a:font script="Arab" typeface="Times New Roman"/>
+        <a:font script="Hebr" typeface="Times New Roman"/>
+        <a:font script="Thai" typeface="Angsana New"/>
+        <a:font script="Ethi" typeface="Nyala"/>
+        <a:font script="Beng" typeface="Vrinda"/>
+        <a:font script="Gujr" typeface="Shruti"/>
+        <a:font script="Khmr" typeface="MoolBoran"/>
+        <a:font script="Knda" typeface="Tunga"/>
+        <a:font script="Guru" typeface="Raavi"/>
+        <a:font script="Cans" typeface="Euphemia"/>
+        <a:font script="Cher" typeface="Plantagenet Cherokee"/>
+        <a:font script="Yiii" typeface="Microsoft Yi Baiti"/>
+        <a:font script="Tibt" typeface="Microsoft Himalaya"/>
+        <a:font script="Thaa" typeface="MV Boli"/>
+        <a:font script="Deva" typeface="Mangal"/>
+        <a:font script="Telu" typeface="Gautami"/>
+        <a:font script="Taml" typeface="Latha"/>
+        <a:font script="Syrc" typeface="Estrangelo Edessa"/>
+        <a:font script="Orya" typeface="Kalinga"/>
+        <a:font script="Mlym" typeface="Kartika"/>
+        <a:font script="Laoo" typeface="DokChampa"/>
+        <a:font script="Sinh" typeface="Iskoola Pota"/>
+        <a:font script="Mong" typeface="Mongolian Baiti"/>
+        <a:font script="Viet" typeface="Times New Roman"/>
+        <a:font script="Uigh" typeface="Microsoft Uighur"/>
+        <a:font script="Geor" typeface="Sylfaen"/>
+        <a:font script="Armn" typeface="Arial"/>
+        <a:font script="Bugi" typeface="Leelawadee UI"/>
+        <a:font script="Bopo" typeface="Microsoft JhengHei"/>
+        <a:font script="Java" typeface="Javanese Text"/>
+        <a:font script="Lisu" typeface="Segoe UI"/>
+        <a:font script="Mymr" typeface="Myanmar Text"/>
+        <a:font script="Nkoo" typeface="Ebrima"/>
+        <a:font script="Olck" typeface="Nirmala UI"/>
+        <a:font script="Osma" typeface="Ebrima"/>
+        <a:font script="Phag" typeface="Phagspa"/>
+        <a:font script="Syrn" typeface="Estrangelo Edessa"/>
+        <a:font script="Syrj" typeface="Estrangelo Edessa"/>
+        <a:font script="Syre" typeface="Estrangelo Edessa"/>
+        <a:font script="Sora" typeface="Nirmala UI"/>
+        <a:font script="Tale" typeface="Microsoft Tai Le"/>
+        <a:font script="Talu" typeface="Microsoft New Tai Lue"/>
+        <a:font script="Tfng" typeface="Ebrima"/>
+      </a:majorFont>
+      <a:minorFont>
+        <a:latin typeface="Aptos" panose="02110004020202020204"/>
+        <a:ea typeface=""/>
+        <a:cs typeface=""/>
+        <a:font script="Jpan" typeface="游ゴシック"/>
+        <a:font script="Hang" typeface="맑은 고딕"/>
+        <a:font script="Hans" typeface="等线"/>
+        <a:font script="Hant" typeface="新細明體"/>
+        <a:font script="Arab" typeface="Arial"/>
+        <a:font script="Hebr" typeface="Arial"/>
+        <a:font script="Thai" typeface="Cordia New"/>
+        <a:font script="Ethi" typeface="Nyala"/>
+        <a:font script="Beng" typeface="Vrinda"/>
+        <a:font script="Gujr" typeface="Shruti"/>
+        <a:font script="Khmr" typeface="DaunPenh"/>
+        <a:font script="Knda" typeface="Tunga"/>
+        <a:font script="Guru" typeface="Raavi"/>
+        <a:font script="Cans" typeface="Euphemia"/>
+        <a:font script="Cher" typeface="Plantagenet Cherokee"/>
+        <a:font script="Yiii" typeface="Microsoft Yi Baiti"/>
+        <a:font script="Tibt" typeface="Microsoft Himalaya"/>
+        <a:font script="Thaa" typeface="MV Boli"/>
+        <a:font script="Deva" typeface="Mangal"/>
+        <a:font script="Telu" typeface="Gautami"/>
+        <a:font script="Taml" typeface="Latha"/>
+        <a:font script="Syrc" typeface="Estrangelo Edessa"/>
+        <a:font script="Orya" typeface="Kalinga"/>
+        <a:font script="Mlym" typeface="Kartika"/>
+        <a:font script="Laoo" typeface="DokChampa"/>
+        <a:font script="Sinh" typeface="Iskoola Pota"/>
+        <a:font script="Mong" typeface="Mongolian Baiti"/>
+        <a:font script="Viet" typeface="Arial"/>
+        <a:font script="Uigh" typeface="Microsoft Uighur"/>
+        <a:font script="Geor" typeface="Sylfaen"/>
+        <a:font script="Armn" typeface="Arial"/>
+        <a:font script="Bugi" typeface="Leelawadee UI"/>
+        <a:font script="Bopo" typeface="Microsoft JhengHei"/>
+        <a:font script="Java" typeface="Javanese Text"/>
+        <a:font script="Lisu" typeface="Segoe UI"/>
+        <a:font script="Mymr" typeface="Myanmar Text"/>
+        <a:font script="Nkoo" typeface="Ebrima"/>
+        <a:font script="Olck" typeface="Nirmala UI"/>
+        <a:font script="Osma" typeface="Ebrima"/>
+        <a:font script="Phag" typeface="Phagspa"/>
+        <a:font script="Syrn" typeface="Estrangelo Edessa"/>
+        <a:font script="Syrj" typeface="Estrangelo Edessa"/>
+        <a:font script="Syre" typeface="Estrangelo Edessa"/>
+        <a:font script="Sora" typeface="Nirmala UI"/>
+        <a:font script="Tale" typeface="Microsoft Tai Le"/>
+        <a:font script="Talu" typeface="Microsoft New Tai Lue"/>
+        <a:font script="Tfng" typeface="Ebrima"/>
+      </a:minorFont>
+    </a:fontScheme>
+    <a:fmtScheme name="Office">
+      <a:fillStyleLst>
+        <a:solidFill>
+          <a:schemeClr val="phClr"/>
+        </a:solidFill>
+        <a:gradFill rotWithShape="1">
+          <a:gsLst>
+            <a:gs pos="0">
+              <a:schemeClr val="phClr">
+                <a:lumMod val="110000"/>
+                <a:satMod val="105000"/>
+                <a:tint val="67000"/>
+              </a:schemeClr>
+            </a:gs>
+            <a:gs pos="50000">
+              <a:schemeClr val="phClr">
+                <a:lumMod val="105000"/>
+                <a:satMod val="103000"/>
+                <a:tint val="73000"/>
+              </a:schemeClr>
+            </a:gs>
+            <a:gs pos="100000">
+              <a:schemeClr val="phClr">
+                <a:lumMod val="105000"/>
+                <a:satMod val="109000"/>
+                <a:tint val="81000"/>
+              </a:schemeClr>
+            </a:gs>
+          </a:gsLst>
+          <a:lin ang="5400000" scaled="0"/>
+        </a:gradFill>
+        <a:gradFill rotWithShape="1">
+          <a:gsLst>
+            <a:gs pos="0">
+              <a:schemeClr val="phClr">
+                <a:satMod val="103000"/>
+                <a:lumMod val="102000"/>
+                <a:tint val="94000"/>
+              </a:schemeClr>
+            </a:gs>
+            <a:gs pos="50000">
+              <a:schemeClr val="phClr">
+                <a:satMod val="110000"/>
+                <a:lumMod val="100000"/>
+                <a:shade val="100000"/>
+              </a:schemeClr>
+            </a:gs>
+            <a:gs pos="100000">
+              <a:schemeClr val="phClr">
+                <a:lumMod val="99000"/>
+                <a:satMod val="120000"/>
+                <a:shade val="78000"/>
+              </a:schemeClr>
+            </a:gs>
+          </a:gsLst>
+          <a:lin ang="5400000" scaled="0"/>
+        </a:gradFill>
+      </a:fillStyleLst>
+      <a:lnStyleLst>
+        <a:ln w="12700" cap="flat" cmpd="sng" algn="ctr">
+          <a:solidFill>
+            <a:schemeClr val="phClr"/>
+          </a:solidFill>
+          <a:prstDash val="solid"/>
+          <a:miter lim="800000"/>
+        </a:ln>
+        <a:ln w="19050" cap="flat" cmpd="sng" algn="ctr">
+          <a:solidFill>
+            <a:schemeClr val="phClr"/>
+          </a:solidFill>
+          <a:prstDash val="solid"/>
+          <a:miter lim="800000"/>
+        </a:ln>
+        <a:ln w="25400" cap="flat" cmpd="sng" algn="ctr">
+          <a:solidFill>
+            <a:schemeClr val="phClr"/>
+          </a:solidFill>
+          <a:prstDash val="solid"/>
+          <a:miter lim="800000"/>
+        </a:ln>
+      </a:lnStyleLst>
+      <a:effectStyleLst>
+        <a:effectStyle>
+          <a:effectLst/>
+        </a:effectStyle>
+        <a:effectStyle>
+          <a:effectLst/>
+        </a:effectStyle>
+        <a:effectStyle>
+          <a:effectLst>
+            <a:outerShdw blurRad="57150" dist="19050" dir="5400000" algn="ctr" rotWithShape="0">
+              <a:srgbClr val="000000">
+                <a:alpha val="63000"/>
+              </a:srgbClr>
+            </a:outerShdw>
+          </a:effectLst>
+        </a:effectStyle>
+      </a:effectStyleLst>
+      <a:bgFillStyleLst>
+        <a:solidFill>
+          <a:schemeClr val="phClr"/>
+        </a:solidFill>
+        <a:solidFill>
+          <a:schemeClr val="phClr">
+            <a:tint val="95000"/>
+            <a:satMod val="170000"/>
+          </a:schemeClr>
+        </a:solidFill>
+        <a:gradFill rotWithShape="1">
+          <a:gsLst>
+            <a:gs pos="0">
+              <a:schemeClr val="phClr">
+                <a:tint val="93000"/>
+                <a:satMod val="150000"/>
+                <a:shade val="98000"/>
+                <a:lumMod val="102000"/>
+              </a:schemeClr>
+            </a:gs>
+            <a:gs pos="50000">
+              <a:schemeClr val="phClr">
+                <a:tint val="98000"/>
+                <a:satMod val="130000"/>
+                <a:shade val="90000"/>
+                <a:lumMod val="103000"/>
+              </a:schemeClr>
+            </a:gs>
+            <a:gs pos="100000">
+              <a:schemeClr val="phClr">
+                <a:shade val="63000"/>
+                <a:satMod val="120000"/>
+              </a:schemeClr>
+            </a:gs>
+          </a:gsLst>
+          <a:lin ang="5400000" scaled="0"/>
+        </a:gradFill>
+      </a:bgFillStyleLst>
+    </a:fmtScheme>
+  </a:themeElements>
+  <a:objectDefaults>
+    <a:lnDef>
+      <a:spPr/>
+      <a:bodyPr/>
+      <a:lstStyle/>
+      <a:style>
+        <a:lnRef idx="2">
+          <a:schemeClr val="accent1"/>
+        </a:lnRef>
+        <a:fillRef idx="0">
+          <a:schemeClr val="accent1"/>
+        </a:fillRef>
+        <a:effectRef idx="1">
+          <a:schemeClr val="accent1"/>
+        </a:effectRef>
+        <a:fontRef idx="minor">
+          <a:schemeClr val="tx1"/>
+        </a:fontRef>
+      </a:style>
+    </a:lnDef>
+  </a:objectDefaults>
+  <a:extraClrSchemeLst/>
+  <a:extLst>
+    <a:ext uri="{05A4C25C-085E-4340-85A3-A5531E510DB2}">
+      <thm15:themeFamily xmlns:thm15="http://schemas.microsoft.com/office/thememl/2012/main" name="Office Theme" id="{2E142A2C-CD16-42D6-873A-C26D2A0506FA}" vid="{1BDDFF52-6CD6-40A5-AB3C-68EB2F1E4D0A}"/>
+    </a:ext>
+  </a:extLst>
+</a:theme>
 </file>